--- a/MoMoviesPrez.pptx
+++ b/MoMoviesPrez.pptx
@@ -563,6 +563,30 @@
       </pc:sldChg>
     </pc:docChg>
   </pc:docChgLst>
+  <pc:docChgLst>
+    <pc:chgData name="Christopher Turner" userId="108b2705a18cd39f" providerId="LiveId" clId="{55AC9312-E998-4403-AFE4-5A3F6F9DB2D4}"/>
+    <pc:docChg chg="modSld">
+      <pc:chgData name="Christopher Turner" userId="108b2705a18cd39f" providerId="LiveId" clId="{55AC9312-E998-4403-AFE4-5A3F6F9DB2D4}" dt="2024-07-25T23:43:52.927" v="21" actId="20577"/>
+      <pc:docMkLst>
+        <pc:docMk/>
+      </pc:docMkLst>
+      <pc:sldChg chg="modSp mod">
+        <pc:chgData name="Christopher Turner" userId="108b2705a18cd39f" providerId="LiveId" clId="{55AC9312-E998-4403-AFE4-5A3F6F9DB2D4}" dt="2024-07-25T23:43:52.927" v="21" actId="20577"/>
+        <pc:sldMkLst>
+          <pc:docMk/>
+          <pc:sldMk cId="1221097782" sldId="271"/>
+        </pc:sldMkLst>
+        <pc:spChg chg="mod">
+          <ac:chgData name="Christopher Turner" userId="108b2705a18cd39f" providerId="LiveId" clId="{55AC9312-E998-4403-AFE4-5A3F6F9DB2D4}" dt="2024-07-25T23:43:52.927" v="21" actId="20577"/>
+          <ac:spMkLst>
+            <pc:docMk/>
+            <pc:sldMk cId="1221097782" sldId="271"/>
+            <ac:spMk id="2" creationId="{3D7B3BD4-ECBA-DED0-C9B9-A577AF386EB5}"/>
+          </ac:spMkLst>
+        </pc:spChg>
+      </pc:sldChg>
+    </pc:docChg>
+  </pc:docChgLst>
 </pc:chgInfo>
 </file>
 
@@ -5962,7 +5986,7 @@
           <a:p>
             <a:r>
               <a:rPr lang="en-US" dirty="0"/>
-              <a:t>Ratings or whatever slide 2</a:t>
+              <a:t>Ratings vs Budget and Ratings or whatever slide 2</a:t>
             </a:r>
           </a:p>
         </p:txBody>

--- a/MoMoviesPrez.pptx
+++ b/MoMoviesPrez.pptx
@@ -565,11 +565,41 @@
   </pc:docChgLst>
   <pc:docChgLst>
     <pc:chgData name="Christopher Turner" userId="108b2705a18cd39f" providerId="LiveId" clId="{55AC9312-E998-4403-AFE4-5A3F6F9DB2D4}"/>
-    <pc:docChg chg="modSld">
-      <pc:chgData name="Christopher Turner" userId="108b2705a18cd39f" providerId="LiveId" clId="{55AC9312-E998-4403-AFE4-5A3F6F9DB2D4}" dt="2024-07-25T23:43:52.927" v="21" actId="20577"/>
+    <pc:docChg chg="custSel modSld">
+      <pc:chgData name="Christopher Turner" userId="108b2705a18cd39f" providerId="LiveId" clId="{55AC9312-E998-4403-AFE4-5A3F6F9DB2D4}" dt="2024-07-26T00:40:23.495" v="253" actId="20577"/>
       <pc:docMkLst>
         <pc:docMk/>
       </pc:docMkLst>
+      <pc:sldChg chg="modSp mod">
+        <pc:chgData name="Christopher Turner" userId="108b2705a18cd39f" providerId="LiveId" clId="{55AC9312-E998-4403-AFE4-5A3F6F9DB2D4}" dt="2024-07-26T00:40:23.495" v="253" actId="20577"/>
+        <pc:sldMkLst>
+          <pc:docMk/>
+          <pc:sldMk cId="3382765918" sldId="259"/>
+        </pc:sldMkLst>
+        <pc:spChg chg="mod">
+          <ac:chgData name="Christopher Turner" userId="108b2705a18cd39f" providerId="LiveId" clId="{55AC9312-E998-4403-AFE4-5A3F6F9DB2D4}" dt="2024-07-26T00:40:23.495" v="253" actId="20577"/>
+          <ac:spMkLst>
+            <pc:docMk/>
+            <pc:sldMk cId="3382765918" sldId="259"/>
+            <ac:spMk id="3" creationId="{00000000-0000-0000-0000-000000000000}"/>
+          </ac:spMkLst>
+        </pc:spChg>
+      </pc:sldChg>
+      <pc:sldChg chg="addSp mod">
+        <pc:chgData name="Christopher Turner" userId="108b2705a18cd39f" providerId="LiveId" clId="{55AC9312-E998-4403-AFE4-5A3F6F9DB2D4}" dt="2024-07-26T00:27:46.829" v="22" actId="11529"/>
+        <pc:sldMkLst>
+          <pc:docMk/>
+          <pc:sldMk cId="2357912295" sldId="266"/>
+        </pc:sldMkLst>
+        <pc:spChg chg="add">
+          <ac:chgData name="Christopher Turner" userId="108b2705a18cd39f" providerId="LiveId" clId="{55AC9312-E998-4403-AFE4-5A3F6F9DB2D4}" dt="2024-07-26T00:27:46.829" v="22" actId="11529"/>
+          <ac:spMkLst>
+            <pc:docMk/>
+            <pc:sldMk cId="2357912295" sldId="266"/>
+            <ac:spMk id="4" creationId="{F1016C3E-913B-FD80-80AD-1BB04C427B36}"/>
+          </ac:spMkLst>
+        </pc:spChg>
+      </pc:sldChg>
       <pc:sldChg chg="modSp mod">
         <pc:chgData name="Christopher Turner" userId="108b2705a18cd39f" providerId="LiveId" clId="{55AC9312-E998-4403-AFE4-5A3F6F9DB2D4}" dt="2024-07-25T23:43:52.927" v="21" actId="20577"/>
         <pc:sldMkLst>
@@ -7763,13 +7793,24 @@
             </a:r>
             <a:r>
               <a:rPr lang="en-US" dirty="0"/>
-              <a:t>from Kaggle</a:t>
+              <a:t>from Kaggle with over 3500 upvotes which has a Usability rating of 8.24.</a:t>
             </a:r>
           </a:p>
           <a:p>
             <a:r>
               <a:rPr lang="en-US" dirty="0"/>
-              <a:t>Create API call for OMDB to cross reference with the cleaned data set.</a:t>
+              <a:t>Based on our criteria, we filtered that down to 2,316 movies for </a:t>
+            </a:r>
+            <a:r>
+              <a:rPr lang="en-US"/>
+              <a:t>our data.</a:t>
+            </a:r>
+            <a:endParaRPr lang="en-US" dirty="0"/>
+          </a:p>
+          <a:p>
+            <a:r>
+              <a:rPr lang="en-US" dirty="0"/>
+              <a:t>Create API call for OMDB to cross reference with the cleaned data set by utilizing the IMDB ID. </a:t>
             </a:r>
           </a:p>
           <a:p>
@@ -8695,6 +8736,52 @@
               <a:rPr lang="en-US" dirty="0"/>
               <a:t>2 short summary points – quick and easy to read with explanation</a:t>
             </a:r>
+          </a:p>
+        </p:txBody>
+      </p:sp>
+      <p:sp>
+        <p:nvSpPr>
+          <p:cNvPr id="4" name="Rectangle 3">
+            <a:extLst>
+              <a:ext uri="{FF2B5EF4-FFF2-40B4-BE49-F238E27FC236}">
+                <a16:creationId xmlns:a16="http://schemas.microsoft.com/office/drawing/2014/main" id="{F1016C3E-913B-FD80-80AD-1BB04C427B36}"/>
+              </a:ext>
+            </a:extLst>
+          </p:cNvPr>
+          <p:cNvSpPr/>
+          <p:nvPr/>
+        </p:nvSpPr>
+        <p:spPr>
+          <a:xfrm>
+            <a:off x="5308600" y="2336800"/>
+            <a:ext cx="6045200" cy="3238500"/>
+          </a:xfrm>
+          <a:prstGeom prst="rect">
+            <a:avLst/>
+          </a:prstGeom>
+        </p:spPr>
+        <p:style>
+          <a:lnRef idx="2">
+            <a:schemeClr val="accent1">
+              <a:shade val="15000"/>
+            </a:schemeClr>
+          </a:lnRef>
+          <a:fillRef idx="1">
+            <a:schemeClr val="accent1"/>
+          </a:fillRef>
+          <a:effectRef idx="0">
+            <a:schemeClr val="accent1"/>
+          </a:effectRef>
+          <a:fontRef idx="minor">
+            <a:schemeClr val="lt1"/>
+          </a:fontRef>
+        </p:style>
+        <p:txBody>
+          <a:bodyPr rtlCol="0" anchor="ctr"/>
+          <a:lstStyle/>
+          <a:p>
+            <a:pPr algn="ctr"/>
+            <a:endParaRPr lang="en-US"/>
           </a:p>
         </p:txBody>
       </p:sp>

--- a/MoMoviesPrez.pptx
+++ b/MoMoviesPrez.pptx
@@ -6,7 +6,7 @@
     <p:sldMasterId id="2147483660" r:id="rId2"/>
   </p:sldMasterIdLst>
   <p:notesMasterIdLst>
-    <p:notesMasterId r:id="rId18"/>
+    <p:notesMasterId r:id="rId19"/>
   </p:notesMasterIdLst>
   <p:sldIdLst>
     <p:sldId id="258" r:id="rId3"/>
@@ -18,12 +18,13 @@
     <p:sldId id="267" r:id="rId9"/>
     <p:sldId id="262" r:id="rId10"/>
     <p:sldId id="268" r:id="rId11"/>
-    <p:sldId id="271" r:id="rId12"/>
-    <p:sldId id="263" r:id="rId13"/>
-    <p:sldId id="270" r:id="rId14"/>
-    <p:sldId id="269" r:id="rId15"/>
-    <p:sldId id="265" r:id="rId16"/>
-    <p:sldId id="261" r:id="rId17"/>
+    <p:sldId id="273" r:id="rId12"/>
+    <p:sldId id="271" r:id="rId13"/>
+    <p:sldId id="263" r:id="rId14"/>
+    <p:sldId id="270" r:id="rId15"/>
+    <p:sldId id="269" r:id="rId16"/>
+    <p:sldId id="265" r:id="rId17"/>
+    <p:sldId id="261" r:id="rId18"/>
   </p:sldIdLst>
   <p:sldSz cx="12192000" cy="6858000"/>
   <p:notesSz cx="6858000" cy="9144000"/>
@@ -140,6 +141,60 @@
 
 <file path=ppt/changesInfos/changesInfo1.xml><?xml version="1.0" encoding="utf-8"?>
 <pc:chgInfo xmlns:a="http://schemas.openxmlformats.org/drawingml/2006/main" xmlns:r="http://schemas.openxmlformats.org/officeDocument/2006/relationships" xmlns:ac="http://schemas.microsoft.com/office/drawing/2013/main/command" xmlns:pc="http://schemas.microsoft.com/office/powerpoint/2013/main/command">
+  <pc:docChgLst>
+    <pc:chgData name="Christopher Turner" userId="108b2705a18cd39f" providerId="LiveId" clId="{55AC9312-E998-4403-AFE4-5A3F6F9DB2D4}"/>
+    <pc:docChg chg="custSel modSld">
+      <pc:chgData name="Christopher Turner" userId="108b2705a18cd39f" providerId="LiveId" clId="{55AC9312-E998-4403-AFE4-5A3F6F9DB2D4}" dt="2024-07-26T00:40:23.495" v="253" actId="20577"/>
+      <pc:docMkLst>
+        <pc:docMk/>
+      </pc:docMkLst>
+      <pc:sldChg chg="modSp mod">
+        <pc:chgData name="Christopher Turner" userId="108b2705a18cd39f" providerId="LiveId" clId="{55AC9312-E998-4403-AFE4-5A3F6F9DB2D4}" dt="2024-07-26T00:40:23.495" v="253" actId="20577"/>
+        <pc:sldMkLst>
+          <pc:docMk/>
+          <pc:sldMk cId="3382765918" sldId="259"/>
+        </pc:sldMkLst>
+        <pc:spChg chg="mod">
+          <ac:chgData name="Christopher Turner" userId="108b2705a18cd39f" providerId="LiveId" clId="{55AC9312-E998-4403-AFE4-5A3F6F9DB2D4}" dt="2024-07-26T00:40:23.495" v="253" actId="20577"/>
+          <ac:spMkLst>
+            <pc:docMk/>
+            <pc:sldMk cId="3382765918" sldId="259"/>
+            <ac:spMk id="3" creationId="{00000000-0000-0000-0000-000000000000}"/>
+          </ac:spMkLst>
+        </pc:spChg>
+      </pc:sldChg>
+      <pc:sldChg chg="addSp mod">
+        <pc:chgData name="Christopher Turner" userId="108b2705a18cd39f" providerId="LiveId" clId="{55AC9312-E998-4403-AFE4-5A3F6F9DB2D4}" dt="2024-07-26T00:27:46.829" v="22" actId="11529"/>
+        <pc:sldMkLst>
+          <pc:docMk/>
+          <pc:sldMk cId="2357912295" sldId="266"/>
+        </pc:sldMkLst>
+        <pc:spChg chg="add">
+          <ac:chgData name="Christopher Turner" userId="108b2705a18cd39f" providerId="LiveId" clId="{55AC9312-E998-4403-AFE4-5A3F6F9DB2D4}" dt="2024-07-26T00:27:46.829" v="22" actId="11529"/>
+          <ac:spMkLst>
+            <pc:docMk/>
+            <pc:sldMk cId="2357912295" sldId="266"/>
+            <ac:spMk id="4" creationId="{F1016C3E-913B-FD80-80AD-1BB04C427B36}"/>
+          </ac:spMkLst>
+        </pc:spChg>
+      </pc:sldChg>
+      <pc:sldChg chg="modSp mod">
+        <pc:chgData name="Christopher Turner" userId="108b2705a18cd39f" providerId="LiveId" clId="{55AC9312-E998-4403-AFE4-5A3F6F9DB2D4}" dt="2024-07-25T23:43:52.927" v="21" actId="20577"/>
+        <pc:sldMkLst>
+          <pc:docMk/>
+          <pc:sldMk cId="1221097782" sldId="271"/>
+        </pc:sldMkLst>
+        <pc:spChg chg="mod">
+          <ac:chgData name="Christopher Turner" userId="108b2705a18cd39f" providerId="LiveId" clId="{55AC9312-E998-4403-AFE4-5A3F6F9DB2D4}" dt="2024-07-25T23:43:52.927" v="21" actId="20577"/>
+          <ac:spMkLst>
+            <pc:docMk/>
+            <pc:sldMk cId="1221097782" sldId="271"/>
+            <ac:spMk id="2" creationId="{3D7B3BD4-ECBA-DED0-C9B9-A577AF386EB5}"/>
+          </ac:spMkLst>
+        </pc:spChg>
+      </pc:sldChg>
+    </pc:docChg>
+  </pc:docChgLst>
   <pc:docChgLst>
     <pc:chgData name="Christopher Turner" userId="108b2705a18cd39f" providerId="LiveId" clId="{D6C44517-C345-4DCA-92BC-26BBAFC02020}"/>
     <pc:docChg chg="undo custSel addSld delSld modSld sldOrd">
@@ -563,60 +618,6 @@
       </pc:sldChg>
     </pc:docChg>
   </pc:docChgLst>
-  <pc:docChgLst>
-    <pc:chgData name="Christopher Turner" userId="108b2705a18cd39f" providerId="LiveId" clId="{55AC9312-E998-4403-AFE4-5A3F6F9DB2D4}"/>
-    <pc:docChg chg="custSel modSld">
-      <pc:chgData name="Christopher Turner" userId="108b2705a18cd39f" providerId="LiveId" clId="{55AC9312-E998-4403-AFE4-5A3F6F9DB2D4}" dt="2024-07-26T00:40:23.495" v="253" actId="20577"/>
-      <pc:docMkLst>
-        <pc:docMk/>
-      </pc:docMkLst>
-      <pc:sldChg chg="modSp mod">
-        <pc:chgData name="Christopher Turner" userId="108b2705a18cd39f" providerId="LiveId" clId="{55AC9312-E998-4403-AFE4-5A3F6F9DB2D4}" dt="2024-07-26T00:40:23.495" v="253" actId="20577"/>
-        <pc:sldMkLst>
-          <pc:docMk/>
-          <pc:sldMk cId="3382765918" sldId="259"/>
-        </pc:sldMkLst>
-        <pc:spChg chg="mod">
-          <ac:chgData name="Christopher Turner" userId="108b2705a18cd39f" providerId="LiveId" clId="{55AC9312-E998-4403-AFE4-5A3F6F9DB2D4}" dt="2024-07-26T00:40:23.495" v="253" actId="20577"/>
-          <ac:spMkLst>
-            <pc:docMk/>
-            <pc:sldMk cId="3382765918" sldId="259"/>
-            <ac:spMk id="3" creationId="{00000000-0000-0000-0000-000000000000}"/>
-          </ac:spMkLst>
-        </pc:spChg>
-      </pc:sldChg>
-      <pc:sldChg chg="addSp mod">
-        <pc:chgData name="Christopher Turner" userId="108b2705a18cd39f" providerId="LiveId" clId="{55AC9312-E998-4403-AFE4-5A3F6F9DB2D4}" dt="2024-07-26T00:27:46.829" v="22" actId="11529"/>
-        <pc:sldMkLst>
-          <pc:docMk/>
-          <pc:sldMk cId="2357912295" sldId="266"/>
-        </pc:sldMkLst>
-        <pc:spChg chg="add">
-          <ac:chgData name="Christopher Turner" userId="108b2705a18cd39f" providerId="LiveId" clId="{55AC9312-E998-4403-AFE4-5A3F6F9DB2D4}" dt="2024-07-26T00:27:46.829" v="22" actId="11529"/>
-          <ac:spMkLst>
-            <pc:docMk/>
-            <pc:sldMk cId="2357912295" sldId="266"/>
-            <ac:spMk id="4" creationId="{F1016C3E-913B-FD80-80AD-1BB04C427B36}"/>
-          </ac:spMkLst>
-        </pc:spChg>
-      </pc:sldChg>
-      <pc:sldChg chg="modSp mod">
-        <pc:chgData name="Christopher Turner" userId="108b2705a18cd39f" providerId="LiveId" clId="{55AC9312-E998-4403-AFE4-5A3F6F9DB2D4}" dt="2024-07-25T23:43:52.927" v="21" actId="20577"/>
-        <pc:sldMkLst>
-          <pc:docMk/>
-          <pc:sldMk cId="1221097782" sldId="271"/>
-        </pc:sldMkLst>
-        <pc:spChg chg="mod">
-          <ac:chgData name="Christopher Turner" userId="108b2705a18cd39f" providerId="LiveId" clId="{55AC9312-E998-4403-AFE4-5A3F6F9DB2D4}" dt="2024-07-25T23:43:52.927" v="21" actId="20577"/>
-          <ac:spMkLst>
-            <pc:docMk/>
-            <pc:sldMk cId="1221097782" sldId="271"/>
-            <ac:spMk id="2" creationId="{3D7B3BD4-ECBA-DED0-C9B9-A577AF386EB5}"/>
-          </ac:spMkLst>
-        </pc:spChg>
-      </pc:sldChg>
-    </pc:docChg>
-  </pc:docChgLst>
 </pc:chgInfo>
 </file>
 
@@ -702,7 +703,7 @@
           <a:p>
             <a:fld id="{A5C20BB3-3CCB-4FE5-991B-82F6BCB48AF3}" type="datetimeFigureOut">
               <a:rPr lang="en-US" smtClean="0"/>
-              <a:t>7/25/2024</a:t>
+              <a:t>7/28/2024</a:t>
             </a:fld>
             <a:endParaRPr lang="en-US"/>
           </a:p>
@@ -1325,7 +1326,7 @@
             <a:fld id="{B61BEF0D-F0BB-DE4B-95CE-6DB70DBA9567}" type="datetimeFigureOut">
               <a:rPr lang="en-US" dirty="0"/>
               <a:pPr/>
-              <a:t>7/25/2024</a:t>
+              <a:t>7/28/2024</a:t>
             </a:fld>
             <a:endParaRPr lang="en-US" dirty="0"/>
           </a:p>
@@ -1589,7 +1590,7 @@
             <a:fld id="{B61BEF0D-F0BB-DE4B-95CE-6DB70DBA9567}" type="datetimeFigureOut">
               <a:rPr lang="en-US" dirty="0"/>
               <a:pPr/>
-              <a:t>7/25/2024</a:t>
+              <a:t>7/28/2024</a:t>
             </a:fld>
             <a:endParaRPr lang="en-US" dirty="0"/>
           </a:p>
@@ -1826,7 +1827,7 @@
             <a:fld id="{B61BEF0D-F0BB-DE4B-95CE-6DB70DBA9567}" type="datetimeFigureOut">
               <a:rPr lang="en-US" dirty="0"/>
               <a:pPr/>
-              <a:t>7/25/2024</a:t>
+              <a:t>7/28/2024</a:t>
             </a:fld>
             <a:endParaRPr lang="en-US" dirty="0"/>
           </a:p>
@@ -2084,7 +2085,7 @@
           <a:p>
             <a:fld id="{3652CD92-9D15-43B4-8516-073FCDAC90D4}" type="datetimeFigureOut">
               <a:rPr lang="en-US" smtClean="0"/>
-              <a:t>7/25/2024</a:t>
+              <a:t>7/28/2024</a:t>
             </a:fld>
             <a:endParaRPr lang="en-US"/>
           </a:p>
@@ -2341,7 +2342,7 @@
             <a:fld id="{B61BEF0D-F0BB-DE4B-95CE-6DB70DBA9567}" type="datetimeFigureOut">
               <a:rPr lang="en-US" dirty="0"/>
               <a:pPr/>
-              <a:t>7/25/2024</a:t>
+              <a:t>7/28/2024</a:t>
             </a:fld>
             <a:endParaRPr lang="en-US" dirty="0"/>
           </a:p>
@@ -2650,7 +2651,7 @@
             <a:fld id="{B61BEF0D-F0BB-DE4B-95CE-6DB70DBA9567}" type="datetimeFigureOut">
               <a:rPr lang="en-US" dirty="0"/>
               <a:pPr/>
-              <a:t>7/25/2024</a:t>
+              <a:t>7/28/2024</a:t>
             </a:fld>
             <a:endParaRPr lang="en-US" dirty="0"/>
           </a:p>
@@ -2954,7 +2955,7 @@
             <a:fld id="{B61BEF0D-F0BB-DE4B-95CE-6DB70DBA9567}" type="datetimeFigureOut">
               <a:rPr lang="en-US" dirty="0"/>
               <a:pPr/>
-              <a:t>7/25/2024</a:t>
+              <a:t>7/28/2024</a:t>
             </a:fld>
             <a:endParaRPr lang="en-US" dirty="0"/>
           </a:p>
@@ -3378,7 +3379,7 @@
             <a:fld id="{B61BEF0D-F0BB-DE4B-95CE-6DB70DBA9567}" type="datetimeFigureOut">
               <a:rPr lang="en-US" dirty="0"/>
               <a:pPr/>
-              <a:t>7/25/2024</a:t>
+              <a:t>7/28/2024</a:t>
             </a:fld>
             <a:endParaRPr lang="en-US" dirty="0"/>
           </a:p>
@@ -3542,7 +3543,7 @@
             <a:fld id="{B61BEF0D-F0BB-DE4B-95CE-6DB70DBA9567}" type="datetimeFigureOut">
               <a:rPr lang="en-US" dirty="0"/>
               <a:pPr/>
-              <a:t>7/25/2024</a:t>
+              <a:t>7/28/2024</a:t>
             </a:fld>
             <a:endParaRPr lang="en-US" dirty="0"/>
           </a:p>
@@ -3639,7 +3640,7 @@
             <a:fld id="{B61BEF0D-F0BB-DE4B-95CE-6DB70DBA9567}" type="datetimeFigureOut">
               <a:rPr lang="en-US" dirty="0"/>
               <a:pPr/>
-              <a:t>7/25/2024</a:t>
+              <a:t>7/28/2024</a:t>
             </a:fld>
             <a:endParaRPr lang="en-US" dirty="0"/>
           </a:p>
@@ -4019,7 +4020,7 @@
             <a:fld id="{B61BEF0D-F0BB-DE4B-95CE-6DB70DBA9567}" type="datetimeFigureOut">
               <a:rPr lang="en-US" dirty="0"/>
               <a:pPr/>
-              <a:t>7/25/2024</a:t>
+              <a:t>7/28/2024</a:t>
             </a:fld>
             <a:endParaRPr lang="en-US" dirty="0"/>
           </a:p>
@@ -4310,7 +4311,7 @@
             <a:fld id="{B61BEF0D-F0BB-DE4B-95CE-6DB70DBA9567}" type="datetimeFigureOut">
               <a:rPr lang="en-US" dirty="0"/>
               <a:pPr/>
-              <a:t>7/25/2024</a:t>
+              <a:t>7/28/2024</a:t>
             </a:fld>
             <a:endParaRPr lang="en-US" dirty="0"/>
           </a:p>
@@ -4523,7 +4524,7 @@
             <a:fld id="{B61BEF0D-F0BB-DE4B-95CE-6DB70DBA9567}" type="datetimeFigureOut">
               <a:rPr lang="en-US" dirty="0"/>
               <a:pPr/>
-              <a:t>7/25/2024</a:t>
+              <a:t>7/28/2024</a:t>
             </a:fld>
             <a:endParaRPr lang="en-US" dirty="0"/>
           </a:p>
@@ -5258,7 +5259,7 @@
           <a:p>
             <a:fld id="{3652CD92-9D15-43B4-8516-073FCDAC90D4}" type="datetimeFigureOut">
               <a:rPr lang="en-US" smtClean="0"/>
-              <a:t>7/25/2024</a:t>
+              <a:t>7/28/2024</a:t>
             </a:fld>
             <a:endParaRPr lang="en-US"/>
           </a:p>
@@ -5998,6 +5999,153 @@
           <p:cNvPr id="2" name="Title 1">
             <a:extLst>
               <a:ext uri="{FF2B5EF4-FFF2-40B4-BE49-F238E27FC236}">
+                <a16:creationId xmlns:a16="http://schemas.microsoft.com/office/drawing/2014/main" id="{746A6060-3E7D-287D-51FA-51A0F95A2112}"/>
+              </a:ext>
+            </a:extLst>
+          </p:cNvPr>
+          <p:cNvSpPr>
+            <a:spLocks noGrp="1"/>
+          </p:cNvSpPr>
+          <p:nvPr>
+            <p:ph type="title"/>
+          </p:nvPr>
+        </p:nvSpPr>
+        <p:spPr/>
+        <p:txBody>
+          <a:bodyPr/>
+          <a:lstStyle/>
+          <a:p>
+            <a:r>
+              <a:rPr lang="en-US" dirty="0"/>
+              <a:t>Does ratings matter for profit?</a:t>
+            </a:r>
+          </a:p>
+        </p:txBody>
+      </p:sp>
+      <p:pic>
+        <p:nvPicPr>
+          <p:cNvPr id="7" name="Content Placeholder 6">
+            <a:extLst>
+              <a:ext uri="{FF2B5EF4-FFF2-40B4-BE49-F238E27FC236}">
+                <a16:creationId xmlns:a16="http://schemas.microsoft.com/office/drawing/2014/main" id="{E3689262-161A-95EB-E04D-7B4A548F81B2}"/>
+              </a:ext>
+            </a:extLst>
+          </p:cNvPr>
+          <p:cNvPicPr>
+            <a:picLocks noGrp="1" noChangeAspect="1"/>
+          </p:cNvPicPr>
+          <p:nvPr>
+            <p:ph idx="1"/>
+          </p:nvPr>
+        </p:nvPicPr>
+        <p:blipFill>
+          <a:blip r:embed="rId2"/>
+          <a:stretch>
+            <a:fillRect/>
+          </a:stretch>
+        </p:blipFill>
+        <p:spPr>
+          <a:xfrm>
+            <a:off x="166796" y="3260785"/>
+            <a:ext cx="4521981" cy="3426814"/>
+          </a:xfrm>
+        </p:spPr>
+      </p:pic>
+      <p:pic>
+        <p:nvPicPr>
+          <p:cNvPr id="5" name="Picture 4">
+            <a:extLst>
+              <a:ext uri="{FF2B5EF4-FFF2-40B4-BE49-F238E27FC236}">
+                <a16:creationId xmlns:a16="http://schemas.microsoft.com/office/drawing/2014/main" id="{6210ED64-9304-638C-4BF0-555933C81B98}"/>
+              </a:ext>
+            </a:extLst>
+          </p:cNvPr>
+          <p:cNvPicPr>
+            <a:picLocks noChangeAspect="1"/>
+          </p:cNvPicPr>
+          <p:nvPr/>
+        </p:nvPicPr>
+        <p:blipFill>
+          <a:blip r:embed="rId3"/>
+          <a:stretch>
+            <a:fillRect/>
+          </a:stretch>
+        </p:blipFill>
+        <p:spPr>
+          <a:xfrm>
+            <a:off x="4688778" y="1715956"/>
+            <a:ext cx="6922030" cy="3609952"/>
+          </a:xfrm>
+          <a:prstGeom prst="rect">
+            <a:avLst/>
+          </a:prstGeom>
+        </p:spPr>
+      </p:pic>
+    </p:spTree>
+    <p:extLst>
+      <p:ext uri="{BB962C8B-B14F-4D97-AF65-F5344CB8AC3E}">
+        <p14:creationId xmlns:p14="http://schemas.microsoft.com/office/powerpoint/2010/main" val="1962405838"/>
+      </p:ext>
+    </p:extLst>
+  </p:cSld>
+  <p:clrMapOvr>
+    <a:masterClrMapping/>
+  </p:clrMapOvr>
+</p:sld>
+</file>
+
+<file path=ppt/slides/slide11.xml><?xml version="1.0" encoding="utf-8"?>
+<p:sld xmlns:a="http://schemas.openxmlformats.org/drawingml/2006/main" xmlns:r="http://schemas.openxmlformats.org/officeDocument/2006/relationships" xmlns:p="http://schemas.openxmlformats.org/presentationml/2006/main">
+  <p:cSld>
+    <p:spTree>
+      <p:nvGrpSpPr>
+        <p:cNvPr id="1" name=""/>
+        <p:cNvGrpSpPr/>
+        <p:nvPr/>
+      </p:nvGrpSpPr>
+      <p:grpSpPr>
+        <a:xfrm>
+          <a:off x="0" y="0"/>
+          <a:ext cx="0" cy="0"/>
+          <a:chOff x="0" y="0"/>
+          <a:chExt cx="0" cy="0"/>
+        </a:xfrm>
+      </p:grpSpPr>
+      <p:pic>
+        <p:nvPicPr>
+          <p:cNvPr id="8" name="Picture 7">
+            <a:extLst>
+              <a:ext uri="{FF2B5EF4-FFF2-40B4-BE49-F238E27FC236}">
+                <a16:creationId xmlns:a16="http://schemas.microsoft.com/office/drawing/2014/main" id="{CBBD7C84-C84B-D82A-8AB9-1258B35C4803}"/>
+              </a:ext>
+            </a:extLst>
+          </p:cNvPr>
+          <p:cNvPicPr>
+            <a:picLocks noChangeAspect="1"/>
+          </p:cNvPicPr>
+          <p:nvPr/>
+        </p:nvPicPr>
+        <p:blipFill>
+          <a:blip r:embed="rId2"/>
+          <a:stretch>
+            <a:fillRect/>
+          </a:stretch>
+        </p:blipFill>
+        <p:spPr>
+          <a:xfrm>
+            <a:off x="727559" y="1824727"/>
+            <a:ext cx="10290966" cy="4800359"/>
+          </a:xfrm>
+          <a:prstGeom prst="rect">
+            <a:avLst/>
+          </a:prstGeom>
+        </p:spPr>
+      </p:pic>
+      <p:sp>
+        <p:nvSpPr>
+          <p:cNvPr id="2" name="Title 1">
+            <a:extLst>
+              <a:ext uri="{FF2B5EF4-FFF2-40B4-BE49-F238E27FC236}">
                 <a16:creationId xmlns:a16="http://schemas.microsoft.com/office/drawing/2014/main" id="{3D7B3BD4-ECBA-DED0-C9B9-A577AF386EB5}"/>
               </a:ext>
             </a:extLst>
@@ -6016,7 +6164,7 @@
           <a:p>
             <a:r>
               <a:rPr lang="en-US" dirty="0"/>
-              <a:t>Ratings vs Budget and Ratings or whatever slide 2</a:t>
+              <a:t>Does ratings matter for profit?</a:t>
             </a:r>
           </a:p>
         </p:txBody>
@@ -6047,15 +6195,71 @@
           <a:bodyPr/>
           <a:lstStyle/>
           <a:p>
-            <a:r>
-              <a:rPr lang="en-US" dirty="0"/>
-              <a:t>Screengrabs from labeled plots</a:t>
-            </a:r>
-          </a:p>
-          <a:p>
-            <a:r>
-              <a:rPr lang="en-US" dirty="0"/>
-              <a:t>2 short summary points – quick and easy to read with explanation</a:t>
+            <a:pPr marL="0" indent="0">
+              <a:buNone/>
+            </a:pPr>
+            <a:endParaRPr lang="en-US" dirty="0"/>
+          </a:p>
+        </p:txBody>
+      </p:sp>
+      <p:sp>
+        <p:nvSpPr>
+          <p:cNvPr id="6" name="Star: 5 Points 5">
+            <a:extLst>
+              <a:ext uri="{FF2B5EF4-FFF2-40B4-BE49-F238E27FC236}">
+                <a16:creationId xmlns:a16="http://schemas.microsoft.com/office/drawing/2014/main" id="{07B876FE-2287-E0C1-12B2-8A1AEAF7E141}"/>
+              </a:ext>
+            </a:extLst>
+          </p:cNvPr>
+          <p:cNvSpPr/>
+          <p:nvPr/>
+        </p:nvSpPr>
+        <p:spPr>
+          <a:xfrm>
+            <a:off x="2725947" y="888520"/>
+            <a:ext cx="5822831" cy="5434641"/>
+          </a:xfrm>
+          <a:prstGeom prst="star5">
+            <a:avLst/>
+          </a:prstGeom>
+        </p:spPr>
+        <p:style>
+          <a:lnRef idx="2">
+            <a:schemeClr val="accent1">
+              <a:shade val="15000"/>
+            </a:schemeClr>
+          </a:lnRef>
+          <a:fillRef idx="1">
+            <a:schemeClr val="accent1"/>
+          </a:fillRef>
+          <a:effectRef idx="0">
+            <a:schemeClr val="accent1"/>
+          </a:effectRef>
+          <a:fontRef idx="minor">
+            <a:schemeClr val="lt1"/>
+          </a:fontRef>
+        </p:style>
+        <p:txBody>
+          <a:bodyPr rtlCol="0" anchor="ctr"/>
+          <a:lstStyle/>
+          <a:p>
+            <a:pPr algn="ctr"/>
+            <a:r>
+              <a:rPr lang="en-US" sz="8800" b="1" dirty="0">
+                <a:ln w="22225">
+                  <a:solidFill>
+                    <a:schemeClr val="accent2"/>
+                  </a:solidFill>
+                  <a:prstDash val="solid"/>
+                </a:ln>
+                <a:solidFill>
+                  <a:schemeClr val="accent2">
+                    <a:lumMod val="40000"/>
+                    <a:lumOff val="60000"/>
+                  </a:schemeClr>
+                </a:solidFill>
+              </a:rPr>
+              <a:t>NO</a:t>
             </a:r>
           </a:p>
         </p:txBody>
@@ -6070,10 +6274,339 @@
   <p:clrMapOvr>
     <a:masterClrMapping/>
   </p:clrMapOvr>
+  <p:timing>
+    <p:tnLst>
+      <p:par>
+        <p:cTn id="1" dur="indefinite" restart="never" nodeType="tmRoot">
+          <p:childTnLst>
+            <p:seq concurrent="1" nextAc="seek">
+              <p:cTn id="2" dur="indefinite" nodeType="mainSeq">
+                <p:childTnLst>
+                  <p:par>
+                    <p:cTn id="3" fill="hold">
+                      <p:stCondLst>
+                        <p:cond delay="indefinite"/>
+                      </p:stCondLst>
+                      <p:childTnLst>
+                        <p:par>
+                          <p:cTn id="4" fill="hold">
+                            <p:stCondLst>
+                              <p:cond delay="0"/>
+                            </p:stCondLst>
+                            <p:childTnLst>
+                              <p:par>
+                                <p:cTn id="5" presetID="26" presetClass="entr" presetSubtype="0" fill="hold" grpId="0" nodeType="clickEffect">
+                                  <p:stCondLst>
+                                    <p:cond delay="0"/>
+                                  </p:stCondLst>
+                                  <p:childTnLst>
+                                    <p:set>
+                                      <p:cBhvr>
+                                        <p:cTn id="6" dur="1" fill="hold">
+                                          <p:stCondLst>
+                                            <p:cond delay="0"/>
+                                          </p:stCondLst>
+                                        </p:cTn>
+                                        <p:tgtEl>
+                                          <p:spTgt spid="6"/>
+                                        </p:tgtEl>
+                                        <p:attrNameLst>
+                                          <p:attrName>style.visibility</p:attrName>
+                                        </p:attrNameLst>
+                                      </p:cBhvr>
+                                      <p:to>
+                                        <p:strVal val="visible"/>
+                                      </p:to>
+                                    </p:set>
+                                    <p:animEffect transition="in" filter="wipe(down)">
+                                      <p:cBhvr>
+                                        <p:cTn id="7" dur="580">
+                                          <p:stCondLst>
+                                            <p:cond delay="0"/>
+                                          </p:stCondLst>
+                                        </p:cTn>
+                                        <p:tgtEl>
+                                          <p:spTgt spid="6"/>
+                                        </p:tgtEl>
+                                      </p:cBhvr>
+                                    </p:animEffect>
+                                    <p:anim calcmode="lin" valueType="num">
+                                      <p:cBhvr>
+                                        <p:cTn id="8" dur="1822" tmFilter="0,0; 0.14,0.36; 0.43,0.73; 0.71,0.91; 1.0,1.0">
+                                          <p:stCondLst>
+                                            <p:cond delay="0"/>
+                                          </p:stCondLst>
+                                        </p:cTn>
+                                        <p:tgtEl>
+                                          <p:spTgt spid="6"/>
+                                        </p:tgtEl>
+                                        <p:attrNameLst>
+                                          <p:attrName>ppt_x</p:attrName>
+                                        </p:attrNameLst>
+                                      </p:cBhvr>
+                                      <p:tavLst>
+                                        <p:tav tm="0">
+                                          <p:val>
+                                            <p:strVal val="#ppt_x-0.25"/>
+                                          </p:val>
+                                        </p:tav>
+                                        <p:tav tm="100000">
+                                          <p:val>
+                                            <p:strVal val="#ppt_x"/>
+                                          </p:val>
+                                        </p:tav>
+                                      </p:tavLst>
+                                    </p:anim>
+                                    <p:anim calcmode="lin" valueType="num">
+                                      <p:cBhvr>
+                                        <p:cTn id="9" dur="664" tmFilter="0.0,0.0; 0.25,0.07; 0.50,0.2; 0.75,0.467; 1.0,1.0">
+                                          <p:stCondLst>
+                                            <p:cond delay="0"/>
+                                          </p:stCondLst>
+                                        </p:cTn>
+                                        <p:tgtEl>
+                                          <p:spTgt spid="6"/>
+                                        </p:tgtEl>
+                                        <p:attrNameLst>
+                                          <p:attrName>ppt_y</p:attrName>
+                                        </p:attrNameLst>
+                                      </p:cBhvr>
+                                      <p:tavLst>
+                                        <p:tav tm="0" fmla="#ppt_y-sin(pi*$)/3">
+                                          <p:val>
+                                            <p:fltVal val="0.5"/>
+                                          </p:val>
+                                        </p:tav>
+                                        <p:tav tm="100000">
+                                          <p:val>
+                                            <p:fltVal val="1"/>
+                                          </p:val>
+                                        </p:tav>
+                                      </p:tavLst>
+                                    </p:anim>
+                                    <p:anim calcmode="lin" valueType="num">
+                                      <p:cBhvr>
+                                        <p:cTn id="10" dur="664" tmFilter="0, 0; 0.125,0.2665; 0.25,0.4; 0.375,0.465; 0.5,0.5;  0.625,0.535; 0.75,0.6; 0.875,0.7335; 1,1">
+                                          <p:stCondLst>
+                                            <p:cond delay="664"/>
+                                          </p:stCondLst>
+                                        </p:cTn>
+                                        <p:tgtEl>
+                                          <p:spTgt spid="6"/>
+                                        </p:tgtEl>
+                                        <p:attrNameLst>
+                                          <p:attrName>ppt_y</p:attrName>
+                                        </p:attrNameLst>
+                                      </p:cBhvr>
+                                      <p:tavLst>
+                                        <p:tav tm="0" fmla="#ppt_y-sin(pi*$)/9">
+                                          <p:val>
+                                            <p:fltVal val="0"/>
+                                          </p:val>
+                                        </p:tav>
+                                        <p:tav tm="100000">
+                                          <p:val>
+                                            <p:fltVal val="1"/>
+                                          </p:val>
+                                        </p:tav>
+                                      </p:tavLst>
+                                    </p:anim>
+                                    <p:anim calcmode="lin" valueType="num">
+                                      <p:cBhvr>
+                                        <p:cTn id="11" dur="332" tmFilter="0, 0; 0.125,0.2665; 0.25,0.4; 0.375,0.465; 0.5,0.5;  0.625,0.535; 0.75,0.6; 0.875,0.7335; 1,1">
+                                          <p:stCondLst>
+                                            <p:cond delay="1324"/>
+                                          </p:stCondLst>
+                                        </p:cTn>
+                                        <p:tgtEl>
+                                          <p:spTgt spid="6"/>
+                                        </p:tgtEl>
+                                        <p:attrNameLst>
+                                          <p:attrName>ppt_y</p:attrName>
+                                        </p:attrNameLst>
+                                      </p:cBhvr>
+                                      <p:tavLst>
+                                        <p:tav tm="0" fmla="#ppt_y-sin(pi*$)/27">
+                                          <p:val>
+                                            <p:fltVal val="0"/>
+                                          </p:val>
+                                        </p:tav>
+                                        <p:tav tm="100000">
+                                          <p:val>
+                                            <p:fltVal val="1"/>
+                                          </p:val>
+                                        </p:tav>
+                                      </p:tavLst>
+                                    </p:anim>
+                                    <p:anim calcmode="lin" valueType="num">
+                                      <p:cBhvr>
+                                        <p:cTn id="12" dur="164" tmFilter="0, 0; 0.125,0.2665; 0.25,0.4; 0.375,0.465; 0.5,0.5;  0.625,0.535; 0.75,0.6; 0.875,0.7335; 1,1">
+                                          <p:stCondLst>
+                                            <p:cond delay="1656"/>
+                                          </p:stCondLst>
+                                        </p:cTn>
+                                        <p:tgtEl>
+                                          <p:spTgt spid="6"/>
+                                        </p:tgtEl>
+                                        <p:attrNameLst>
+                                          <p:attrName>ppt_y</p:attrName>
+                                        </p:attrNameLst>
+                                      </p:cBhvr>
+                                      <p:tavLst>
+                                        <p:tav tm="0" fmla="#ppt_y-sin(pi*$)/81">
+                                          <p:val>
+                                            <p:fltVal val="0"/>
+                                          </p:val>
+                                        </p:tav>
+                                        <p:tav tm="100000">
+                                          <p:val>
+                                            <p:fltVal val="1"/>
+                                          </p:val>
+                                        </p:tav>
+                                      </p:tavLst>
+                                    </p:anim>
+                                    <p:animScale>
+                                      <p:cBhvr>
+                                        <p:cTn id="13" dur="26">
+                                          <p:stCondLst>
+                                            <p:cond delay="650"/>
+                                          </p:stCondLst>
+                                        </p:cTn>
+                                        <p:tgtEl>
+                                          <p:spTgt spid="6"/>
+                                        </p:tgtEl>
+                                      </p:cBhvr>
+                                      <p:to x="100000" y="60000"/>
+                                    </p:animScale>
+                                    <p:animScale>
+                                      <p:cBhvr>
+                                        <p:cTn id="14" dur="166" decel="50000">
+                                          <p:stCondLst>
+                                            <p:cond delay="676"/>
+                                          </p:stCondLst>
+                                        </p:cTn>
+                                        <p:tgtEl>
+                                          <p:spTgt spid="6"/>
+                                        </p:tgtEl>
+                                      </p:cBhvr>
+                                      <p:to x="100000" y="100000"/>
+                                    </p:animScale>
+                                    <p:animScale>
+                                      <p:cBhvr>
+                                        <p:cTn id="15" dur="26">
+                                          <p:stCondLst>
+                                            <p:cond delay="1312"/>
+                                          </p:stCondLst>
+                                        </p:cTn>
+                                        <p:tgtEl>
+                                          <p:spTgt spid="6"/>
+                                        </p:tgtEl>
+                                      </p:cBhvr>
+                                      <p:to x="100000" y="80000"/>
+                                    </p:animScale>
+                                    <p:animScale>
+                                      <p:cBhvr>
+                                        <p:cTn id="16" dur="166" decel="50000">
+                                          <p:stCondLst>
+                                            <p:cond delay="1338"/>
+                                          </p:stCondLst>
+                                        </p:cTn>
+                                        <p:tgtEl>
+                                          <p:spTgt spid="6"/>
+                                        </p:tgtEl>
+                                      </p:cBhvr>
+                                      <p:to x="100000" y="100000"/>
+                                    </p:animScale>
+                                    <p:animScale>
+                                      <p:cBhvr>
+                                        <p:cTn id="17" dur="26">
+                                          <p:stCondLst>
+                                            <p:cond delay="1642"/>
+                                          </p:stCondLst>
+                                        </p:cTn>
+                                        <p:tgtEl>
+                                          <p:spTgt spid="6"/>
+                                        </p:tgtEl>
+                                      </p:cBhvr>
+                                      <p:to x="100000" y="90000"/>
+                                    </p:animScale>
+                                    <p:animScale>
+                                      <p:cBhvr>
+                                        <p:cTn id="18" dur="166" decel="50000">
+                                          <p:stCondLst>
+                                            <p:cond delay="1668"/>
+                                          </p:stCondLst>
+                                        </p:cTn>
+                                        <p:tgtEl>
+                                          <p:spTgt spid="6"/>
+                                        </p:tgtEl>
+                                      </p:cBhvr>
+                                      <p:to x="100000" y="100000"/>
+                                    </p:animScale>
+                                    <p:animScale>
+                                      <p:cBhvr>
+                                        <p:cTn id="19" dur="26">
+                                          <p:stCondLst>
+                                            <p:cond delay="1808"/>
+                                          </p:stCondLst>
+                                        </p:cTn>
+                                        <p:tgtEl>
+                                          <p:spTgt spid="6"/>
+                                        </p:tgtEl>
+                                      </p:cBhvr>
+                                      <p:to x="100000" y="95000"/>
+                                    </p:animScale>
+                                    <p:animScale>
+                                      <p:cBhvr>
+                                        <p:cTn id="20" dur="166" decel="50000">
+                                          <p:stCondLst>
+                                            <p:cond delay="1834"/>
+                                          </p:stCondLst>
+                                        </p:cTn>
+                                        <p:tgtEl>
+                                          <p:spTgt spid="6"/>
+                                        </p:tgtEl>
+                                      </p:cBhvr>
+                                      <p:to x="100000" y="100000"/>
+                                    </p:animScale>
+                                  </p:childTnLst>
+                                </p:cTn>
+                              </p:par>
+                            </p:childTnLst>
+                          </p:cTn>
+                        </p:par>
+                      </p:childTnLst>
+                    </p:cTn>
+                  </p:par>
+                </p:childTnLst>
+              </p:cTn>
+              <p:prevCondLst>
+                <p:cond evt="onPrev" delay="0">
+                  <p:tgtEl>
+                    <p:sldTgt/>
+                  </p:tgtEl>
+                </p:cond>
+              </p:prevCondLst>
+              <p:nextCondLst>
+                <p:cond evt="onNext" delay="0">
+                  <p:tgtEl>
+                    <p:sldTgt/>
+                  </p:tgtEl>
+                </p:cond>
+              </p:nextCondLst>
+            </p:seq>
+          </p:childTnLst>
+        </p:cTn>
+      </p:par>
+    </p:tnLst>
+    <p:bldLst>
+      <p:bldP spid="6" grpId="0" animBg="1"/>
+    </p:bldLst>
+  </p:timing>
 </p:sld>
 </file>
 
-<file path=ppt/slides/slide11.xml><?xml version="1.0" encoding="utf-8"?>
+<file path=ppt/slides/slide12.xml><?xml version="1.0" encoding="utf-8"?>
 <p:sld xmlns:a="http://schemas.openxmlformats.org/drawingml/2006/main" xmlns:r="http://schemas.openxmlformats.org/officeDocument/2006/relationships" xmlns:p="http://schemas.openxmlformats.org/presentationml/2006/main">
   <p:cSld>
     <p:bg>
@@ -6414,103 +6947,6 @@
     <p:extLst>
       <p:ext uri="{BB962C8B-B14F-4D97-AF65-F5344CB8AC3E}">
         <p14:creationId xmlns:p14="http://schemas.microsoft.com/office/powerpoint/2010/main" val="4218281971"/>
-      </p:ext>
-    </p:extLst>
-  </p:cSld>
-  <p:clrMapOvr>
-    <a:masterClrMapping/>
-  </p:clrMapOvr>
-</p:sld>
-</file>
-
-<file path=ppt/slides/slide12.xml><?xml version="1.0" encoding="utf-8"?>
-<p:sld xmlns:a="http://schemas.openxmlformats.org/drawingml/2006/main" xmlns:r="http://schemas.openxmlformats.org/officeDocument/2006/relationships" xmlns:p="http://schemas.openxmlformats.org/presentationml/2006/main">
-  <p:cSld>
-    <p:spTree>
-      <p:nvGrpSpPr>
-        <p:cNvPr id="1" name=""/>
-        <p:cNvGrpSpPr/>
-        <p:nvPr/>
-      </p:nvGrpSpPr>
-      <p:grpSpPr>
-        <a:xfrm>
-          <a:off x="0" y="0"/>
-          <a:ext cx="0" cy="0"/>
-          <a:chOff x="0" y="0"/>
-          <a:chExt cx="0" cy="0"/>
-        </a:xfrm>
-      </p:grpSpPr>
-      <p:sp>
-        <p:nvSpPr>
-          <p:cNvPr id="2" name="Title 1">
-            <a:extLst>
-              <a:ext uri="{FF2B5EF4-FFF2-40B4-BE49-F238E27FC236}">
-                <a16:creationId xmlns:a16="http://schemas.microsoft.com/office/drawing/2014/main" id="{3D7B3BD4-ECBA-DED0-C9B9-A577AF386EB5}"/>
-              </a:ext>
-            </a:extLst>
-          </p:cNvPr>
-          <p:cNvSpPr>
-            <a:spLocks noGrp="1"/>
-          </p:cNvSpPr>
-          <p:nvPr>
-            <p:ph type="title"/>
-          </p:nvPr>
-        </p:nvSpPr>
-        <p:spPr/>
-        <p:txBody>
-          <a:bodyPr/>
-          <a:lstStyle/>
-          <a:p>
-            <a:r>
-              <a:rPr lang="en-US" dirty="0"/>
-              <a:t>genre vs ratings or whatever slide 1</a:t>
-            </a:r>
-          </a:p>
-        </p:txBody>
-      </p:sp>
-      <p:sp>
-        <p:nvSpPr>
-          <p:cNvPr id="3" name="Content Placeholder 2">
-            <a:extLst>
-              <a:ext uri="{FF2B5EF4-FFF2-40B4-BE49-F238E27FC236}">
-                <a16:creationId xmlns:a16="http://schemas.microsoft.com/office/drawing/2014/main" id="{F95E2A37-E369-BD1A-E50B-B049F9C4C2CC}"/>
-              </a:ext>
-            </a:extLst>
-          </p:cNvPr>
-          <p:cNvSpPr>
-            <a:spLocks noGrp="1"/>
-          </p:cNvSpPr>
-          <p:nvPr>
-            <p:ph idx="1"/>
-          </p:nvPr>
-        </p:nvSpPr>
-        <p:spPr>
-          <a:xfrm>
-            <a:off x="581193" y="2180496"/>
-            <a:ext cx="4067008" cy="3678303"/>
-          </a:xfrm>
-        </p:spPr>
-        <p:txBody>
-          <a:bodyPr/>
-          <a:lstStyle/>
-          <a:p>
-            <a:r>
-              <a:rPr lang="en-US" dirty="0"/>
-              <a:t>Screengrabs from labeled plots</a:t>
-            </a:r>
-          </a:p>
-          <a:p>
-            <a:r>
-              <a:rPr lang="en-US" dirty="0"/>
-              <a:t>2 short summary points – quick and easy to read with explanation</a:t>
-            </a:r>
-          </a:p>
-        </p:txBody>
-      </p:sp>
-    </p:spTree>
-    <p:extLst>
-      <p:ext uri="{BB962C8B-B14F-4D97-AF65-F5344CB8AC3E}">
-        <p14:creationId xmlns:p14="http://schemas.microsoft.com/office/powerpoint/2010/main" val="2249364170"/>
       </p:ext>
     </p:extLst>
   </p:cSld>
@@ -6560,6 +6996,103 @@
           <a:p>
             <a:r>
               <a:rPr lang="en-US" dirty="0"/>
+              <a:t>genre vs ratings or whatever slide 1</a:t>
+            </a:r>
+          </a:p>
+        </p:txBody>
+      </p:sp>
+      <p:sp>
+        <p:nvSpPr>
+          <p:cNvPr id="3" name="Content Placeholder 2">
+            <a:extLst>
+              <a:ext uri="{FF2B5EF4-FFF2-40B4-BE49-F238E27FC236}">
+                <a16:creationId xmlns:a16="http://schemas.microsoft.com/office/drawing/2014/main" id="{F95E2A37-E369-BD1A-E50B-B049F9C4C2CC}"/>
+              </a:ext>
+            </a:extLst>
+          </p:cNvPr>
+          <p:cNvSpPr>
+            <a:spLocks noGrp="1"/>
+          </p:cNvSpPr>
+          <p:nvPr>
+            <p:ph idx="1"/>
+          </p:nvPr>
+        </p:nvSpPr>
+        <p:spPr>
+          <a:xfrm>
+            <a:off x="581193" y="2180496"/>
+            <a:ext cx="4067008" cy="3678303"/>
+          </a:xfrm>
+        </p:spPr>
+        <p:txBody>
+          <a:bodyPr/>
+          <a:lstStyle/>
+          <a:p>
+            <a:r>
+              <a:rPr lang="en-US" dirty="0"/>
+              <a:t>Screengrabs from labeled plots</a:t>
+            </a:r>
+          </a:p>
+          <a:p>
+            <a:r>
+              <a:rPr lang="en-US" dirty="0"/>
+              <a:t>2 short summary points – quick and easy to read with explanation</a:t>
+            </a:r>
+          </a:p>
+        </p:txBody>
+      </p:sp>
+    </p:spTree>
+    <p:extLst>
+      <p:ext uri="{BB962C8B-B14F-4D97-AF65-F5344CB8AC3E}">
+        <p14:creationId xmlns:p14="http://schemas.microsoft.com/office/powerpoint/2010/main" val="2249364170"/>
+      </p:ext>
+    </p:extLst>
+  </p:cSld>
+  <p:clrMapOvr>
+    <a:masterClrMapping/>
+  </p:clrMapOvr>
+</p:sld>
+</file>
+
+<file path=ppt/slides/slide14.xml><?xml version="1.0" encoding="utf-8"?>
+<p:sld xmlns:a="http://schemas.openxmlformats.org/drawingml/2006/main" xmlns:r="http://schemas.openxmlformats.org/officeDocument/2006/relationships" xmlns:p="http://schemas.openxmlformats.org/presentationml/2006/main">
+  <p:cSld>
+    <p:spTree>
+      <p:nvGrpSpPr>
+        <p:cNvPr id="1" name=""/>
+        <p:cNvGrpSpPr/>
+        <p:nvPr/>
+      </p:nvGrpSpPr>
+      <p:grpSpPr>
+        <a:xfrm>
+          <a:off x="0" y="0"/>
+          <a:ext cx="0" cy="0"/>
+          <a:chOff x="0" y="0"/>
+          <a:chExt cx="0" cy="0"/>
+        </a:xfrm>
+      </p:grpSpPr>
+      <p:sp>
+        <p:nvSpPr>
+          <p:cNvPr id="2" name="Title 1">
+            <a:extLst>
+              <a:ext uri="{FF2B5EF4-FFF2-40B4-BE49-F238E27FC236}">
+                <a16:creationId xmlns:a16="http://schemas.microsoft.com/office/drawing/2014/main" id="{3D7B3BD4-ECBA-DED0-C9B9-A577AF386EB5}"/>
+              </a:ext>
+            </a:extLst>
+          </p:cNvPr>
+          <p:cNvSpPr>
+            <a:spLocks noGrp="1"/>
+          </p:cNvSpPr>
+          <p:nvPr>
+            <p:ph type="title"/>
+          </p:nvPr>
+        </p:nvSpPr>
+        <p:spPr/>
+        <p:txBody>
+          <a:bodyPr/>
+          <a:lstStyle/>
+          <a:p>
+            <a:r>
+              <a:rPr lang="en-US" dirty="0"/>
               <a:t>genre vs revenue or whatever slide 2</a:t>
             </a:r>
           </a:p>
@@ -6617,7 +7150,7 @@
 </p:sld>
 </file>
 
-<file path=ppt/slides/slide14.xml><?xml version="1.0" encoding="utf-8"?>
+<file path=ppt/slides/slide15.xml><?xml version="1.0" encoding="utf-8"?>
 <p:sld xmlns:a="http://schemas.openxmlformats.org/drawingml/2006/main" xmlns:r="http://schemas.openxmlformats.org/officeDocument/2006/relationships" xmlns:p="http://schemas.openxmlformats.org/presentationml/2006/main">
   <p:cSld>
     <p:bg>
@@ -6993,7 +7526,7 @@
 </p:sld>
 </file>
 
-<file path=ppt/slides/slide15.xml><?xml version="1.0" encoding="utf-8"?>
+<file path=ppt/slides/slide16.xml><?xml version="1.0" encoding="utf-8"?>
 <p:sld xmlns:a="http://schemas.openxmlformats.org/drawingml/2006/main" xmlns:r="http://schemas.openxmlformats.org/officeDocument/2006/relationships" xmlns:p="http://schemas.openxmlformats.org/presentationml/2006/main">
   <p:cSld>
     <p:bg>
@@ -9285,7 +9818,7 @@
           <a:p>
             <a:r>
               <a:rPr lang="en-US" dirty="0"/>
-              <a:t>Ratings or whatever slide 1</a:t>
+              <a:t>Does ratings matter for profit?</a:t>
             </a:r>
           </a:p>
         </p:txBody>
@@ -9308,8 +9841,8 @@
         </p:nvSpPr>
         <p:spPr>
           <a:xfrm>
-            <a:off x="581193" y="2180496"/>
-            <a:ext cx="4067008" cy="3678303"/>
+            <a:off x="581193" y="2180497"/>
+            <a:ext cx="4067008" cy="1013800"/>
           </a:xfrm>
         </p:spPr>
         <p:txBody>
@@ -9318,17 +9851,71 @@
           <a:p>
             <a:r>
               <a:rPr lang="en-US" dirty="0"/>
-              <a:t>Screengrabs from labeled plots</a:t>
-            </a:r>
-          </a:p>
-          <a:p>
-            <a:r>
-              <a:rPr lang="en-US" dirty="0"/>
-              <a:t>2 short summary points – quick and easy to read with explanation</a:t>
-            </a:r>
-          </a:p>
-        </p:txBody>
-      </p:sp>
+              <a:t>Overall, ratings remain the same across all years and genre. </a:t>
+            </a:r>
+          </a:p>
+        </p:txBody>
+      </p:sp>
+      <p:pic>
+        <p:nvPicPr>
+          <p:cNvPr id="5" name="Picture 4">
+            <a:extLst>
+              <a:ext uri="{FF2B5EF4-FFF2-40B4-BE49-F238E27FC236}">
+                <a16:creationId xmlns:a16="http://schemas.microsoft.com/office/drawing/2014/main" id="{D0612024-8713-ABEC-7A36-D8DBC3947B9D}"/>
+              </a:ext>
+            </a:extLst>
+          </p:cNvPr>
+          <p:cNvPicPr>
+            <a:picLocks noChangeAspect="1"/>
+          </p:cNvPicPr>
+          <p:nvPr/>
+        </p:nvPicPr>
+        <p:blipFill>
+          <a:blip r:embed="rId2"/>
+          <a:stretch>
+            <a:fillRect/>
+          </a:stretch>
+        </p:blipFill>
+        <p:spPr>
+          <a:xfrm>
+            <a:off x="8399873" y="2180497"/>
+            <a:ext cx="3343742" cy="3791479"/>
+          </a:xfrm>
+          <a:prstGeom prst="rect">
+            <a:avLst/>
+          </a:prstGeom>
+        </p:spPr>
+      </p:pic>
+      <p:pic>
+        <p:nvPicPr>
+          <p:cNvPr id="7" name="Picture 6">
+            <a:extLst>
+              <a:ext uri="{FF2B5EF4-FFF2-40B4-BE49-F238E27FC236}">
+                <a16:creationId xmlns:a16="http://schemas.microsoft.com/office/drawing/2014/main" id="{75A6D0B5-92F0-4595-3594-3B9CCBB92C0A}"/>
+              </a:ext>
+            </a:extLst>
+          </p:cNvPr>
+          <p:cNvPicPr>
+            <a:picLocks noChangeAspect="1"/>
+          </p:cNvPicPr>
+          <p:nvPr/>
+        </p:nvPicPr>
+        <p:blipFill>
+          <a:blip r:embed="rId3"/>
+          <a:stretch>
+            <a:fillRect/>
+          </a:stretch>
+        </p:blipFill>
+        <p:spPr>
+          <a:xfrm>
+            <a:off x="134471" y="3194297"/>
+            <a:ext cx="8196391" cy="3107833"/>
+          </a:xfrm>
+          <a:prstGeom prst="rect">
+            <a:avLst/>
+          </a:prstGeom>
+        </p:spPr>
+      </p:pic>
     </p:spTree>
     <p:extLst>
       <p:ext uri="{BB962C8B-B14F-4D97-AF65-F5344CB8AC3E}">

--- a/MoMoviesPrez.pptx
+++ b/MoMoviesPrez.pptx
@@ -6,25 +6,21 @@
     <p:sldMasterId id="2147483660" r:id="rId2"/>
   </p:sldMasterIdLst>
   <p:notesMasterIdLst>
-    <p:notesMasterId r:id="rId19"/>
+    <p:notesMasterId r:id="rId15"/>
   </p:notesMasterIdLst>
   <p:sldIdLst>
     <p:sldId id="258" r:id="rId3"/>
     <p:sldId id="256" r:id="rId4"/>
     <p:sldId id="259" r:id="rId5"/>
-    <p:sldId id="272" r:id="rId6"/>
-    <p:sldId id="264" r:id="rId7"/>
-    <p:sldId id="266" r:id="rId8"/>
-    <p:sldId id="267" r:id="rId9"/>
-    <p:sldId id="262" r:id="rId10"/>
-    <p:sldId id="268" r:id="rId11"/>
-    <p:sldId id="273" r:id="rId12"/>
-    <p:sldId id="271" r:id="rId13"/>
-    <p:sldId id="263" r:id="rId14"/>
-    <p:sldId id="270" r:id="rId15"/>
-    <p:sldId id="269" r:id="rId16"/>
-    <p:sldId id="265" r:id="rId17"/>
-    <p:sldId id="261" r:id="rId18"/>
+    <p:sldId id="266" r:id="rId6"/>
+    <p:sldId id="274" r:id="rId7"/>
+    <p:sldId id="275" r:id="rId8"/>
+    <p:sldId id="268" r:id="rId9"/>
+    <p:sldId id="273" r:id="rId10"/>
+    <p:sldId id="271" r:id="rId11"/>
+    <p:sldId id="276" r:id="rId12"/>
+    <p:sldId id="277" r:id="rId13"/>
+    <p:sldId id="265" r:id="rId14"/>
   </p:sldIdLst>
   <p:sldSz cx="12192000" cy="6858000"/>
   <p:notesSz cx="6858000" cy="9144000"/>
@@ -134,67 +130,13 @@
 <file path=ppt/revisionInfo.xml><?xml version="1.0" encoding="utf-8"?>
 <p1510:revInfo xmlns:a="http://schemas.openxmlformats.org/drawingml/2006/main" xmlns:r="http://schemas.openxmlformats.org/officeDocument/2006/relationships" xmlns:p1510="http://schemas.microsoft.com/office/powerpoint/2015/10/main">
   <p1510:revLst>
-    <p1510:client id="{D6C44517-C345-4DCA-92BC-26BBAFC02020}" v="13" dt="2024-07-25T19:46:50.831"/>
+    <p1510:client id="{BB522EC8-7459-41E9-8DB6-C34E2288C19E}" v="19" dt="2024-07-29T18:04:47.835"/>
   </p1510:revLst>
 </p1510:revInfo>
 </file>
 
 <file path=ppt/changesInfos/changesInfo1.xml><?xml version="1.0" encoding="utf-8"?>
 <pc:chgInfo xmlns:a="http://schemas.openxmlformats.org/drawingml/2006/main" xmlns:r="http://schemas.openxmlformats.org/officeDocument/2006/relationships" xmlns:ac="http://schemas.microsoft.com/office/drawing/2013/main/command" xmlns:pc="http://schemas.microsoft.com/office/powerpoint/2013/main/command">
-  <pc:docChgLst>
-    <pc:chgData name="Christopher Turner" userId="108b2705a18cd39f" providerId="LiveId" clId="{55AC9312-E998-4403-AFE4-5A3F6F9DB2D4}"/>
-    <pc:docChg chg="custSel modSld">
-      <pc:chgData name="Christopher Turner" userId="108b2705a18cd39f" providerId="LiveId" clId="{55AC9312-E998-4403-AFE4-5A3F6F9DB2D4}" dt="2024-07-26T00:40:23.495" v="253" actId="20577"/>
-      <pc:docMkLst>
-        <pc:docMk/>
-      </pc:docMkLst>
-      <pc:sldChg chg="modSp mod">
-        <pc:chgData name="Christopher Turner" userId="108b2705a18cd39f" providerId="LiveId" clId="{55AC9312-E998-4403-AFE4-5A3F6F9DB2D4}" dt="2024-07-26T00:40:23.495" v="253" actId="20577"/>
-        <pc:sldMkLst>
-          <pc:docMk/>
-          <pc:sldMk cId="3382765918" sldId="259"/>
-        </pc:sldMkLst>
-        <pc:spChg chg="mod">
-          <ac:chgData name="Christopher Turner" userId="108b2705a18cd39f" providerId="LiveId" clId="{55AC9312-E998-4403-AFE4-5A3F6F9DB2D4}" dt="2024-07-26T00:40:23.495" v="253" actId="20577"/>
-          <ac:spMkLst>
-            <pc:docMk/>
-            <pc:sldMk cId="3382765918" sldId="259"/>
-            <ac:spMk id="3" creationId="{00000000-0000-0000-0000-000000000000}"/>
-          </ac:spMkLst>
-        </pc:spChg>
-      </pc:sldChg>
-      <pc:sldChg chg="addSp mod">
-        <pc:chgData name="Christopher Turner" userId="108b2705a18cd39f" providerId="LiveId" clId="{55AC9312-E998-4403-AFE4-5A3F6F9DB2D4}" dt="2024-07-26T00:27:46.829" v="22" actId="11529"/>
-        <pc:sldMkLst>
-          <pc:docMk/>
-          <pc:sldMk cId="2357912295" sldId="266"/>
-        </pc:sldMkLst>
-        <pc:spChg chg="add">
-          <ac:chgData name="Christopher Turner" userId="108b2705a18cd39f" providerId="LiveId" clId="{55AC9312-E998-4403-AFE4-5A3F6F9DB2D4}" dt="2024-07-26T00:27:46.829" v="22" actId="11529"/>
-          <ac:spMkLst>
-            <pc:docMk/>
-            <pc:sldMk cId="2357912295" sldId="266"/>
-            <ac:spMk id="4" creationId="{F1016C3E-913B-FD80-80AD-1BB04C427B36}"/>
-          </ac:spMkLst>
-        </pc:spChg>
-      </pc:sldChg>
-      <pc:sldChg chg="modSp mod">
-        <pc:chgData name="Christopher Turner" userId="108b2705a18cd39f" providerId="LiveId" clId="{55AC9312-E998-4403-AFE4-5A3F6F9DB2D4}" dt="2024-07-25T23:43:52.927" v="21" actId="20577"/>
-        <pc:sldMkLst>
-          <pc:docMk/>
-          <pc:sldMk cId="1221097782" sldId="271"/>
-        </pc:sldMkLst>
-        <pc:spChg chg="mod">
-          <ac:chgData name="Christopher Turner" userId="108b2705a18cd39f" providerId="LiveId" clId="{55AC9312-E998-4403-AFE4-5A3F6F9DB2D4}" dt="2024-07-25T23:43:52.927" v="21" actId="20577"/>
-          <ac:spMkLst>
-            <pc:docMk/>
-            <pc:sldMk cId="1221097782" sldId="271"/>
-            <ac:spMk id="2" creationId="{3D7B3BD4-ECBA-DED0-C9B9-A577AF386EB5}"/>
-          </ac:spMkLst>
-        </pc:spChg>
-      </pc:sldChg>
-    </pc:docChg>
-  </pc:docChgLst>
   <pc:docChgLst>
     <pc:chgData name="Christopher Turner" userId="108b2705a18cd39f" providerId="LiveId" clId="{D6C44517-C345-4DCA-92BC-26BBAFC02020}"/>
     <pc:docChg chg="undo custSel addSld delSld modSld sldOrd">
@@ -613,6 +555,1001 @@
             <pc:docMk/>
             <pc:sldMk cId="3624028729" sldId="272"/>
             <ac:spMk id="3" creationId="{00000000-0000-0000-0000-000000000000}"/>
+          </ac:spMkLst>
+        </pc:spChg>
+      </pc:sldChg>
+    </pc:docChg>
+  </pc:docChgLst>
+  <pc:docChgLst>
+    <pc:chgData name="Christopher Turner" userId="108b2705a18cd39f" providerId="LiveId" clId="{BB522EC8-7459-41E9-8DB6-C34E2288C19E}"/>
+    <pc:docChg chg="undo custSel addSld delSld modSld sldOrd">
+      <pc:chgData name="Christopher Turner" userId="108b2705a18cd39f" providerId="LiveId" clId="{BB522EC8-7459-41E9-8DB6-C34E2288C19E}" dt="2024-07-29T18:07:22.243" v="3139" actId="20577"/>
+      <pc:docMkLst>
+        <pc:docMk/>
+      </pc:docMkLst>
+      <pc:sldChg chg="delSp modSp mod">
+        <pc:chgData name="Christopher Turner" userId="108b2705a18cd39f" providerId="LiveId" clId="{BB522EC8-7459-41E9-8DB6-C34E2288C19E}" dt="2024-07-29T17:04:29.185" v="1076" actId="313"/>
+        <pc:sldMkLst>
+          <pc:docMk/>
+          <pc:sldMk cId="3748667521" sldId="256"/>
+        </pc:sldMkLst>
+        <pc:spChg chg="del">
+          <ac:chgData name="Christopher Turner" userId="108b2705a18cd39f" providerId="LiveId" clId="{BB522EC8-7459-41E9-8DB6-C34E2288C19E}" dt="2024-07-29T16:59:50.735" v="967" actId="478"/>
+          <ac:spMkLst>
+            <pc:docMk/>
+            <pc:sldMk cId="3748667521" sldId="256"/>
+            <ac:spMk id="20" creationId="{00000000-0000-0000-0000-000000000000}"/>
+          </ac:spMkLst>
+        </pc:spChg>
+        <pc:spChg chg="mod">
+          <ac:chgData name="Christopher Turner" userId="108b2705a18cd39f" providerId="LiveId" clId="{BB522EC8-7459-41E9-8DB6-C34E2288C19E}" dt="2024-07-29T17:04:29.185" v="1076" actId="313"/>
+          <ac:spMkLst>
+            <pc:docMk/>
+            <pc:sldMk cId="3748667521" sldId="256"/>
+            <ac:spMk id="21" creationId="{00000000-0000-0000-0000-000000000000}"/>
+          </ac:spMkLst>
+        </pc:spChg>
+        <pc:spChg chg="mod">
+          <ac:chgData name="Christopher Turner" userId="108b2705a18cd39f" providerId="LiveId" clId="{BB522EC8-7459-41E9-8DB6-C34E2288C19E}" dt="2024-07-29T16:32:09.186" v="633" actId="1076"/>
+          <ac:spMkLst>
+            <pc:docMk/>
+            <pc:sldMk cId="3748667521" sldId="256"/>
+            <ac:spMk id="22" creationId="{00000000-0000-0000-0000-000000000000}"/>
+          </ac:spMkLst>
+        </pc:spChg>
+      </pc:sldChg>
+      <pc:sldChg chg="addSp delSp modSp mod">
+        <pc:chgData name="Christopher Turner" userId="108b2705a18cd39f" providerId="LiveId" clId="{BB522EC8-7459-41E9-8DB6-C34E2288C19E}" dt="2024-07-29T18:05:42.653" v="3087" actId="1076"/>
+        <pc:sldMkLst>
+          <pc:docMk/>
+          <pc:sldMk cId="2385032039" sldId="258"/>
+        </pc:sldMkLst>
+        <pc:spChg chg="del mod">
+          <ac:chgData name="Christopher Turner" userId="108b2705a18cd39f" providerId="LiveId" clId="{BB522EC8-7459-41E9-8DB6-C34E2288C19E}" dt="2024-07-29T16:58:50.447" v="949" actId="478"/>
+          <ac:spMkLst>
+            <pc:docMk/>
+            <pc:sldMk cId="2385032039" sldId="258"/>
+            <ac:spMk id="2" creationId="{00000000-0000-0000-0000-000000000000}"/>
+          </ac:spMkLst>
+        </pc:spChg>
+        <pc:spChg chg="del mod">
+          <ac:chgData name="Christopher Turner" userId="108b2705a18cd39f" providerId="LiveId" clId="{BB522EC8-7459-41E9-8DB6-C34E2288C19E}" dt="2024-07-29T15:41:49.912" v="22" actId="478"/>
+          <ac:spMkLst>
+            <pc:docMk/>
+            <pc:sldMk cId="2385032039" sldId="258"/>
+            <ac:spMk id="3" creationId="{00000000-0000-0000-0000-000000000000}"/>
+          </ac:spMkLst>
+        </pc:spChg>
+        <pc:spChg chg="add del mod">
+          <ac:chgData name="Christopher Turner" userId="108b2705a18cd39f" providerId="LiveId" clId="{BB522EC8-7459-41E9-8DB6-C34E2288C19E}" dt="2024-07-29T15:41:53.477" v="23" actId="478"/>
+          <ac:spMkLst>
+            <pc:docMk/>
+            <pc:sldMk cId="2385032039" sldId="258"/>
+            <ac:spMk id="5" creationId="{9FB6EB25-F111-8DB7-FB3C-F5EC7C334C44}"/>
+          </ac:spMkLst>
+        </pc:spChg>
+        <pc:spChg chg="add mod">
+          <ac:chgData name="Christopher Turner" userId="108b2705a18cd39f" providerId="LiveId" clId="{BB522EC8-7459-41E9-8DB6-C34E2288C19E}" dt="2024-07-29T18:05:42.653" v="3087" actId="1076"/>
+          <ac:spMkLst>
+            <pc:docMk/>
+            <pc:sldMk cId="2385032039" sldId="258"/>
+            <ac:spMk id="6" creationId="{E36D19F5-0A1F-565D-CB08-37250A0CCA1A}"/>
+          </ac:spMkLst>
+        </pc:spChg>
+        <pc:spChg chg="add del mod">
+          <ac:chgData name="Christopher Turner" userId="108b2705a18cd39f" providerId="LiveId" clId="{BB522EC8-7459-41E9-8DB6-C34E2288C19E}" dt="2024-07-29T16:59:16.474" v="958" actId="478"/>
+          <ac:spMkLst>
+            <pc:docMk/>
+            <pc:sldMk cId="2385032039" sldId="258"/>
+            <ac:spMk id="8" creationId="{9E9CBCC9-C112-C65D-EE01-A766A081B78D}"/>
+          </ac:spMkLst>
+        </pc:spChg>
+        <pc:spChg chg="add mod">
+          <ac:chgData name="Christopher Turner" userId="108b2705a18cd39f" providerId="LiveId" clId="{BB522EC8-7459-41E9-8DB6-C34E2288C19E}" dt="2024-07-29T18:05:40.251" v="3086" actId="14100"/>
+          <ac:spMkLst>
+            <pc:docMk/>
+            <pc:sldMk cId="2385032039" sldId="258"/>
+            <ac:spMk id="10" creationId="{B0185A13-6EC9-24BD-079F-0B4EEAEF0EF0}"/>
+          </ac:spMkLst>
+        </pc:spChg>
+        <pc:spChg chg="add mod">
+          <ac:chgData name="Christopher Turner" userId="108b2705a18cd39f" providerId="LiveId" clId="{BB522EC8-7459-41E9-8DB6-C34E2288C19E}" dt="2024-07-29T18:05:15.884" v="3081" actId="113"/>
+          <ac:spMkLst>
+            <pc:docMk/>
+            <pc:sldMk cId="2385032039" sldId="258"/>
+            <ac:spMk id="12" creationId="{717BB65D-DAB5-24C8-6A0A-A5D71AB66F19}"/>
+          </ac:spMkLst>
+        </pc:spChg>
+      </pc:sldChg>
+      <pc:sldChg chg="delSp modSp mod modClrScheme delDesignElem chgLayout">
+        <pc:chgData name="Christopher Turner" userId="108b2705a18cd39f" providerId="LiveId" clId="{BB522EC8-7459-41E9-8DB6-C34E2288C19E}" dt="2024-07-29T18:04:26.494" v="3053" actId="14100"/>
+        <pc:sldMkLst>
+          <pc:docMk/>
+          <pc:sldMk cId="3382765918" sldId="259"/>
+        </pc:sldMkLst>
+        <pc:spChg chg="mod ord">
+          <ac:chgData name="Christopher Turner" userId="108b2705a18cd39f" providerId="LiveId" clId="{BB522EC8-7459-41E9-8DB6-C34E2288C19E}" dt="2024-07-29T18:04:05.401" v="3045" actId="700"/>
+          <ac:spMkLst>
+            <pc:docMk/>
+            <pc:sldMk cId="3382765918" sldId="259"/>
+            <ac:spMk id="2" creationId="{00000000-0000-0000-0000-000000000000}"/>
+          </ac:spMkLst>
+        </pc:spChg>
+        <pc:spChg chg="mod ord">
+          <ac:chgData name="Christopher Turner" userId="108b2705a18cd39f" providerId="LiveId" clId="{BB522EC8-7459-41E9-8DB6-C34E2288C19E}" dt="2024-07-29T18:04:26.494" v="3053" actId="14100"/>
+          <ac:spMkLst>
+            <pc:docMk/>
+            <pc:sldMk cId="3382765918" sldId="259"/>
+            <ac:spMk id="3" creationId="{00000000-0000-0000-0000-000000000000}"/>
+          </ac:spMkLst>
+        </pc:spChg>
+        <pc:spChg chg="del">
+          <ac:chgData name="Christopher Turner" userId="108b2705a18cd39f" providerId="LiveId" clId="{BB522EC8-7459-41E9-8DB6-C34E2288C19E}" dt="2024-07-29T15:43:30.005" v="56" actId="478"/>
+          <ac:spMkLst>
+            <pc:docMk/>
+            <pc:sldMk cId="3382765918" sldId="259"/>
+            <ac:spMk id="4" creationId="{6F78C5BD-FA19-F3BC-73FA-75F36732B267}"/>
+          </ac:spMkLst>
+        </pc:spChg>
+        <pc:spChg chg="del">
+          <ac:chgData name="Christopher Turner" userId="108b2705a18cd39f" providerId="LiveId" clId="{BB522EC8-7459-41E9-8DB6-C34E2288C19E}" dt="2024-07-29T18:04:05.401" v="3045" actId="700"/>
+          <ac:spMkLst>
+            <pc:docMk/>
+            <pc:sldMk cId="3382765918" sldId="259"/>
+            <ac:spMk id="9" creationId="{B373F125-DEF3-41D6-9918-AB21A2ACC37A}"/>
+          </ac:spMkLst>
+        </pc:spChg>
+        <pc:spChg chg="del">
+          <ac:chgData name="Christopher Turner" userId="108b2705a18cd39f" providerId="LiveId" clId="{BB522EC8-7459-41E9-8DB6-C34E2288C19E}" dt="2024-07-29T18:04:05.401" v="3045" actId="700"/>
+          <ac:spMkLst>
+            <pc:docMk/>
+            <pc:sldMk cId="3382765918" sldId="259"/>
+            <ac:spMk id="11" creationId="{71E9F226-EB6E-48C9-ADDA-636DE4BF4EBE}"/>
+          </ac:spMkLst>
+        </pc:spChg>
+      </pc:sldChg>
+      <pc:sldChg chg="del">
+        <pc:chgData name="Christopher Turner" userId="108b2705a18cd39f" providerId="LiveId" clId="{BB522EC8-7459-41E9-8DB6-C34E2288C19E}" dt="2024-07-29T15:46:08.382" v="67" actId="2696"/>
+        <pc:sldMkLst>
+          <pc:docMk/>
+          <pc:sldMk cId="3291260535" sldId="261"/>
+        </pc:sldMkLst>
+      </pc:sldChg>
+      <pc:sldChg chg="delSp del mod">
+        <pc:chgData name="Christopher Turner" userId="108b2705a18cd39f" providerId="LiveId" clId="{BB522EC8-7459-41E9-8DB6-C34E2288C19E}" dt="2024-07-29T17:15:25.746" v="1540" actId="2696"/>
+        <pc:sldMkLst>
+          <pc:docMk/>
+          <pc:sldMk cId="2661206592" sldId="262"/>
+        </pc:sldMkLst>
+        <pc:spChg chg="del">
+          <ac:chgData name="Christopher Turner" userId="108b2705a18cd39f" providerId="LiveId" clId="{BB522EC8-7459-41E9-8DB6-C34E2288C19E}" dt="2024-07-29T15:43:39.686" v="59" actId="478"/>
+          <ac:spMkLst>
+            <pc:docMk/>
+            <pc:sldMk cId="2661206592" sldId="262"/>
+            <ac:spMk id="4" creationId="{6F78C5BD-FA19-F3BC-73FA-75F36732B267}"/>
+          </ac:spMkLst>
+        </pc:spChg>
+      </pc:sldChg>
+      <pc:sldChg chg="delSp del mod">
+        <pc:chgData name="Christopher Turner" userId="108b2705a18cd39f" providerId="LiveId" clId="{BB522EC8-7459-41E9-8DB6-C34E2288C19E}" dt="2024-07-29T17:15:32.870" v="1542" actId="2696"/>
+        <pc:sldMkLst>
+          <pc:docMk/>
+          <pc:sldMk cId="4218281971" sldId="263"/>
+        </pc:sldMkLst>
+        <pc:spChg chg="del">
+          <ac:chgData name="Christopher Turner" userId="108b2705a18cd39f" providerId="LiveId" clId="{BB522EC8-7459-41E9-8DB6-C34E2288C19E}" dt="2024-07-29T15:43:42.649" v="60" actId="478"/>
+          <ac:spMkLst>
+            <pc:docMk/>
+            <pc:sldMk cId="4218281971" sldId="263"/>
+            <ac:spMk id="4" creationId="{6F78C5BD-FA19-F3BC-73FA-75F36732B267}"/>
+          </ac:spMkLst>
+        </pc:spChg>
+      </pc:sldChg>
+      <pc:sldChg chg="delSp del mod">
+        <pc:chgData name="Christopher Turner" userId="108b2705a18cd39f" providerId="LiveId" clId="{BB522EC8-7459-41E9-8DB6-C34E2288C19E}" dt="2024-07-29T17:15:29.491" v="1541" actId="2696"/>
+        <pc:sldMkLst>
+          <pc:docMk/>
+          <pc:sldMk cId="4191233258" sldId="264"/>
+        </pc:sldMkLst>
+        <pc:spChg chg="del">
+          <ac:chgData name="Christopher Turner" userId="108b2705a18cd39f" providerId="LiveId" clId="{BB522EC8-7459-41E9-8DB6-C34E2288C19E}" dt="2024-07-29T15:43:35.732" v="58" actId="478"/>
+          <ac:spMkLst>
+            <pc:docMk/>
+            <pc:sldMk cId="4191233258" sldId="264"/>
+            <ac:spMk id="4" creationId="{6F78C5BD-FA19-F3BC-73FA-75F36732B267}"/>
+          </ac:spMkLst>
+        </pc:spChg>
+      </pc:sldChg>
+      <pc:sldChg chg="delSp modSp mod modClrScheme delDesignElem chgLayout">
+        <pc:chgData name="Christopher Turner" userId="108b2705a18cd39f" providerId="LiveId" clId="{BB522EC8-7459-41E9-8DB6-C34E2288C19E}" dt="2024-07-29T18:07:22.243" v="3139" actId="20577"/>
+        <pc:sldMkLst>
+          <pc:docMk/>
+          <pc:sldMk cId="77602882" sldId="265"/>
+        </pc:sldMkLst>
+        <pc:spChg chg="mod ord">
+          <ac:chgData name="Christopher Turner" userId="108b2705a18cd39f" providerId="LiveId" clId="{BB522EC8-7459-41E9-8DB6-C34E2288C19E}" dt="2024-07-29T18:01:27.576" v="2868" actId="14100"/>
+          <ac:spMkLst>
+            <pc:docMk/>
+            <pc:sldMk cId="77602882" sldId="265"/>
+            <ac:spMk id="2" creationId="{00000000-0000-0000-0000-000000000000}"/>
+          </ac:spMkLst>
+        </pc:spChg>
+        <pc:spChg chg="mod ord">
+          <ac:chgData name="Christopher Turner" userId="108b2705a18cd39f" providerId="LiveId" clId="{BB522EC8-7459-41E9-8DB6-C34E2288C19E}" dt="2024-07-29T18:07:22.243" v="3139" actId="20577"/>
+          <ac:spMkLst>
+            <pc:docMk/>
+            <pc:sldMk cId="77602882" sldId="265"/>
+            <ac:spMk id="3" creationId="{00000000-0000-0000-0000-000000000000}"/>
+          </ac:spMkLst>
+        </pc:spChg>
+        <pc:spChg chg="del">
+          <ac:chgData name="Christopher Turner" userId="108b2705a18cd39f" providerId="LiveId" clId="{BB522EC8-7459-41E9-8DB6-C34E2288C19E}" dt="2024-07-29T16:06:32.406" v="266" actId="478"/>
+          <ac:spMkLst>
+            <pc:docMk/>
+            <pc:sldMk cId="77602882" sldId="265"/>
+            <ac:spMk id="4" creationId="{6F78C5BD-FA19-F3BC-73FA-75F36732B267}"/>
+          </ac:spMkLst>
+        </pc:spChg>
+        <pc:spChg chg="del">
+          <ac:chgData name="Christopher Turner" userId="108b2705a18cd39f" providerId="LiveId" clId="{BB522EC8-7459-41E9-8DB6-C34E2288C19E}" dt="2024-07-29T18:01:10.667" v="2862" actId="700"/>
+          <ac:spMkLst>
+            <pc:docMk/>
+            <pc:sldMk cId="77602882" sldId="265"/>
+            <ac:spMk id="9" creationId="{B373F125-DEF3-41D6-9918-AB21A2ACC37A}"/>
+          </ac:spMkLst>
+        </pc:spChg>
+        <pc:spChg chg="del">
+          <ac:chgData name="Christopher Turner" userId="108b2705a18cd39f" providerId="LiveId" clId="{BB522EC8-7459-41E9-8DB6-C34E2288C19E}" dt="2024-07-29T18:01:10.667" v="2862" actId="700"/>
+          <ac:spMkLst>
+            <pc:docMk/>
+            <pc:sldMk cId="77602882" sldId="265"/>
+            <ac:spMk id="11" creationId="{71E9F226-EB6E-48C9-ADDA-636DE4BF4EBE}"/>
+          </ac:spMkLst>
+        </pc:spChg>
+      </pc:sldChg>
+      <pc:sldChg chg="addSp delSp modSp mod modClrScheme chgLayout">
+        <pc:chgData name="Christopher Turner" userId="108b2705a18cd39f" providerId="LiveId" clId="{BB522EC8-7459-41E9-8DB6-C34E2288C19E}" dt="2024-07-29T18:03:54.579" v="3044" actId="1035"/>
+        <pc:sldMkLst>
+          <pc:docMk/>
+          <pc:sldMk cId="2357912295" sldId="266"/>
+        </pc:sldMkLst>
+        <pc:spChg chg="del mod ord">
+          <ac:chgData name="Christopher Turner" userId="108b2705a18cd39f" providerId="LiveId" clId="{BB522EC8-7459-41E9-8DB6-C34E2288C19E}" dt="2024-07-29T17:21:57.842" v="1656" actId="478"/>
+          <ac:spMkLst>
+            <pc:docMk/>
+            <pc:sldMk cId="2357912295" sldId="266"/>
+            <ac:spMk id="2" creationId="{3D7B3BD4-ECBA-DED0-C9B9-A577AF386EB5}"/>
+          </ac:spMkLst>
+        </pc:spChg>
+        <pc:spChg chg="mod ord">
+          <ac:chgData name="Christopher Turner" userId="108b2705a18cd39f" providerId="LiveId" clId="{BB522EC8-7459-41E9-8DB6-C34E2288C19E}" dt="2024-07-29T17:24:08.980" v="1749" actId="1076"/>
+          <ac:spMkLst>
+            <pc:docMk/>
+            <pc:sldMk cId="2357912295" sldId="266"/>
+            <ac:spMk id="3" creationId="{F95E2A37-E369-BD1A-E50B-B049F9C4C2CC}"/>
+          </ac:spMkLst>
+        </pc:spChg>
+        <pc:spChg chg="del">
+          <ac:chgData name="Christopher Turner" userId="108b2705a18cd39f" providerId="LiveId" clId="{BB522EC8-7459-41E9-8DB6-C34E2288C19E}" dt="2024-07-29T17:07:10.896" v="1139" actId="478"/>
+          <ac:spMkLst>
+            <pc:docMk/>
+            <pc:sldMk cId="2357912295" sldId="266"/>
+            <ac:spMk id="4" creationId="{F1016C3E-913B-FD80-80AD-1BB04C427B36}"/>
+          </ac:spMkLst>
+        </pc:spChg>
+        <pc:spChg chg="add mod">
+          <ac:chgData name="Christopher Turner" userId="108b2705a18cd39f" providerId="LiveId" clId="{BB522EC8-7459-41E9-8DB6-C34E2288C19E}" dt="2024-07-29T17:07:09.520" v="1138"/>
+          <ac:spMkLst>
+            <pc:docMk/>
+            <pc:sldMk cId="2357912295" sldId="266"/>
+            <ac:spMk id="6" creationId="{80780918-744B-EA28-1F13-037F8FF5EDF2}"/>
+          </ac:spMkLst>
+        </pc:spChg>
+        <pc:spChg chg="add del mod">
+          <ac:chgData name="Christopher Turner" userId="108b2705a18cd39f" providerId="LiveId" clId="{BB522EC8-7459-41E9-8DB6-C34E2288C19E}" dt="2024-07-29T17:21:05.472" v="1645" actId="478"/>
+          <ac:spMkLst>
+            <pc:docMk/>
+            <pc:sldMk cId="2357912295" sldId="266"/>
+            <ac:spMk id="8" creationId="{1E38D909-BC0F-F19C-C035-634023D6AAC6}"/>
+          </ac:spMkLst>
+        </pc:spChg>
+        <pc:spChg chg="add mod">
+          <ac:chgData name="Christopher Turner" userId="108b2705a18cd39f" providerId="LiveId" clId="{BB522EC8-7459-41E9-8DB6-C34E2288C19E}" dt="2024-07-29T18:03:54.579" v="3044" actId="1035"/>
+          <ac:spMkLst>
+            <pc:docMk/>
+            <pc:sldMk cId="2357912295" sldId="266"/>
+            <ac:spMk id="9" creationId="{402D4104-86D0-E426-76EB-183D58F4B402}"/>
+          </ac:spMkLst>
+        </pc:spChg>
+        <pc:grpChg chg="add mod">
+          <ac:chgData name="Christopher Turner" userId="108b2705a18cd39f" providerId="LiveId" clId="{BB522EC8-7459-41E9-8DB6-C34E2288C19E}" dt="2024-07-29T17:22:11.446" v="1669" actId="1076"/>
+          <ac:grpSpMkLst>
+            <pc:docMk/>
+            <pc:sldMk cId="2357912295" sldId="266"/>
+            <ac:grpSpMk id="5" creationId="{5C067980-62CE-29BF-8E05-3DFED2B2DE57}"/>
+          </ac:grpSpMkLst>
+        </pc:grpChg>
+        <pc:picChg chg="add mod">
+          <ac:chgData name="Christopher Turner" userId="108b2705a18cd39f" providerId="LiveId" clId="{BB522EC8-7459-41E9-8DB6-C34E2288C19E}" dt="2024-07-29T17:19:51.931" v="1592" actId="1036"/>
+          <ac:picMkLst>
+            <pc:docMk/>
+            <pc:sldMk cId="2357912295" sldId="266"/>
+            <ac:picMk id="7" creationId="{D1115B71-45F4-BA8E-59F5-CF4EC0E4F4AD}"/>
+          </ac:picMkLst>
+        </pc:picChg>
+      </pc:sldChg>
+      <pc:sldChg chg="addSp delSp modSp del mod setBg">
+        <pc:chgData name="Christopher Turner" userId="108b2705a18cd39f" providerId="LiveId" clId="{BB522EC8-7459-41E9-8DB6-C34E2288C19E}" dt="2024-07-29T17:16:39.991" v="1549" actId="2696"/>
+        <pc:sldMkLst>
+          <pc:docMk/>
+          <pc:sldMk cId="695019442" sldId="267"/>
+        </pc:sldMkLst>
+        <pc:spChg chg="mod">
+          <ac:chgData name="Christopher Turner" userId="108b2705a18cd39f" providerId="LiveId" clId="{BB522EC8-7459-41E9-8DB6-C34E2288C19E}" dt="2024-07-29T17:16:30.056" v="1547" actId="26606"/>
+          <ac:spMkLst>
+            <pc:docMk/>
+            <pc:sldMk cId="695019442" sldId="267"/>
+            <ac:spMk id="2" creationId="{3D7B3BD4-ECBA-DED0-C9B9-A577AF386EB5}"/>
+          </ac:spMkLst>
+        </pc:spChg>
+        <pc:spChg chg="mod">
+          <ac:chgData name="Christopher Turner" userId="108b2705a18cd39f" providerId="LiveId" clId="{BB522EC8-7459-41E9-8DB6-C34E2288C19E}" dt="2024-07-29T17:16:30.056" v="1547" actId="26606"/>
+          <ac:spMkLst>
+            <pc:docMk/>
+            <pc:sldMk cId="695019442" sldId="267"/>
+            <ac:spMk id="3" creationId="{F95E2A37-E369-BD1A-E50B-B049F9C4C2CC}"/>
+          </ac:spMkLst>
+        </pc:spChg>
+        <pc:spChg chg="add mod">
+          <ac:chgData name="Christopher Turner" userId="108b2705a18cd39f" providerId="LiveId" clId="{BB522EC8-7459-41E9-8DB6-C34E2288C19E}" dt="2024-07-29T17:15:43.643" v="1543"/>
+          <ac:spMkLst>
+            <pc:docMk/>
+            <pc:sldMk cId="695019442" sldId="267"/>
+            <ac:spMk id="6" creationId="{258A8D9A-6599-7C2B-2045-8E3DA7F0D39F}"/>
+          </ac:spMkLst>
+        </pc:spChg>
+        <pc:spChg chg="add del">
+          <ac:chgData name="Christopher Turner" userId="108b2705a18cd39f" providerId="LiveId" clId="{BB522EC8-7459-41E9-8DB6-C34E2288C19E}" dt="2024-07-29T17:16:30.056" v="1547" actId="26606"/>
+          <ac:spMkLst>
+            <pc:docMk/>
+            <pc:sldMk cId="695019442" sldId="267"/>
+            <ac:spMk id="13" creationId="{F875149D-F692-45DA-8324-D5E0193D5FC4}"/>
+          </ac:spMkLst>
+        </pc:spChg>
+        <pc:spChg chg="add del">
+          <ac:chgData name="Christopher Turner" userId="108b2705a18cd39f" providerId="LiveId" clId="{BB522EC8-7459-41E9-8DB6-C34E2288C19E}" dt="2024-07-29T17:16:30.056" v="1547" actId="26606"/>
+          <ac:spMkLst>
+            <pc:docMk/>
+            <pc:sldMk cId="695019442" sldId="267"/>
+            <ac:spMk id="15" creationId="{7B89EEFD-93BC-4ACF-962C-E6279E72B00B}"/>
+          </ac:spMkLst>
+        </pc:spChg>
+        <pc:spChg chg="add del">
+          <ac:chgData name="Christopher Turner" userId="108b2705a18cd39f" providerId="LiveId" clId="{BB522EC8-7459-41E9-8DB6-C34E2288C19E}" dt="2024-07-29T17:16:30.056" v="1547" actId="26606"/>
+          <ac:spMkLst>
+            <pc:docMk/>
+            <pc:sldMk cId="695019442" sldId="267"/>
+            <ac:spMk id="17" creationId="{C0B19935-C760-4698-9DD1-973C8A428D26}"/>
+          </ac:spMkLst>
+        </pc:spChg>
+        <pc:spChg chg="add del">
+          <ac:chgData name="Christopher Turner" userId="108b2705a18cd39f" providerId="LiveId" clId="{BB522EC8-7459-41E9-8DB6-C34E2288C19E}" dt="2024-07-29T17:16:30.056" v="1547" actId="26606"/>
+          <ac:spMkLst>
+            <pc:docMk/>
+            <pc:sldMk cId="695019442" sldId="267"/>
+            <ac:spMk id="19" creationId="{08990612-E008-4F02-AEBB-B140BE753558}"/>
+          </ac:spMkLst>
+        </pc:spChg>
+        <pc:spChg chg="add del">
+          <ac:chgData name="Christopher Turner" userId="108b2705a18cd39f" providerId="LiveId" clId="{BB522EC8-7459-41E9-8DB6-C34E2288C19E}" dt="2024-07-29T17:16:30.056" v="1547" actId="26606"/>
+          <ac:spMkLst>
+            <pc:docMk/>
+            <pc:sldMk cId="695019442" sldId="267"/>
+            <ac:spMk id="21" creationId="{A310A41F-3A14-4150-B6CF-0A577DDDEAD2}"/>
+          </ac:spMkLst>
+        </pc:spChg>
+        <pc:grpChg chg="add mod">
+          <ac:chgData name="Christopher Turner" userId="108b2705a18cd39f" providerId="LiveId" clId="{BB522EC8-7459-41E9-8DB6-C34E2288C19E}" dt="2024-07-29T17:16:30.056" v="1547" actId="26606"/>
+          <ac:grpSpMkLst>
+            <pc:docMk/>
+            <pc:sldMk cId="695019442" sldId="267"/>
+            <ac:grpSpMk id="4" creationId="{819C21B4-A1F4-EBDB-0417-8313E8E502F2}"/>
+          </ac:grpSpMkLst>
+        </pc:grpChg>
+        <pc:grpChg chg="add mod">
+          <ac:chgData name="Christopher Turner" userId="108b2705a18cd39f" providerId="LiveId" clId="{BB522EC8-7459-41E9-8DB6-C34E2288C19E}" dt="2024-07-29T17:15:43.643" v="1543"/>
+          <ac:grpSpMkLst>
+            <pc:docMk/>
+            <pc:sldMk cId="695019442" sldId="267"/>
+            <ac:grpSpMk id="5" creationId="{2D792227-ED11-3FBE-7014-78B99B455805}"/>
+          </ac:grpSpMkLst>
+        </pc:grpChg>
+        <pc:picChg chg="add mod">
+          <ac:chgData name="Christopher Turner" userId="108b2705a18cd39f" providerId="LiveId" clId="{BB522EC8-7459-41E9-8DB6-C34E2288C19E}" dt="2024-07-29T17:15:43.643" v="1543"/>
+          <ac:picMkLst>
+            <pc:docMk/>
+            <pc:sldMk cId="695019442" sldId="267"/>
+            <ac:picMk id="7" creationId="{3D01A5DB-9679-01E0-96C8-55D6F0797E68}"/>
+          </ac:picMkLst>
+        </pc:picChg>
+        <pc:picChg chg="add mod">
+          <ac:chgData name="Christopher Turner" userId="108b2705a18cd39f" providerId="LiveId" clId="{BB522EC8-7459-41E9-8DB6-C34E2288C19E}" dt="2024-07-29T17:15:43.643" v="1543"/>
+          <ac:picMkLst>
+            <pc:docMk/>
+            <pc:sldMk cId="695019442" sldId="267"/>
+            <ac:picMk id="8" creationId="{59181394-CBAD-D3B7-F4E0-47C8FB07536B}"/>
+          </ac:picMkLst>
+        </pc:picChg>
+      </pc:sldChg>
+      <pc:sldChg chg="modSp mod modClrScheme chgLayout">
+        <pc:chgData name="Christopher Turner" userId="108b2705a18cd39f" providerId="LiveId" clId="{BB522EC8-7459-41E9-8DB6-C34E2288C19E}" dt="2024-07-29T18:00:02.745" v="2831" actId="1076"/>
+        <pc:sldMkLst>
+          <pc:docMk/>
+          <pc:sldMk cId="3298747479" sldId="268"/>
+        </pc:sldMkLst>
+        <pc:spChg chg="mod ord">
+          <ac:chgData name="Christopher Turner" userId="108b2705a18cd39f" providerId="LiveId" clId="{BB522EC8-7459-41E9-8DB6-C34E2288C19E}" dt="2024-07-29T17:59:53.926" v="2828" actId="1076"/>
+          <ac:spMkLst>
+            <pc:docMk/>
+            <pc:sldMk cId="3298747479" sldId="268"/>
+            <ac:spMk id="2" creationId="{3D7B3BD4-ECBA-DED0-C9B9-A577AF386EB5}"/>
+          </ac:spMkLst>
+        </pc:spChg>
+        <pc:spChg chg="mod ord">
+          <ac:chgData name="Christopher Turner" userId="108b2705a18cd39f" providerId="LiveId" clId="{BB522EC8-7459-41E9-8DB6-C34E2288C19E}" dt="2024-07-29T17:59:57.816" v="2829" actId="1076"/>
+          <ac:spMkLst>
+            <pc:docMk/>
+            <pc:sldMk cId="3298747479" sldId="268"/>
+            <ac:spMk id="3" creationId="{F95E2A37-E369-BD1A-E50B-B049F9C4C2CC}"/>
+          </ac:spMkLst>
+        </pc:spChg>
+        <pc:picChg chg="mod">
+          <ac:chgData name="Christopher Turner" userId="108b2705a18cd39f" providerId="LiveId" clId="{BB522EC8-7459-41E9-8DB6-C34E2288C19E}" dt="2024-07-29T18:00:02.745" v="2831" actId="1076"/>
+          <ac:picMkLst>
+            <pc:docMk/>
+            <pc:sldMk cId="3298747479" sldId="268"/>
+            <ac:picMk id="5" creationId="{D0612024-8713-ABEC-7A36-D8DBC3947B9D}"/>
+          </ac:picMkLst>
+        </pc:picChg>
+        <pc:picChg chg="mod">
+          <ac:chgData name="Christopher Turner" userId="108b2705a18cd39f" providerId="LiveId" clId="{BB522EC8-7459-41E9-8DB6-C34E2288C19E}" dt="2024-07-29T18:00:00.050" v="2830" actId="1076"/>
+          <ac:picMkLst>
+            <pc:docMk/>
+            <pc:sldMk cId="3298747479" sldId="268"/>
+            <ac:picMk id="7" creationId="{75A6D0B5-92F0-4595-3594-3B9CCBB92C0A}"/>
+          </ac:picMkLst>
+        </pc:picChg>
+      </pc:sldChg>
+      <pc:sldChg chg="del">
+        <pc:chgData name="Christopher Turner" userId="108b2705a18cd39f" providerId="LiveId" clId="{BB522EC8-7459-41E9-8DB6-C34E2288C19E}" dt="2024-07-29T17:42:01.150" v="2170" actId="2696"/>
+        <pc:sldMkLst>
+          <pc:docMk/>
+          <pc:sldMk cId="232526807" sldId="269"/>
+        </pc:sldMkLst>
+      </pc:sldChg>
+      <pc:sldChg chg="del">
+        <pc:chgData name="Christopher Turner" userId="108b2705a18cd39f" providerId="LiveId" clId="{BB522EC8-7459-41E9-8DB6-C34E2288C19E}" dt="2024-07-29T17:41:59.002" v="2169" actId="2696"/>
+        <pc:sldMkLst>
+          <pc:docMk/>
+          <pc:sldMk cId="2249364170" sldId="270"/>
+        </pc:sldMkLst>
+      </pc:sldChg>
+      <pc:sldChg chg="addSp delSp modSp mod modClrScheme chgLayout">
+        <pc:chgData name="Christopher Turner" userId="108b2705a18cd39f" providerId="LiveId" clId="{BB522EC8-7459-41E9-8DB6-C34E2288C19E}" dt="2024-07-29T18:00:38.478" v="2844" actId="1076"/>
+        <pc:sldMkLst>
+          <pc:docMk/>
+          <pc:sldMk cId="1221097782" sldId="271"/>
+        </pc:sldMkLst>
+        <pc:spChg chg="del mod ord">
+          <ac:chgData name="Christopher Turner" userId="108b2705a18cd39f" providerId="LiveId" clId="{BB522EC8-7459-41E9-8DB6-C34E2288C19E}" dt="2024-07-29T17:43:03.784" v="2180" actId="478"/>
+          <ac:spMkLst>
+            <pc:docMk/>
+            <pc:sldMk cId="1221097782" sldId="271"/>
+            <ac:spMk id="2" creationId="{3D7B3BD4-ECBA-DED0-C9B9-A577AF386EB5}"/>
+          </ac:spMkLst>
+        </pc:spChg>
+        <pc:spChg chg="del">
+          <ac:chgData name="Christopher Turner" userId="108b2705a18cd39f" providerId="LiveId" clId="{BB522EC8-7459-41E9-8DB6-C34E2288C19E}" dt="2024-07-29T17:31:59.671" v="1872" actId="700"/>
+          <ac:spMkLst>
+            <pc:docMk/>
+            <pc:sldMk cId="1221097782" sldId="271"/>
+            <ac:spMk id="3" creationId="{F95E2A37-E369-BD1A-E50B-B049F9C4C2CC}"/>
+          </ac:spMkLst>
+        </pc:spChg>
+        <pc:spChg chg="add mod">
+          <ac:chgData name="Christopher Turner" userId="108b2705a18cd39f" providerId="LiveId" clId="{BB522EC8-7459-41E9-8DB6-C34E2288C19E}" dt="2024-07-29T17:58:36.310" v="2802" actId="1035"/>
+          <ac:spMkLst>
+            <pc:docMk/>
+            <pc:sldMk cId="1221097782" sldId="271"/>
+            <ac:spMk id="4" creationId="{DE7BC28F-4DB3-C91D-B5FE-70B5786D81BC}"/>
+          </ac:spMkLst>
+        </pc:spChg>
+        <pc:picChg chg="mod">
+          <ac:chgData name="Christopher Turner" userId="108b2705a18cd39f" providerId="LiveId" clId="{BB522EC8-7459-41E9-8DB6-C34E2288C19E}" dt="2024-07-29T18:00:38.478" v="2844" actId="1076"/>
+          <ac:picMkLst>
+            <pc:docMk/>
+            <pc:sldMk cId="1221097782" sldId="271"/>
+            <ac:picMk id="8" creationId="{CBBD7C84-C84B-D82A-8AB9-1258B35C4803}"/>
+          </ac:picMkLst>
+        </pc:picChg>
+      </pc:sldChg>
+      <pc:sldChg chg="delSp del mod">
+        <pc:chgData name="Christopher Turner" userId="108b2705a18cd39f" providerId="LiveId" clId="{BB522EC8-7459-41E9-8DB6-C34E2288C19E}" dt="2024-07-29T15:44:36.924" v="66" actId="2696"/>
+        <pc:sldMkLst>
+          <pc:docMk/>
+          <pc:sldMk cId="3624028729" sldId="272"/>
+        </pc:sldMkLst>
+        <pc:spChg chg="del">
+          <ac:chgData name="Christopher Turner" userId="108b2705a18cd39f" providerId="LiveId" clId="{BB522EC8-7459-41E9-8DB6-C34E2288C19E}" dt="2024-07-29T15:43:33.811" v="57" actId="478"/>
+          <ac:spMkLst>
+            <pc:docMk/>
+            <pc:sldMk cId="3624028729" sldId="272"/>
+            <ac:spMk id="4" creationId="{6F78C5BD-FA19-F3BC-73FA-75F36732B267}"/>
+          </ac:spMkLst>
+        </pc:spChg>
+      </pc:sldChg>
+      <pc:sldChg chg="addSp modSp mod modClrScheme chgLayout">
+        <pc:chgData name="Christopher Turner" userId="108b2705a18cd39f" providerId="LiveId" clId="{BB522EC8-7459-41E9-8DB6-C34E2288C19E}" dt="2024-07-29T18:00:28.721" v="2841" actId="1076"/>
+        <pc:sldMkLst>
+          <pc:docMk/>
+          <pc:sldMk cId="1962405838" sldId="273"/>
+        </pc:sldMkLst>
+        <pc:spChg chg="mod ord">
+          <ac:chgData name="Christopher Turner" userId="108b2705a18cd39f" providerId="LiveId" clId="{BB522EC8-7459-41E9-8DB6-C34E2288C19E}" dt="2024-07-29T18:00:13.637" v="2837" actId="1035"/>
+          <ac:spMkLst>
+            <pc:docMk/>
+            <pc:sldMk cId="1962405838" sldId="273"/>
+            <ac:spMk id="2" creationId="{746A6060-3E7D-287D-51FA-51A0F95A2112}"/>
+          </ac:spMkLst>
+        </pc:spChg>
+        <pc:spChg chg="add mod">
+          <ac:chgData name="Christopher Turner" userId="108b2705a18cd39f" providerId="LiveId" clId="{BB522EC8-7459-41E9-8DB6-C34E2288C19E}" dt="2024-07-29T18:00:28.721" v="2841" actId="1076"/>
+          <ac:spMkLst>
+            <pc:docMk/>
+            <pc:sldMk cId="1962405838" sldId="273"/>
+            <ac:spMk id="3" creationId="{89570E74-6354-5FC8-6E10-84565E200B6A}"/>
+          </ac:spMkLst>
+        </pc:spChg>
+        <pc:picChg chg="mod">
+          <ac:chgData name="Christopher Turner" userId="108b2705a18cd39f" providerId="LiveId" clId="{BB522EC8-7459-41E9-8DB6-C34E2288C19E}" dt="2024-07-29T17:31:34.323" v="1871" actId="1076"/>
+          <ac:picMkLst>
+            <pc:docMk/>
+            <pc:sldMk cId="1962405838" sldId="273"/>
+            <ac:picMk id="5" creationId="{6210ED64-9304-638C-4BF0-555933C81B98}"/>
+          </ac:picMkLst>
+        </pc:picChg>
+        <pc:picChg chg="mod ord">
+          <ac:chgData name="Christopher Turner" userId="108b2705a18cd39f" providerId="LiveId" clId="{BB522EC8-7459-41E9-8DB6-C34E2288C19E}" dt="2024-07-29T18:00:18.411" v="2838" actId="1076"/>
+          <ac:picMkLst>
+            <pc:docMk/>
+            <pc:sldMk cId="1962405838" sldId="273"/>
+            <ac:picMk id="7" creationId="{E3689262-161A-95EB-E04D-7B4A548F81B2}"/>
+          </ac:picMkLst>
+        </pc:picChg>
+      </pc:sldChg>
+      <pc:sldChg chg="addSp delSp modSp add mod modClrScheme chgLayout">
+        <pc:chgData name="Christopher Turner" userId="108b2705a18cd39f" providerId="LiveId" clId="{BB522EC8-7459-41E9-8DB6-C34E2288C19E}" dt="2024-07-29T18:02:36.234" v="3035" actId="1076"/>
+        <pc:sldMkLst>
+          <pc:docMk/>
+          <pc:sldMk cId="4109329943" sldId="274"/>
+        </pc:sldMkLst>
+        <pc:spChg chg="mod ord">
+          <ac:chgData name="Christopher Turner" userId="108b2705a18cd39f" providerId="LiveId" clId="{BB522EC8-7459-41E9-8DB6-C34E2288C19E}" dt="2024-07-29T18:02:36.234" v="3035" actId="1076"/>
+          <ac:spMkLst>
+            <pc:docMk/>
+            <pc:sldMk cId="4109329943" sldId="274"/>
+            <ac:spMk id="2" creationId="{3D7B3BD4-ECBA-DED0-C9B9-A577AF386EB5}"/>
+          </ac:spMkLst>
+        </pc:spChg>
+        <pc:spChg chg="del mod ord">
+          <ac:chgData name="Christopher Turner" userId="108b2705a18cd39f" providerId="LiveId" clId="{BB522EC8-7459-41E9-8DB6-C34E2288C19E}" dt="2024-07-29T17:18:16.591" v="1583" actId="478"/>
+          <ac:spMkLst>
+            <pc:docMk/>
+            <pc:sldMk cId="4109329943" sldId="274"/>
+            <ac:spMk id="3" creationId="{F95E2A37-E369-BD1A-E50B-B049F9C4C2CC}"/>
+          </ac:spMkLst>
+        </pc:spChg>
+        <pc:spChg chg="mod">
+          <ac:chgData name="Christopher Turner" userId="108b2705a18cd39f" providerId="LiveId" clId="{BB522EC8-7459-41E9-8DB6-C34E2288C19E}" dt="2024-07-29T17:29:42.513" v="1848" actId="20577"/>
+          <ac:spMkLst>
+            <pc:docMk/>
+            <pc:sldMk cId="4109329943" sldId="274"/>
+            <ac:spMk id="8" creationId="{1E38D909-BC0F-F19C-C035-634023D6AAC6}"/>
+          </ac:spMkLst>
+        </pc:spChg>
+        <pc:spChg chg="add mod">
+          <ac:chgData name="Christopher Turner" userId="108b2705a18cd39f" providerId="LiveId" clId="{BB522EC8-7459-41E9-8DB6-C34E2288C19E}" dt="2024-07-29T17:26:33.029" v="1831" actId="14100"/>
+          <ac:spMkLst>
+            <pc:docMk/>
+            <pc:sldMk cId="4109329943" sldId="274"/>
+            <ac:spMk id="10" creationId="{A3F91553-DE91-D664-2365-F4B337721CC0}"/>
+          </ac:spMkLst>
+        </pc:spChg>
+        <pc:grpChg chg="add mod">
+          <ac:chgData name="Christopher Turner" userId="108b2705a18cd39f" providerId="LiveId" clId="{BB522EC8-7459-41E9-8DB6-C34E2288C19E}" dt="2024-07-29T17:26:39.545" v="1834" actId="14100"/>
+          <ac:grpSpMkLst>
+            <pc:docMk/>
+            <pc:sldMk cId="4109329943" sldId="274"/>
+            <ac:grpSpMk id="4" creationId="{846FD744-8905-7FAE-2545-A8AE4A9046C2}"/>
+          </ac:grpSpMkLst>
+        </pc:grpChg>
+        <pc:grpChg chg="del">
+          <ac:chgData name="Christopher Turner" userId="108b2705a18cd39f" providerId="LiveId" clId="{BB522EC8-7459-41E9-8DB6-C34E2288C19E}" dt="2024-07-29T17:16:42.606" v="1550" actId="478"/>
+          <ac:grpSpMkLst>
+            <pc:docMk/>
+            <pc:sldMk cId="4109329943" sldId="274"/>
+            <ac:grpSpMk id="5" creationId="{5C067980-62CE-29BF-8E05-3DFED2B2DE57}"/>
+          </ac:grpSpMkLst>
+        </pc:grpChg>
+        <pc:grpChg chg="add mod">
+          <ac:chgData name="Christopher Turner" userId="108b2705a18cd39f" providerId="LiveId" clId="{BB522EC8-7459-41E9-8DB6-C34E2288C19E}" dt="2024-07-29T17:16:45.222" v="1551"/>
+          <ac:grpSpMkLst>
+            <pc:docMk/>
+            <pc:sldMk cId="4109329943" sldId="274"/>
+            <ac:grpSpMk id="9" creationId="{04F5A751-F3BE-185A-89FC-939151DB75AD}"/>
+          </ac:grpSpMkLst>
+        </pc:grpChg>
+        <pc:picChg chg="add mod">
+          <ac:chgData name="Christopher Turner" userId="108b2705a18cd39f" providerId="LiveId" clId="{BB522EC8-7459-41E9-8DB6-C34E2288C19E}" dt="2024-07-29T17:16:45.222" v="1551"/>
+          <ac:picMkLst>
+            <pc:docMk/>
+            <pc:sldMk cId="4109329943" sldId="274"/>
+            <ac:picMk id="11" creationId="{A59E993D-362F-6EEB-FB8A-D59703936266}"/>
+          </ac:picMkLst>
+        </pc:picChg>
+        <pc:picChg chg="add mod">
+          <ac:chgData name="Christopher Turner" userId="108b2705a18cd39f" providerId="LiveId" clId="{BB522EC8-7459-41E9-8DB6-C34E2288C19E}" dt="2024-07-29T17:16:45.222" v="1551"/>
+          <ac:picMkLst>
+            <pc:docMk/>
+            <pc:sldMk cId="4109329943" sldId="274"/>
+            <ac:picMk id="12" creationId="{14ABE21E-B607-3882-6700-DA0B916CB8D9}"/>
+          </ac:picMkLst>
+        </pc:picChg>
+      </pc:sldChg>
+      <pc:sldChg chg="addSp delSp modSp add mod">
+        <pc:chgData name="Christopher Turner" userId="108b2705a18cd39f" providerId="LiveId" clId="{BB522EC8-7459-41E9-8DB6-C34E2288C19E}" dt="2024-07-29T17:59:30.014" v="2821" actId="1076"/>
+        <pc:sldMkLst>
+          <pc:docMk/>
+          <pc:sldMk cId="856167990" sldId="275"/>
+        </pc:sldMkLst>
+        <pc:spChg chg="mod">
+          <ac:chgData name="Christopher Turner" userId="108b2705a18cd39f" providerId="LiveId" clId="{BB522EC8-7459-41E9-8DB6-C34E2288C19E}" dt="2024-07-29T17:59:30.014" v="2821" actId="1076"/>
+          <ac:spMkLst>
+            <pc:docMk/>
+            <pc:sldMk cId="856167990" sldId="275"/>
+            <ac:spMk id="2" creationId="{3D7B3BD4-ECBA-DED0-C9B9-A577AF386EB5}"/>
+          </ac:spMkLst>
+        </pc:spChg>
+        <pc:spChg chg="add mod">
+          <ac:chgData name="Christopher Turner" userId="108b2705a18cd39f" providerId="LiveId" clId="{BB522EC8-7459-41E9-8DB6-C34E2288C19E}" dt="2024-07-29T17:25:24.537" v="1828" actId="14100"/>
+          <ac:spMkLst>
+            <pc:docMk/>
+            <pc:sldMk cId="856167990" sldId="275"/>
+            <ac:spMk id="6" creationId="{8DADC90C-EC8B-1124-1F11-CE27BC03A196}"/>
+          </ac:spMkLst>
+        </pc:spChg>
+        <pc:grpChg chg="add mod">
+          <ac:chgData name="Christopher Turner" userId="108b2705a18cd39f" providerId="LiveId" clId="{BB522EC8-7459-41E9-8DB6-C34E2288C19E}" dt="2024-07-29T17:25:29.006" v="1829" actId="1076"/>
+          <ac:grpSpMkLst>
+            <pc:docMk/>
+            <pc:sldMk cId="856167990" sldId="275"/>
+            <ac:grpSpMk id="3" creationId="{395E5113-2138-667A-9CAE-5CFA3B815A6B}"/>
+          </ac:grpSpMkLst>
+        </pc:grpChg>
+        <pc:grpChg chg="del">
+          <ac:chgData name="Christopher Turner" userId="108b2705a18cd39f" providerId="LiveId" clId="{BB522EC8-7459-41E9-8DB6-C34E2288C19E}" dt="2024-07-29T17:25:00.991" v="1820" actId="478"/>
+          <ac:grpSpMkLst>
+            <pc:docMk/>
+            <pc:sldMk cId="856167990" sldId="275"/>
+            <ac:grpSpMk id="4" creationId="{846FD744-8905-7FAE-2545-A8AE4A9046C2}"/>
+          </ac:grpSpMkLst>
+        </pc:grpChg>
+        <pc:picChg chg="add mod">
+          <ac:chgData name="Christopher Turner" userId="108b2705a18cd39f" providerId="LiveId" clId="{BB522EC8-7459-41E9-8DB6-C34E2288C19E}" dt="2024-07-29T17:25:04.446" v="1821"/>
+          <ac:picMkLst>
+            <pc:docMk/>
+            <pc:sldMk cId="856167990" sldId="275"/>
+            <ac:picMk id="5" creationId="{8B5FFBBF-79D2-BD41-C28A-A80426EB5DED}"/>
+          </ac:picMkLst>
+        </pc:picChg>
+      </pc:sldChg>
+      <pc:sldChg chg="addSp delSp modSp add mod ord setBg modClrScheme delDesignElem chgLayout">
+        <pc:chgData name="Christopher Turner" userId="108b2705a18cd39f" providerId="LiveId" clId="{BB522EC8-7459-41E9-8DB6-C34E2288C19E}" dt="2024-07-29T17:58:15.132" v="2797" actId="1076"/>
+        <pc:sldMkLst>
+          <pc:docMk/>
+          <pc:sldMk cId="81684999" sldId="276"/>
+        </pc:sldMkLst>
+        <pc:spChg chg="del mod ord">
+          <ac:chgData name="Christopher Turner" userId="108b2705a18cd39f" providerId="LiveId" clId="{BB522EC8-7459-41E9-8DB6-C34E2288C19E}" dt="2024-07-29T17:43:18.930" v="2184" actId="478"/>
+          <ac:spMkLst>
+            <pc:docMk/>
+            <pc:sldMk cId="81684999" sldId="276"/>
+            <ac:spMk id="2" creationId="{3D7B3BD4-ECBA-DED0-C9B9-A577AF386EB5}"/>
+          </ac:spMkLst>
+        </pc:spChg>
+        <pc:spChg chg="mod ord">
+          <ac:chgData name="Christopher Turner" userId="108b2705a18cd39f" providerId="LiveId" clId="{BB522EC8-7459-41E9-8DB6-C34E2288C19E}" dt="2024-07-29T17:57:56.462" v="2793" actId="1035"/>
+          <ac:spMkLst>
+            <pc:docMk/>
+            <pc:sldMk cId="81684999" sldId="276"/>
+            <ac:spMk id="3" creationId="{F95E2A37-E369-BD1A-E50B-B049F9C4C2CC}"/>
+          </ac:spMkLst>
+        </pc:spChg>
+        <pc:spChg chg="add mod">
+          <ac:chgData name="Christopher Turner" userId="108b2705a18cd39f" providerId="LiveId" clId="{BB522EC8-7459-41E9-8DB6-C34E2288C19E}" dt="2024-07-29T17:43:17.211" v="2183"/>
+          <ac:spMkLst>
+            <pc:docMk/>
+            <pc:sldMk cId="81684999" sldId="276"/>
+            <ac:spMk id="4" creationId="{1F8D9ECC-1070-53CD-8B59-5AE0C40DBCC7}"/>
+          </ac:spMkLst>
+        </pc:spChg>
+        <pc:spChg chg="add mod">
+          <ac:chgData name="Christopher Turner" userId="108b2705a18cd39f" providerId="LiveId" clId="{BB522EC8-7459-41E9-8DB6-C34E2288C19E}" dt="2024-07-29T17:58:15.132" v="2797" actId="1076"/>
+          <ac:spMkLst>
+            <pc:docMk/>
+            <pc:sldMk cId="81684999" sldId="276"/>
+            <ac:spMk id="6" creationId="{4104B51A-6C83-3663-1160-E079108B01E5}"/>
+          </ac:spMkLst>
+        </pc:spChg>
+        <pc:spChg chg="add mod">
+          <ac:chgData name="Christopher Turner" userId="108b2705a18cd39f" providerId="LiveId" clId="{BB522EC8-7459-41E9-8DB6-C34E2288C19E}" dt="2024-07-29T17:47:22.261" v="2287" actId="368"/>
+          <ac:spMkLst>
+            <pc:docMk/>
+            <pc:sldMk cId="81684999" sldId="276"/>
+            <ac:spMk id="10" creationId="{DBEC776E-E2BB-CC44-1EA1-744B77246396}"/>
+          </ac:spMkLst>
+        </pc:spChg>
+        <pc:spChg chg="add del mod topLvl">
+          <ac:chgData name="Christopher Turner" userId="108b2705a18cd39f" providerId="LiveId" clId="{BB522EC8-7459-41E9-8DB6-C34E2288C19E}" dt="2024-07-29T17:51:32.864" v="2408" actId="478"/>
+          <ac:spMkLst>
+            <pc:docMk/>
+            <pc:sldMk cId="81684999" sldId="276"/>
+            <ac:spMk id="13" creationId="{5072383B-1CF6-D899-21FE-EBB15EC5F597}"/>
+          </ac:spMkLst>
+        </pc:spChg>
+        <pc:spChg chg="add del">
+          <ac:chgData name="Christopher Turner" userId="108b2705a18cd39f" providerId="LiveId" clId="{BB522EC8-7459-41E9-8DB6-C34E2288C19E}" dt="2024-07-29T17:47:17.342" v="2280" actId="26606"/>
+          <ac:spMkLst>
+            <pc:docMk/>
+            <pc:sldMk cId="81684999" sldId="276"/>
+            <ac:spMk id="15" creationId="{0E830057-F4EE-412A-8526-36BE1CE18C85}"/>
+          </ac:spMkLst>
+        </pc:spChg>
+        <pc:spChg chg="add del">
+          <ac:chgData name="Christopher Turner" userId="108b2705a18cd39f" providerId="LiveId" clId="{BB522EC8-7459-41E9-8DB6-C34E2288C19E}" dt="2024-07-29T17:47:17.342" v="2280" actId="26606"/>
+          <ac:spMkLst>
+            <pc:docMk/>
+            <pc:sldMk cId="81684999" sldId="276"/>
+            <ac:spMk id="17" creationId="{BAAEBA82-E2D4-4653-AEE3-E95B330DDA21}"/>
+          </ac:spMkLst>
+        </pc:spChg>
+        <pc:spChg chg="add mod">
+          <ac:chgData name="Christopher Turner" userId="108b2705a18cd39f" providerId="LiveId" clId="{BB522EC8-7459-41E9-8DB6-C34E2288C19E}" dt="2024-07-29T17:57:50.160" v="2787" actId="14100"/>
+          <ac:spMkLst>
+            <pc:docMk/>
+            <pc:sldMk cId="81684999" sldId="276"/>
+            <ac:spMk id="18" creationId="{34C3CB71-02F5-6B27-265E-AF122730097B}"/>
+          </ac:spMkLst>
+        </pc:spChg>
+        <pc:spChg chg="add del">
+          <ac:chgData name="Christopher Turner" userId="108b2705a18cd39f" providerId="LiveId" clId="{BB522EC8-7459-41E9-8DB6-C34E2288C19E}" dt="2024-07-29T17:47:17.342" v="2280" actId="26606"/>
+          <ac:spMkLst>
+            <pc:docMk/>
+            <pc:sldMk cId="81684999" sldId="276"/>
+            <ac:spMk id="19" creationId="{2386509E-DAF8-4DA0-B09B-FA3FB341C2BC}"/>
+          </ac:spMkLst>
+        </pc:spChg>
+        <pc:spChg chg="add del">
+          <ac:chgData name="Christopher Turner" userId="108b2705a18cd39f" providerId="LiveId" clId="{BB522EC8-7459-41E9-8DB6-C34E2288C19E}" dt="2024-07-29T17:47:17.342" v="2280" actId="26606"/>
+          <ac:spMkLst>
+            <pc:docMk/>
+            <pc:sldMk cId="81684999" sldId="276"/>
+            <ac:spMk id="21" creationId="{A104403F-BB31-4282-8635-1B39793F3684}"/>
+          </ac:spMkLst>
+        </pc:spChg>
+        <pc:spChg chg="add del">
+          <ac:chgData name="Christopher Turner" userId="108b2705a18cd39f" providerId="LiveId" clId="{BB522EC8-7459-41E9-8DB6-C34E2288C19E}" dt="2024-07-29T17:47:17.342" v="2280" actId="26606"/>
+          <ac:spMkLst>
+            <pc:docMk/>
+            <pc:sldMk cId="81684999" sldId="276"/>
+            <ac:spMk id="23" creationId="{2A28AC4B-805D-4091-A648-61572081C7FB}"/>
+          </ac:spMkLst>
+        </pc:spChg>
+        <pc:spChg chg="add del">
+          <ac:chgData name="Christopher Turner" userId="108b2705a18cd39f" providerId="LiveId" clId="{BB522EC8-7459-41E9-8DB6-C34E2288C19E}" dt="2024-07-29T17:47:17.342" v="2280" actId="26606"/>
+          <ac:spMkLst>
+            <pc:docMk/>
+            <pc:sldMk cId="81684999" sldId="276"/>
+            <ac:spMk id="25" creationId="{39373A6F-2E1F-4613-8E1D-D68057D29F31}"/>
+          </ac:spMkLst>
+        </pc:spChg>
+        <pc:spChg chg="add del">
+          <ac:chgData name="Christopher Turner" userId="108b2705a18cd39f" providerId="LiveId" clId="{BB522EC8-7459-41E9-8DB6-C34E2288C19E}" dt="2024-07-29T17:47:17.342" v="2280" actId="26606"/>
+          <ac:spMkLst>
+            <pc:docMk/>
+            <pc:sldMk cId="81684999" sldId="276"/>
+            <ac:spMk id="27" creationId="{A6D733BE-061E-4600-B6A3-62A68EF2C687}"/>
+          </ac:spMkLst>
+        </pc:spChg>
+        <pc:grpChg chg="add mod">
+          <ac:chgData name="Christopher Turner" userId="108b2705a18cd39f" providerId="LiveId" clId="{BB522EC8-7459-41E9-8DB6-C34E2288C19E}" dt="2024-07-29T17:58:03.972" v="2795" actId="14100"/>
+          <ac:grpSpMkLst>
+            <pc:docMk/>
+            <pc:sldMk cId="81684999" sldId="276"/>
+            <ac:grpSpMk id="8" creationId="{DDEBE423-5BB0-1151-5816-6C62721B10A5}"/>
+          </ac:grpSpMkLst>
+        </pc:grpChg>
+        <pc:grpChg chg="add del mod">
+          <ac:chgData name="Christopher Turner" userId="108b2705a18cd39f" providerId="LiveId" clId="{BB522EC8-7459-41E9-8DB6-C34E2288C19E}" dt="2024-07-29T17:49:38.270" v="2323" actId="478"/>
+          <ac:grpSpMkLst>
+            <pc:docMk/>
+            <pc:sldMk cId="81684999" sldId="276"/>
+            <ac:grpSpMk id="11" creationId="{EB38B920-7428-C4B7-C340-49C4DA1CDAC3}"/>
+          </ac:grpSpMkLst>
+        </pc:grpChg>
+        <pc:picChg chg="del">
+          <ac:chgData name="Christopher Turner" userId="108b2705a18cd39f" providerId="LiveId" clId="{BB522EC8-7459-41E9-8DB6-C34E2288C19E}" dt="2024-07-29T17:43:36.233" v="2199" actId="478"/>
+          <ac:picMkLst>
+            <pc:docMk/>
+            <pc:sldMk cId="81684999" sldId="276"/>
+            <ac:picMk id="5" creationId="{D0612024-8713-ABEC-7A36-D8DBC3947B9D}"/>
+          </ac:picMkLst>
+        </pc:picChg>
+        <pc:picChg chg="del">
+          <ac:chgData name="Christopher Turner" userId="108b2705a18cd39f" providerId="LiveId" clId="{BB522EC8-7459-41E9-8DB6-C34E2288C19E}" dt="2024-07-29T17:43:34.616" v="2198" actId="478"/>
+          <ac:picMkLst>
+            <pc:docMk/>
+            <pc:sldMk cId="81684999" sldId="276"/>
+            <ac:picMk id="7" creationId="{75A6D0B5-92F0-4595-3594-3B9CCBB92C0A}"/>
+          </ac:picMkLst>
+        </pc:picChg>
+        <pc:picChg chg="add mod">
+          <ac:chgData name="Christopher Turner" userId="108b2705a18cd39f" providerId="LiveId" clId="{BB522EC8-7459-41E9-8DB6-C34E2288C19E}" dt="2024-07-29T17:44:26.078" v="2201"/>
+          <ac:picMkLst>
+            <pc:docMk/>
+            <pc:sldMk cId="81684999" sldId="276"/>
+            <ac:picMk id="9" creationId="{D8B162F7-42C6-43D7-1705-F9C62383C721}"/>
+          </ac:picMkLst>
+        </pc:picChg>
+        <pc:picChg chg="add del mod topLvl">
+          <ac:chgData name="Christopher Turner" userId="108b2705a18cd39f" providerId="LiveId" clId="{BB522EC8-7459-41E9-8DB6-C34E2288C19E}" dt="2024-07-29T17:49:38.270" v="2323" actId="478"/>
+          <ac:picMkLst>
+            <pc:docMk/>
+            <pc:sldMk cId="81684999" sldId="276"/>
+            <ac:picMk id="12" creationId="{A16D297F-C38B-D77C-DACC-8A76BC14C265}"/>
+          </ac:picMkLst>
+        </pc:picChg>
+        <pc:picChg chg="add mod">
+          <ac:chgData name="Christopher Turner" userId="108b2705a18cd39f" providerId="LiveId" clId="{BB522EC8-7459-41E9-8DB6-C34E2288C19E}" dt="2024-07-29T17:57:35.084" v="2779" actId="1076"/>
+          <ac:picMkLst>
+            <pc:docMk/>
+            <pc:sldMk cId="81684999" sldId="276"/>
+            <ac:picMk id="16" creationId="{FCF9F9C8-B2EF-96BB-993B-2A44117B787C}"/>
+          </ac:picMkLst>
+        </pc:picChg>
+      </pc:sldChg>
+      <pc:sldChg chg="addSp delSp modSp add mod">
+        <pc:chgData name="Christopher Turner" userId="108b2705a18cd39f" providerId="LiveId" clId="{BB522EC8-7459-41E9-8DB6-C34E2288C19E}" dt="2024-07-29T18:02:23.471" v="3033" actId="20577"/>
+        <pc:sldMkLst>
+          <pc:docMk/>
+          <pc:sldMk cId="3213317525" sldId="277"/>
+        </pc:sldMkLst>
+        <pc:spChg chg="mod">
+          <ac:chgData name="Christopher Turner" userId="108b2705a18cd39f" providerId="LiveId" clId="{BB522EC8-7459-41E9-8DB6-C34E2288C19E}" dt="2024-07-29T18:02:23.471" v="3033" actId="20577"/>
+          <ac:spMkLst>
+            <pc:docMk/>
+            <pc:sldMk cId="3213317525" sldId="277"/>
+            <ac:spMk id="3" creationId="{F95E2A37-E369-BD1A-E50B-B049F9C4C2CC}"/>
+          </ac:spMkLst>
+        </pc:spChg>
+        <pc:spChg chg="add mod">
+          <ac:chgData name="Christopher Turner" userId="108b2705a18cd39f" providerId="LiveId" clId="{BB522EC8-7459-41E9-8DB6-C34E2288C19E}" dt="2024-07-29T17:53:09.766" v="2425"/>
+          <ac:spMkLst>
+            <pc:docMk/>
+            <pc:sldMk cId="3213317525" sldId="277"/>
+            <ac:spMk id="5" creationId="{46E64252-C676-5A42-B746-5163FEDF0909}"/>
+          </ac:spMkLst>
+        </pc:spChg>
+        <pc:spChg chg="mod">
+          <ac:chgData name="Christopher Turner" userId="108b2705a18cd39f" providerId="LiveId" clId="{BB522EC8-7459-41E9-8DB6-C34E2288C19E}" dt="2024-07-29T18:00:52.405" v="2861" actId="1037"/>
+          <ac:spMkLst>
+            <pc:docMk/>
+            <pc:sldMk cId="3213317525" sldId="277"/>
+            <ac:spMk id="6" creationId="{4104B51A-6C83-3663-1160-E079108B01E5}"/>
+          </ac:spMkLst>
+        </pc:spChg>
+        <pc:spChg chg="del">
+          <ac:chgData name="Christopher Turner" userId="108b2705a18cd39f" providerId="LiveId" clId="{BB522EC8-7459-41E9-8DB6-C34E2288C19E}" dt="2024-07-29T17:53:14.044" v="2426" actId="478"/>
+          <ac:spMkLst>
+            <pc:docMk/>
+            <pc:sldMk cId="3213317525" sldId="277"/>
+            <ac:spMk id="18" creationId="{34C3CB71-02F5-6B27-265E-AF122730097B}"/>
+          </ac:spMkLst>
+        </pc:spChg>
+        <pc:grpChg chg="add mod">
+          <ac:chgData name="Christopher Turner" userId="108b2705a18cd39f" providerId="LiveId" clId="{BB522EC8-7459-41E9-8DB6-C34E2288C19E}" dt="2024-07-29T17:53:20.966" v="2429" actId="14100"/>
+          <ac:grpSpMkLst>
+            <pc:docMk/>
+            <pc:sldMk cId="3213317525" sldId="277"/>
+            <ac:grpSpMk id="2" creationId="{2B2C7651-A1EE-7D62-1587-A87C9132013E}"/>
+          </ac:grpSpMkLst>
+        </pc:grpChg>
+        <pc:grpChg chg="del">
+          <ac:chgData name="Christopher Turner" userId="108b2705a18cd39f" providerId="LiveId" clId="{BB522EC8-7459-41E9-8DB6-C34E2288C19E}" dt="2024-07-29T17:53:07.825" v="2423" actId="478"/>
+          <ac:grpSpMkLst>
+            <pc:docMk/>
+            <pc:sldMk cId="3213317525" sldId="277"/>
+            <ac:grpSpMk id="8" creationId="{DDEBE423-5BB0-1151-5816-6C62721B10A5}"/>
+          </ac:grpSpMkLst>
+        </pc:grpChg>
+        <pc:picChg chg="add mod">
+          <ac:chgData name="Christopher Turner" userId="108b2705a18cd39f" providerId="LiveId" clId="{BB522EC8-7459-41E9-8DB6-C34E2288C19E}" dt="2024-07-29T17:53:09.766" v="2425"/>
+          <ac:picMkLst>
+            <pc:docMk/>
+            <pc:sldMk cId="3213317525" sldId="277"/>
+            <ac:picMk id="4" creationId="{E83BB578-3172-E410-208D-49C3C7ABEADF}"/>
+          </ac:picMkLst>
+        </pc:picChg>
+        <pc:picChg chg="del">
+          <ac:chgData name="Christopher Turner" userId="108b2705a18cd39f" providerId="LiveId" clId="{BB522EC8-7459-41E9-8DB6-C34E2288C19E}" dt="2024-07-29T17:53:08.367" v="2424" actId="478"/>
+          <ac:picMkLst>
+            <pc:docMk/>
+            <pc:sldMk cId="3213317525" sldId="277"/>
+            <ac:picMk id="16" creationId="{FCF9F9C8-B2EF-96BB-993B-2A44117B787C}"/>
+          </ac:picMkLst>
+        </pc:picChg>
+      </pc:sldChg>
+    </pc:docChg>
+  </pc:docChgLst>
+  <pc:docChgLst>
+    <pc:chgData name="Christopher Turner" userId="108b2705a18cd39f" providerId="LiveId" clId="{55AC9312-E998-4403-AFE4-5A3F6F9DB2D4}"/>
+    <pc:docChg chg="custSel modSld">
+      <pc:chgData name="Christopher Turner" userId="108b2705a18cd39f" providerId="LiveId" clId="{55AC9312-E998-4403-AFE4-5A3F6F9DB2D4}" dt="2024-07-26T00:40:23.495" v="253" actId="20577"/>
+      <pc:docMkLst>
+        <pc:docMk/>
+      </pc:docMkLst>
+      <pc:sldChg chg="modSp mod">
+        <pc:chgData name="Christopher Turner" userId="108b2705a18cd39f" providerId="LiveId" clId="{55AC9312-E998-4403-AFE4-5A3F6F9DB2D4}" dt="2024-07-26T00:40:23.495" v="253" actId="20577"/>
+        <pc:sldMkLst>
+          <pc:docMk/>
+          <pc:sldMk cId="3382765918" sldId="259"/>
+        </pc:sldMkLst>
+        <pc:spChg chg="mod">
+          <ac:chgData name="Christopher Turner" userId="108b2705a18cd39f" providerId="LiveId" clId="{55AC9312-E998-4403-AFE4-5A3F6F9DB2D4}" dt="2024-07-26T00:40:23.495" v="253" actId="20577"/>
+          <ac:spMkLst>
+            <pc:docMk/>
+            <pc:sldMk cId="3382765918" sldId="259"/>
+            <ac:spMk id="3" creationId="{00000000-0000-0000-0000-000000000000}"/>
+          </ac:spMkLst>
+        </pc:spChg>
+      </pc:sldChg>
+      <pc:sldChg chg="addSp mod">
+        <pc:chgData name="Christopher Turner" userId="108b2705a18cd39f" providerId="LiveId" clId="{55AC9312-E998-4403-AFE4-5A3F6F9DB2D4}" dt="2024-07-26T00:27:46.829" v="22" actId="11529"/>
+        <pc:sldMkLst>
+          <pc:docMk/>
+          <pc:sldMk cId="2357912295" sldId="266"/>
+        </pc:sldMkLst>
+        <pc:spChg chg="add">
+          <ac:chgData name="Christopher Turner" userId="108b2705a18cd39f" providerId="LiveId" clId="{55AC9312-E998-4403-AFE4-5A3F6F9DB2D4}" dt="2024-07-26T00:27:46.829" v="22" actId="11529"/>
+          <ac:spMkLst>
+            <pc:docMk/>
+            <pc:sldMk cId="2357912295" sldId="266"/>
+            <ac:spMk id="4" creationId="{F1016C3E-913B-FD80-80AD-1BB04C427B36}"/>
+          </ac:spMkLst>
+        </pc:spChg>
+      </pc:sldChg>
+      <pc:sldChg chg="modSp mod">
+        <pc:chgData name="Christopher Turner" userId="108b2705a18cd39f" providerId="LiveId" clId="{55AC9312-E998-4403-AFE4-5A3F6F9DB2D4}" dt="2024-07-25T23:43:52.927" v="21" actId="20577"/>
+        <pc:sldMkLst>
+          <pc:docMk/>
+          <pc:sldMk cId="1221097782" sldId="271"/>
+        </pc:sldMkLst>
+        <pc:spChg chg="mod">
+          <ac:chgData name="Christopher Turner" userId="108b2705a18cd39f" providerId="LiveId" clId="{55AC9312-E998-4403-AFE4-5A3F6F9DB2D4}" dt="2024-07-25T23:43:52.927" v="21" actId="20577"/>
+          <ac:spMkLst>
+            <pc:docMk/>
+            <pc:sldMk cId="1221097782" sldId="271"/>
+            <ac:spMk id="2" creationId="{3D7B3BD4-ECBA-DED0-C9B9-A577AF386EB5}"/>
           </ac:spMkLst>
         </pc:spChg>
       </pc:sldChg>
@@ -703,7 +1640,7 @@
           <a:p>
             <a:fld id="{A5C20BB3-3CCB-4FE5-991B-82F6BCB48AF3}" type="datetimeFigureOut">
               <a:rPr lang="en-US" smtClean="0"/>
-              <a:t>7/28/2024</a:t>
+              <a:t>7/29/2024</a:t>
             </a:fld>
             <a:endParaRPr lang="en-US"/>
           </a:p>
@@ -1326,7 +2263,7 @@
             <a:fld id="{B61BEF0D-F0BB-DE4B-95CE-6DB70DBA9567}" type="datetimeFigureOut">
               <a:rPr lang="en-US" dirty="0"/>
               <a:pPr/>
-              <a:t>7/28/2024</a:t>
+              <a:t>7/29/2024</a:t>
             </a:fld>
             <a:endParaRPr lang="en-US" dirty="0"/>
           </a:p>
@@ -1590,7 +2527,7 @@
             <a:fld id="{B61BEF0D-F0BB-DE4B-95CE-6DB70DBA9567}" type="datetimeFigureOut">
               <a:rPr lang="en-US" dirty="0"/>
               <a:pPr/>
-              <a:t>7/28/2024</a:t>
+              <a:t>7/29/2024</a:t>
             </a:fld>
             <a:endParaRPr lang="en-US" dirty="0"/>
           </a:p>
@@ -1827,7 +2764,7 @@
             <a:fld id="{B61BEF0D-F0BB-DE4B-95CE-6DB70DBA9567}" type="datetimeFigureOut">
               <a:rPr lang="en-US" dirty="0"/>
               <a:pPr/>
-              <a:t>7/28/2024</a:t>
+              <a:t>7/29/2024</a:t>
             </a:fld>
             <a:endParaRPr lang="en-US" dirty="0"/>
           </a:p>
@@ -2085,7 +3022,7 @@
           <a:p>
             <a:fld id="{3652CD92-9D15-43B4-8516-073FCDAC90D4}" type="datetimeFigureOut">
               <a:rPr lang="en-US" smtClean="0"/>
-              <a:t>7/28/2024</a:t>
+              <a:t>7/29/2024</a:t>
             </a:fld>
             <a:endParaRPr lang="en-US"/>
           </a:p>
@@ -2342,7 +3279,7 @@
             <a:fld id="{B61BEF0D-F0BB-DE4B-95CE-6DB70DBA9567}" type="datetimeFigureOut">
               <a:rPr lang="en-US" dirty="0"/>
               <a:pPr/>
-              <a:t>7/28/2024</a:t>
+              <a:t>7/29/2024</a:t>
             </a:fld>
             <a:endParaRPr lang="en-US" dirty="0"/>
           </a:p>
@@ -2651,7 +3588,7 @@
             <a:fld id="{B61BEF0D-F0BB-DE4B-95CE-6DB70DBA9567}" type="datetimeFigureOut">
               <a:rPr lang="en-US" dirty="0"/>
               <a:pPr/>
-              <a:t>7/28/2024</a:t>
+              <a:t>7/29/2024</a:t>
             </a:fld>
             <a:endParaRPr lang="en-US" dirty="0"/>
           </a:p>
@@ -2955,7 +3892,7 @@
             <a:fld id="{B61BEF0D-F0BB-DE4B-95CE-6DB70DBA9567}" type="datetimeFigureOut">
               <a:rPr lang="en-US" dirty="0"/>
               <a:pPr/>
-              <a:t>7/28/2024</a:t>
+              <a:t>7/29/2024</a:t>
             </a:fld>
             <a:endParaRPr lang="en-US" dirty="0"/>
           </a:p>
@@ -3379,7 +4316,7 @@
             <a:fld id="{B61BEF0D-F0BB-DE4B-95CE-6DB70DBA9567}" type="datetimeFigureOut">
               <a:rPr lang="en-US" dirty="0"/>
               <a:pPr/>
-              <a:t>7/28/2024</a:t>
+              <a:t>7/29/2024</a:t>
             </a:fld>
             <a:endParaRPr lang="en-US" dirty="0"/>
           </a:p>
@@ -3543,7 +4480,7 @@
             <a:fld id="{B61BEF0D-F0BB-DE4B-95CE-6DB70DBA9567}" type="datetimeFigureOut">
               <a:rPr lang="en-US" dirty="0"/>
               <a:pPr/>
-              <a:t>7/28/2024</a:t>
+              <a:t>7/29/2024</a:t>
             </a:fld>
             <a:endParaRPr lang="en-US" dirty="0"/>
           </a:p>
@@ -3640,7 +4577,7 @@
             <a:fld id="{B61BEF0D-F0BB-DE4B-95CE-6DB70DBA9567}" type="datetimeFigureOut">
               <a:rPr lang="en-US" dirty="0"/>
               <a:pPr/>
-              <a:t>7/28/2024</a:t>
+              <a:t>7/29/2024</a:t>
             </a:fld>
             <a:endParaRPr lang="en-US" dirty="0"/>
           </a:p>
@@ -4020,7 +4957,7 @@
             <a:fld id="{B61BEF0D-F0BB-DE4B-95CE-6DB70DBA9567}" type="datetimeFigureOut">
               <a:rPr lang="en-US" dirty="0"/>
               <a:pPr/>
-              <a:t>7/28/2024</a:t>
+              <a:t>7/29/2024</a:t>
             </a:fld>
             <a:endParaRPr lang="en-US" dirty="0"/>
           </a:p>
@@ -4311,7 +5248,7 @@
             <a:fld id="{B61BEF0D-F0BB-DE4B-95CE-6DB70DBA9567}" type="datetimeFigureOut">
               <a:rPr lang="en-US" dirty="0"/>
               <a:pPr/>
-              <a:t>7/28/2024</a:t>
+              <a:t>7/29/2024</a:t>
             </a:fld>
             <a:endParaRPr lang="en-US" dirty="0"/>
           </a:p>
@@ -4524,7 +5461,7 @@
             <a:fld id="{B61BEF0D-F0BB-DE4B-95CE-6DB70DBA9567}" type="datetimeFigureOut">
               <a:rPr lang="en-US" dirty="0"/>
               <a:pPr/>
-              <a:t>7/28/2024</a:t>
+              <a:t>7/29/2024</a:t>
             </a:fld>
             <a:endParaRPr lang="en-US" dirty="0"/>
           </a:p>
@@ -5259,7 +6196,7 @@
           <a:p>
             <a:fld id="{3652CD92-9D15-43B4-8516-073FCDAC90D4}" type="datetimeFigureOut">
               <a:rPr lang="en-US" smtClean="0"/>
-              <a:t>7/28/2024</a:t>
+              <a:t>7/29/2024</a:t>
             </a:fld>
             <a:endParaRPr lang="en-US"/>
           </a:p>
@@ -5724,65 +6661,6 @@
       </p:sp>
       <p:sp>
         <p:nvSpPr>
-          <p:cNvPr id="2" name="Title 1"/>
-          <p:cNvSpPr>
-            <a:spLocks noGrp="1"/>
-          </p:cNvSpPr>
-          <p:nvPr>
-            <p:ph type="ctrTitle"/>
-          </p:nvPr>
-        </p:nvSpPr>
-        <p:spPr>
-          <a:xfrm>
-            <a:off x="446533" y="1552397"/>
-            <a:ext cx="7231784" cy="3654081"/>
-          </a:xfrm>
-        </p:spPr>
-        <p:txBody>
-          <a:bodyPr anchor="ctr">
-            <a:normAutofit/>
-          </a:bodyPr>
-          <a:lstStyle/>
-          <a:p>
-            <a:r>
-              <a:rPr lang="en-US" sz="5400" dirty="0">
-                <a:solidFill>
-                  <a:schemeClr val="tx2"/>
-                </a:solidFill>
-              </a:rPr>
-              <a:t>Movies data exploration and Visualization</a:t>
-            </a:r>
-          </a:p>
-        </p:txBody>
-      </p:sp>
-      <p:sp>
-        <p:nvSpPr>
-          <p:cNvPr id="3" name="Content Placeholder 2"/>
-          <p:cNvSpPr>
-            <a:spLocks noGrp="1"/>
-          </p:cNvSpPr>
-          <p:nvPr>
-            <p:ph type="subTitle" idx="1"/>
-          </p:nvPr>
-        </p:nvSpPr>
-        <p:spPr>
-          <a:xfrm>
-            <a:off x="8129871" y="1552397"/>
-            <a:ext cx="3610575" cy="3654082"/>
-          </a:xfrm>
-        </p:spPr>
-        <p:txBody>
-          <a:bodyPr anchor="ctr">
-            <a:normAutofit/>
-          </a:bodyPr>
-          <a:lstStyle/>
-          <a:p>
-            <a:endParaRPr sz="3200" dirty="0"/>
-          </a:p>
-        </p:txBody>
-      </p:sp>
-      <p:sp>
-        <p:nvSpPr>
           <p:cNvPr id="11" name="Rectangle 10">
             <a:extLst>
               <a:ext uri="{FF2B5EF4-FFF2-40B4-BE49-F238E27FC236}">
@@ -5964,6 +6842,223 @@
           </a:p>
         </p:txBody>
       </p:sp>
+      <p:sp>
+        <p:nvSpPr>
+          <p:cNvPr id="6" name="Text 2">
+            <a:extLst>
+              <a:ext uri="{FF2B5EF4-FFF2-40B4-BE49-F238E27FC236}">
+                <a16:creationId xmlns:a16="http://schemas.microsoft.com/office/drawing/2014/main" id="{E36D19F5-0A1F-565D-CB08-37250A0CCA1A}"/>
+              </a:ext>
+            </a:extLst>
+          </p:cNvPr>
+          <p:cNvSpPr/>
+          <p:nvPr/>
+        </p:nvSpPr>
+        <p:spPr>
+          <a:xfrm>
+            <a:off x="446533" y="1513743"/>
+            <a:ext cx="8046678" cy="577530"/>
+          </a:xfrm>
+          <a:prstGeom prst="rect">
+            <a:avLst/>
+          </a:prstGeom>
+        </p:spPr>
+        <p:txBody>
+          <a:bodyPr wrap="square">
+            <a:spAutoFit/>
+          </a:bodyPr>
+          <a:lstStyle/>
+          <a:p>
+            <a:pPr>
+              <a:lnSpc>
+                <a:spcPct val="150000"/>
+              </a:lnSpc>
+            </a:pPr>
+            <a:r>
+              <a:rPr lang="en-US" sz="2400" dirty="0">
+                <a:solidFill>
+                  <a:srgbClr val="D24726"/>
+                </a:solidFill>
+                <a:latin typeface="Segoe UI Semibold" panose="020B0702040204020203" pitchFamily="34" charset="0"/>
+                <a:ea typeface="Segoe UI Semibold" panose="020B0702040204020203" pitchFamily="34" charset="0"/>
+                <a:cs typeface="Segoe UI" panose="020B0502040204020203" pitchFamily="34" charset="0"/>
+              </a:rPr>
+              <a:t>How to Make the Most Money$ with one Movie</a:t>
+            </a:r>
+          </a:p>
+        </p:txBody>
+      </p:sp>
+      <p:sp>
+        <p:nvSpPr>
+          <p:cNvPr id="10" name="Content Placeholder 2">
+            <a:extLst>
+              <a:ext uri="{FF2B5EF4-FFF2-40B4-BE49-F238E27FC236}">
+                <a16:creationId xmlns:a16="http://schemas.microsoft.com/office/drawing/2014/main" id="{B0185A13-6EC9-24BD-079F-0B4EEAEF0EF0}"/>
+              </a:ext>
+            </a:extLst>
+          </p:cNvPr>
+          <p:cNvSpPr txBox="1">
+            <a:spLocks/>
+          </p:cNvSpPr>
+          <p:nvPr/>
+        </p:nvSpPr>
+        <p:spPr>
+          <a:xfrm>
+            <a:off x="823784" y="2372034"/>
+            <a:ext cx="9959546" cy="2100872"/>
+          </a:xfrm>
+          <a:prstGeom prst="rect">
+            <a:avLst/>
+          </a:prstGeom>
+          <a:ln w="57150">
+            <a:noFill/>
+          </a:ln>
+        </p:spPr>
+        <p:txBody>
+          <a:bodyPr vert="horz" lIns="91440" tIns="45720" rIns="91440" bIns="45720" numCol="1" rtlCol="0" anchor="t">
+            <a:normAutofit/>
+          </a:bodyPr>
+          <a:lstStyle/>
+          <a:p>
+            <a:pPr marL="0" indent="0">
+              <a:lnSpc>
+                <a:spcPct val="150000"/>
+              </a:lnSpc>
+              <a:spcBef>
+                <a:spcPts val="0"/>
+              </a:spcBef>
+              <a:buFont typeface="Arial" panose="020B0604020202020204" pitchFamily="34" charset="0"/>
+              <a:buNone/>
+            </a:pPr>
+            <a:r>
+              <a:rPr lang="en-US" sz="1400" dirty="0">
+                <a:solidFill>
+                  <a:schemeClr val="tx1">
+                    <a:lumMod val="65000"/>
+                    <a:lumOff val="35000"/>
+                  </a:schemeClr>
+                </a:solidFill>
+                <a:latin typeface="Segoe UI Semilight" panose="020B0402040204020203" pitchFamily="34" charset="0"/>
+                <a:ea typeface="Segoe UI" panose="020B0502040204020203" pitchFamily="34" charset="0"/>
+                <a:cs typeface="Segoe UI Semilight" panose="020B0402040204020203" pitchFamily="34" charset="0"/>
+              </a:rPr>
+              <a:t>We are representatives for a small indie film company. Today we will share with you the insights that we have gained in our search for determining the greatest return for your investment. </a:t>
+            </a:r>
+          </a:p>
+        </p:txBody>
+      </p:sp>
+      <p:sp>
+        <p:nvSpPr>
+          <p:cNvPr id="12" name="Title 1">
+            <a:extLst>
+              <a:ext uri="{FF2B5EF4-FFF2-40B4-BE49-F238E27FC236}">
+                <a16:creationId xmlns:a16="http://schemas.microsoft.com/office/drawing/2014/main" id="{717BB65D-DAB5-24C8-6A0A-A5D71AB66F19}"/>
+              </a:ext>
+            </a:extLst>
+          </p:cNvPr>
+          <p:cNvSpPr txBox="1">
+            <a:spLocks/>
+          </p:cNvSpPr>
+          <p:nvPr/>
+        </p:nvSpPr>
+        <p:spPr>
+          <a:xfrm>
+            <a:off x="8220881" y="443914"/>
+            <a:ext cx="3620697" cy="509412"/>
+          </a:xfrm>
+          <a:prstGeom prst="rect">
+            <a:avLst/>
+          </a:prstGeom>
+          <a:effectLst/>
+        </p:spPr>
+        <p:txBody>
+          <a:bodyPr vert="horz" lIns="91440" tIns="45720" rIns="91440" bIns="45720" rtlCol="0" anchor="b">
+            <a:normAutofit fontScale="47500" lnSpcReduction="20000"/>
+          </a:bodyPr>
+          <a:lstStyle>
+            <a:lvl1pPr algn="l" defTabSz="457200" rtl="0" eaLnBrk="1" latinLnBrk="0" hangingPunct="1">
+              <a:spcBef>
+                <a:spcPct val="0"/>
+              </a:spcBef>
+              <a:buNone/>
+              <a:defRPr sz="3600" b="0" kern="1200" cap="all">
+                <a:solidFill>
+                  <a:schemeClr val="accent1"/>
+                </a:solidFill>
+                <a:latin typeface="+mj-lt"/>
+                <a:ea typeface="+mj-ea"/>
+                <a:cs typeface="+mj-cs"/>
+              </a:defRPr>
+            </a:lvl1pPr>
+            <a:lvl2pPr eaLnBrk="1" hangingPunct="1">
+              <a:defRPr>
+                <a:solidFill>
+                  <a:schemeClr val="tx2"/>
+                </a:solidFill>
+              </a:defRPr>
+            </a:lvl2pPr>
+            <a:lvl3pPr eaLnBrk="1" hangingPunct="1">
+              <a:defRPr>
+                <a:solidFill>
+                  <a:schemeClr val="tx2"/>
+                </a:solidFill>
+              </a:defRPr>
+            </a:lvl3pPr>
+            <a:lvl4pPr eaLnBrk="1" hangingPunct="1">
+              <a:defRPr>
+                <a:solidFill>
+                  <a:schemeClr val="tx2"/>
+                </a:solidFill>
+              </a:defRPr>
+            </a:lvl4pPr>
+            <a:lvl5pPr eaLnBrk="1" hangingPunct="1">
+              <a:defRPr>
+                <a:solidFill>
+                  <a:schemeClr val="tx2"/>
+                </a:solidFill>
+              </a:defRPr>
+            </a:lvl5pPr>
+            <a:lvl6pPr eaLnBrk="1" hangingPunct="1">
+              <a:defRPr>
+                <a:solidFill>
+                  <a:schemeClr val="tx2"/>
+                </a:solidFill>
+              </a:defRPr>
+            </a:lvl6pPr>
+            <a:lvl7pPr eaLnBrk="1" hangingPunct="1">
+              <a:defRPr>
+                <a:solidFill>
+                  <a:schemeClr val="tx2"/>
+                </a:solidFill>
+              </a:defRPr>
+            </a:lvl7pPr>
+            <a:lvl8pPr eaLnBrk="1" hangingPunct="1">
+              <a:defRPr>
+                <a:solidFill>
+                  <a:schemeClr val="tx2"/>
+                </a:solidFill>
+              </a:defRPr>
+            </a:lvl8pPr>
+            <a:lvl9pPr eaLnBrk="1" hangingPunct="1">
+              <a:defRPr>
+                <a:solidFill>
+                  <a:schemeClr val="tx2"/>
+                </a:solidFill>
+              </a:defRPr>
+            </a:lvl9pPr>
+          </a:lstStyle>
+          <a:p>
+            <a:r>
+              <a:rPr lang="en-US" b="1" dirty="0">
+                <a:latin typeface="Segoe UI Light" panose="020B0702040204020203" pitchFamily="34" charset="0"/>
+                <a:ea typeface="Segoe UI Light" panose="020B0702040204020203" pitchFamily="34" charset="0"/>
+                <a:cs typeface="Segoe UI" panose="020B0502040204020203" pitchFamily="34" charset="0"/>
+              </a:rPr>
+              <a:t>Project 1 – Mo Money$ Movie$</a:t>
+            </a:r>
+          </a:p>
+        </p:txBody>
+      </p:sp>
     </p:spTree>
     <p:extLst>
       <p:ext uri="{BB962C8B-B14F-4D97-AF65-F5344CB8AC3E}">
@@ -5996,6 +7091,3030 @@
       </p:grpSpPr>
       <p:sp>
         <p:nvSpPr>
+          <p:cNvPr id="3" name="Content Placeholder 2">
+            <a:extLst>
+              <a:ext uri="{FF2B5EF4-FFF2-40B4-BE49-F238E27FC236}">
+                <a16:creationId xmlns:a16="http://schemas.microsoft.com/office/drawing/2014/main" id="{F95E2A37-E369-BD1A-E50B-B049F9C4C2CC}"/>
+              </a:ext>
+            </a:extLst>
+          </p:cNvPr>
+          <p:cNvSpPr>
+            <a:spLocks noGrp="1"/>
+          </p:cNvSpPr>
+          <p:nvPr>
+            <p:ph idx="4294967295"/>
+          </p:nvPr>
+        </p:nvSpPr>
+        <p:spPr>
+          <a:xfrm>
+            <a:off x="173881" y="1075451"/>
+            <a:ext cx="5348553" cy="736872"/>
+          </a:xfrm>
+        </p:spPr>
+        <p:txBody>
+          <a:bodyPr>
+            <a:normAutofit fontScale="92500" lnSpcReduction="10000"/>
+          </a:bodyPr>
+          <a:lstStyle/>
+          <a:p>
+            <a:r>
+              <a:rPr lang="en-US" dirty="0">
+                <a:solidFill>
+                  <a:schemeClr val="tx1"/>
+                </a:solidFill>
+              </a:rPr>
+              <a:t>Of the 2,316 movies, Drama is the highest reported</a:t>
+            </a:r>
+          </a:p>
+          <a:p>
+            <a:r>
+              <a:rPr lang="en-US" dirty="0">
+                <a:solidFill>
+                  <a:schemeClr val="tx1"/>
+                </a:solidFill>
+              </a:rPr>
+              <a:t>Adventure only takes up 8% of the movies by volume.</a:t>
+            </a:r>
+          </a:p>
+        </p:txBody>
+      </p:sp>
+      <p:sp>
+        <p:nvSpPr>
+          <p:cNvPr id="6" name="Title 1">
+            <a:extLst>
+              <a:ext uri="{FF2B5EF4-FFF2-40B4-BE49-F238E27FC236}">
+                <a16:creationId xmlns:a16="http://schemas.microsoft.com/office/drawing/2014/main" id="{4104B51A-6C83-3663-1160-E079108B01E5}"/>
+              </a:ext>
+            </a:extLst>
+          </p:cNvPr>
+          <p:cNvSpPr txBox="1">
+            <a:spLocks/>
+          </p:cNvSpPr>
+          <p:nvPr/>
+        </p:nvSpPr>
+        <p:spPr>
+          <a:xfrm>
+            <a:off x="4516523" y="40003"/>
+            <a:ext cx="3158953" cy="521644"/>
+          </a:xfrm>
+          <a:prstGeom prst="rect">
+            <a:avLst/>
+          </a:prstGeom>
+        </p:spPr>
+        <p:txBody>
+          <a:bodyPr vert="horz" lIns="91440" tIns="45720" rIns="91440" bIns="45720" rtlCol="0" anchor="b">
+            <a:normAutofit/>
+          </a:bodyPr>
+          <a:lstStyle>
+            <a:lvl1pPr algn="l" defTabSz="457200" rtl="0" eaLnBrk="1" latinLnBrk="0" hangingPunct="1">
+              <a:spcBef>
+                <a:spcPct val="0"/>
+              </a:spcBef>
+              <a:buNone/>
+              <a:defRPr sz="2800" b="0" kern="1200" cap="all">
+                <a:solidFill>
+                  <a:schemeClr val="bg1"/>
+                </a:solidFill>
+                <a:latin typeface="+mj-lt"/>
+                <a:ea typeface="+mj-ea"/>
+                <a:cs typeface="+mj-cs"/>
+              </a:defRPr>
+            </a:lvl1pPr>
+            <a:lvl2pPr eaLnBrk="1" hangingPunct="1">
+              <a:defRPr>
+                <a:solidFill>
+                  <a:schemeClr val="tx2"/>
+                </a:solidFill>
+              </a:defRPr>
+            </a:lvl2pPr>
+            <a:lvl3pPr eaLnBrk="1" hangingPunct="1">
+              <a:defRPr>
+                <a:solidFill>
+                  <a:schemeClr val="tx2"/>
+                </a:solidFill>
+              </a:defRPr>
+            </a:lvl3pPr>
+            <a:lvl4pPr eaLnBrk="1" hangingPunct="1">
+              <a:defRPr>
+                <a:solidFill>
+                  <a:schemeClr val="tx2"/>
+                </a:solidFill>
+              </a:defRPr>
+            </a:lvl4pPr>
+            <a:lvl5pPr eaLnBrk="1" hangingPunct="1">
+              <a:defRPr>
+                <a:solidFill>
+                  <a:schemeClr val="tx2"/>
+                </a:solidFill>
+              </a:defRPr>
+            </a:lvl5pPr>
+            <a:lvl6pPr eaLnBrk="1" hangingPunct="1">
+              <a:defRPr>
+                <a:solidFill>
+                  <a:schemeClr val="tx2"/>
+                </a:solidFill>
+              </a:defRPr>
+            </a:lvl6pPr>
+            <a:lvl7pPr eaLnBrk="1" hangingPunct="1">
+              <a:defRPr>
+                <a:solidFill>
+                  <a:schemeClr val="tx2"/>
+                </a:solidFill>
+              </a:defRPr>
+            </a:lvl7pPr>
+            <a:lvl8pPr eaLnBrk="1" hangingPunct="1">
+              <a:defRPr>
+                <a:solidFill>
+                  <a:schemeClr val="tx2"/>
+                </a:solidFill>
+              </a:defRPr>
+            </a:lvl8pPr>
+            <a:lvl9pPr eaLnBrk="1" hangingPunct="1">
+              <a:defRPr>
+                <a:solidFill>
+                  <a:schemeClr val="tx2"/>
+                </a:solidFill>
+              </a:defRPr>
+            </a:lvl9pPr>
+          </a:lstStyle>
+          <a:p>
+            <a:r>
+              <a:rPr lang="en-US" dirty="0">
+                <a:solidFill>
+                  <a:schemeClr val="tx1"/>
+                </a:solidFill>
+              </a:rPr>
+              <a:t>Genre vs rating</a:t>
+            </a:r>
+          </a:p>
+        </p:txBody>
+      </p:sp>
+      <p:grpSp>
+        <p:nvGrpSpPr>
+          <p:cNvPr id="8" name="Group 7">
+            <a:extLst>
+              <a:ext uri="{FF2B5EF4-FFF2-40B4-BE49-F238E27FC236}">
+                <a16:creationId xmlns:a16="http://schemas.microsoft.com/office/drawing/2014/main" id="{DDEBE423-5BB0-1151-5816-6C62721B10A5}"/>
+              </a:ext>
+            </a:extLst>
+          </p:cNvPr>
+          <p:cNvGrpSpPr/>
+          <p:nvPr/>
+        </p:nvGrpSpPr>
+        <p:grpSpPr>
+          <a:xfrm>
+            <a:off x="173882" y="2150076"/>
+            <a:ext cx="5156000" cy="4707924"/>
+            <a:chOff x="0" y="0"/>
+            <a:chExt cx="2807970" cy="2714625"/>
+          </a:xfrm>
+        </p:grpSpPr>
+        <p:pic>
+          <p:nvPicPr>
+            <p:cNvPr id="9" name="Picture 8">
+              <a:extLst>
+                <a:ext uri="{FF2B5EF4-FFF2-40B4-BE49-F238E27FC236}">
+                  <a16:creationId xmlns:a16="http://schemas.microsoft.com/office/drawing/2014/main" id="{D8B162F7-42C6-43D7-1705-F9C62383C721}"/>
+                </a:ext>
+              </a:extLst>
+            </p:cNvPr>
+            <p:cNvPicPr>
+              <a:picLocks noChangeAspect="1"/>
+            </p:cNvPicPr>
+            <p:nvPr/>
+          </p:nvPicPr>
+          <p:blipFill>
+            <a:blip r:embed="rId2">
+              <a:extLst>
+                <a:ext uri="{28A0092B-C50C-407E-A947-70E740481C1C}">
+                  <a14:useLocalDpi xmlns:a14="http://schemas.microsoft.com/office/drawing/2010/main" val="0"/>
+                </a:ext>
+              </a:extLst>
+            </a:blip>
+            <a:stretch>
+              <a:fillRect/>
+            </a:stretch>
+          </p:blipFill>
+          <p:spPr>
+            <a:xfrm>
+              <a:off x="0" y="0"/>
+              <a:ext cx="2807970" cy="2390775"/>
+            </a:xfrm>
+            <a:prstGeom prst="rect">
+              <a:avLst/>
+            </a:prstGeom>
+          </p:spPr>
+        </p:pic>
+        <p:sp>
+          <p:nvSpPr>
+            <p:cNvPr id="10" name="Text Box 1">
+              <a:extLst>
+                <a:ext uri="{FF2B5EF4-FFF2-40B4-BE49-F238E27FC236}">
+                  <a16:creationId xmlns:a16="http://schemas.microsoft.com/office/drawing/2014/main" id="{DBEC776E-E2BB-CC44-1EA1-744B77246396}"/>
+                </a:ext>
+              </a:extLst>
+            </p:cNvPr>
+            <p:cNvSpPr txBox="1"/>
+            <p:nvPr/>
+          </p:nvSpPr>
+          <p:spPr>
+            <a:xfrm>
+              <a:off x="0" y="2447925"/>
+              <a:ext cx="2807970" cy="266700"/>
+            </a:xfrm>
+            <a:prstGeom prst="rect">
+              <a:avLst/>
+            </a:prstGeom>
+            <a:solidFill>
+              <a:prstClr val="white"/>
+            </a:solidFill>
+            <a:ln>
+              <a:noFill/>
+            </a:ln>
+          </p:spPr>
+          <p:txBody>
+            <a:bodyPr rot="0" spcFirstLastPara="0" vert="horz" wrap="square" lIns="0" tIns="0" rIns="0" bIns="0" numCol="1" spcCol="0" rtlCol="0" fromWordArt="0" anchor="t" anchorCtr="0" forceAA="0" compatLnSpc="1">
+              <a:prstTxWarp prst="textNoShape">
+                <a:avLst/>
+              </a:prstTxWarp>
+              <a:spAutoFit/>
+            </a:bodyPr>
+            <a:lstStyle/>
+            <a:p>
+              <a:pPr marL="0" marR="0">
+                <a:spcBef>
+                  <a:spcPts val="0"/>
+                </a:spcBef>
+                <a:spcAft>
+                  <a:spcPts val="1000"/>
+                </a:spcAft>
+              </a:pPr>
+              <a:r>
+                <a:rPr lang="en-US" sz="900" i="1" kern="100">
+                  <a:solidFill>
+                    <a:srgbClr val="44546A"/>
+                  </a:solidFill>
+                  <a:effectLst/>
+                  <a:latin typeface="Calibri" panose="020F0502020204030204" pitchFamily="34" charset="0"/>
+                  <a:ea typeface="Calibri" panose="020F0502020204030204" pitchFamily="34" charset="0"/>
+                  <a:cs typeface="Times New Roman" panose="02020603050405020304" pitchFamily="18" charset="0"/>
+                </a:rPr>
+                <a:t>Figure 6 Drama dominates, with 1/5 of the entire market.</a:t>
+              </a:r>
+            </a:p>
+          </p:txBody>
+        </p:sp>
+      </p:grpSp>
+      <p:pic>
+        <p:nvPicPr>
+          <p:cNvPr id="16" name="Picture 15" descr="A pie chart with different colored circles&#10;&#10;Description automatically generated">
+            <a:extLst>
+              <a:ext uri="{FF2B5EF4-FFF2-40B4-BE49-F238E27FC236}">
+                <a16:creationId xmlns:a16="http://schemas.microsoft.com/office/drawing/2014/main" id="{FCF9F9C8-B2EF-96BB-993B-2A44117B787C}"/>
+              </a:ext>
+            </a:extLst>
+          </p:cNvPr>
+          <p:cNvPicPr>
+            <a:picLocks noChangeAspect="1"/>
+          </p:cNvPicPr>
+          <p:nvPr/>
+        </p:nvPicPr>
+        <p:blipFill>
+          <a:blip r:embed="rId3"/>
+          <a:stretch>
+            <a:fillRect/>
+          </a:stretch>
+        </p:blipFill>
+        <p:spPr>
+          <a:xfrm>
+            <a:off x="6096000" y="1146633"/>
+            <a:ext cx="5320757" cy="4352523"/>
+          </a:xfrm>
+          <a:prstGeom prst="rect">
+            <a:avLst/>
+          </a:prstGeom>
+        </p:spPr>
+      </p:pic>
+      <p:sp>
+        <p:nvSpPr>
+          <p:cNvPr id="18" name="Content Placeholder 2">
+            <a:extLst>
+              <a:ext uri="{FF2B5EF4-FFF2-40B4-BE49-F238E27FC236}">
+                <a16:creationId xmlns:a16="http://schemas.microsoft.com/office/drawing/2014/main" id="{34C3CB71-02F5-6B27-265E-AF122730097B}"/>
+              </a:ext>
+            </a:extLst>
+          </p:cNvPr>
+          <p:cNvSpPr txBox="1">
+            <a:spLocks/>
+          </p:cNvSpPr>
+          <p:nvPr/>
+        </p:nvSpPr>
+        <p:spPr>
+          <a:xfrm>
+            <a:off x="5609968" y="5520910"/>
+            <a:ext cx="6334897" cy="733855"/>
+          </a:xfrm>
+          <a:prstGeom prst="rect">
+            <a:avLst/>
+          </a:prstGeom>
+        </p:spPr>
+        <p:txBody>
+          <a:bodyPr vert="horz" lIns="91440" tIns="45720" rIns="91440" bIns="45720" rtlCol="0" anchor="ctr">
+            <a:normAutofit/>
+          </a:bodyPr>
+          <a:lstStyle>
+            <a:lvl1pPr marL="306000" indent="-306000" algn="l" defTabSz="457200" rtl="0" eaLnBrk="1" latinLnBrk="0" hangingPunct="1">
+              <a:spcBef>
+                <a:spcPct val="20000"/>
+              </a:spcBef>
+              <a:spcAft>
+                <a:spcPts val="600"/>
+              </a:spcAft>
+              <a:buClr>
+                <a:schemeClr val="accent2"/>
+              </a:buClr>
+              <a:buSzPct val="92000"/>
+              <a:buFont typeface="Wingdings 2" panose="05020102010507070707" pitchFamily="18" charset="2"/>
+              <a:buChar char=""/>
+              <a:defRPr sz="1800" kern="1200">
+                <a:solidFill>
+                  <a:schemeClr val="tx2"/>
+                </a:solidFill>
+                <a:latin typeface="+mn-lt"/>
+                <a:ea typeface="+mn-ea"/>
+                <a:cs typeface="+mn-cs"/>
+              </a:defRPr>
+            </a:lvl1pPr>
+            <a:lvl2pPr marL="630000" indent="-306000" algn="l" defTabSz="457200" rtl="0" eaLnBrk="1" latinLnBrk="0" hangingPunct="1">
+              <a:spcBef>
+                <a:spcPct val="20000"/>
+              </a:spcBef>
+              <a:spcAft>
+                <a:spcPts val="600"/>
+              </a:spcAft>
+              <a:buClr>
+                <a:schemeClr val="accent2"/>
+              </a:buClr>
+              <a:buSzPct val="92000"/>
+              <a:buFont typeface="Wingdings 2" panose="05020102010507070707" pitchFamily="18" charset="2"/>
+              <a:buChar char=""/>
+              <a:defRPr sz="1600" kern="1200">
+                <a:solidFill>
+                  <a:schemeClr val="tx2"/>
+                </a:solidFill>
+                <a:latin typeface="+mn-lt"/>
+                <a:ea typeface="+mn-ea"/>
+                <a:cs typeface="+mn-cs"/>
+              </a:defRPr>
+            </a:lvl2pPr>
+            <a:lvl3pPr marL="900000" indent="-270000" algn="l" defTabSz="457200" rtl="0" eaLnBrk="1" latinLnBrk="0" hangingPunct="1">
+              <a:spcBef>
+                <a:spcPct val="20000"/>
+              </a:spcBef>
+              <a:spcAft>
+                <a:spcPts val="600"/>
+              </a:spcAft>
+              <a:buClr>
+                <a:schemeClr val="accent2"/>
+              </a:buClr>
+              <a:buSzPct val="92000"/>
+              <a:buFont typeface="Wingdings 2" panose="05020102010507070707" pitchFamily="18" charset="2"/>
+              <a:buChar char=""/>
+              <a:defRPr sz="1400" kern="1200">
+                <a:solidFill>
+                  <a:schemeClr val="tx2"/>
+                </a:solidFill>
+                <a:latin typeface="+mn-lt"/>
+                <a:ea typeface="+mn-ea"/>
+                <a:cs typeface="+mn-cs"/>
+              </a:defRPr>
+            </a:lvl3pPr>
+            <a:lvl4pPr marL="1242000" indent="-234000" algn="l" defTabSz="457200" rtl="0" eaLnBrk="1" latinLnBrk="0" hangingPunct="1">
+              <a:spcBef>
+                <a:spcPct val="20000"/>
+              </a:spcBef>
+              <a:spcAft>
+                <a:spcPts val="600"/>
+              </a:spcAft>
+              <a:buClr>
+                <a:schemeClr val="accent2"/>
+              </a:buClr>
+              <a:buSzPct val="92000"/>
+              <a:buFont typeface="Wingdings 2" panose="05020102010507070707" pitchFamily="18" charset="2"/>
+              <a:buChar char=""/>
+              <a:defRPr sz="1200" kern="1200">
+                <a:solidFill>
+                  <a:schemeClr val="tx2"/>
+                </a:solidFill>
+                <a:latin typeface="+mn-lt"/>
+                <a:ea typeface="+mn-ea"/>
+                <a:cs typeface="+mn-cs"/>
+              </a:defRPr>
+            </a:lvl4pPr>
+            <a:lvl5pPr marL="1602000" indent="-234000" algn="l" defTabSz="457200" rtl="0" eaLnBrk="1" latinLnBrk="0" hangingPunct="1">
+              <a:spcBef>
+                <a:spcPct val="20000"/>
+              </a:spcBef>
+              <a:spcAft>
+                <a:spcPts val="600"/>
+              </a:spcAft>
+              <a:buClr>
+                <a:schemeClr val="accent2"/>
+              </a:buClr>
+              <a:buSzPct val="92000"/>
+              <a:buFont typeface="Wingdings 2" panose="05020102010507070707" pitchFamily="18" charset="2"/>
+              <a:buChar char=""/>
+              <a:defRPr sz="1200" kern="1200">
+                <a:solidFill>
+                  <a:schemeClr val="tx2"/>
+                </a:solidFill>
+                <a:latin typeface="+mn-lt"/>
+                <a:ea typeface="+mn-ea"/>
+                <a:cs typeface="+mn-cs"/>
+              </a:defRPr>
+            </a:lvl5pPr>
+            <a:lvl6pPr marL="1900000" indent="-228600" algn="l" defTabSz="457200" rtl="0" eaLnBrk="1" latinLnBrk="0" hangingPunct="1">
+              <a:spcBef>
+                <a:spcPct val="20000"/>
+              </a:spcBef>
+              <a:spcAft>
+                <a:spcPts val="600"/>
+              </a:spcAft>
+              <a:buClr>
+                <a:schemeClr val="accent2"/>
+              </a:buClr>
+              <a:buSzPct val="92000"/>
+              <a:buFont typeface="Wingdings 2" panose="05020102010507070707" pitchFamily="18" charset="2"/>
+              <a:buChar char=""/>
+              <a:defRPr sz="1200" kern="1200">
+                <a:solidFill>
+                  <a:schemeClr val="tx2"/>
+                </a:solidFill>
+                <a:latin typeface="+mn-lt"/>
+                <a:ea typeface="+mn-ea"/>
+                <a:cs typeface="+mn-cs"/>
+              </a:defRPr>
+            </a:lvl6pPr>
+            <a:lvl7pPr marL="2200000" indent="-228600" algn="l" defTabSz="457200" rtl="0" eaLnBrk="1" latinLnBrk="0" hangingPunct="1">
+              <a:spcBef>
+                <a:spcPct val="20000"/>
+              </a:spcBef>
+              <a:spcAft>
+                <a:spcPts val="600"/>
+              </a:spcAft>
+              <a:buClr>
+                <a:schemeClr val="accent2"/>
+              </a:buClr>
+              <a:buSzPct val="92000"/>
+              <a:buFont typeface="Wingdings 2" panose="05020102010507070707" pitchFamily="18" charset="2"/>
+              <a:buChar char=""/>
+              <a:defRPr sz="1200" kern="1200">
+                <a:solidFill>
+                  <a:schemeClr val="tx2"/>
+                </a:solidFill>
+                <a:latin typeface="+mn-lt"/>
+                <a:ea typeface="+mn-ea"/>
+                <a:cs typeface="+mn-cs"/>
+              </a:defRPr>
+            </a:lvl7pPr>
+            <a:lvl8pPr marL="2500000" indent="-228600" algn="l" defTabSz="457200" rtl="0" eaLnBrk="1" latinLnBrk="0" hangingPunct="1">
+              <a:spcBef>
+                <a:spcPct val="20000"/>
+              </a:spcBef>
+              <a:spcAft>
+                <a:spcPts val="600"/>
+              </a:spcAft>
+              <a:buClr>
+                <a:schemeClr val="accent2"/>
+              </a:buClr>
+              <a:buSzPct val="92000"/>
+              <a:buFont typeface="Wingdings 2" panose="05020102010507070707" pitchFamily="18" charset="2"/>
+              <a:buChar char=""/>
+              <a:defRPr sz="1200" kern="1200">
+                <a:solidFill>
+                  <a:schemeClr val="tx2"/>
+                </a:solidFill>
+                <a:latin typeface="+mn-lt"/>
+                <a:ea typeface="+mn-ea"/>
+                <a:cs typeface="+mn-cs"/>
+              </a:defRPr>
+            </a:lvl8pPr>
+            <a:lvl9pPr marL="2800000" indent="-228600" algn="l" defTabSz="457200" rtl="0" eaLnBrk="1" latinLnBrk="0" hangingPunct="1">
+              <a:spcBef>
+                <a:spcPct val="20000"/>
+              </a:spcBef>
+              <a:spcAft>
+                <a:spcPts val="600"/>
+              </a:spcAft>
+              <a:buClr>
+                <a:schemeClr val="accent2"/>
+              </a:buClr>
+              <a:buSzPct val="92000"/>
+              <a:buFont typeface="Wingdings 2" panose="05020102010507070707" pitchFamily="18" charset="2"/>
+              <a:buChar char=""/>
+              <a:defRPr sz="1200" kern="1200">
+                <a:solidFill>
+                  <a:schemeClr val="tx2"/>
+                </a:solidFill>
+                <a:latin typeface="+mn-lt"/>
+                <a:ea typeface="+mn-ea"/>
+                <a:cs typeface="+mn-cs"/>
+              </a:defRPr>
+            </a:lvl9pPr>
+          </a:lstStyle>
+          <a:p>
+            <a:r>
+              <a:rPr lang="en-US" dirty="0">
+                <a:solidFill>
+                  <a:schemeClr val="tx1"/>
+                </a:solidFill>
+              </a:rPr>
+              <a:t>Adventure has the highest revenue, followed closely by Action</a:t>
+            </a:r>
+          </a:p>
+        </p:txBody>
+      </p:sp>
+    </p:spTree>
+    <p:extLst>
+      <p:ext uri="{BB962C8B-B14F-4D97-AF65-F5344CB8AC3E}">
+        <p14:creationId xmlns:p14="http://schemas.microsoft.com/office/powerpoint/2010/main" val="81684999"/>
+      </p:ext>
+    </p:extLst>
+  </p:cSld>
+  <p:clrMapOvr>
+    <a:masterClrMapping/>
+  </p:clrMapOvr>
+</p:sld>
+</file>
+
+<file path=ppt/slides/slide11.xml><?xml version="1.0" encoding="utf-8"?>
+<p:sld xmlns:a="http://schemas.openxmlformats.org/drawingml/2006/main" xmlns:r="http://schemas.openxmlformats.org/officeDocument/2006/relationships" xmlns:p="http://schemas.openxmlformats.org/presentationml/2006/main">
+  <p:cSld>
+    <p:spTree>
+      <p:nvGrpSpPr>
+        <p:cNvPr id="1" name=""/>
+        <p:cNvGrpSpPr/>
+        <p:nvPr/>
+      </p:nvGrpSpPr>
+      <p:grpSpPr>
+        <a:xfrm>
+          <a:off x="0" y="0"/>
+          <a:ext cx="0" cy="0"/>
+          <a:chOff x="0" y="0"/>
+          <a:chExt cx="0" cy="0"/>
+        </a:xfrm>
+      </p:grpSpPr>
+      <p:sp>
+        <p:nvSpPr>
+          <p:cNvPr id="3" name="Content Placeholder 2">
+            <a:extLst>
+              <a:ext uri="{FF2B5EF4-FFF2-40B4-BE49-F238E27FC236}">
+                <a16:creationId xmlns:a16="http://schemas.microsoft.com/office/drawing/2014/main" id="{F95E2A37-E369-BD1A-E50B-B049F9C4C2CC}"/>
+              </a:ext>
+            </a:extLst>
+          </p:cNvPr>
+          <p:cNvSpPr>
+            <a:spLocks noGrp="1"/>
+          </p:cNvSpPr>
+          <p:nvPr>
+            <p:ph idx="4294967295"/>
+          </p:nvPr>
+        </p:nvSpPr>
+        <p:spPr>
+          <a:xfrm>
+            <a:off x="581025" y="1180804"/>
+            <a:ext cx="4175801" cy="3935945"/>
+          </a:xfrm>
+        </p:spPr>
+        <p:txBody>
+          <a:bodyPr/>
+          <a:lstStyle/>
+          <a:p>
+            <a:r>
+              <a:rPr lang="en-US" dirty="0">
+                <a:solidFill>
+                  <a:schemeClr val="tx1"/>
+                </a:solidFill>
+              </a:rPr>
+              <a:t>Shown previously,  Adventure has a low saturation.</a:t>
+            </a:r>
+          </a:p>
+          <a:p>
+            <a:r>
+              <a:rPr lang="en-US" dirty="0">
+                <a:solidFill>
+                  <a:schemeClr val="tx1"/>
+                </a:solidFill>
+              </a:rPr>
+              <a:t>But you can clearly see that it’s ROI is well above most other genres.</a:t>
+            </a:r>
+          </a:p>
+          <a:p>
+            <a:r>
+              <a:rPr lang="en-US" dirty="0">
+                <a:solidFill>
+                  <a:schemeClr val="tx1"/>
+                </a:solidFill>
+              </a:rPr>
+              <a:t>This make genre a great choice for a new movie.</a:t>
+            </a:r>
+          </a:p>
+        </p:txBody>
+      </p:sp>
+      <p:sp>
+        <p:nvSpPr>
+          <p:cNvPr id="6" name="Title 1">
+            <a:extLst>
+              <a:ext uri="{FF2B5EF4-FFF2-40B4-BE49-F238E27FC236}">
+                <a16:creationId xmlns:a16="http://schemas.microsoft.com/office/drawing/2014/main" id="{4104B51A-6C83-3663-1160-E079108B01E5}"/>
+              </a:ext>
+            </a:extLst>
+          </p:cNvPr>
+          <p:cNvSpPr txBox="1">
+            <a:spLocks/>
+          </p:cNvSpPr>
+          <p:nvPr/>
+        </p:nvSpPr>
+        <p:spPr>
+          <a:xfrm>
+            <a:off x="3788258" y="-41190"/>
+            <a:ext cx="4658240" cy="521644"/>
+          </a:xfrm>
+          <a:prstGeom prst="rect">
+            <a:avLst/>
+          </a:prstGeom>
+        </p:spPr>
+        <p:txBody>
+          <a:bodyPr vert="horz" lIns="91440" tIns="45720" rIns="91440" bIns="45720" rtlCol="0" anchor="b">
+            <a:normAutofit/>
+          </a:bodyPr>
+          <a:lstStyle>
+            <a:lvl1pPr algn="l" defTabSz="457200" rtl="0" eaLnBrk="1" latinLnBrk="0" hangingPunct="1">
+              <a:spcBef>
+                <a:spcPct val="0"/>
+              </a:spcBef>
+              <a:buNone/>
+              <a:defRPr sz="2800" b="0" kern="1200" cap="all">
+                <a:solidFill>
+                  <a:schemeClr val="bg1"/>
+                </a:solidFill>
+                <a:latin typeface="+mj-lt"/>
+                <a:ea typeface="+mj-ea"/>
+                <a:cs typeface="+mj-cs"/>
+              </a:defRPr>
+            </a:lvl1pPr>
+            <a:lvl2pPr eaLnBrk="1" hangingPunct="1">
+              <a:defRPr>
+                <a:solidFill>
+                  <a:schemeClr val="tx2"/>
+                </a:solidFill>
+              </a:defRPr>
+            </a:lvl2pPr>
+            <a:lvl3pPr eaLnBrk="1" hangingPunct="1">
+              <a:defRPr>
+                <a:solidFill>
+                  <a:schemeClr val="tx2"/>
+                </a:solidFill>
+              </a:defRPr>
+            </a:lvl3pPr>
+            <a:lvl4pPr eaLnBrk="1" hangingPunct="1">
+              <a:defRPr>
+                <a:solidFill>
+                  <a:schemeClr val="tx2"/>
+                </a:solidFill>
+              </a:defRPr>
+            </a:lvl4pPr>
+            <a:lvl5pPr eaLnBrk="1" hangingPunct="1">
+              <a:defRPr>
+                <a:solidFill>
+                  <a:schemeClr val="tx2"/>
+                </a:solidFill>
+              </a:defRPr>
+            </a:lvl5pPr>
+            <a:lvl6pPr eaLnBrk="1" hangingPunct="1">
+              <a:defRPr>
+                <a:solidFill>
+                  <a:schemeClr val="tx2"/>
+                </a:solidFill>
+              </a:defRPr>
+            </a:lvl6pPr>
+            <a:lvl7pPr eaLnBrk="1" hangingPunct="1">
+              <a:defRPr>
+                <a:solidFill>
+                  <a:schemeClr val="tx2"/>
+                </a:solidFill>
+              </a:defRPr>
+            </a:lvl7pPr>
+            <a:lvl8pPr eaLnBrk="1" hangingPunct="1">
+              <a:defRPr>
+                <a:solidFill>
+                  <a:schemeClr val="tx2"/>
+                </a:solidFill>
+              </a:defRPr>
+            </a:lvl8pPr>
+            <a:lvl9pPr eaLnBrk="1" hangingPunct="1">
+              <a:defRPr>
+                <a:solidFill>
+                  <a:schemeClr val="tx2"/>
+                </a:solidFill>
+              </a:defRPr>
+            </a:lvl9pPr>
+          </a:lstStyle>
+          <a:p>
+            <a:r>
+              <a:rPr lang="en-US" dirty="0">
+                <a:solidFill>
+                  <a:schemeClr val="tx1"/>
+                </a:solidFill>
+              </a:rPr>
+              <a:t>Genre vs rating cont’d</a:t>
+            </a:r>
+          </a:p>
+        </p:txBody>
+      </p:sp>
+      <p:grpSp>
+        <p:nvGrpSpPr>
+          <p:cNvPr id="2" name="Group 1">
+            <a:extLst>
+              <a:ext uri="{FF2B5EF4-FFF2-40B4-BE49-F238E27FC236}">
+                <a16:creationId xmlns:a16="http://schemas.microsoft.com/office/drawing/2014/main" id="{2B2C7651-A1EE-7D62-1587-A87C9132013E}"/>
+              </a:ext>
+            </a:extLst>
+          </p:cNvPr>
+          <p:cNvGrpSpPr/>
+          <p:nvPr/>
+        </p:nvGrpSpPr>
+        <p:grpSpPr>
+          <a:xfrm>
+            <a:off x="5038928" y="1180804"/>
+            <a:ext cx="7062280" cy="5677196"/>
+            <a:chOff x="0" y="0"/>
+            <a:chExt cx="3603625" cy="3158490"/>
+          </a:xfrm>
+        </p:grpSpPr>
+        <p:pic>
+          <p:nvPicPr>
+            <p:cNvPr id="4" name="Picture 3">
+              <a:extLst>
+                <a:ext uri="{FF2B5EF4-FFF2-40B4-BE49-F238E27FC236}">
+                  <a16:creationId xmlns:a16="http://schemas.microsoft.com/office/drawing/2014/main" id="{E83BB578-3172-E410-208D-49C3C7ABEADF}"/>
+                </a:ext>
+              </a:extLst>
+            </p:cNvPr>
+            <p:cNvPicPr>
+              <a:picLocks noChangeAspect="1"/>
+            </p:cNvPicPr>
+            <p:nvPr/>
+          </p:nvPicPr>
+          <p:blipFill>
+            <a:blip r:embed="rId2">
+              <a:extLst>
+                <a:ext uri="{28A0092B-C50C-407E-A947-70E740481C1C}">
+                  <a14:useLocalDpi xmlns:a14="http://schemas.microsoft.com/office/drawing/2010/main" val="0"/>
+                </a:ext>
+              </a:extLst>
+            </a:blip>
+            <a:stretch>
+              <a:fillRect/>
+            </a:stretch>
+          </p:blipFill>
+          <p:spPr>
+            <a:xfrm>
+              <a:off x="0" y="0"/>
+              <a:ext cx="3603625" cy="2700020"/>
+            </a:xfrm>
+            <a:prstGeom prst="rect">
+              <a:avLst/>
+            </a:prstGeom>
+          </p:spPr>
+        </p:pic>
+        <p:sp>
+          <p:nvSpPr>
+            <p:cNvPr id="5" name="Text Box 1">
+              <a:extLst>
+                <a:ext uri="{FF2B5EF4-FFF2-40B4-BE49-F238E27FC236}">
+                  <a16:creationId xmlns:a16="http://schemas.microsoft.com/office/drawing/2014/main" id="{46E64252-C676-5A42-B746-5163FEDF0909}"/>
+                </a:ext>
+              </a:extLst>
+            </p:cNvPr>
+            <p:cNvSpPr txBox="1"/>
+            <p:nvPr/>
+          </p:nvSpPr>
+          <p:spPr>
+            <a:xfrm>
+              <a:off x="0" y="2752725"/>
+              <a:ext cx="3603625" cy="405765"/>
+            </a:xfrm>
+            <a:prstGeom prst="rect">
+              <a:avLst/>
+            </a:prstGeom>
+            <a:solidFill>
+              <a:prstClr val="white"/>
+            </a:solidFill>
+            <a:ln>
+              <a:noFill/>
+            </a:ln>
+          </p:spPr>
+          <p:txBody>
+            <a:bodyPr rot="0" spcFirstLastPara="0" vert="horz" wrap="square" lIns="0" tIns="0" rIns="0" bIns="0" numCol="1" spcCol="0" rtlCol="0" fromWordArt="0" anchor="t" anchorCtr="0" forceAA="0" compatLnSpc="1">
+              <a:prstTxWarp prst="textNoShape">
+                <a:avLst/>
+              </a:prstTxWarp>
+              <a:spAutoFit/>
+            </a:bodyPr>
+            <a:lstStyle/>
+            <a:p>
+              <a:pPr marL="0" marR="0">
+                <a:spcBef>
+                  <a:spcPts val="0"/>
+                </a:spcBef>
+                <a:spcAft>
+                  <a:spcPts val="1000"/>
+                </a:spcAft>
+              </a:pPr>
+              <a:r>
+                <a:rPr lang="en-US" sz="900" i="1" kern="100">
+                  <a:solidFill>
+                    <a:srgbClr val="44546A"/>
+                  </a:solidFill>
+                  <a:effectLst/>
+                  <a:latin typeface="Calibri" panose="020F0502020204030204" pitchFamily="34" charset="0"/>
+                  <a:ea typeface="Calibri" panose="020F0502020204030204" pitchFamily="34" charset="0"/>
+                  <a:cs typeface="Times New Roman" panose="02020603050405020304" pitchFamily="18" charset="0"/>
+                </a:rPr>
+                <a:t>Figure 7 Adventure and action movies deliver the highest return on investment.</a:t>
+              </a:r>
+            </a:p>
+          </p:txBody>
+        </p:sp>
+      </p:grpSp>
+    </p:spTree>
+    <p:extLst>
+      <p:ext uri="{BB962C8B-B14F-4D97-AF65-F5344CB8AC3E}">
+        <p14:creationId xmlns:p14="http://schemas.microsoft.com/office/powerpoint/2010/main" val="3213317525"/>
+      </p:ext>
+    </p:extLst>
+  </p:cSld>
+  <p:clrMapOvr>
+    <a:masterClrMapping/>
+  </p:clrMapOvr>
+</p:sld>
+</file>
+
+<file path=ppt/slides/slide12.xml><?xml version="1.0" encoding="utf-8"?>
+<p:sld xmlns:a="http://schemas.openxmlformats.org/drawingml/2006/main" xmlns:r="http://schemas.openxmlformats.org/officeDocument/2006/relationships" xmlns:p="http://schemas.openxmlformats.org/presentationml/2006/main">
+  <p:cSld>
+    <p:bg>
+      <p:bgPr>
+        <a:solidFill>
+          <a:schemeClr val="bg1"/>
+        </a:solidFill>
+        <a:effectLst/>
+      </p:bgPr>
+    </p:bg>
+    <p:spTree>
+      <p:nvGrpSpPr>
+        <p:cNvPr id="1" name=""/>
+        <p:cNvGrpSpPr/>
+        <p:nvPr/>
+      </p:nvGrpSpPr>
+      <p:grpSpPr>
+        <a:xfrm>
+          <a:off x="0" y="0"/>
+          <a:ext cx="0" cy="0"/>
+          <a:chOff x="0" y="0"/>
+          <a:chExt cx="0" cy="0"/>
+        </a:xfrm>
+      </p:grpSpPr>
+      <p:sp>
+        <p:nvSpPr>
+          <p:cNvPr id="2" name="Title 1"/>
+          <p:cNvSpPr>
+            <a:spLocks noGrp="1"/>
+          </p:cNvSpPr>
+          <p:nvPr>
+            <p:ph type="title"/>
+          </p:nvPr>
+        </p:nvSpPr>
+        <p:spPr/>
+        <p:txBody>
+          <a:bodyPr anchor="ctr">
+            <a:normAutofit/>
+          </a:bodyPr>
+          <a:lstStyle/>
+          <a:p>
+            <a:pPr algn="ctr"/>
+            <a:r>
+              <a:rPr lang="en-US" sz="3200" dirty="0">
+                <a:solidFill>
+                  <a:srgbClr val="FFFFFF"/>
+                </a:solidFill>
+              </a:rPr>
+              <a:t>conclusion</a:t>
+            </a:r>
+            <a:endParaRPr lang="en-US" sz="1400" dirty="0">
+              <a:solidFill>
+                <a:srgbClr val="FFFFFF"/>
+              </a:solidFill>
+            </a:endParaRPr>
+          </a:p>
+        </p:txBody>
+      </p:sp>
+      <p:sp>
+        <p:nvSpPr>
+          <p:cNvPr id="3" name="Content Placeholder 2"/>
+          <p:cNvSpPr>
+            <a:spLocks noGrp="1"/>
+          </p:cNvSpPr>
+          <p:nvPr>
+            <p:ph type="body" idx="4294967295"/>
+          </p:nvPr>
+        </p:nvSpPr>
+        <p:spPr>
+          <a:xfrm>
+            <a:off x="429638" y="1975965"/>
+            <a:ext cx="11332723" cy="4624387"/>
+          </a:xfrm>
+        </p:spPr>
+        <p:txBody>
+          <a:bodyPr anchor="ctr">
+            <a:normAutofit/>
+          </a:bodyPr>
+          <a:lstStyle/>
+          <a:p>
+            <a:r>
+              <a:rPr lang="en-US" dirty="0">
+                <a:latin typeface="Calibri" panose="020F0502020204030204" pitchFamily="34" charset="0"/>
+                <a:ea typeface="Calibri" panose="020F0502020204030204" pitchFamily="34" charset="0"/>
+                <a:cs typeface="Times New Roman" panose="02020603050405020304" pitchFamily="18" charset="0"/>
+              </a:rPr>
+              <a:t>B</a:t>
+            </a:r>
+            <a:r>
+              <a:rPr lang="en-US" sz="1800" dirty="0">
+                <a:effectLst/>
+                <a:latin typeface="Calibri" panose="020F0502020204030204" pitchFamily="34" charset="0"/>
+                <a:ea typeface="Calibri" panose="020F0502020204030204" pitchFamily="34" charset="0"/>
+                <a:cs typeface="Times New Roman" panose="02020603050405020304" pitchFamily="18" charset="0"/>
+              </a:rPr>
+              <a:t>eing highly rated is not an important factor in making profit. An average rating of 6-7 out of 10 is sufficient.</a:t>
+            </a:r>
+            <a:endParaRPr lang="en-US" dirty="0"/>
+          </a:p>
+          <a:p>
+            <a:r>
+              <a:rPr lang="en-US" sz="1800" dirty="0">
+                <a:effectLst/>
+                <a:latin typeface="Calibri" panose="020F0502020204030204" pitchFamily="34" charset="0"/>
+                <a:ea typeface="Calibri" panose="020F0502020204030204" pitchFamily="34" charset="0"/>
+                <a:cs typeface="Times New Roman" panose="02020603050405020304" pitchFamily="18" charset="0"/>
+              </a:rPr>
+              <a:t>Our genre should be an action-adventure movie to utilize our top two highest earning genres.</a:t>
+            </a:r>
+          </a:p>
+          <a:p>
+            <a:r>
+              <a:rPr lang="en-US" sz="1800" dirty="0">
+                <a:effectLst/>
+                <a:latin typeface="Calibri" panose="020F0502020204030204" pitchFamily="34" charset="0"/>
+                <a:ea typeface="Calibri" panose="020F0502020204030204" pitchFamily="34" charset="0"/>
+                <a:cs typeface="Times New Roman" panose="02020603050405020304" pitchFamily="18" charset="0"/>
+              </a:rPr>
+              <a:t>The top ten of each genre suggests that a higher budget does not guarantee a higher ROI. </a:t>
+            </a:r>
+            <a:r>
+              <a:rPr lang="en-US" dirty="0">
+                <a:latin typeface="Calibri" panose="020F0502020204030204" pitchFamily="34" charset="0"/>
+                <a:ea typeface="Calibri" panose="020F0502020204030204" pitchFamily="34" charset="0"/>
+                <a:cs typeface="Times New Roman" panose="02020603050405020304" pitchFamily="18" charset="0"/>
+              </a:rPr>
+              <a:t>W</a:t>
+            </a:r>
+            <a:r>
+              <a:rPr lang="en-US" sz="1800" dirty="0">
+                <a:effectLst/>
+                <a:latin typeface="Calibri" panose="020F0502020204030204" pitchFamily="34" charset="0"/>
+                <a:ea typeface="Calibri" panose="020F0502020204030204" pitchFamily="34" charset="0"/>
+                <a:cs typeface="Times New Roman" panose="02020603050405020304" pitchFamily="18" charset="0"/>
+              </a:rPr>
+              <a:t>e suggest a medium budget of $37,441,333 to maximize profits.</a:t>
+            </a:r>
+            <a:endParaRPr lang="en-US" dirty="0">
+              <a:latin typeface="Calibri" panose="020F0502020204030204" pitchFamily="34" charset="0"/>
+              <a:ea typeface="Calibri" panose="020F0502020204030204" pitchFamily="34" charset="0"/>
+              <a:cs typeface="Times New Roman" panose="02020603050405020304" pitchFamily="18" charset="0"/>
+            </a:endParaRPr>
+          </a:p>
+          <a:p>
+            <a:r>
+              <a:rPr lang="en-US" dirty="0">
+                <a:latin typeface="Calibri" panose="020F0502020204030204" pitchFamily="34" charset="0"/>
+                <a:ea typeface="Calibri" panose="020F0502020204030204" pitchFamily="34" charset="0"/>
+                <a:cs typeface="Times New Roman" panose="02020603050405020304" pitchFamily="18" charset="0"/>
+              </a:rPr>
+              <a:t>W</a:t>
+            </a:r>
+            <a:r>
+              <a:rPr lang="en-US" sz="1800" dirty="0">
+                <a:effectLst/>
+                <a:latin typeface="Calibri" panose="020F0502020204030204" pitchFamily="34" charset="0"/>
+                <a:ea typeface="Calibri" panose="020F0502020204030204" pitchFamily="34" charset="0"/>
+                <a:cs typeface="Times New Roman" panose="02020603050405020304" pitchFamily="18" charset="0"/>
+              </a:rPr>
+              <a:t>e believe our data justifies our conclusion to aim for creating an average rated action-adventure movie, with </a:t>
+            </a:r>
+            <a:r>
+              <a:rPr lang="en-US" sz="1800">
+                <a:effectLst/>
+                <a:latin typeface="Calibri" panose="020F0502020204030204" pitchFamily="34" charset="0"/>
+                <a:ea typeface="Calibri" panose="020F0502020204030204" pitchFamily="34" charset="0"/>
+                <a:cs typeface="Times New Roman" panose="02020603050405020304" pitchFamily="18" charset="0"/>
+              </a:rPr>
+              <a:t>a medium budget to </a:t>
+            </a:r>
+            <a:r>
+              <a:rPr lang="en-US" sz="1800" dirty="0">
+                <a:effectLst/>
+                <a:latin typeface="Calibri" panose="020F0502020204030204" pitchFamily="34" charset="0"/>
+                <a:ea typeface="Calibri" panose="020F0502020204030204" pitchFamily="34" charset="0"/>
+                <a:cs typeface="Times New Roman" panose="02020603050405020304" pitchFamily="18" charset="0"/>
+              </a:rPr>
+              <a:t>maximize our total profit. </a:t>
+            </a:r>
+          </a:p>
+          <a:p>
+            <a:endParaRPr lang="en-US" dirty="0"/>
+          </a:p>
+          <a:p>
+            <a:endParaRPr lang="en-US" dirty="0"/>
+          </a:p>
+        </p:txBody>
+      </p:sp>
+    </p:spTree>
+    <p:extLst>
+      <p:ext uri="{BB962C8B-B14F-4D97-AF65-F5344CB8AC3E}">
+        <p14:creationId xmlns:p14="http://schemas.microsoft.com/office/powerpoint/2010/main" val="77602882"/>
+      </p:ext>
+    </p:extLst>
+  </p:cSld>
+  <p:clrMapOvr>
+    <a:masterClrMapping/>
+  </p:clrMapOvr>
+</p:sld>
+</file>
+
+<file path=ppt/slides/slide2.xml><?xml version="1.0" encoding="utf-8"?>
+<p:sld xmlns:a="http://schemas.openxmlformats.org/drawingml/2006/main" xmlns:r="http://schemas.openxmlformats.org/officeDocument/2006/relationships" xmlns:p="http://schemas.openxmlformats.org/presentationml/2006/main">
+  <p:cSld>
+    <p:spTree>
+      <p:nvGrpSpPr>
+        <p:cNvPr id="1" name=""/>
+        <p:cNvGrpSpPr/>
+        <p:nvPr/>
+      </p:nvGrpSpPr>
+      <p:grpSpPr>
+        <a:xfrm>
+          <a:off x="0" y="0"/>
+          <a:ext cx="0" cy="0"/>
+          <a:chOff x="0" y="0"/>
+          <a:chExt cx="0" cy="0"/>
+        </a:xfrm>
+      </p:grpSpPr>
+      <p:sp>
+        <p:nvSpPr>
+          <p:cNvPr id="2" name="Title 1">
+            <a:extLst>
+              <a:ext uri="{FF2B5EF4-FFF2-40B4-BE49-F238E27FC236}">
+                <a16:creationId xmlns:a16="http://schemas.microsoft.com/office/drawing/2014/main" id="{326B76E6-8E55-4532-B4C9-362459A30A05}"/>
+              </a:ext>
+            </a:extLst>
+          </p:cNvPr>
+          <p:cNvSpPr>
+            <a:spLocks noGrp="1"/>
+          </p:cNvSpPr>
+          <p:nvPr>
+            <p:ph type="title"/>
+          </p:nvPr>
+        </p:nvSpPr>
+        <p:spPr/>
+        <p:txBody>
+          <a:bodyPr>
+            <a:normAutofit/>
+          </a:bodyPr>
+          <a:lstStyle/>
+          <a:p>
+            <a:r>
+              <a:rPr lang="en-US" dirty="0">
+                <a:latin typeface="Segoe UI Light" panose="020B0702040204020203" pitchFamily="34" charset="0"/>
+                <a:ea typeface="Segoe UI Light" panose="020B0702040204020203" pitchFamily="34" charset="0"/>
+                <a:cs typeface="Segoe UI" panose="020B0502040204020203" pitchFamily="34" charset="0"/>
+              </a:rPr>
+              <a:t>Project 1 – Mo Money$ Movie$</a:t>
+            </a:r>
+          </a:p>
+        </p:txBody>
+      </p:sp>
+      <p:sp>
+        <p:nvSpPr>
+          <p:cNvPr id="21" name="Content Placeholder 2"/>
+          <p:cNvSpPr txBox="1">
+            <a:spLocks/>
+          </p:cNvSpPr>
+          <p:nvPr/>
+        </p:nvSpPr>
+        <p:spPr>
+          <a:xfrm>
+            <a:off x="890954" y="1461299"/>
+            <a:ext cx="5435220" cy="4000000"/>
+          </a:xfrm>
+          <a:prstGeom prst="rect">
+            <a:avLst/>
+          </a:prstGeom>
+          <a:ln w="57150">
+            <a:noFill/>
+          </a:ln>
+        </p:spPr>
+        <p:txBody>
+          <a:bodyPr vert="horz" lIns="91440" tIns="45720" rIns="91440" bIns="45720" numCol="1" rtlCol="0" anchor="t">
+            <a:normAutofit fontScale="92500"/>
+          </a:bodyPr>
+          <a:lstStyle/>
+          <a:p>
+            <a:pPr>
+              <a:lnSpc>
+                <a:spcPct val="150000"/>
+              </a:lnSpc>
+            </a:pPr>
+            <a:r>
+              <a:rPr lang="en-US" sz="1400" b="1" dirty="0">
+                <a:solidFill>
+                  <a:srgbClr val="D24726"/>
+                </a:solidFill>
+                <a:latin typeface="Segoe UI Semibold" panose="020B0702040204020203" pitchFamily="34" charset="0"/>
+                <a:ea typeface="Segoe UI Semibold" panose="020B0702040204020203" pitchFamily="34" charset="0"/>
+              </a:rPr>
+              <a:t>Scope and Criteria</a:t>
+            </a:r>
+          </a:p>
+          <a:p>
+            <a:pPr>
+              <a:lnSpc>
+                <a:spcPct val="150000"/>
+              </a:lnSpc>
+            </a:pPr>
+            <a:r>
+              <a:rPr lang="en-US" sz="1400" dirty="0">
+                <a:solidFill>
+                  <a:schemeClr val="tx1">
+                    <a:lumMod val="65000"/>
+                    <a:lumOff val="35000"/>
+                  </a:schemeClr>
+                </a:solidFill>
+                <a:latin typeface="Segoe UI Semilight" panose="020B0402040204020203" pitchFamily="34" charset="0"/>
+                <a:cs typeface="Segoe UI Semilight" panose="020B0402040204020203" pitchFamily="34" charset="0"/>
+              </a:rPr>
+              <a:t>Our assumption is to find a genre with the highest return on investment, find the optimal budget range with the best rate on return and determine how a high rating to aim for to entice movie goers.</a:t>
+            </a:r>
+          </a:p>
+          <a:p>
+            <a:pPr>
+              <a:lnSpc>
+                <a:spcPct val="150000"/>
+              </a:lnSpc>
+            </a:pPr>
+            <a:endParaRPr lang="en-US" sz="1400" dirty="0">
+              <a:solidFill>
+                <a:schemeClr val="tx1">
+                  <a:lumMod val="65000"/>
+                  <a:lumOff val="35000"/>
+                </a:schemeClr>
+              </a:solidFill>
+              <a:latin typeface="Segoe UI Semilight" panose="020B0402040204020203" pitchFamily="34" charset="0"/>
+              <a:cs typeface="Segoe UI Semilight" panose="020B0402040204020203" pitchFamily="34" charset="0"/>
+            </a:endParaRPr>
+          </a:p>
+          <a:p>
+            <a:pPr>
+              <a:lnSpc>
+                <a:spcPct val="150000"/>
+              </a:lnSpc>
+            </a:pPr>
+            <a:r>
+              <a:rPr lang="en-US" sz="1400" dirty="0">
+                <a:solidFill>
+                  <a:schemeClr val="tx1">
+                    <a:lumMod val="65000"/>
+                    <a:lumOff val="35000"/>
+                  </a:schemeClr>
+                </a:solidFill>
+                <a:latin typeface="Segoe UI Semilight" panose="020B0402040204020203" pitchFamily="34" charset="0"/>
+                <a:cs typeface="Segoe UI Semilight" panose="020B0402040204020203" pitchFamily="34" charset="0"/>
+              </a:rPr>
+              <a:t>Answer the questions:</a:t>
+            </a:r>
+          </a:p>
+          <a:p>
+            <a:pPr>
+              <a:lnSpc>
+                <a:spcPct val="150000"/>
+              </a:lnSpc>
+            </a:pPr>
+            <a:r>
+              <a:rPr lang="en-US" sz="1400" dirty="0">
+                <a:solidFill>
+                  <a:schemeClr val="tx1">
+                    <a:lumMod val="65000"/>
+                    <a:lumOff val="35000"/>
+                  </a:schemeClr>
+                </a:solidFill>
+                <a:latin typeface="Segoe UI Semilight" panose="020B0402040204020203" pitchFamily="34" charset="0"/>
+                <a:cs typeface="Segoe UI Semilight" panose="020B0402040204020203" pitchFamily="34" charset="0"/>
+              </a:rPr>
+              <a:t>	Does budget affect overall profit?</a:t>
+            </a:r>
+          </a:p>
+          <a:p>
+            <a:pPr>
+              <a:lnSpc>
+                <a:spcPct val="150000"/>
+              </a:lnSpc>
+            </a:pPr>
+            <a:r>
+              <a:rPr lang="en-US" sz="1400" dirty="0">
+                <a:solidFill>
+                  <a:schemeClr val="tx1">
+                    <a:lumMod val="65000"/>
+                    <a:lumOff val="35000"/>
+                  </a:schemeClr>
+                </a:solidFill>
+                <a:latin typeface="Segoe UI Semilight" panose="020B0402040204020203" pitchFamily="34" charset="0"/>
+                <a:cs typeface="Segoe UI Semilight" panose="020B0402040204020203" pitchFamily="34" charset="0"/>
+              </a:rPr>
+              <a:t>	Do ratings need to be high to be profitable?</a:t>
+            </a:r>
+          </a:p>
+          <a:p>
+            <a:pPr>
+              <a:lnSpc>
+                <a:spcPct val="150000"/>
+              </a:lnSpc>
+            </a:pPr>
+            <a:r>
+              <a:rPr lang="en-US" sz="1400" dirty="0">
+                <a:solidFill>
+                  <a:schemeClr val="tx1">
+                    <a:lumMod val="65000"/>
+                    <a:lumOff val="35000"/>
+                  </a:schemeClr>
+                </a:solidFill>
+                <a:latin typeface="Segoe UI Semilight" panose="020B0402040204020203" pitchFamily="34" charset="0"/>
+                <a:cs typeface="Segoe UI Semilight" panose="020B0402040204020203" pitchFamily="34" charset="0"/>
+              </a:rPr>
+              <a:t>	Which genres stand out as big money makers?</a:t>
+            </a:r>
+          </a:p>
+          <a:p>
+            <a:pPr>
+              <a:lnSpc>
+                <a:spcPct val="150000"/>
+              </a:lnSpc>
+            </a:pPr>
+            <a:endParaRPr lang="en-US" sz="1400" dirty="0">
+              <a:solidFill>
+                <a:srgbClr val="D24726"/>
+              </a:solidFill>
+              <a:latin typeface="Segoe UI Semibold" panose="020B0702040204020203" pitchFamily="34" charset="0"/>
+              <a:cs typeface="Segoe UI Semilight" panose="020B0402040204020203" pitchFamily="34" charset="0"/>
+            </a:endParaRPr>
+          </a:p>
+          <a:p>
+            <a:pPr>
+              <a:lnSpc>
+                <a:spcPct val="150000"/>
+              </a:lnSpc>
+            </a:pPr>
+            <a:r>
+              <a:rPr lang="en-US" sz="1400" dirty="0">
+                <a:solidFill>
+                  <a:schemeClr val="tx1">
+                    <a:lumMod val="65000"/>
+                    <a:lumOff val="35000"/>
+                  </a:schemeClr>
+                </a:solidFill>
+                <a:latin typeface="Segoe UI Semilight" panose="020B0402040204020203" pitchFamily="34" charset="0"/>
+                <a:cs typeface="Segoe UI Semilight" panose="020B0402040204020203" pitchFamily="34" charset="0"/>
+              </a:rPr>
+              <a:t>We looked at only theater released movies within the range of 2005-2015 with a ‘measurable’ budget and revenue: minimum $5000 for each</a:t>
+            </a:r>
+          </a:p>
+          <a:p>
+            <a:pPr marL="0" indent="0">
+              <a:lnSpc>
+                <a:spcPct val="150000"/>
+              </a:lnSpc>
+              <a:spcBef>
+                <a:spcPts val="0"/>
+              </a:spcBef>
+              <a:buFont typeface="Arial" panose="020B0604020202020204" pitchFamily="34" charset="0"/>
+              <a:buNone/>
+            </a:pPr>
+            <a:endParaRPr lang="en-US" sz="1400" dirty="0">
+              <a:solidFill>
+                <a:schemeClr val="tx1">
+                  <a:lumMod val="65000"/>
+                  <a:lumOff val="35000"/>
+                </a:schemeClr>
+              </a:solidFill>
+              <a:latin typeface="Segoe UI Semilight" panose="020B0402040204020203" pitchFamily="34" charset="0"/>
+              <a:ea typeface="Segoe UI" panose="020B0502040204020203" pitchFamily="34" charset="0"/>
+              <a:cs typeface="Segoe UI Semilight" panose="020B0402040204020203" pitchFamily="34" charset="0"/>
+            </a:endParaRPr>
+          </a:p>
+        </p:txBody>
+      </p:sp>
+      <p:sp>
+        <p:nvSpPr>
+          <p:cNvPr id="22" name="Content Placeholder 3"/>
+          <p:cNvSpPr/>
+          <p:nvPr/>
+        </p:nvSpPr>
+        <p:spPr>
+          <a:xfrm>
+            <a:off x="6475883" y="1461299"/>
+            <a:ext cx="4825163" cy="1021690"/>
+          </a:xfrm>
+          <a:prstGeom prst="rect">
+            <a:avLst/>
+          </a:prstGeom>
+        </p:spPr>
+        <p:txBody>
+          <a:bodyPr wrap="square">
+            <a:spAutoFit/>
+          </a:bodyPr>
+          <a:lstStyle/>
+          <a:p>
+            <a:pPr>
+              <a:lnSpc>
+                <a:spcPct val="150000"/>
+              </a:lnSpc>
+            </a:pPr>
+            <a:r>
+              <a:rPr lang="en-US" sz="1400" b="1" dirty="0">
+                <a:solidFill>
+                  <a:srgbClr val="D24726"/>
+                </a:solidFill>
+                <a:latin typeface="Segoe UI Semibold" panose="020B0702040204020203" pitchFamily="34" charset="0"/>
+                <a:ea typeface="Segoe UI Semibold" panose="020B0702040204020203" pitchFamily="34" charset="0"/>
+              </a:rPr>
+              <a:t>Key Metrics: </a:t>
+            </a:r>
+            <a:r>
+              <a:rPr lang="en-US" sz="1400" dirty="0">
+                <a:solidFill>
+                  <a:schemeClr val="tx1">
+                    <a:lumMod val="65000"/>
+                    <a:lumOff val="35000"/>
+                  </a:schemeClr>
+                </a:solidFill>
+                <a:latin typeface="Segoe UI Semilight" panose="020B0402040204020203" pitchFamily="34" charset="0"/>
+                <a:cs typeface="Segoe UI Semilight" panose="020B0402040204020203" pitchFamily="34" charset="0"/>
+              </a:rPr>
+              <a:t>Movie budgets, profits, ratings and genre</a:t>
+            </a:r>
+          </a:p>
+          <a:p>
+            <a:pPr>
+              <a:lnSpc>
+                <a:spcPct val="150000"/>
+              </a:lnSpc>
+            </a:pPr>
+            <a:r>
+              <a:rPr lang="en-US" sz="1400" b="1" dirty="0">
+                <a:solidFill>
+                  <a:srgbClr val="D24726"/>
+                </a:solidFill>
+                <a:latin typeface="Segoe UI Semibold" panose="020B0702040204020203" pitchFamily="34" charset="0"/>
+                <a:ea typeface="Segoe UI Semibold" panose="020B0702040204020203" pitchFamily="34" charset="0"/>
+              </a:rPr>
+              <a:t>Resources: </a:t>
+            </a:r>
+            <a:r>
+              <a:rPr lang="en-US" sz="1400" dirty="0">
+                <a:solidFill>
+                  <a:schemeClr val="tx1">
+                    <a:lumMod val="65000"/>
+                    <a:lumOff val="35000"/>
+                  </a:schemeClr>
+                </a:solidFill>
+                <a:latin typeface="Segoe UI Semilight" panose="020B0402040204020203" pitchFamily="34" charset="0"/>
+                <a:cs typeface="Segoe UI Semilight" panose="020B0402040204020203" pitchFamily="34" charset="0"/>
+              </a:rPr>
+              <a:t>Kaggle data set with 45,000 movies, OMDB API</a:t>
+            </a:r>
+          </a:p>
+          <a:p>
+            <a:pPr>
+              <a:lnSpc>
+                <a:spcPct val="150000"/>
+              </a:lnSpc>
+            </a:pPr>
+            <a:endParaRPr lang="en-US" sz="1400" dirty="0">
+              <a:solidFill>
+                <a:schemeClr val="tx1">
+                  <a:lumMod val="65000"/>
+                  <a:lumOff val="35000"/>
+                </a:schemeClr>
+              </a:solidFill>
+              <a:latin typeface="Segoe UI Semilight" panose="020B0402040204020203" pitchFamily="34" charset="0"/>
+              <a:cs typeface="Segoe UI Semilight" panose="020B0402040204020203" pitchFamily="34" charset="0"/>
+            </a:endParaRPr>
+          </a:p>
+        </p:txBody>
+      </p:sp>
+    </p:spTree>
+    <p:extLst>
+      <p:ext uri="{BB962C8B-B14F-4D97-AF65-F5344CB8AC3E}">
+        <p14:creationId xmlns:p14="http://schemas.microsoft.com/office/powerpoint/2010/main" val="3748667521"/>
+      </p:ext>
+    </p:extLst>
+  </p:cSld>
+  <p:clrMapOvr>
+    <a:masterClrMapping/>
+  </p:clrMapOvr>
+</p:sld>
+</file>
+
+<file path=ppt/slides/slide3.xml><?xml version="1.0" encoding="utf-8"?>
+<p:sld xmlns:a="http://schemas.openxmlformats.org/drawingml/2006/main" xmlns:r="http://schemas.openxmlformats.org/officeDocument/2006/relationships" xmlns:p="http://schemas.openxmlformats.org/presentationml/2006/main">
+  <p:cSld>
+    <p:bg>
+      <p:bgPr>
+        <a:solidFill>
+          <a:schemeClr val="bg1"/>
+        </a:solidFill>
+        <a:effectLst/>
+      </p:bgPr>
+    </p:bg>
+    <p:spTree>
+      <p:nvGrpSpPr>
+        <p:cNvPr id="1" name=""/>
+        <p:cNvGrpSpPr/>
+        <p:nvPr/>
+      </p:nvGrpSpPr>
+      <p:grpSpPr>
+        <a:xfrm>
+          <a:off x="0" y="0"/>
+          <a:ext cx="0" cy="0"/>
+          <a:chOff x="0" y="0"/>
+          <a:chExt cx="0" cy="0"/>
+        </a:xfrm>
+      </p:grpSpPr>
+      <p:sp>
+        <p:nvSpPr>
+          <p:cNvPr id="2" name="Title 1"/>
+          <p:cNvSpPr>
+            <a:spLocks noGrp="1"/>
+          </p:cNvSpPr>
+          <p:nvPr>
+            <p:ph type="title"/>
+          </p:nvPr>
+        </p:nvSpPr>
+        <p:spPr/>
+        <p:txBody>
+          <a:bodyPr anchor="ctr">
+            <a:normAutofit/>
+          </a:bodyPr>
+          <a:lstStyle/>
+          <a:p>
+            <a:pPr algn="ctr"/>
+            <a:r>
+              <a:rPr lang="en-US" sz="3200" dirty="0">
+                <a:solidFill>
+                  <a:srgbClr val="FFFFFF"/>
+                </a:solidFill>
+              </a:rPr>
+              <a:t>Acquiring the data</a:t>
+            </a:r>
+            <a:endParaRPr lang="en-US" sz="1400" dirty="0">
+              <a:solidFill>
+                <a:srgbClr val="FFFFFF"/>
+              </a:solidFill>
+            </a:endParaRPr>
+          </a:p>
+        </p:txBody>
+      </p:sp>
+      <p:sp>
+        <p:nvSpPr>
+          <p:cNvPr id="3" name="Content Placeholder 2"/>
+          <p:cNvSpPr>
+            <a:spLocks noGrp="1"/>
+          </p:cNvSpPr>
+          <p:nvPr>
+            <p:ph type="body" idx="4294967295"/>
+          </p:nvPr>
+        </p:nvSpPr>
+        <p:spPr>
+          <a:xfrm>
+            <a:off x="575894" y="2250979"/>
+            <a:ext cx="11029616" cy="2554486"/>
+          </a:xfrm>
+        </p:spPr>
+        <p:txBody>
+          <a:bodyPr anchor="ctr">
+            <a:normAutofit/>
+          </a:bodyPr>
+          <a:lstStyle/>
+          <a:p>
+            <a:r>
+              <a:rPr lang="en-US" dirty="0"/>
+              <a:t>Import and clean the data set, “</a:t>
+            </a:r>
+            <a:r>
+              <a:rPr lang="en-US" i="0" dirty="0">
+                <a:solidFill>
+                  <a:srgbClr val="202124"/>
+                </a:solidFill>
+                <a:effectLst/>
+                <a:highlight>
+                  <a:srgbClr val="FFFFFF"/>
+                </a:highlight>
+              </a:rPr>
+              <a:t>movies_metadata.csv” </a:t>
+            </a:r>
+            <a:r>
+              <a:rPr lang="en-US" dirty="0"/>
+              <a:t>from Kaggle with over 3500 upvotes which has a Usability rating of 8.24 and 45,000 movies.</a:t>
+            </a:r>
+          </a:p>
+          <a:p>
+            <a:r>
+              <a:rPr lang="en-US" dirty="0"/>
+              <a:t>Based on our criteria, we filtered that down to 2,316 movies for our data.</a:t>
+            </a:r>
+          </a:p>
+          <a:p>
+            <a:r>
+              <a:rPr lang="en-US" dirty="0"/>
+              <a:t>Created an API call for OMDB to cross reference with the cleaned data set by utilizing the IMDB ID, a universal standard for movie data. </a:t>
+            </a:r>
+          </a:p>
+          <a:p>
+            <a:r>
+              <a:rPr lang="en-US" dirty="0"/>
+              <a:t>Merge and parse that data and prep for further exploration</a:t>
+            </a:r>
+          </a:p>
+          <a:p>
+            <a:endParaRPr lang="en-US" dirty="0"/>
+          </a:p>
+        </p:txBody>
+      </p:sp>
+    </p:spTree>
+    <p:extLst>
+      <p:ext uri="{BB962C8B-B14F-4D97-AF65-F5344CB8AC3E}">
+        <p14:creationId xmlns:p14="http://schemas.microsoft.com/office/powerpoint/2010/main" val="3382765918"/>
+      </p:ext>
+    </p:extLst>
+  </p:cSld>
+  <p:clrMapOvr>
+    <a:masterClrMapping/>
+  </p:clrMapOvr>
+</p:sld>
+</file>
+
+<file path=ppt/slides/slide4.xml><?xml version="1.0" encoding="utf-8"?>
+<p:sld xmlns:a="http://schemas.openxmlformats.org/drawingml/2006/main" xmlns:r="http://schemas.openxmlformats.org/officeDocument/2006/relationships" xmlns:p="http://schemas.openxmlformats.org/presentationml/2006/main">
+  <p:cSld>
+    <p:spTree>
+      <p:nvGrpSpPr>
+        <p:cNvPr id="1" name=""/>
+        <p:cNvGrpSpPr/>
+        <p:nvPr/>
+      </p:nvGrpSpPr>
+      <p:grpSpPr>
+        <a:xfrm>
+          <a:off x="0" y="0"/>
+          <a:ext cx="0" cy="0"/>
+          <a:chOff x="0" y="0"/>
+          <a:chExt cx="0" cy="0"/>
+        </a:xfrm>
+      </p:grpSpPr>
+      <p:sp>
+        <p:nvSpPr>
+          <p:cNvPr id="3" name="Content Placeholder 2">
+            <a:extLst>
+              <a:ext uri="{FF2B5EF4-FFF2-40B4-BE49-F238E27FC236}">
+                <a16:creationId xmlns:a16="http://schemas.microsoft.com/office/drawing/2014/main" id="{F95E2A37-E369-BD1A-E50B-B049F9C4C2CC}"/>
+              </a:ext>
+            </a:extLst>
+          </p:cNvPr>
+          <p:cNvSpPr>
+            <a:spLocks noGrp="1"/>
+          </p:cNvSpPr>
+          <p:nvPr>
+            <p:ph idx="4294967295"/>
+          </p:nvPr>
+        </p:nvSpPr>
+        <p:spPr>
+          <a:xfrm>
+            <a:off x="354227" y="5347631"/>
+            <a:ext cx="9348788" cy="1212850"/>
+          </a:xfrm>
+        </p:spPr>
+        <p:txBody>
+          <a:bodyPr/>
+          <a:lstStyle/>
+          <a:p>
+            <a:r>
+              <a:rPr lang="en-US" sz="1800" dirty="0">
+                <a:effectLst/>
+                <a:latin typeface="Calibri" panose="020F0502020204030204" pitchFamily="34" charset="0"/>
+                <a:ea typeface="Calibri" panose="020F0502020204030204" pitchFamily="34" charset="0"/>
+                <a:cs typeface="Times New Roman" panose="02020603050405020304" pitchFamily="18" charset="0"/>
+              </a:rPr>
+              <a:t>The graph shows a relative correspondence between amount spent and amount earned</a:t>
+            </a:r>
+          </a:p>
+          <a:p>
+            <a:r>
+              <a:rPr lang="en-US" dirty="0">
+                <a:latin typeface="Calibri" panose="020F0502020204030204" pitchFamily="34" charset="0"/>
+                <a:ea typeface="Calibri" panose="020F0502020204030204" pitchFamily="34" charset="0"/>
+                <a:cs typeface="Times New Roman" panose="02020603050405020304" pitchFamily="18" charset="0"/>
+              </a:rPr>
+              <a:t>There is a moderate r value of .6 between these two</a:t>
+            </a:r>
+            <a:endParaRPr lang="en-US" sz="1800" dirty="0">
+              <a:effectLst/>
+              <a:latin typeface="Calibri" panose="020F0502020204030204" pitchFamily="34" charset="0"/>
+              <a:ea typeface="Calibri" panose="020F0502020204030204" pitchFamily="34" charset="0"/>
+              <a:cs typeface="Times New Roman" panose="02020603050405020304" pitchFamily="18" charset="0"/>
+            </a:endParaRPr>
+          </a:p>
+        </p:txBody>
+      </p:sp>
+      <p:grpSp>
+        <p:nvGrpSpPr>
+          <p:cNvPr id="5" name="Group 4">
+            <a:extLst>
+              <a:ext uri="{FF2B5EF4-FFF2-40B4-BE49-F238E27FC236}">
+                <a16:creationId xmlns:a16="http://schemas.microsoft.com/office/drawing/2014/main" id="{5C067980-62CE-29BF-8E05-3DFED2B2DE57}"/>
+              </a:ext>
+            </a:extLst>
+          </p:cNvPr>
+          <p:cNvGrpSpPr/>
+          <p:nvPr/>
+        </p:nvGrpSpPr>
+        <p:grpSpPr>
+          <a:xfrm>
+            <a:off x="354227" y="1364604"/>
+            <a:ext cx="11483546" cy="4128791"/>
+            <a:chOff x="0" y="27774"/>
+            <a:chExt cx="5943600" cy="2162976"/>
+          </a:xfrm>
+        </p:grpSpPr>
+        <p:sp>
+          <p:nvSpPr>
+            <p:cNvPr id="6" name="Text Box 1">
+              <a:extLst>
+                <a:ext uri="{FF2B5EF4-FFF2-40B4-BE49-F238E27FC236}">
+                  <a16:creationId xmlns:a16="http://schemas.microsoft.com/office/drawing/2014/main" id="{80780918-744B-EA28-1F13-037F8FF5EDF2}"/>
+                </a:ext>
+              </a:extLst>
+            </p:cNvPr>
+            <p:cNvSpPr txBox="1"/>
+            <p:nvPr/>
+          </p:nvSpPr>
+          <p:spPr>
+            <a:xfrm>
+              <a:off x="0" y="1924050"/>
+              <a:ext cx="5943600" cy="266700"/>
+            </a:xfrm>
+            <a:prstGeom prst="rect">
+              <a:avLst/>
+            </a:prstGeom>
+            <a:solidFill>
+              <a:prstClr val="white"/>
+            </a:solidFill>
+            <a:ln>
+              <a:noFill/>
+            </a:ln>
+          </p:spPr>
+          <p:txBody>
+            <a:bodyPr rot="0" spcFirstLastPara="0" vert="horz" wrap="square" lIns="0" tIns="0" rIns="0" bIns="0" numCol="1" spcCol="0" rtlCol="0" fromWordArt="0" anchor="t" anchorCtr="0" forceAA="0" compatLnSpc="1">
+              <a:prstTxWarp prst="textNoShape">
+                <a:avLst/>
+              </a:prstTxWarp>
+              <a:spAutoFit/>
+            </a:bodyPr>
+            <a:lstStyle/>
+            <a:p>
+              <a:pPr marL="0" marR="0">
+                <a:spcBef>
+                  <a:spcPts val="0"/>
+                </a:spcBef>
+                <a:spcAft>
+                  <a:spcPts val="1000"/>
+                </a:spcAft>
+              </a:pPr>
+              <a:r>
+                <a:rPr lang="en-US" sz="900" i="1" kern="100">
+                  <a:solidFill>
+                    <a:srgbClr val="44546A"/>
+                  </a:solidFill>
+                  <a:effectLst/>
+                  <a:latin typeface="Calibri" panose="020F0502020204030204" pitchFamily="34" charset="0"/>
+                  <a:ea typeface="Calibri" panose="020F0502020204030204" pitchFamily="34" charset="0"/>
+                  <a:cs typeface="Times New Roman" panose="02020603050405020304" pitchFamily="18" charset="0"/>
+                </a:rPr>
+                <a:t>Figure 1 Scatter plot showing the relationship between money spent and money earned</a:t>
+              </a:r>
+            </a:p>
+          </p:txBody>
+        </p:sp>
+        <p:pic>
+          <p:nvPicPr>
+            <p:cNvPr id="7" name="Picture 6">
+              <a:extLst>
+                <a:ext uri="{FF2B5EF4-FFF2-40B4-BE49-F238E27FC236}">
+                  <a16:creationId xmlns:a16="http://schemas.microsoft.com/office/drawing/2014/main" id="{D1115B71-45F4-BA8E-59F5-CF4EC0E4F4AD}"/>
+                </a:ext>
+              </a:extLst>
+            </p:cNvPr>
+            <p:cNvPicPr>
+              <a:picLocks noChangeAspect="1"/>
+            </p:cNvPicPr>
+            <p:nvPr/>
+          </p:nvPicPr>
+          <p:blipFill>
+            <a:blip r:embed="rId2" cstate="print">
+              <a:extLst>
+                <a:ext uri="{28A0092B-C50C-407E-A947-70E740481C1C}">
+                  <a14:useLocalDpi xmlns:a14="http://schemas.microsoft.com/office/drawing/2010/main" val="0"/>
+                </a:ext>
+              </a:extLst>
+            </a:blip>
+            <a:stretch>
+              <a:fillRect/>
+            </a:stretch>
+          </p:blipFill>
+          <p:spPr>
+            <a:xfrm>
+              <a:off x="0" y="27774"/>
+              <a:ext cx="5943600" cy="1877695"/>
+            </a:xfrm>
+            <a:prstGeom prst="rect">
+              <a:avLst/>
+            </a:prstGeom>
+          </p:spPr>
+        </p:pic>
+      </p:grpSp>
+      <p:sp>
+        <p:nvSpPr>
+          <p:cNvPr id="9" name="Title 1">
+            <a:extLst>
+              <a:ext uri="{FF2B5EF4-FFF2-40B4-BE49-F238E27FC236}">
+                <a16:creationId xmlns:a16="http://schemas.microsoft.com/office/drawing/2014/main" id="{402D4104-86D0-E426-76EB-183D58F4B402}"/>
+              </a:ext>
+            </a:extLst>
+          </p:cNvPr>
+          <p:cNvSpPr txBox="1">
+            <a:spLocks/>
+          </p:cNvSpPr>
+          <p:nvPr/>
+        </p:nvSpPr>
+        <p:spPr>
+          <a:xfrm>
+            <a:off x="4477944" y="3296"/>
+            <a:ext cx="3236111" cy="452251"/>
+          </a:xfrm>
+          <a:prstGeom prst="rect">
+            <a:avLst/>
+          </a:prstGeom>
+        </p:spPr>
+        <p:txBody>
+          <a:bodyPr vert="horz" lIns="91440" tIns="45720" rIns="91440" bIns="45720" rtlCol="0" anchor="b">
+            <a:normAutofit fontScale="90000" lnSpcReduction="10000"/>
+          </a:bodyPr>
+          <a:lstStyle>
+            <a:lvl1pPr algn="l" defTabSz="457200" rtl="0" eaLnBrk="1" latinLnBrk="0" hangingPunct="1">
+              <a:spcBef>
+                <a:spcPct val="0"/>
+              </a:spcBef>
+              <a:buNone/>
+              <a:defRPr sz="2800" b="0" kern="1200" cap="all">
+                <a:solidFill>
+                  <a:schemeClr val="bg1"/>
+                </a:solidFill>
+                <a:latin typeface="+mj-lt"/>
+                <a:ea typeface="+mj-ea"/>
+                <a:cs typeface="+mj-cs"/>
+              </a:defRPr>
+            </a:lvl1pPr>
+            <a:lvl2pPr eaLnBrk="1" hangingPunct="1">
+              <a:defRPr>
+                <a:solidFill>
+                  <a:schemeClr val="tx2"/>
+                </a:solidFill>
+              </a:defRPr>
+            </a:lvl2pPr>
+            <a:lvl3pPr eaLnBrk="1" hangingPunct="1">
+              <a:defRPr>
+                <a:solidFill>
+                  <a:schemeClr val="tx2"/>
+                </a:solidFill>
+              </a:defRPr>
+            </a:lvl3pPr>
+            <a:lvl4pPr eaLnBrk="1" hangingPunct="1">
+              <a:defRPr>
+                <a:solidFill>
+                  <a:schemeClr val="tx2"/>
+                </a:solidFill>
+              </a:defRPr>
+            </a:lvl4pPr>
+            <a:lvl5pPr eaLnBrk="1" hangingPunct="1">
+              <a:defRPr>
+                <a:solidFill>
+                  <a:schemeClr val="tx2"/>
+                </a:solidFill>
+              </a:defRPr>
+            </a:lvl5pPr>
+            <a:lvl6pPr eaLnBrk="1" hangingPunct="1">
+              <a:defRPr>
+                <a:solidFill>
+                  <a:schemeClr val="tx2"/>
+                </a:solidFill>
+              </a:defRPr>
+            </a:lvl6pPr>
+            <a:lvl7pPr eaLnBrk="1" hangingPunct="1">
+              <a:defRPr>
+                <a:solidFill>
+                  <a:schemeClr val="tx2"/>
+                </a:solidFill>
+              </a:defRPr>
+            </a:lvl7pPr>
+            <a:lvl8pPr eaLnBrk="1" hangingPunct="1">
+              <a:defRPr>
+                <a:solidFill>
+                  <a:schemeClr val="tx2"/>
+                </a:solidFill>
+              </a:defRPr>
+            </a:lvl8pPr>
+            <a:lvl9pPr eaLnBrk="1" hangingPunct="1">
+              <a:defRPr>
+                <a:solidFill>
+                  <a:schemeClr val="tx2"/>
+                </a:solidFill>
+              </a:defRPr>
+            </a:lvl9pPr>
+          </a:lstStyle>
+          <a:p>
+            <a:r>
+              <a:rPr lang="en-US" dirty="0">
+                <a:solidFill>
+                  <a:schemeClr val="tx1"/>
+                </a:solidFill>
+              </a:rPr>
+              <a:t>Budget vs revenue</a:t>
+            </a:r>
+          </a:p>
+        </p:txBody>
+      </p:sp>
+    </p:spTree>
+    <p:extLst>
+      <p:ext uri="{BB962C8B-B14F-4D97-AF65-F5344CB8AC3E}">
+        <p14:creationId xmlns:p14="http://schemas.microsoft.com/office/powerpoint/2010/main" val="2357912295"/>
+      </p:ext>
+    </p:extLst>
+  </p:cSld>
+  <p:clrMapOvr>
+    <a:masterClrMapping/>
+  </p:clrMapOvr>
+</p:sld>
+</file>
+
+<file path=ppt/slides/slide5.xml><?xml version="1.0" encoding="utf-8"?>
+<p:sld xmlns:a="http://schemas.openxmlformats.org/drawingml/2006/main" xmlns:r="http://schemas.openxmlformats.org/officeDocument/2006/relationships" xmlns:p="http://schemas.openxmlformats.org/presentationml/2006/main">
+  <p:cSld>
+    <p:spTree>
+      <p:nvGrpSpPr>
+        <p:cNvPr id="1" name=""/>
+        <p:cNvGrpSpPr/>
+        <p:nvPr/>
+      </p:nvGrpSpPr>
+      <p:grpSpPr>
+        <a:xfrm>
+          <a:off x="0" y="0"/>
+          <a:ext cx="0" cy="0"/>
+          <a:chOff x="0" y="0"/>
+          <a:chExt cx="0" cy="0"/>
+        </a:xfrm>
+      </p:grpSpPr>
+      <p:sp>
+        <p:nvSpPr>
+          <p:cNvPr id="2" name="Title 1">
+            <a:extLst>
+              <a:ext uri="{FF2B5EF4-FFF2-40B4-BE49-F238E27FC236}">
+                <a16:creationId xmlns:a16="http://schemas.microsoft.com/office/drawing/2014/main" id="{3D7B3BD4-ECBA-DED0-C9B9-A577AF386EB5}"/>
+              </a:ext>
+            </a:extLst>
+          </p:cNvPr>
+          <p:cNvSpPr>
+            <a:spLocks noGrp="1"/>
+          </p:cNvSpPr>
+          <p:nvPr>
+            <p:ph type="title" idx="4294967295"/>
+          </p:nvPr>
+        </p:nvSpPr>
+        <p:spPr>
+          <a:xfrm>
+            <a:off x="3859723" y="0"/>
+            <a:ext cx="4631134" cy="452251"/>
+          </a:xfrm>
+        </p:spPr>
+        <p:txBody>
+          <a:bodyPr>
+            <a:normAutofit fontScale="90000"/>
+          </a:bodyPr>
+          <a:lstStyle/>
+          <a:p>
+            <a:r>
+              <a:rPr lang="en-US" dirty="0">
+                <a:solidFill>
+                  <a:schemeClr val="tx1"/>
+                </a:solidFill>
+              </a:rPr>
+              <a:t>Budget vs revenue cont’d</a:t>
+            </a:r>
+          </a:p>
+        </p:txBody>
+      </p:sp>
+      <p:sp>
+        <p:nvSpPr>
+          <p:cNvPr id="8" name="Content Placeholder 2">
+            <a:extLst>
+              <a:ext uri="{FF2B5EF4-FFF2-40B4-BE49-F238E27FC236}">
+                <a16:creationId xmlns:a16="http://schemas.microsoft.com/office/drawing/2014/main" id="{1E38D909-BC0F-F19C-C035-634023D6AAC6}"/>
+              </a:ext>
+            </a:extLst>
+          </p:cNvPr>
+          <p:cNvSpPr txBox="1">
+            <a:spLocks/>
+          </p:cNvSpPr>
+          <p:nvPr/>
+        </p:nvSpPr>
+        <p:spPr>
+          <a:xfrm>
+            <a:off x="496331" y="5445211"/>
+            <a:ext cx="11357918" cy="1286329"/>
+          </a:xfrm>
+          <a:prstGeom prst="rect">
+            <a:avLst/>
+          </a:prstGeom>
+        </p:spPr>
+        <p:txBody>
+          <a:bodyPr vert="horz" lIns="91440" tIns="45720" rIns="91440" bIns="45720" rtlCol="0" anchor="ctr">
+            <a:normAutofit/>
+          </a:bodyPr>
+          <a:lstStyle>
+            <a:lvl1pPr marL="306000" indent="-306000" algn="l" defTabSz="457200" rtl="0" eaLnBrk="1" latinLnBrk="0" hangingPunct="1">
+              <a:spcBef>
+                <a:spcPct val="20000"/>
+              </a:spcBef>
+              <a:spcAft>
+                <a:spcPts val="600"/>
+              </a:spcAft>
+              <a:buClr>
+                <a:schemeClr val="accent2"/>
+              </a:buClr>
+              <a:buSzPct val="92000"/>
+              <a:buFont typeface="Wingdings 2" panose="05020102010507070707" pitchFamily="18" charset="2"/>
+              <a:buChar char=""/>
+              <a:defRPr sz="1800" kern="1200">
+                <a:solidFill>
+                  <a:schemeClr val="tx2"/>
+                </a:solidFill>
+                <a:latin typeface="+mn-lt"/>
+                <a:ea typeface="+mn-ea"/>
+                <a:cs typeface="+mn-cs"/>
+              </a:defRPr>
+            </a:lvl1pPr>
+            <a:lvl2pPr marL="630000" indent="-306000" algn="l" defTabSz="457200" rtl="0" eaLnBrk="1" latinLnBrk="0" hangingPunct="1">
+              <a:spcBef>
+                <a:spcPct val="20000"/>
+              </a:spcBef>
+              <a:spcAft>
+                <a:spcPts val="600"/>
+              </a:spcAft>
+              <a:buClr>
+                <a:schemeClr val="accent2"/>
+              </a:buClr>
+              <a:buSzPct val="92000"/>
+              <a:buFont typeface="Wingdings 2" panose="05020102010507070707" pitchFamily="18" charset="2"/>
+              <a:buChar char=""/>
+              <a:defRPr sz="1600" kern="1200">
+                <a:solidFill>
+                  <a:schemeClr val="tx2"/>
+                </a:solidFill>
+                <a:latin typeface="+mn-lt"/>
+                <a:ea typeface="+mn-ea"/>
+                <a:cs typeface="+mn-cs"/>
+              </a:defRPr>
+            </a:lvl2pPr>
+            <a:lvl3pPr marL="900000" indent="-270000" algn="l" defTabSz="457200" rtl="0" eaLnBrk="1" latinLnBrk="0" hangingPunct="1">
+              <a:spcBef>
+                <a:spcPct val="20000"/>
+              </a:spcBef>
+              <a:spcAft>
+                <a:spcPts val="600"/>
+              </a:spcAft>
+              <a:buClr>
+                <a:schemeClr val="accent2"/>
+              </a:buClr>
+              <a:buSzPct val="92000"/>
+              <a:buFont typeface="Wingdings 2" panose="05020102010507070707" pitchFamily="18" charset="2"/>
+              <a:buChar char=""/>
+              <a:defRPr sz="1400" kern="1200">
+                <a:solidFill>
+                  <a:schemeClr val="tx2"/>
+                </a:solidFill>
+                <a:latin typeface="+mn-lt"/>
+                <a:ea typeface="+mn-ea"/>
+                <a:cs typeface="+mn-cs"/>
+              </a:defRPr>
+            </a:lvl3pPr>
+            <a:lvl4pPr marL="1242000" indent="-234000" algn="l" defTabSz="457200" rtl="0" eaLnBrk="1" latinLnBrk="0" hangingPunct="1">
+              <a:spcBef>
+                <a:spcPct val="20000"/>
+              </a:spcBef>
+              <a:spcAft>
+                <a:spcPts val="600"/>
+              </a:spcAft>
+              <a:buClr>
+                <a:schemeClr val="accent2"/>
+              </a:buClr>
+              <a:buSzPct val="92000"/>
+              <a:buFont typeface="Wingdings 2" panose="05020102010507070707" pitchFamily="18" charset="2"/>
+              <a:buChar char=""/>
+              <a:defRPr sz="1200" kern="1200">
+                <a:solidFill>
+                  <a:schemeClr val="tx2"/>
+                </a:solidFill>
+                <a:latin typeface="+mn-lt"/>
+                <a:ea typeface="+mn-ea"/>
+                <a:cs typeface="+mn-cs"/>
+              </a:defRPr>
+            </a:lvl4pPr>
+            <a:lvl5pPr marL="1602000" indent="-234000" algn="l" defTabSz="457200" rtl="0" eaLnBrk="1" latinLnBrk="0" hangingPunct="1">
+              <a:spcBef>
+                <a:spcPct val="20000"/>
+              </a:spcBef>
+              <a:spcAft>
+                <a:spcPts val="600"/>
+              </a:spcAft>
+              <a:buClr>
+                <a:schemeClr val="accent2"/>
+              </a:buClr>
+              <a:buSzPct val="92000"/>
+              <a:buFont typeface="Wingdings 2" panose="05020102010507070707" pitchFamily="18" charset="2"/>
+              <a:buChar char=""/>
+              <a:defRPr sz="1200" kern="1200">
+                <a:solidFill>
+                  <a:schemeClr val="tx2"/>
+                </a:solidFill>
+                <a:latin typeface="+mn-lt"/>
+                <a:ea typeface="+mn-ea"/>
+                <a:cs typeface="+mn-cs"/>
+              </a:defRPr>
+            </a:lvl5pPr>
+            <a:lvl6pPr marL="1900000" indent="-228600" algn="l" defTabSz="457200" rtl="0" eaLnBrk="1" latinLnBrk="0" hangingPunct="1">
+              <a:spcBef>
+                <a:spcPct val="20000"/>
+              </a:spcBef>
+              <a:spcAft>
+                <a:spcPts val="600"/>
+              </a:spcAft>
+              <a:buClr>
+                <a:schemeClr val="accent2"/>
+              </a:buClr>
+              <a:buSzPct val="92000"/>
+              <a:buFont typeface="Wingdings 2" panose="05020102010507070707" pitchFamily="18" charset="2"/>
+              <a:buChar char=""/>
+              <a:defRPr sz="1200" kern="1200">
+                <a:solidFill>
+                  <a:schemeClr val="tx2"/>
+                </a:solidFill>
+                <a:latin typeface="+mn-lt"/>
+                <a:ea typeface="+mn-ea"/>
+                <a:cs typeface="+mn-cs"/>
+              </a:defRPr>
+            </a:lvl6pPr>
+            <a:lvl7pPr marL="2200000" indent="-228600" algn="l" defTabSz="457200" rtl="0" eaLnBrk="1" latinLnBrk="0" hangingPunct="1">
+              <a:spcBef>
+                <a:spcPct val="20000"/>
+              </a:spcBef>
+              <a:spcAft>
+                <a:spcPts val="600"/>
+              </a:spcAft>
+              <a:buClr>
+                <a:schemeClr val="accent2"/>
+              </a:buClr>
+              <a:buSzPct val="92000"/>
+              <a:buFont typeface="Wingdings 2" panose="05020102010507070707" pitchFamily="18" charset="2"/>
+              <a:buChar char=""/>
+              <a:defRPr sz="1200" kern="1200">
+                <a:solidFill>
+                  <a:schemeClr val="tx2"/>
+                </a:solidFill>
+                <a:latin typeface="+mn-lt"/>
+                <a:ea typeface="+mn-ea"/>
+                <a:cs typeface="+mn-cs"/>
+              </a:defRPr>
+            </a:lvl7pPr>
+            <a:lvl8pPr marL="2500000" indent="-228600" algn="l" defTabSz="457200" rtl="0" eaLnBrk="1" latinLnBrk="0" hangingPunct="1">
+              <a:spcBef>
+                <a:spcPct val="20000"/>
+              </a:spcBef>
+              <a:spcAft>
+                <a:spcPts val="600"/>
+              </a:spcAft>
+              <a:buClr>
+                <a:schemeClr val="accent2"/>
+              </a:buClr>
+              <a:buSzPct val="92000"/>
+              <a:buFont typeface="Wingdings 2" panose="05020102010507070707" pitchFamily="18" charset="2"/>
+              <a:buChar char=""/>
+              <a:defRPr sz="1200" kern="1200">
+                <a:solidFill>
+                  <a:schemeClr val="tx2"/>
+                </a:solidFill>
+                <a:latin typeface="+mn-lt"/>
+                <a:ea typeface="+mn-ea"/>
+                <a:cs typeface="+mn-cs"/>
+              </a:defRPr>
+            </a:lvl8pPr>
+            <a:lvl9pPr marL="2800000" indent="-228600" algn="l" defTabSz="457200" rtl="0" eaLnBrk="1" latinLnBrk="0" hangingPunct="1">
+              <a:spcBef>
+                <a:spcPct val="20000"/>
+              </a:spcBef>
+              <a:spcAft>
+                <a:spcPts val="600"/>
+              </a:spcAft>
+              <a:buClr>
+                <a:schemeClr val="accent2"/>
+              </a:buClr>
+              <a:buSzPct val="92000"/>
+              <a:buFont typeface="Wingdings 2" panose="05020102010507070707" pitchFamily="18" charset="2"/>
+              <a:buChar char=""/>
+              <a:defRPr sz="1200" kern="1200">
+                <a:solidFill>
+                  <a:schemeClr val="tx2"/>
+                </a:solidFill>
+                <a:latin typeface="+mn-lt"/>
+                <a:ea typeface="+mn-ea"/>
+                <a:cs typeface="+mn-cs"/>
+              </a:defRPr>
+            </a:lvl9pPr>
+          </a:lstStyle>
+          <a:p>
+            <a:r>
+              <a:rPr lang="en-US" dirty="0">
+                <a:latin typeface="Calibri" panose="020F0502020204030204" pitchFamily="34" charset="0"/>
+                <a:ea typeface="Calibri" panose="020F0502020204030204" pitchFamily="34" charset="0"/>
+                <a:cs typeface="Times New Roman" panose="02020603050405020304" pitchFamily="18" charset="0"/>
+              </a:rPr>
+              <a:t>While there is a moderate correlation, there are some outliers. For example, Avengers: Age of Ultron is the only movie from top 10 by budget that is also in top 10 by revenue.</a:t>
+            </a:r>
+          </a:p>
+          <a:p>
+            <a:r>
+              <a:rPr lang="en-US" sz="1800" dirty="0">
+                <a:effectLst/>
+                <a:latin typeface="Calibri" panose="020F0502020204030204" pitchFamily="34" charset="0"/>
+                <a:ea typeface="Calibri" panose="020F0502020204030204" pitchFamily="34" charset="0"/>
+                <a:cs typeface="Times New Roman" panose="02020603050405020304" pitchFamily="18" charset="0"/>
+              </a:rPr>
+              <a:t>A high budget does not always equate to ROI, as movies that make more are also the movies that spend more.</a:t>
+            </a:r>
+            <a:endParaRPr lang="en-US" dirty="0">
+              <a:latin typeface="Calibri" panose="020F0502020204030204" pitchFamily="34" charset="0"/>
+              <a:ea typeface="Calibri" panose="020F0502020204030204" pitchFamily="34" charset="0"/>
+              <a:cs typeface="Times New Roman" panose="02020603050405020304" pitchFamily="18" charset="0"/>
+            </a:endParaRPr>
+          </a:p>
+        </p:txBody>
+      </p:sp>
+      <p:grpSp>
+        <p:nvGrpSpPr>
+          <p:cNvPr id="4" name="Group 3">
+            <a:extLst>
+              <a:ext uri="{FF2B5EF4-FFF2-40B4-BE49-F238E27FC236}">
+                <a16:creationId xmlns:a16="http://schemas.microsoft.com/office/drawing/2014/main" id="{846FD744-8905-7FAE-2545-A8AE4A9046C2}"/>
+              </a:ext>
+            </a:extLst>
+          </p:cNvPr>
+          <p:cNvGrpSpPr/>
+          <p:nvPr/>
+        </p:nvGrpSpPr>
+        <p:grpSpPr>
+          <a:xfrm>
+            <a:off x="136188" y="1037138"/>
+            <a:ext cx="11974748" cy="4408073"/>
+            <a:chOff x="0" y="0"/>
+            <a:chExt cx="5937250" cy="1517700"/>
+          </a:xfrm>
+        </p:grpSpPr>
+        <p:grpSp>
+          <p:nvGrpSpPr>
+            <p:cNvPr id="9" name="Group 8">
+              <a:extLst>
+                <a:ext uri="{FF2B5EF4-FFF2-40B4-BE49-F238E27FC236}">
+                  <a16:creationId xmlns:a16="http://schemas.microsoft.com/office/drawing/2014/main" id="{04F5A751-F3BE-185A-89FC-939151DB75AD}"/>
+                </a:ext>
+              </a:extLst>
+            </p:cNvPr>
+            <p:cNvGrpSpPr/>
+            <p:nvPr/>
+          </p:nvGrpSpPr>
+          <p:grpSpPr>
+            <a:xfrm>
+              <a:off x="0" y="0"/>
+              <a:ext cx="5937250" cy="1416050"/>
+              <a:chOff x="0" y="0"/>
+              <a:chExt cx="5937250" cy="1416050"/>
+            </a:xfrm>
+          </p:grpSpPr>
+          <p:pic>
+            <p:nvPicPr>
+              <p:cNvPr id="11" name="Picture 10">
+                <a:extLst>
+                  <a:ext uri="{FF2B5EF4-FFF2-40B4-BE49-F238E27FC236}">
+                    <a16:creationId xmlns:a16="http://schemas.microsoft.com/office/drawing/2014/main" id="{A59E993D-362F-6EEB-FB8A-D59703936266}"/>
+                  </a:ext>
+                </a:extLst>
+              </p:cNvPr>
+              <p:cNvPicPr>
+                <a:picLocks noChangeAspect="1"/>
+              </p:cNvPicPr>
+              <p:nvPr/>
+            </p:nvPicPr>
+            <p:blipFill>
+              <a:blip r:embed="rId2" cstate="print">
+                <a:extLst>
+                  <a:ext uri="{28A0092B-C50C-407E-A947-70E740481C1C}">
+                    <a14:useLocalDpi xmlns:a14="http://schemas.microsoft.com/office/drawing/2010/main" val="0"/>
+                  </a:ext>
+                </a:extLst>
+              </a:blip>
+              <a:stretch>
+                <a:fillRect/>
+              </a:stretch>
+            </p:blipFill>
+            <p:spPr>
+              <a:xfrm>
+                <a:off x="0" y="0"/>
+                <a:ext cx="2905125" cy="1409065"/>
+              </a:xfrm>
+              <a:prstGeom prst="rect">
+                <a:avLst/>
+              </a:prstGeom>
+            </p:spPr>
+          </p:pic>
+          <p:pic>
+            <p:nvPicPr>
+              <p:cNvPr id="12" name="Picture 11">
+                <a:extLst>
+                  <a:ext uri="{FF2B5EF4-FFF2-40B4-BE49-F238E27FC236}">
+                    <a16:creationId xmlns:a16="http://schemas.microsoft.com/office/drawing/2014/main" id="{14ABE21E-B607-3882-6700-DA0B916CB8D9}"/>
+                  </a:ext>
+                </a:extLst>
+              </p:cNvPr>
+              <p:cNvPicPr>
+                <a:picLocks noChangeAspect="1"/>
+              </p:cNvPicPr>
+              <p:nvPr/>
+            </p:nvPicPr>
+            <p:blipFill>
+              <a:blip r:embed="rId3">
+                <a:extLst>
+                  <a:ext uri="{28A0092B-C50C-407E-A947-70E740481C1C}">
+                    <a14:useLocalDpi xmlns:a14="http://schemas.microsoft.com/office/drawing/2010/main" val="0"/>
+                  </a:ext>
+                </a:extLst>
+              </a:blip>
+              <a:stretch>
+                <a:fillRect/>
+              </a:stretch>
+            </p:blipFill>
+            <p:spPr>
+              <a:xfrm>
+                <a:off x="3143250" y="38100"/>
+                <a:ext cx="2794000" cy="1377950"/>
+              </a:xfrm>
+              <a:prstGeom prst="rect">
+                <a:avLst/>
+              </a:prstGeom>
+            </p:spPr>
+          </p:pic>
+        </p:grpSp>
+        <p:sp>
+          <p:nvSpPr>
+            <p:cNvPr id="10" name="Text Box 1">
+              <a:extLst>
+                <a:ext uri="{FF2B5EF4-FFF2-40B4-BE49-F238E27FC236}">
+                  <a16:creationId xmlns:a16="http://schemas.microsoft.com/office/drawing/2014/main" id="{A3F91553-DE91-D664-2365-F4B337721CC0}"/>
+                </a:ext>
+              </a:extLst>
+            </p:cNvPr>
+            <p:cNvSpPr txBox="1"/>
+            <p:nvPr/>
+          </p:nvSpPr>
+          <p:spPr>
+            <a:xfrm>
+              <a:off x="0" y="1466850"/>
+              <a:ext cx="5805661" cy="50850"/>
+            </a:xfrm>
+            <a:prstGeom prst="rect">
+              <a:avLst/>
+            </a:prstGeom>
+            <a:solidFill>
+              <a:prstClr val="white"/>
+            </a:solidFill>
+            <a:ln>
+              <a:noFill/>
+            </a:ln>
+          </p:spPr>
+          <p:txBody>
+            <a:bodyPr rot="0" spcFirstLastPara="0" vert="horz" wrap="square" lIns="0" tIns="0" rIns="0" bIns="0" numCol="1" spcCol="0" rtlCol="0" fromWordArt="0" anchor="t" anchorCtr="0" forceAA="0" compatLnSpc="1">
+              <a:prstTxWarp prst="textNoShape">
+                <a:avLst/>
+              </a:prstTxWarp>
+              <a:spAutoFit/>
+            </a:bodyPr>
+            <a:lstStyle/>
+            <a:p>
+              <a:pPr marL="0" marR="0">
+                <a:spcBef>
+                  <a:spcPts val="0"/>
+                </a:spcBef>
+                <a:spcAft>
+                  <a:spcPts val="1000"/>
+                </a:spcAft>
+              </a:pPr>
+              <a:r>
+                <a:rPr lang="en-US" sz="900" i="1" kern="100" dirty="0">
+                  <a:solidFill>
+                    <a:srgbClr val="44546A"/>
+                  </a:solidFill>
+                  <a:effectLst/>
+                  <a:latin typeface="Calibri" panose="020F0502020204030204" pitchFamily="34" charset="0"/>
+                  <a:ea typeface="Calibri" panose="020F0502020204030204" pitchFamily="34" charset="0"/>
+                  <a:cs typeface="Times New Roman" panose="02020603050405020304" pitchFamily="18" charset="0"/>
+                </a:rPr>
+                <a:t>Figure 2 Top ten movies by budget and by revenue. Only one movie exists in both of these graphs.</a:t>
+              </a:r>
+            </a:p>
+          </p:txBody>
+        </p:sp>
+      </p:grpSp>
+    </p:spTree>
+    <p:extLst>
+      <p:ext uri="{BB962C8B-B14F-4D97-AF65-F5344CB8AC3E}">
+        <p14:creationId xmlns:p14="http://schemas.microsoft.com/office/powerpoint/2010/main" val="4109329943"/>
+      </p:ext>
+    </p:extLst>
+  </p:cSld>
+  <p:clrMapOvr>
+    <a:masterClrMapping/>
+  </p:clrMapOvr>
+</p:sld>
+</file>
+
+<file path=ppt/slides/slide6.xml><?xml version="1.0" encoding="utf-8"?>
+<p:sld xmlns:a="http://schemas.openxmlformats.org/drawingml/2006/main" xmlns:r="http://schemas.openxmlformats.org/officeDocument/2006/relationships" xmlns:p="http://schemas.openxmlformats.org/presentationml/2006/main">
+  <p:cSld>
+    <p:spTree>
+      <p:nvGrpSpPr>
+        <p:cNvPr id="1" name=""/>
+        <p:cNvGrpSpPr/>
+        <p:nvPr/>
+      </p:nvGrpSpPr>
+      <p:grpSpPr>
+        <a:xfrm>
+          <a:off x="0" y="0"/>
+          <a:ext cx="0" cy="0"/>
+          <a:chOff x="0" y="0"/>
+          <a:chExt cx="0" cy="0"/>
+        </a:xfrm>
+      </p:grpSpPr>
+      <p:sp>
+        <p:nvSpPr>
+          <p:cNvPr id="2" name="Title 1">
+            <a:extLst>
+              <a:ext uri="{FF2B5EF4-FFF2-40B4-BE49-F238E27FC236}">
+                <a16:creationId xmlns:a16="http://schemas.microsoft.com/office/drawing/2014/main" id="{3D7B3BD4-ECBA-DED0-C9B9-A577AF386EB5}"/>
+              </a:ext>
+            </a:extLst>
+          </p:cNvPr>
+          <p:cNvSpPr>
+            <a:spLocks noGrp="1"/>
+          </p:cNvSpPr>
+          <p:nvPr>
+            <p:ph type="title" idx="4294967295"/>
+          </p:nvPr>
+        </p:nvSpPr>
+        <p:spPr>
+          <a:xfrm>
+            <a:off x="4160108" y="8238"/>
+            <a:ext cx="5240810" cy="452251"/>
+          </a:xfrm>
+        </p:spPr>
+        <p:txBody>
+          <a:bodyPr>
+            <a:normAutofit fontScale="90000"/>
+          </a:bodyPr>
+          <a:lstStyle/>
+          <a:p>
+            <a:r>
+              <a:rPr lang="en-US" dirty="0">
+                <a:solidFill>
+                  <a:schemeClr val="tx1"/>
+                </a:solidFill>
+              </a:rPr>
+              <a:t>Return on investment</a:t>
+            </a:r>
+          </a:p>
+        </p:txBody>
+      </p:sp>
+      <p:sp>
+        <p:nvSpPr>
+          <p:cNvPr id="8" name="Content Placeholder 2">
+            <a:extLst>
+              <a:ext uri="{FF2B5EF4-FFF2-40B4-BE49-F238E27FC236}">
+                <a16:creationId xmlns:a16="http://schemas.microsoft.com/office/drawing/2014/main" id="{1E38D909-BC0F-F19C-C035-634023D6AAC6}"/>
+              </a:ext>
+            </a:extLst>
+          </p:cNvPr>
+          <p:cNvSpPr txBox="1">
+            <a:spLocks/>
+          </p:cNvSpPr>
+          <p:nvPr/>
+        </p:nvSpPr>
+        <p:spPr>
+          <a:xfrm>
+            <a:off x="496331" y="5445211"/>
+            <a:ext cx="11357918" cy="1286329"/>
+          </a:xfrm>
+          <a:prstGeom prst="rect">
+            <a:avLst/>
+          </a:prstGeom>
+        </p:spPr>
+        <p:txBody>
+          <a:bodyPr vert="horz" lIns="91440" tIns="45720" rIns="91440" bIns="45720" rtlCol="0" anchor="ctr">
+            <a:normAutofit/>
+          </a:bodyPr>
+          <a:lstStyle>
+            <a:lvl1pPr marL="306000" indent="-306000" algn="l" defTabSz="457200" rtl="0" eaLnBrk="1" latinLnBrk="0" hangingPunct="1">
+              <a:spcBef>
+                <a:spcPct val="20000"/>
+              </a:spcBef>
+              <a:spcAft>
+                <a:spcPts val="600"/>
+              </a:spcAft>
+              <a:buClr>
+                <a:schemeClr val="accent2"/>
+              </a:buClr>
+              <a:buSzPct val="92000"/>
+              <a:buFont typeface="Wingdings 2" panose="05020102010507070707" pitchFamily="18" charset="2"/>
+              <a:buChar char=""/>
+              <a:defRPr sz="1800" kern="1200">
+                <a:solidFill>
+                  <a:schemeClr val="tx2"/>
+                </a:solidFill>
+                <a:latin typeface="+mn-lt"/>
+                <a:ea typeface="+mn-ea"/>
+                <a:cs typeface="+mn-cs"/>
+              </a:defRPr>
+            </a:lvl1pPr>
+            <a:lvl2pPr marL="630000" indent="-306000" algn="l" defTabSz="457200" rtl="0" eaLnBrk="1" latinLnBrk="0" hangingPunct="1">
+              <a:spcBef>
+                <a:spcPct val="20000"/>
+              </a:spcBef>
+              <a:spcAft>
+                <a:spcPts val="600"/>
+              </a:spcAft>
+              <a:buClr>
+                <a:schemeClr val="accent2"/>
+              </a:buClr>
+              <a:buSzPct val="92000"/>
+              <a:buFont typeface="Wingdings 2" panose="05020102010507070707" pitchFamily="18" charset="2"/>
+              <a:buChar char=""/>
+              <a:defRPr sz="1600" kern="1200">
+                <a:solidFill>
+                  <a:schemeClr val="tx2"/>
+                </a:solidFill>
+                <a:latin typeface="+mn-lt"/>
+                <a:ea typeface="+mn-ea"/>
+                <a:cs typeface="+mn-cs"/>
+              </a:defRPr>
+            </a:lvl2pPr>
+            <a:lvl3pPr marL="900000" indent="-270000" algn="l" defTabSz="457200" rtl="0" eaLnBrk="1" latinLnBrk="0" hangingPunct="1">
+              <a:spcBef>
+                <a:spcPct val="20000"/>
+              </a:spcBef>
+              <a:spcAft>
+                <a:spcPts val="600"/>
+              </a:spcAft>
+              <a:buClr>
+                <a:schemeClr val="accent2"/>
+              </a:buClr>
+              <a:buSzPct val="92000"/>
+              <a:buFont typeface="Wingdings 2" panose="05020102010507070707" pitchFamily="18" charset="2"/>
+              <a:buChar char=""/>
+              <a:defRPr sz="1400" kern="1200">
+                <a:solidFill>
+                  <a:schemeClr val="tx2"/>
+                </a:solidFill>
+                <a:latin typeface="+mn-lt"/>
+                <a:ea typeface="+mn-ea"/>
+                <a:cs typeface="+mn-cs"/>
+              </a:defRPr>
+            </a:lvl3pPr>
+            <a:lvl4pPr marL="1242000" indent="-234000" algn="l" defTabSz="457200" rtl="0" eaLnBrk="1" latinLnBrk="0" hangingPunct="1">
+              <a:spcBef>
+                <a:spcPct val="20000"/>
+              </a:spcBef>
+              <a:spcAft>
+                <a:spcPts val="600"/>
+              </a:spcAft>
+              <a:buClr>
+                <a:schemeClr val="accent2"/>
+              </a:buClr>
+              <a:buSzPct val="92000"/>
+              <a:buFont typeface="Wingdings 2" panose="05020102010507070707" pitchFamily="18" charset="2"/>
+              <a:buChar char=""/>
+              <a:defRPr sz="1200" kern="1200">
+                <a:solidFill>
+                  <a:schemeClr val="tx2"/>
+                </a:solidFill>
+                <a:latin typeface="+mn-lt"/>
+                <a:ea typeface="+mn-ea"/>
+                <a:cs typeface="+mn-cs"/>
+              </a:defRPr>
+            </a:lvl4pPr>
+            <a:lvl5pPr marL="1602000" indent="-234000" algn="l" defTabSz="457200" rtl="0" eaLnBrk="1" latinLnBrk="0" hangingPunct="1">
+              <a:spcBef>
+                <a:spcPct val="20000"/>
+              </a:spcBef>
+              <a:spcAft>
+                <a:spcPts val="600"/>
+              </a:spcAft>
+              <a:buClr>
+                <a:schemeClr val="accent2"/>
+              </a:buClr>
+              <a:buSzPct val="92000"/>
+              <a:buFont typeface="Wingdings 2" panose="05020102010507070707" pitchFamily="18" charset="2"/>
+              <a:buChar char=""/>
+              <a:defRPr sz="1200" kern="1200">
+                <a:solidFill>
+                  <a:schemeClr val="tx2"/>
+                </a:solidFill>
+                <a:latin typeface="+mn-lt"/>
+                <a:ea typeface="+mn-ea"/>
+                <a:cs typeface="+mn-cs"/>
+              </a:defRPr>
+            </a:lvl5pPr>
+            <a:lvl6pPr marL="1900000" indent="-228600" algn="l" defTabSz="457200" rtl="0" eaLnBrk="1" latinLnBrk="0" hangingPunct="1">
+              <a:spcBef>
+                <a:spcPct val="20000"/>
+              </a:spcBef>
+              <a:spcAft>
+                <a:spcPts val="600"/>
+              </a:spcAft>
+              <a:buClr>
+                <a:schemeClr val="accent2"/>
+              </a:buClr>
+              <a:buSzPct val="92000"/>
+              <a:buFont typeface="Wingdings 2" panose="05020102010507070707" pitchFamily="18" charset="2"/>
+              <a:buChar char=""/>
+              <a:defRPr sz="1200" kern="1200">
+                <a:solidFill>
+                  <a:schemeClr val="tx2"/>
+                </a:solidFill>
+                <a:latin typeface="+mn-lt"/>
+                <a:ea typeface="+mn-ea"/>
+                <a:cs typeface="+mn-cs"/>
+              </a:defRPr>
+            </a:lvl6pPr>
+            <a:lvl7pPr marL="2200000" indent="-228600" algn="l" defTabSz="457200" rtl="0" eaLnBrk="1" latinLnBrk="0" hangingPunct="1">
+              <a:spcBef>
+                <a:spcPct val="20000"/>
+              </a:spcBef>
+              <a:spcAft>
+                <a:spcPts val="600"/>
+              </a:spcAft>
+              <a:buClr>
+                <a:schemeClr val="accent2"/>
+              </a:buClr>
+              <a:buSzPct val="92000"/>
+              <a:buFont typeface="Wingdings 2" panose="05020102010507070707" pitchFamily="18" charset="2"/>
+              <a:buChar char=""/>
+              <a:defRPr sz="1200" kern="1200">
+                <a:solidFill>
+                  <a:schemeClr val="tx2"/>
+                </a:solidFill>
+                <a:latin typeface="+mn-lt"/>
+                <a:ea typeface="+mn-ea"/>
+                <a:cs typeface="+mn-cs"/>
+              </a:defRPr>
+            </a:lvl7pPr>
+            <a:lvl8pPr marL="2500000" indent="-228600" algn="l" defTabSz="457200" rtl="0" eaLnBrk="1" latinLnBrk="0" hangingPunct="1">
+              <a:spcBef>
+                <a:spcPct val="20000"/>
+              </a:spcBef>
+              <a:spcAft>
+                <a:spcPts val="600"/>
+              </a:spcAft>
+              <a:buClr>
+                <a:schemeClr val="accent2"/>
+              </a:buClr>
+              <a:buSzPct val="92000"/>
+              <a:buFont typeface="Wingdings 2" panose="05020102010507070707" pitchFamily="18" charset="2"/>
+              <a:buChar char=""/>
+              <a:defRPr sz="1200" kern="1200">
+                <a:solidFill>
+                  <a:schemeClr val="tx2"/>
+                </a:solidFill>
+                <a:latin typeface="+mn-lt"/>
+                <a:ea typeface="+mn-ea"/>
+                <a:cs typeface="+mn-cs"/>
+              </a:defRPr>
+            </a:lvl8pPr>
+            <a:lvl9pPr marL="2800000" indent="-228600" algn="l" defTabSz="457200" rtl="0" eaLnBrk="1" latinLnBrk="0" hangingPunct="1">
+              <a:spcBef>
+                <a:spcPct val="20000"/>
+              </a:spcBef>
+              <a:spcAft>
+                <a:spcPts val="600"/>
+              </a:spcAft>
+              <a:buClr>
+                <a:schemeClr val="accent2"/>
+              </a:buClr>
+              <a:buSzPct val="92000"/>
+              <a:buFont typeface="Wingdings 2" panose="05020102010507070707" pitchFamily="18" charset="2"/>
+              <a:buChar char=""/>
+              <a:defRPr sz="1200" kern="1200">
+                <a:solidFill>
+                  <a:schemeClr val="tx2"/>
+                </a:solidFill>
+                <a:latin typeface="+mn-lt"/>
+                <a:ea typeface="+mn-ea"/>
+                <a:cs typeface="+mn-cs"/>
+              </a:defRPr>
+            </a:lvl9pPr>
+          </a:lstStyle>
+          <a:p>
+            <a:r>
+              <a:rPr lang="en-US" dirty="0">
+                <a:latin typeface="Calibri" panose="020F0502020204030204" pitchFamily="34" charset="0"/>
+                <a:ea typeface="Calibri" panose="020F0502020204030204" pitchFamily="34" charset="0"/>
+                <a:cs typeface="Times New Roman" panose="02020603050405020304" pitchFamily="18" charset="0"/>
+              </a:rPr>
+              <a:t>While there is a moderate correlation, there are some outliers. For example, Avengers: Age of Ultron is the only movie from top 10 by budget that is also in top 10 by revenue.</a:t>
+            </a:r>
+          </a:p>
+        </p:txBody>
+      </p:sp>
+      <p:grpSp>
+        <p:nvGrpSpPr>
+          <p:cNvPr id="3" name="Group 2">
+            <a:extLst>
+              <a:ext uri="{FF2B5EF4-FFF2-40B4-BE49-F238E27FC236}">
+                <a16:creationId xmlns:a16="http://schemas.microsoft.com/office/drawing/2014/main" id="{395E5113-2138-667A-9CAE-5CFA3B815A6B}"/>
+              </a:ext>
+            </a:extLst>
+          </p:cNvPr>
+          <p:cNvGrpSpPr/>
+          <p:nvPr/>
+        </p:nvGrpSpPr>
+        <p:grpSpPr>
+          <a:xfrm>
+            <a:off x="954932" y="1037137"/>
+            <a:ext cx="10282136" cy="4599285"/>
+            <a:chOff x="0" y="0"/>
+            <a:chExt cx="3124200" cy="1625530"/>
+          </a:xfrm>
+        </p:grpSpPr>
+        <p:pic>
+          <p:nvPicPr>
+            <p:cNvPr id="5" name="Picture 4">
+              <a:extLst>
+                <a:ext uri="{FF2B5EF4-FFF2-40B4-BE49-F238E27FC236}">
+                  <a16:creationId xmlns:a16="http://schemas.microsoft.com/office/drawing/2014/main" id="{8B5FFBBF-79D2-BD41-C28A-A80426EB5DED}"/>
+                </a:ext>
+              </a:extLst>
+            </p:cNvPr>
+            <p:cNvPicPr>
+              <a:picLocks noChangeAspect="1"/>
+            </p:cNvPicPr>
+            <p:nvPr/>
+          </p:nvPicPr>
+          <p:blipFill>
+            <a:blip r:embed="rId2" cstate="print">
+              <a:extLst>
+                <a:ext uri="{28A0092B-C50C-407E-A947-70E740481C1C}">
+                  <a14:useLocalDpi xmlns:a14="http://schemas.microsoft.com/office/drawing/2010/main" val="0"/>
+                </a:ext>
+              </a:extLst>
+            </a:blip>
+            <a:stretch>
+              <a:fillRect/>
+            </a:stretch>
+          </p:blipFill>
+          <p:spPr>
+            <a:xfrm>
+              <a:off x="0" y="0"/>
+              <a:ext cx="3124200" cy="1560195"/>
+            </a:xfrm>
+            <a:prstGeom prst="rect">
+              <a:avLst/>
+            </a:prstGeom>
+          </p:spPr>
+        </p:pic>
+        <p:sp>
+          <p:nvSpPr>
+            <p:cNvPr id="6" name="Text Box 1">
+              <a:extLst>
+                <a:ext uri="{FF2B5EF4-FFF2-40B4-BE49-F238E27FC236}">
+                  <a16:creationId xmlns:a16="http://schemas.microsoft.com/office/drawing/2014/main" id="{8DADC90C-EC8B-1124-1F11-CE27BC03A196}"/>
+                </a:ext>
+              </a:extLst>
+            </p:cNvPr>
+            <p:cNvSpPr txBox="1"/>
+            <p:nvPr/>
+          </p:nvSpPr>
+          <p:spPr>
+            <a:xfrm>
+              <a:off x="3448" y="1576580"/>
+              <a:ext cx="3011390" cy="48950"/>
+            </a:xfrm>
+            <a:prstGeom prst="rect">
+              <a:avLst/>
+            </a:prstGeom>
+            <a:solidFill>
+              <a:prstClr val="white"/>
+            </a:solidFill>
+            <a:ln>
+              <a:noFill/>
+            </a:ln>
+          </p:spPr>
+          <p:txBody>
+            <a:bodyPr rot="0" spcFirstLastPara="0" vert="horz" wrap="square" lIns="0" tIns="0" rIns="0" bIns="0" numCol="1" spcCol="0" rtlCol="0" fromWordArt="0" anchor="t" anchorCtr="0" forceAA="0" compatLnSpc="1">
+              <a:prstTxWarp prst="textNoShape">
+                <a:avLst/>
+              </a:prstTxWarp>
+              <a:spAutoFit/>
+            </a:bodyPr>
+            <a:lstStyle/>
+            <a:p>
+              <a:pPr marL="0" marR="0">
+                <a:spcBef>
+                  <a:spcPts val="0"/>
+                </a:spcBef>
+                <a:spcAft>
+                  <a:spcPts val="1000"/>
+                </a:spcAft>
+              </a:pPr>
+              <a:r>
+                <a:rPr lang="en-US" sz="900" i="1" kern="100">
+                  <a:solidFill>
+                    <a:srgbClr val="44546A"/>
+                  </a:solidFill>
+                  <a:effectLst/>
+                  <a:latin typeface="Calibri" panose="020F0502020204030204" pitchFamily="34" charset="0"/>
+                  <a:ea typeface="Calibri" panose="020F0502020204030204" pitchFamily="34" charset="0"/>
+                  <a:cs typeface="Times New Roman" panose="02020603050405020304" pitchFamily="18" charset="0"/>
+                </a:rPr>
+                <a:t>Figure 3 The highest return on investment. "Paranormal Activity" stands out as a clear outlier.</a:t>
+              </a:r>
+            </a:p>
+          </p:txBody>
+        </p:sp>
+      </p:grpSp>
+    </p:spTree>
+    <p:extLst>
+      <p:ext uri="{BB962C8B-B14F-4D97-AF65-F5344CB8AC3E}">
+        <p14:creationId xmlns:p14="http://schemas.microsoft.com/office/powerpoint/2010/main" val="856167990"/>
+      </p:ext>
+    </p:extLst>
+  </p:cSld>
+  <p:clrMapOvr>
+    <a:masterClrMapping/>
+  </p:clrMapOvr>
+</p:sld>
+</file>
+
+<file path=ppt/slides/slide7.xml><?xml version="1.0" encoding="utf-8"?>
+<p:sld xmlns:a="http://schemas.openxmlformats.org/drawingml/2006/main" xmlns:r="http://schemas.openxmlformats.org/officeDocument/2006/relationships" xmlns:p="http://schemas.openxmlformats.org/presentationml/2006/main">
+  <p:cSld>
+    <p:spTree>
+      <p:nvGrpSpPr>
+        <p:cNvPr id="1" name=""/>
+        <p:cNvGrpSpPr/>
+        <p:nvPr/>
+      </p:nvGrpSpPr>
+      <p:grpSpPr>
+        <a:xfrm>
+          <a:off x="0" y="0"/>
+          <a:ext cx="0" cy="0"/>
+          <a:chOff x="0" y="0"/>
+          <a:chExt cx="0" cy="0"/>
+        </a:xfrm>
+      </p:grpSpPr>
+      <p:sp>
+        <p:nvSpPr>
+          <p:cNvPr id="2" name="Title 1">
+            <a:extLst>
+              <a:ext uri="{FF2B5EF4-FFF2-40B4-BE49-F238E27FC236}">
+                <a16:creationId xmlns:a16="http://schemas.microsoft.com/office/drawing/2014/main" id="{3D7B3BD4-ECBA-DED0-C9B9-A577AF386EB5}"/>
+              </a:ext>
+            </a:extLst>
+          </p:cNvPr>
+          <p:cNvSpPr>
+            <a:spLocks noGrp="1"/>
+          </p:cNvSpPr>
+          <p:nvPr>
+            <p:ph type="title" idx="4294967295"/>
+          </p:nvPr>
+        </p:nvSpPr>
+        <p:spPr>
+          <a:xfrm>
+            <a:off x="3575222" y="0"/>
+            <a:ext cx="5980670" cy="503023"/>
+          </a:xfrm>
+        </p:spPr>
+        <p:txBody>
+          <a:bodyPr>
+            <a:normAutofit fontScale="90000"/>
+          </a:bodyPr>
+          <a:lstStyle/>
+          <a:p>
+            <a:r>
+              <a:rPr lang="en-US" dirty="0">
+                <a:solidFill>
+                  <a:schemeClr val="tx1"/>
+                </a:solidFill>
+              </a:rPr>
+              <a:t>Do ratings matter for profit?</a:t>
+            </a:r>
+          </a:p>
+        </p:txBody>
+      </p:sp>
+      <p:sp>
+        <p:nvSpPr>
+          <p:cNvPr id="3" name="Content Placeholder 2">
+            <a:extLst>
+              <a:ext uri="{FF2B5EF4-FFF2-40B4-BE49-F238E27FC236}">
+                <a16:creationId xmlns:a16="http://schemas.microsoft.com/office/drawing/2014/main" id="{F95E2A37-E369-BD1A-E50B-B049F9C4C2CC}"/>
+              </a:ext>
+            </a:extLst>
+          </p:cNvPr>
+          <p:cNvSpPr>
+            <a:spLocks noGrp="1"/>
+          </p:cNvSpPr>
+          <p:nvPr>
+            <p:ph idx="4294967295"/>
+          </p:nvPr>
+        </p:nvSpPr>
+        <p:spPr>
+          <a:xfrm>
+            <a:off x="134471" y="721501"/>
+            <a:ext cx="7977188" cy="1012825"/>
+          </a:xfrm>
+        </p:spPr>
+        <p:txBody>
+          <a:bodyPr/>
+          <a:lstStyle/>
+          <a:p>
+            <a:r>
+              <a:rPr lang="en-US" dirty="0"/>
+              <a:t>Overall, ratings remain the same across all years and genre. </a:t>
+            </a:r>
+          </a:p>
+          <a:p>
+            <a:r>
+              <a:rPr lang="en-US" dirty="0">
+                <a:latin typeface="Calibri" panose="020F0502020204030204" pitchFamily="34" charset="0"/>
+                <a:ea typeface="Calibri" panose="020F0502020204030204" pitchFamily="34" charset="0"/>
+                <a:cs typeface="Times New Roman" panose="02020603050405020304" pitchFamily="18" charset="0"/>
+              </a:rPr>
+              <a:t>T</a:t>
+            </a:r>
+            <a:r>
+              <a:rPr lang="en-US" sz="1800" dirty="0">
+                <a:effectLst/>
+                <a:latin typeface="Calibri" panose="020F0502020204030204" pitchFamily="34" charset="0"/>
+                <a:ea typeface="Calibri" panose="020F0502020204030204" pitchFamily="34" charset="0"/>
+                <a:cs typeface="Times New Roman" panose="02020603050405020304" pitchFamily="18" charset="0"/>
+              </a:rPr>
+              <a:t>he decade average variable is just .2</a:t>
+            </a:r>
+            <a:endParaRPr lang="en-US" dirty="0"/>
+          </a:p>
+        </p:txBody>
+      </p:sp>
+      <p:pic>
+        <p:nvPicPr>
+          <p:cNvPr id="5" name="Picture 4">
+            <a:extLst>
+              <a:ext uri="{FF2B5EF4-FFF2-40B4-BE49-F238E27FC236}">
+                <a16:creationId xmlns:a16="http://schemas.microsoft.com/office/drawing/2014/main" id="{D0612024-8713-ABEC-7A36-D8DBC3947B9D}"/>
+              </a:ext>
+            </a:extLst>
+          </p:cNvPr>
+          <p:cNvPicPr>
+            <a:picLocks noChangeAspect="1"/>
+          </p:cNvPicPr>
+          <p:nvPr/>
+        </p:nvPicPr>
+        <p:blipFill>
+          <a:blip r:embed="rId2"/>
+          <a:stretch>
+            <a:fillRect/>
+          </a:stretch>
+        </p:blipFill>
+        <p:spPr>
+          <a:xfrm>
+            <a:off x="8330862" y="1419804"/>
+            <a:ext cx="3543858" cy="4018391"/>
+          </a:xfrm>
+          <a:prstGeom prst="rect">
+            <a:avLst/>
+          </a:prstGeom>
+        </p:spPr>
+      </p:pic>
+      <p:pic>
+        <p:nvPicPr>
+          <p:cNvPr id="7" name="Picture 6">
+            <a:extLst>
+              <a:ext uri="{FF2B5EF4-FFF2-40B4-BE49-F238E27FC236}">
+                <a16:creationId xmlns:a16="http://schemas.microsoft.com/office/drawing/2014/main" id="{75A6D0B5-92F0-4595-3594-3B9CCBB92C0A}"/>
+              </a:ext>
+            </a:extLst>
+          </p:cNvPr>
+          <p:cNvPicPr>
+            <a:picLocks noChangeAspect="1"/>
+          </p:cNvPicPr>
+          <p:nvPr/>
+        </p:nvPicPr>
+        <p:blipFill>
+          <a:blip r:embed="rId3"/>
+          <a:stretch>
+            <a:fillRect/>
+          </a:stretch>
+        </p:blipFill>
+        <p:spPr>
+          <a:xfrm>
+            <a:off x="134471" y="2125371"/>
+            <a:ext cx="8196391" cy="3204508"/>
+          </a:xfrm>
+          <a:prstGeom prst="rect">
+            <a:avLst/>
+          </a:prstGeom>
+        </p:spPr>
+      </p:pic>
+    </p:spTree>
+    <p:extLst>
+      <p:ext uri="{BB962C8B-B14F-4D97-AF65-F5344CB8AC3E}">
+        <p14:creationId xmlns:p14="http://schemas.microsoft.com/office/powerpoint/2010/main" val="3298747479"/>
+      </p:ext>
+    </p:extLst>
+  </p:cSld>
+  <p:clrMapOvr>
+    <a:masterClrMapping/>
+  </p:clrMapOvr>
+</p:sld>
+</file>
+
+<file path=ppt/slides/slide8.xml><?xml version="1.0" encoding="utf-8"?>
+<p:sld xmlns:a="http://schemas.openxmlformats.org/drawingml/2006/main" xmlns:r="http://schemas.openxmlformats.org/officeDocument/2006/relationships" xmlns:p="http://schemas.openxmlformats.org/presentationml/2006/main">
+  <p:cSld>
+    <p:spTree>
+      <p:nvGrpSpPr>
+        <p:cNvPr id="1" name=""/>
+        <p:cNvGrpSpPr/>
+        <p:nvPr/>
+      </p:nvGrpSpPr>
+      <p:grpSpPr>
+        <a:xfrm>
+          <a:off x="0" y="0"/>
+          <a:ext cx="0" cy="0"/>
+          <a:chOff x="0" y="0"/>
+          <a:chExt cx="0" cy="0"/>
+        </a:xfrm>
+      </p:grpSpPr>
+      <p:sp>
+        <p:nvSpPr>
           <p:cNvPr id="2" name="Title 1">
             <a:extLst>
               <a:ext uri="{FF2B5EF4-FFF2-40B4-BE49-F238E27FC236}">
@@ -6007,17 +10126,26 @@
             <a:spLocks noGrp="1"/>
           </p:cNvSpPr>
           <p:nvPr>
-            <p:ph type="title"/>
+            <p:ph type="title" idx="4294967295"/>
           </p:nvPr>
         </p:nvSpPr>
-        <p:spPr/>
+        <p:spPr>
+          <a:xfrm>
+            <a:off x="3031524" y="-41061"/>
+            <a:ext cx="8484248" cy="521644"/>
+          </a:xfrm>
+        </p:spPr>
         <p:txBody>
           <a:bodyPr/>
           <a:lstStyle/>
           <a:p>
             <a:r>
-              <a:rPr lang="en-US" dirty="0"/>
-              <a:t>Does ratings matter for profit?</a:t>
+              <a:rPr lang="en-US" dirty="0">
+                <a:solidFill>
+                  <a:schemeClr val="tx1"/>
+                </a:solidFill>
+              </a:rPr>
+              <a:t>Do ratings matter for profit? cont’d</a:t>
             </a:r>
           </a:p>
         </p:txBody>
@@ -6035,7 +10163,7 @@
             <a:picLocks noGrp="1" noChangeAspect="1"/>
           </p:cNvPicPr>
           <p:nvPr>
-            <p:ph idx="1"/>
+            <p:ph idx="4294967295"/>
           </p:nvPr>
         </p:nvPicPr>
         <p:blipFill>
@@ -6046,8 +10174,8 @@
         </p:blipFill>
         <p:spPr>
           <a:xfrm>
-            <a:off x="166796" y="3260785"/>
-            <a:ext cx="4521981" cy="3426814"/>
+            <a:off x="0" y="1210962"/>
+            <a:ext cx="4820583" cy="3653084"/>
           </a:xfrm>
         </p:spPr>
       </p:pic>
@@ -6073,14 +10201,267 @@
         </p:blipFill>
         <p:spPr>
           <a:xfrm>
-            <a:off x="4688778" y="1715956"/>
-            <a:ext cx="6922030" cy="3609952"/>
+            <a:off x="4796593" y="1210962"/>
+            <a:ext cx="6868909" cy="3828109"/>
           </a:xfrm>
           <a:prstGeom prst="rect">
             <a:avLst/>
           </a:prstGeom>
         </p:spPr>
       </p:pic>
+      <p:sp>
+        <p:nvSpPr>
+          <p:cNvPr id="3" name="Content Placeholder 2">
+            <a:extLst>
+              <a:ext uri="{FF2B5EF4-FFF2-40B4-BE49-F238E27FC236}">
+                <a16:creationId xmlns:a16="http://schemas.microsoft.com/office/drawing/2014/main" id="{89570E74-6354-5FC8-6E10-84565E200B6A}"/>
+              </a:ext>
+            </a:extLst>
+          </p:cNvPr>
+          <p:cNvSpPr txBox="1">
+            <a:spLocks/>
+          </p:cNvSpPr>
+          <p:nvPr/>
+        </p:nvSpPr>
+        <p:spPr>
+          <a:xfrm>
+            <a:off x="984784" y="5230601"/>
+            <a:ext cx="10222432" cy="1077698"/>
+          </a:xfrm>
+          <a:prstGeom prst="rect">
+            <a:avLst/>
+          </a:prstGeom>
+        </p:spPr>
+        <p:txBody>
+          <a:bodyPr vert="horz" lIns="91440" tIns="45720" rIns="91440" bIns="45720" rtlCol="0" anchor="ctr">
+            <a:normAutofit/>
+          </a:bodyPr>
+          <a:lstStyle>
+            <a:lvl1pPr marL="306000" indent="-306000" algn="l" defTabSz="457200" rtl="0" eaLnBrk="1" latinLnBrk="0" hangingPunct="1">
+              <a:spcBef>
+                <a:spcPct val="20000"/>
+              </a:spcBef>
+              <a:spcAft>
+                <a:spcPts val="600"/>
+              </a:spcAft>
+              <a:buClr>
+                <a:schemeClr val="accent2"/>
+              </a:buClr>
+              <a:buSzPct val="92000"/>
+              <a:buFont typeface="Wingdings 2" panose="05020102010507070707" pitchFamily="18" charset="2"/>
+              <a:buChar char=""/>
+              <a:defRPr sz="1800" kern="1200">
+                <a:solidFill>
+                  <a:schemeClr val="tx2"/>
+                </a:solidFill>
+                <a:latin typeface="+mn-lt"/>
+                <a:ea typeface="+mn-ea"/>
+                <a:cs typeface="+mn-cs"/>
+              </a:defRPr>
+            </a:lvl1pPr>
+            <a:lvl2pPr marL="630000" indent="-306000" algn="l" defTabSz="457200" rtl="0" eaLnBrk="1" latinLnBrk="0" hangingPunct="1">
+              <a:spcBef>
+                <a:spcPct val="20000"/>
+              </a:spcBef>
+              <a:spcAft>
+                <a:spcPts val="600"/>
+              </a:spcAft>
+              <a:buClr>
+                <a:schemeClr val="accent2"/>
+              </a:buClr>
+              <a:buSzPct val="92000"/>
+              <a:buFont typeface="Wingdings 2" panose="05020102010507070707" pitchFamily="18" charset="2"/>
+              <a:buChar char=""/>
+              <a:defRPr sz="1600" kern="1200">
+                <a:solidFill>
+                  <a:schemeClr val="tx2"/>
+                </a:solidFill>
+                <a:latin typeface="+mn-lt"/>
+                <a:ea typeface="+mn-ea"/>
+                <a:cs typeface="+mn-cs"/>
+              </a:defRPr>
+            </a:lvl2pPr>
+            <a:lvl3pPr marL="900000" indent="-270000" algn="l" defTabSz="457200" rtl="0" eaLnBrk="1" latinLnBrk="0" hangingPunct="1">
+              <a:spcBef>
+                <a:spcPct val="20000"/>
+              </a:spcBef>
+              <a:spcAft>
+                <a:spcPts val="600"/>
+              </a:spcAft>
+              <a:buClr>
+                <a:schemeClr val="accent2"/>
+              </a:buClr>
+              <a:buSzPct val="92000"/>
+              <a:buFont typeface="Wingdings 2" panose="05020102010507070707" pitchFamily="18" charset="2"/>
+              <a:buChar char=""/>
+              <a:defRPr sz="1400" kern="1200">
+                <a:solidFill>
+                  <a:schemeClr val="tx2"/>
+                </a:solidFill>
+                <a:latin typeface="+mn-lt"/>
+                <a:ea typeface="+mn-ea"/>
+                <a:cs typeface="+mn-cs"/>
+              </a:defRPr>
+            </a:lvl3pPr>
+            <a:lvl4pPr marL="1242000" indent="-234000" algn="l" defTabSz="457200" rtl="0" eaLnBrk="1" latinLnBrk="0" hangingPunct="1">
+              <a:spcBef>
+                <a:spcPct val="20000"/>
+              </a:spcBef>
+              <a:spcAft>
+                <a:spcPts val="600"/>
+              </a:spcAft>
+              <a:buClr>
+                <a:schemeClr val="accent2"/>
+              </a:buClr>
+              <a:buSzPct val="92000"/>
+              <a:buFont typeface="Wingdings 2" panose="05020102010507070707" pitchFamily="18" charset="2"/>
+              <a:buChar char=""/>
+              <a:defRPr sz="1200" kern="1200">
+                <a:solidFill>
+                  <a:schemeClr val="tx2"/>
+                </a:solidFill>
+                <a:latin typeface="+mn-lt"/>
+                <a:ea typeface="+mn-ea"/>
+                <a:cs typeface="+mn-cs"/>
+              </a:defRPr>
+            </a:lvl4pPr>
+            <a:lvl5pPr marL="1602000" indent="-234000" algn="l" defTabSz="457200" rtl="0" eaLnBrk="1" latinLnBrk="0" hangingPunct="1">
+              <a:spcBef>
+                <a:spcPct val="20000"/>
+              </a:spcBef>
+              <a:spcAft>
+                <a:spcPts val="600"/>
+              </a:spcAft>
+              <a:buClr>
+                <a:schemeClr val="accent2"/>
+              </a:buClr>
+              <a:buSzPct val="92000"/>
+              <a:buFont typeface="Wingdings 2" panose="05020102010507070707" pitchFamily="18" charset="2"/>
+              <a:buChar char=""/>
+              <a:defRPr sz="1200" kern="1200">
+                <a:solidFill>
+                  <a:schemeClr val="tx2"/>
+                </a:solidFill>
+                <a:latin typeface="+mn-lt"/>
+                <a:ea typeface="+mn-ea"/>
+                <a:cs typeface="+mn-cs"/>
+              </a:defRPr>
+            </a:lvl5pPr>
+            <a:lvl6pPr marL="1900000" indent="-228600" algn="l" defTabSz="457200" rtl="0" eaLnBrk="1" latinLnBrk="0" hangingPunct="1">
+              <a:spcBef>
+                <a:spcPct val="20000"/>
+              </a:spcBef>
+              <a:spcAft>
+                <a:spcPts val="600"/>
+              </a:spcAft>
+              <a:buClr>
+                <a:schemeClr val="accent2"/>
+              </a:buClr>
+              <a:buSzPct val="92000"/>
+              <a:buFont typeface="Wingdings 2" panose="05020102010507070707" pitchFamily="18" charset="2"/>
+              <a:buChar char=""/>
+              <a:defRPr sz="1200" kern="1200">
+                <a:solidFill>
+                  <a:schemeClr val="tx2"/>
+                </a:solidFill>
+                <a:latin typeface="+mn-lt"/>
+                <a:ea typeface="+mn-ea"/>
+                <a:cs typeface="+mn-cs"/>
+              </a:defRPr>
+            </a:lvl6pPr>
+            <a:lvl7pPr marL="2200000" indent="-228600" algn="l" defTabSz="457200" rtl="0" eaLnBrk="1" latinLnBrk="0" hangingPunct="1">
+              <a:spcBef>
+                <a:spcPct val="20000"/>
+              </a:spcBef>
+              <a:spcAft>
+                <a:spcPts val="600"/>
+              </a:spcAft>
+              <a:buClr>
+                <a:schemeClr val="accent2"/>
+              </a:buClr>
+              <a:buSzPct val="92000"/>
+              <a:buFont typeface="Wingdings 2" panose="05020102010507070707" pitchFamily="18" charset="2"/>
+              <a:buChar char=""/>
+              <a:defRPr sz="1200" kern="1200">
+                <a:solidFill>
+                  <a:schemeClr val="tx2"/>
+                </a:solidFill>
+                <a:latin typeface="+mn-lt"/>
+                <a:ea typeface="+mn-ea"/>
+                <a:cs typeface="+mn-cs"/>
+              </a:defRPr>
+            </a:lvl7pPr>
+            <a:lvl8pPr marL="2500000" indent="-228600" algn="l" defTabSz="457200" rtl="0" eaLnBrk="1" latinLnBrk="0" hangingPunct="1">
+              <a:spcBef>
+                <a:spcPct val="20000"/>
+              </a:spcBef>
+              <a:spcAft>
+                <a:spcPts val="600"/>
+              </a:spcAft>
+              <a:buClr>
+                <a:schemeClr val="accent2"/>
+              </a:buClr>
+              <a:buSzPct val="92000"/>
+              <a:buFont typeface="Wingdings 2" panose="05020102010507070707" pitchFamily="18" charset="2"/>
+              <a:buChar char=""/>
+              <a:defRPr sz="1200" kern="1200">
+                <a:solidFill>
+                  <a:schemeClr val="tx2"/>
+                </a:solidFill>
+                <a:latin typeface="+mn-lt"/>
+                <a:ea typeface="+mn-ea"/>
+                <a:cs typeface="+mn-cs"/>
+              </a:defRPr>
+            </a:lvl8pPr>
+            <a:lvl9pPr marL="2800000" indent="-228600" algn="l" defTabSz="457200" rtl="0" eaLnBrk="1" latinLnBrk="0" hangingPunct="1">
+              <a:spcBef>
+                <a:spcPct val="20000"/>
+              </a:spcBef>
+              <a:spcAft>
+                <a:spcPts val="600"/>
+              </a:spcAft>
+              <a:buClr>
+                <a:schemeClr val="accent2"/>
+              </a:buClr>
+              <a:buSzPct val="92000"/>
+              <a:buFont typeface="Wingdings 2" panose="05020102010507070707" pitchFamily="18" charset="2"/>
+              <a:buChar char=""/>
+              <a:defRPr sz="1200" kern="1200">
+                <a:solidFill>
+                  <a:schemeClr val="tx2"/>
+                </a:solidFill>
+                <a:latin typeface="+mn-lt"/>
+                <a:ea typeface="+mn-ea"/>
+                <a:cs typeface="+mn-cs"/>
+              </a:defRPr>
+            </a:lvl9pPr>
+          </a:lstStyle>
+          <a:p>
+            <a:r>
+              <a:rPr lang="en-US" dirty="0">
+                <a:latin typeface="Calibri" panose="020F0502020204030204" pitchFamily="34" charset="0"/>
+                <a:ea typeface="Calibri" panose="020F0502020204030204" pitchFamily="34" charset="0"/>
+                <a:cs typeface="Times New Roman" panose="02020603050405020304" pitchFamily="18" charset="0"/>
+              </a:rPr>
+              <a:t>Average number of votes show that engagement may be higher for certain genres, but </a:t>
+            </a:r>
+            <a:r>
+              <a:rPr lang="en-US" sz="1800" dirty="0">
+                <a:effectLst/>
+                <a:latin typeface="Calibri" panose="020F0502020204030204" pitchFamily="34" charset="0"/>
+                <a:ea typeface="Calibri" panose="020F0502020204030204" pitchFamily="34" charset="0"/>
+                <a:cs typeface="Times New Roman" panose="02020603050405020304" pitchFamily="18" charset="0"/>
+              </a:rPr>
+              <a:t>the average ratings for these genres still remain comfortably within the range of all genres.</a:t>
+            </a:r>
+            <a:endParaRPr lang="en-US" dirty="0">
+              <a:latin typeface="Calibri" panose="020F0502020204030204" pitchFamily="34" charset="0"/>
+              <a:ea typeface="Calibri" panose="020F0502020204030204" pitchFamily="34" charset="0"/>
+              <a:cs typeface="Times New Roman" panose="02020603050405020304" pitchFamily="18" charset="0"/>
+            </a:endParaRPr>
+          </a:p>
+        </p:txBody>
+      </p:sp>
     </p:spTree>
     <p:extLst>
       <p:ext uri="{BB962C8B-B14F-4D97-AF65-F5344CB8AC3E}">
@@ -6094,7 +10475,7 @@
 </p:sld>
 </file>
 
-<file path=ppt/slides/slide11.xml><?xml version="1.0" encoding="utf-8"?>
+<file path=ppt/slides/slide9.xml><?xml version="1.0" encoding="utf-8"?>
 <p:sld xmlns:a="http://schemas.openxmlformats.org/drawingml/2006/main" xmlns:r="http://schemas.openxmlformats.org/officeDocument/2006/relationships" xmlns:p="http://schemas.openxmlformats.org/presentationml/2006/main">
   <p:cSld>
     <p:spTree>
@@ -6133,75 +10514,14 @@
         </p:blipFill>
         <p:spPr>
           <a:xfrm>
-            <a:off x="727559" y="1824727"/>
-            <a:ext cx="10290966" cy="4800359"/>
+            <a:off x="393795" y="888520"/>
+            <a:ext cx="11393331" cy="5314572"/>
           </a:xfrm>
           <a:prstGeom prst="rect">
             <a:avLst/>
           </a:prstGeom>
         </p:spPr>
       </p:pic>
-      <p:sp>
-        <p:nvSpPr>
-          <p:cNvPr id="2" name="Title 1">
-            <a:extLst>
-              <a:ext uri="{FF2B5EF4-FFF2-40B4-BE49-F238E27FC236}">
-                <a16:creationId xmlns:a16="http://schemas.microsoft.com/office/drawing/2014/main" id="{3D7B3BD4-ECBA-DED0-C9B9-A577AF386EB5}"/>
-              </a:ext>
-            </a:extLst>
-          </p:cNvPr>
-          <p:cNvSpPr>
-            <a:spLocks noGrp="1"/>
-          </p:cNvSpPr>
-          <p:nvPr>
-            <p:ph type="title"/>
-          </p:nvPr>
-        </p:nvSpPr>
-        <p:spPr/>
-        <p:txBody>
-          <a:bodyPr/>
-          <a:lstStyle/>
-          <a:p>
-            <a:r>
-              <a:rPr lang="en-US" dirty="0"/>
-              <a:t>Does ratings matter for profit?</a:t>
-            </a:r>
-          </a:p>
-        </p:txBody>
-      </p:sp>
-      <p:sp>
-        <p:nvSpPr>
-          <p:cNvPr id="3" name="Content Placeholder 2">
-            <a:extLst>
-              <a:ext uri="{FF2B5EF4-FFF2-40B4-BE49-F238E27FC236}">
-                <a16:creationId xmlns:a16="http://schemas.microsoft.com/office/drawing/2014/main" id="{F95E2A37-E369-BD1A-E50B-B049F9C4C2CC}"/>
-              </a:ext>
-            </a:extLst>
-          </p:cNvPr>
-          <p:cNvSpPr>
-            <a:spLocks noGrp="1"/>
-          </p:cNvSpPr>
-          <p:nvPr>
-            <p:ph idx="1"/>
-          </p:nvPr>
-        </p:nvSpPr>
-        <p:spPr>
-          <a:xfrm>
-            <a:off x="581193" y="2180496"/>
-            <a:ext cx="4067008" cy="3678303"/>
-          </a:xfrm>
-        </p:spPr>
-        <p:txBody>
-          <a:bodyPr/>
-          <a:lstStyle/>
-          <a:p>
-            <a:pPr marL="0" indent="0">
-              <a:buNone/>
-            </a:pPr>
-            <a:endParaRPr lang="en-US" dirty="0"/>
-          </a:p>
-        </p:txBody>
-      </p:sp>
       <p:sp>
         <p:nvSpPr>
           <p:cNvPr id="6" name="Star: 5 Points 5">
@@ -6260,6 +10580,117 @@
                 </a:solidFill>
               </a:rPr>
               <a:t>NO</a:t>
+            </a:r>
+          </a:p>
+        </p:txBody>
+      </p:sp>
+      <p:sp>
+        <p:nvSpPr>
+          <p:cNvPr id="4" name="Title 1">
+            <a:extLst>
+              <a:ext uri="{FF2B5EF4-FFF2-40B4-BE49-F238E27FC236}">
+                <a16:creationId xmlns:a16="http://schemas.microsoft.com/office/drawing/2014/main" id="{DE7BC28F-4DB3-C91D-B5FE-70B5786D81BC}"/>
+              </a:ext>
+            </a:extLst>
+          </p:cNvPr>
+          <p:cNvSpPr txBox="1">
+            <a:spLocks/>
+          </p:cNvSpPr>
+          <p:nvPr/>
+        </p:nvSpPr>
+        <p:spPr>
+          <a:xfrm>
+            <a:off x="531038" y="-19757"/>
+            <a:ext cx="11029950" cy="521644"/>
+          </a:xfrm>
+          <a:prstGeom prst="rect">
+            <a:avLst/>
+          </a:prstGeom>
+        </p:spPr>
+        <p:txBody>
+          <a:bodyPr vert="horz" lIns="91440" tIns="45720" rIns="91440" bIns="45720" rtlCol="0" anchor="b">
+            <a:normAutofit/>
+          </a:bodyPr>
+          <a:lstStyle>
+            <a:lvl1pPr algn="l" defTabSz="457200" rtl="0" eaLnBrk="1" latinLnBrk="0" hangingPunct="1">
+              <a:spcBef>
+                <a:spcPct val="0"/>
+              </a:spcBef>
+              <a:buNone/>
+              <a:defRPr sz="2800" b="0" kern="1200" cap="all">
+                <a:solidFill>
+                  <a:schemeClr val="bg1"/>
+                </a:solidFill>
+                <a:latin typeface="+mj-lt"/>
+                <a:ea typeface="+mj-ea"/>
+                <a:cs typeface="+mj-cs"/>
+              </a:defRPr>
+            </a:lvl1pPr>
+            <a:lvl2pPr eaLnBrk="1" hangingPunct="1">
+              <a:defRPr>
+                <a:solidFill>
+                  <a:schemeClr val="tx2"/>
+                </a:solidFill>
+              </a:defRPr>
+            </a:lvl2pPr>
+            <a:lvl3pPr eaLnBrk="1" hangingPunct="1">
+              <a:defRPr>
+                <a:solidFill>
+                  <a:schemeClr val="tx2"/>
+                </a:solidFill>
+              </a:defRPr>
+            </a:lvl3pPr>
+            <a:lvl4pPr eaLnBrk="1" hangingPunct="1">
+              <a:defRPr>
+                <a:solidFill>
+                  <a:schemeClr val="tx2"/>
+                </a:solidFill>
+              </a:defRPr>
+            </a:lvl4pPr>
+            <a:lvl5pPr eaLnBrk="1" hangingPunct="1">
+              <a:defRPr>
+                <a:solidFill>
+                  <a:schemeClr val="tx2"/>
+                </a:solidFill>
+              </a:defRPr>
+            </a:lvl5pPr>
+            <a:lvl6pPr eaLnBrk="1" hangingPunct="1">
+              <a:defRPr>
+                <a:solidFill>
+                  <a:schemeClr val="tx2"/>
+                </a:solidFill>
+              </a:defRPr>
+            </a:lvl6pPr>
+            <a:lvl7pPr eaLnBrk="1" hangingPunct="1">
+              <a:defRPr>
+                <a:solidFill>
+                  <a:schemeClr val="tx2"/>
+                </a:solidFill>
+              </a:defRPr>
+            </a:lvl7pPr>
+            <a:lvl8pPr eaLnBrk="1" hangingPunct="1">
+              <a:defRPr>
+                <a:solidFill>
+                  <a:schemeClr val="tx2"/>
+                </a:solidFill>
+              </a:defRPr>
+            </a:lvl8pPr>
+            <a:lvl9pPr eaLnBrk="1" hangingPunct="1">
+              <a:defRPr>
+                <a:solidFill>
+                  <a:schemeClr val="tx2"/>
+                </a:solidFill>
+              </a:defRPr>
+            </a:lvl9pPr>
+          </a:lstStyle>
+          <a:p>
+            <a:r>
+              <a:rPr lang="en-US" dirty="0">
+                <a:solidFill>
+                  <a:schemeClr val="tx1"/>
+                </a:solidFill>
+              </a:rPr>
+              <a:t>Do ratings matter for profit? cont’d</a:t>
             </a:r>
           </a:p>
         </p:txBody>
@@ -6603,3329 +11034,6 @@
       <p:bldP spid="6" grpId="0" animBg="1"/>
     </p:bldLst>
   </p:timing>
-</p:sld>
-</file>
-
-<file path=ppt/slides/slide12.xml><?xml version="1.0" encoding="utf-8"?>
-<p:sld xmlns:a="http://schemas.openxmlformats.org/drawingml/2006/main" xmlns:r="http://schemas.openxmlformats.org/officeDocument/2006/relationships" xmlns:p="http://schemas.openxmlformats.org/presentationml/2006/main">
-  <p:cSld>
-    <p:bg>
-      <p:bgPr>
-        <a:solidFill>
-          <a:schemeClr val="bg1"/>
-        </a:solidFill>
-        <a:effectLst/>
-      </p:bgPr>
-    </p:bg>
-    <p:spTree>
-      <p:nvGrpSpPr>
-        <p:cNvPr id="1" name=""/>
-        <p:cNvGrpSpPr/>
-        <p:nvPr/>
-      </p:nvGrpSpPr>
-      <p:grpSpPr>
-        <a:xfrm>
-          <a:off x="0" y="0"/>
-          <a:ext cx="0" cy="0"/>
-          <a:chOff x="0" y="0"/>
-          <a:chExt cx="0" cy="0"/>
-        </a:xfrm>
-      </p:grpSpPr>
-      <p:sp useBgFill="1">
-        <p:nvSpPr>
-          <p:cNvPr id="9" name="Rectangle 8">
-            <a:extLst>
-              <a:ext uri="{FF2B5EF4-FFF2-40B4-BE49-F238E27FC236}">
-                <a16:creationId xmlns:a16="http://schemas.microsoft.com/office/drawing/2014/main" id="{B373F125-DEF3-41D6-9918-AB21A2ACC37A}"/>
-              </a:ext>
-              <a:ext uri="{C183D7F6-B498-43B3-948B-1728B52AA6E4}">
-                <adec:decorative xmlns:adec="http://schemas.microsoft.com/office/drawing/2017/decorative" val="1"/>
-              </a:ext>
-            </a:extLst>
-          </p:cNvPr>
-          <p:cNvSpPr>
-            <a:spLocks noGrp="1" noRot="1" noChangeAspect="1" noMove="1" noResize="1" noEditPoints="1" noAdjustHandles="1" noChangeArrowheads="1" noChangeShapeType="1" noTextEdit="1"/>
-          </p:cNvSpPr>
-          <p:nvPr>
-            <p:extLst>
-              <p:ext uri="{386F3935-93C4-4BCD-93E2-E3B085C9AB24}">
-                <p16:designElem xmlns:p16="http://schemas.microsoft.com/office/powerpoint/2015/main" val="1"/>
-              </p:ext>
-            </p:extLst>
-          </p:nvPr>
-        </p:nvSpPr>
-        <p:spPr>
-          <a:xfrm>
-            <a:off x="0" y="0"/>
-            <a:ext cx="12192000" cy="6858000"/>
-          </a:xfrm>
-          <a:prstGeom prst="rect">
-            <a:avLst/>
-          </a:prstGeom>
-          <a:ln>
-            <a:noFill/>
-          </a:ln>
-        </p:spPr>
-        <p:style>
-          <a:lnRef idx="2">
-            <a:schemeClr val="accent1">
-              <a:shade val="50000"/>
-            </a:schemeClr>
-          </a:lnRef>
-          <a:fillRef idx="1">
-            <a:schemeClr val="accent1"/>
-          </a:fillRef>
-          <a:effectRef idx="0">
-            <a:schemeClr val="accent1"/>
-          </a:effectRef>
-          <a:fontRef idx="minor">
-            <a:schemeClr val="lt1"/>
-          </a:fontRef>
-        </p:style>
-        <p:txBody>
-          <a:bodyPr rtlCol="0" anchor="ctr"/>
-          <a:lstStyle/>
-          <a:p>
-            <a:pPr algn="ctr"/>
-            <a:endParaRPr lang="en-US"/>
-          </a:p>
-        </p:txBody>
-      </p:sp>
-      <p:sp>
-        <p:nvSpPr>
-          <p:cNvPr id="11" name="Rectangle 10">
-            <a:extLst>
-              <a:ext uri="{FF2B5EF4-FFF2-40B4-BE49-F238E27FC236}">
-                <a16:creationId xmlns:a16="http://schemas.microsoft.com/office/drawing/2014/main" id="{71E9F226-EB6E-48C9-ADDA-636DE4BF4EBE}"/>
-              </a:ext>
-              <a:ext uri="{C183D7F6-B498-43B3-948B-1728B52AA6E4}">
-                <adec:decorative xmlns:adec="http://schemas.microsoft.com/office/drawing/2017/decorative" val="1"/>
-              </a:ext>
-            </a:extLst>
-          </p:cNvPr>
-          <p:cNvSpPr>
-            <a:spLocks noGrp="1" noRot="1" noChangeAspect="1" noMove="1" noResize="1" noEditPoints="1" noAdjustHandles="1" noChangeArrowheads="1" noChangeShapeType="1" noTextEdit="1"/>
-          </p:cNvSpPr>
-          <p:nvPr>
-            <p:extLst>
-              <p:ext uri="{386F3935-93C4-4BCD-93E2-E3B085C9AB24}">
-                <p16:designElem xmlns:p16="http://schemas.microsoft.com/office/powerpoint/2015/main" val="1"/>
-              </p:ext>
-            </p:extLst>
-          </p:nvPr>
-        </p:nvSpPr>
-        <p:spPr>
-          <a:xfrm>
-            <a:off x="490581" y="485678"/>
-            <a:ext cx="4174743" cy="5888772"/>
-          </a:xfrm>
-          <a:prstGeom prst="rect">
-            <a:avLst/>
-          </a:prstGeom>
-          <a:ln>
-            <a:noFill/>
-          </a:ln>
-        </p:spPr>
-        <p:style>
-          <a:lnRef idx="2">
-            <a:schemeClr val="accent1">
-              <a:shade val="50000"/>
-            </a:schemeClr>
-          </a:lnRef>
-          <a:fillRef idx="1">
-            <a:schemeClr val="accent1"/>
-          </a:fillRef>
-          <a:effectRef idx="0">
-            <a:schemeClr val="accent1"/>
-          </a:effectRef>
-          <a:fontRef idx="minor">
-            <a:schemeClr val="lt1"/>
-          </a:fontRef>
-        </p:style>
-        <p:txBody>
-          <a:bodyPr rtlCol="0" anchor="ctr"/>
-          <a:lstStyle/>
-          <a:p>
-            <a:pPr algn="ctr"/>
-            <a:endParaRPr lang="en-US"/>
-          </a:p>
-        </p:txBody>
-      </p:sp>
-      <p:sp>
-        <p:nvSpPr>
-          <p:cNvPr id="2" name="Title 1"/>
-          <p:cNvSpPr>
-            <a:spLocks noGrp="1"/>
-          </p:cNvSpPr>
-          <p:nvPr>
-            <p:ph type="title"/>
-          </p:nvPr>
-        </p:nvSpPr>
-        <p:spPr>
-          <a:xfrm>
-            <a:off x="943077" y="2467371"/>
-            <a:ext cx="3269749" cy="1917112"/>
-          </a:xfrm>
-        </p:spPr>
-        <p:txBody>
-          <a:bodyPr anchor="ctr">
-            <a:normAutofit/>
-          </a:bodyPr>
-          <a:lstStyle/>
-          <a:p>
-            <a:pPr algn="ctr"/>
-            <a:r>
-              <a:rPr lang="en-US" sz="3200" dirty="0">
-                <a:solidFill>
-                  <a:srgbClr val="FFFFFF"/>
-                </a:solidFill>
-              </a:rPr>
-              <a:t>Exploring genre data</a:t>
-            </a:r>
-            <a:endParaRPr lang="en-US" sz="1400" dirty="0">
-              <a:solidFill>
-                <a:srgbClr val="FFFFFF"/>
-              </a:solidFill>
-            </a:endParaRPr>
-          </a:p>
-        </p:txBody>
-      </p:sp>
-      <p:sp>
-        <p:nvSpPr>
-          <p:cNvPr id="3" name="Content Placeholder 2"/>
-          <p:cNvSpPr>
-            <a:spLocks noGrp="1"/>
-          </p:cNvSpPr>
-          <p:nvPr>
-            <p:ph type="body" idx="1"/>
-          </p:nvPr>
-        </p:nvSpPr>
-        <p:spPr>
-          <a:xfrm>
-            <a:off x="5155905" y="1113764"/>
-            <a:ext cx="6108179" cy="4624327"/>
-          </a:xfrm>
-        </p:spPr>
-        <p:txBody>
-          <a:bodyPr anchor="ctr">
-            <a:normAutofit/>
-          </a:bodyPr>
-          <a:lstStyle/>
-          <a:p>
-            <a:r>
-              <a:rPr lang="en-US" dirty="0"/>
-              <a:t>3 quick overview points about direction and questions</a:t>
-            </a:r>
-          </a:p>
-          <a:p>
-            <a:r>
-              <a:rPr lang="en-US" dirty="0"/>
-              <a:t>2</a:t>
-            </a:r>
-          </a:p>
-          <a:p>
-            <a:r>
-              <a:rPr lang="en-US" dirty="0"/>
-              <a:t>3</a:t>
-            </a:r>
-          </a:p>
-        </p:txBody>
-      </p:sp>
-      <p:sp>
-        <p:nvSpPr>
-          <p:cNvPr id="4" name="Title 1">
-            <a:extLst>
-              <a:ext uri="{FF2B5EF4-FFF2-40B4-BE49-F238E27FC236}">
-                <a16:creationId xmlns:a16="http://schemas.microsoft.com/office/drawing/2014/main" id="{6F78C5BD-FA19-F3BC-73FA-75F36732B267}"/>
-              </a:ext>
-            </a:extLst>
-          </p:cNvPr>
-          <p:cNvSpPr txBox="1">
-            <a:spLocks/>
-          </p:cNvSpPr>
-          <p:nvPr/>
-        </p:nvSpPr>
-        <p:spPr>
-          <a:xfrm>
-            <a:off x="2856216" y="5643189"/>
-            <a:ext cx="1665270" cy="729133"/>
-          </a:xfrm>
-          <a:prstGeom prst="rect">
-            <a:avLst/>
-          </a:prstGeom>
-        </p:spPr>
-        <p:txBody>
-          <a:bodyPr vert="horz" lIns="91440" tIns="45720" rIns="91440" bIns="45720" rtlCol="0" anchor="ctr">
-            <a:normAutofit/>
-          </a:bodyPr>
-          <a:lstStyle>
-            <a:lvl1pPr algn="l" defTabSz="457200" rtl="0" eaLnBrk="1" latinLnBrk="0" hangingPunct="1">
-              <a:spcBef>
-                <a:spcPct val="0"/>
-              </a:spcBef>
-              <a:buNone/>
-              <a:defRPr sz="2800" b="0" kern="1200" cap="all">
-                <a:solidFill>
-                  <a:schemeClr val="bg1"/>
-                </a:solidFill>
-                <a:latin typeface="+mj-lt"/>
-                <a:ea typeface="+mj-ea"/>
-                <a:cs typeface="+mj-cs"/>
-              </a:defRPr>
-            </a:lvl1pPr>
-            <a:lvl2pPr eaLnBrk="1" hangingPunct="1">
-              <a:defRPr>
-                <a:solidFill>
-                  <a:schemeClr val="tx2"/>
-                </a:solidFill>
-              </a:defRPr>
-            </a:lvl2pPr>
-            <a:lvl3pPr eaLnBrk="1" hangingPunct="1">
-              <a:defRPr>
-                <a:solidFill>
-                  <a:schemeClr val="tx2"/>
-                </a:solidFill>
-              </a:defRPr>
-            </a:lvl3pPr>
-            <a:lvl4pPr eaLnBrk="1" hangingPunct="1">
-              <a:defRPr>
-                <a:solidFill>
-                  <a:schemeClr val="tx2"/>
-                </a:solidFill>
-              </a:defRPr>
-            </a:lvl4pPr>
-            <a:lvl5pPr eaLnBrk="1" hangingPunct="1">
-              <a:defRPr>
-                <a:solidFill>
-                  <a:schemeClr val="tx2"/>
-                </a:solidFill>
-              </a:defRPr>
-            </a:lvl5pPr>
-            <a:lvl6pPr eaLnBrk="1" hangingPunct="1">
-              <a:defRPr>
-                <a:solidFill>
-                  <a:schemeClr val="tx2"/>
-                </a:solidFill>
-              </a:defRPr>
-            </a:lvl6pPr>
-            <a:lvl7pPr eaLnBrk="1" hangingPunct="1">
-              <a:defRPr>
-                <a:solidFill>
-                  <a:schemeClr val="tx2"/>
-                </a:solidFill>
-              </a:defRPr>
-            </a:lvl7pPr>
-            <a:lvl8pPr eaLnBrk="1" hangingPunct="1">
-              <a:defRPr>
-                <a:solidFill>
-                  <a:schemeClr val="tx2"/>
-                </a:solidFill>
-              </a:defRPr>
-            </a:lvl8pPr>
-            <a:lvl9pPr eaLnBrk="1" hangingPunct="1">
-              <a:defRPr>
-                <a:solidFill>
-                  <a:schemeClr val="tx2"/>
-                </a:solidFill>
-              </a:defRPr>
-            </a:lvl9pPr>
-          </a:lstStyle>
-          <a:p>
-            <a:pPr algn="ctr"/>
-            <a:r>
-              <a:rPr lang="en-US" sz="1600" dirty="0">
-                <a:solidFill>
-                  <a:srgbClr val="FFFFFF"/>
-                </a:solidFill>
-              </a:rPr>
-              <a:t>-Chuck</a:t>
-            </a:r>
-          </a:p>
-        </p:txBody>
-      </p:sp>
-    </p:spTree>
-    <p:extLst>
-      <p:ext uri="{BB962C8B-B14F-4D97-AF65-F5344CB8AC3E}">
-        <p14:creationId xmlns:p14="http://schemas.microsoft.com/office/powerpoint/2010/main" val="4218281971"/>
-      </p:ext>
-    </p:extLst>
-  </p:cSld>
-  <p:clrMapOvr>
-    <a:masterClrMapping/>
-  </p:clrMapOvr>
-</p:sld>
-</file>
-
-<file path=ppt/slides/slide13.xml><?xml version="1.0" encoding="utf-8"?>
-<p:sld xmlns:a="http://schemas.openxmlformats.org/drawingml/2006/main" xmlns:r="http://schemas.openxmlformats.org/officeDocument/2006/relationships" xmlns:p="http://schemas.openxmlformats.org/presentationml/2006/main">
-  <p:cSld>
-    <p:spTree>
-      <p:nvGrpSpPr>
-        <p:cNvPr id="1" name=""/>
-        <p:cNvGrpSpPr/>
-        <p:nvPr/>
-      </p:nvGrpSpPr>
-      <p:grpSpPr>
-        <a:xfrm>
-          <a:off x="0" y="0"/>
-          <a:ext cx="0" cy="0"/>
-          <a:chOff x="0" y="0"/>
-          <a:chExt cx="0" cy="0"/>
-        </a:xfrm>
-      </p:grpSpPr>
-      <p:sp>
-        <p:nvSpPr>
-          <p:cNvPr id="2" name="Title 1">
-            <a:extLst>
-              <a:ext uri="{FF2B5EF4-FFF2-40B4-BE49-F238E27FC236}">
-                <a16:creationId xmlns:a16="http://schemas.microsoft.com/office/drawing/2014/main" id="{3D7B3BD4-ECBA-DED0-C9B9-A577AF386EB5}"/>
-              </a:ext>
-            </a:extLst>
-          </p:cNvPr>
-          <p:cNvSpPr>
-            <a:spLocks noGrp="1"/>
-          </p:cNvSpPr>
-          <p:nvPr>
-            <p:ph type="title"/>
-          </p:nvPr>
-        </p:nvSpPr>
-        <p:spPr/>
-        <p:txBody>
-          <a:bodyPr/>
-          <a:lstStyle/>
-          <a:p>
-            <a:r>
-              <a:rPr lang="en-US" dirty="0"/>
-              <a:t>genre vs ratings or whatever slide 1</a:t>
-            </a:r>
-          </a:p>
-        </p:txBody>
-      </p:sp>
-      <p:sp>
-        <p:nvSpPr>
-          <p:cNvPr id="3" name="Content Placeholder 2">
-            <a:extLst>
-              <a:ext uri="{FF2B5EF4-FFF2-40B4-BE49-F238E27FC236}">
-                <a16:creationId xmlns:a16="http://schemas.microsoft.com/office/drawing/2014/main" id="{F95E2A37-E369-BD1A-E50B-B049F9C4C2CC}"/>
-              </a:ext>
-            </a:extLst>
-          </p:cNvPr>
-          <p:cNvSpPr>
-            <a:spLocks noGrp="1"/>
-          </p:cNvSpPr>
-          <p:nvPr>
-            <p:ph idx="1"/>
-          </p:nvPr>
-        </p:nvSpPr>
-        <p:spPr>
-          <a:xfrm>
-            <a:off x="581193" y="2180496"/>
-            <a:ext cx="4067008" cy="3678303"/>
-          </a:xfrm>
-        </p:spPr>
-        <p:txBody>
-          <a:bodyPr/>
-          <a:lstStyle/>
-          <a:p>
-            <a:r>
-              <a:rPr lang="en-US" dirty="0"/>
-              <a:t>Screengrabs from labeled plots</a:t>
-            </a:r>
-          </a:p>
-          <a:p>
-            <a:r>
-              <a:rPr lang="en-US" dirty="0"/>
-              <a:t>2 short summary points – quick and easy to read with explanation</a:t>
-            </a:r>
-          </a:p>
-        </p:txBody>
-      </p:sp>
-    </p:spTree>
-    <p:extLst>
-      <p:ext uri="{BB962C8B-B14F-4D97-AF65-F5344CB8AC3E}">
-        <p14:creationId xmlns:p14="http://schemas.microsoft.com/office/powerpoint/2010/main" val="2249364170"/>
-      </p:ext>
-    </p:extLst>
-  </p:cSld>
-  <p:clrMapOvr>
-    <a:masterClrMapping/>
-  </p:clrMapOvr>
-</p:sld>
-</file>
-
-<file path=ppt/slides/slide14.xml><?xml version="1.0" encoding="utf-8"?>
-<p:sld xmlns:a="http://schemas.openxmlformats.org/drawingml/2006/main" xmlns:r="http://schemas.openxmlformats.org/officeDocument/2006/relationships" xmlns:p="http://schemas.openxmlformats.org/presentationml/2006/main">
-  <p:cSld>
-    <p:spTree>
-      <p:nvGrpSpPr>
-        <p:cNvPr id="1" name=""/>
-        <p:cNvGrpSpPr/>
-        <p:nvPr/>
-      </p:nvGrpSpPr>
-      <p:grpSpPr>
-        <a:xfrm>
-          <a:off x="0" y="0"/>
-          <a:ext cx="0" cy="0"/>
-          <a:chOff x="0" y="0"/>
-          <a:chExt cx="0" cy="0"/>
-        </a:xfrm>
-      </p:grpSpPr>
-      <p:sp>
-        <p:nvSpPr>
-          <p:cNvPr id="2" name="Title 1">
-            <a:extLst>
-              <a:ext uri="{FF2B5EF4-FFF2-40B4-BE49-F238E27FC236}">
-                <a16:creationId xmlns:a16="http://schemas.microsoft.com/office/drawing/2014/main" id="{3D7B3BD4-ECBA-DED0-C9B9-A577AF386EB5}"/>
-              </a:ext>
-            </a:extLst>
-          </p:cNvPr>
-          <p:cNvSpPr>
-            <a:spLocks noGrp="1"/>
-          </p:cNvSpPr>
-          <p:nvPr>
-            <p:ph type="title"/>
-          </p:nvPr>
-        </p:nvSpPr>
-        <p:spPr/>
-        <p:txBody>
-          <a:bodyPr/>
-          <a:lstStyle/>
-          <a:p>
-            <a:r>
-              <a:rPr lang="en-US" dirty="0"/>
-              <a:t>genre vs revenue or whatever slide 2</a:t>
-            </a:r>
-          </a:p>
-        </p:txBody>
-      </p:sp>
-      <p:sp>
-        <p:nvSpPr>
-          <p:cNvPr id="3" name="Content Placeholder 2">
-            <a:extLst>
-              <a:ext uri="{FF2B5EF4-FFF2-40B4-BE49-F238E27FC236}">
-                <a16:creationId xmlns:a16="http://schemas.microsoft.com/office/drawing/2014/main" id="{F95E2A37-E369-BD1A-E50B-B049F9C4C2CC}"/>
-              </a:ext>
-            </a:extLst>
-          </p:cNvPr>
-          <p:cNvSpPr>
-            <a:spLocks noGrp="1"/>
-          </p:cNvSpPr>
-          <p:nvPr>
-            <p:ph idx="1"/>
-          </p:nvPr>
-        </p:nvSpPr>
-        <p:spPr>
-          <a:xfrm>
-            <a:off x="581193" y="2180496"/>
-            <a:ext cx="4067008" cy="3678303"/>
-          </a:xfrm>
-        </p:spPr>
-        <p:txBody>
-          <a:bodyPr/>
-          <a:lstStyle/>
-          <a:p>
-            <a:r>
-              <a:rPr lang="en-US" dirty="0"/>
-              <a:t>Screengrabs from labeled plots</a:t>
-            </a:r>
-          </a:p>
-          <a:p>
-            <a:r>
-              <a:rPr lang="en-US" dirty="0"/>
-              <a:t>2 short summary points – quick and easy to read with explanation</a:t>
-            </a:r>
-          </a:p>
-        </p:txBody>
-      </p:sp>
-    </p:spTree>
-    <p:extLst>
-      <p:ext uri="{BB962C8B-B14F-4D97-AF65-F5344CB8AC3E}">
-        <p14:creationId xmlns:p14="http://schemas.microsoft.com/office/powerpoint/2010/main" val="232526807"/>
-      </p:ext>
-    </p:extLst>
-  </p:cSld>
-  <p:clrMapOvr>
-    <a:masterClrMapping/>
-  </p:clrMapOvr>
-</p:sld>
-</file>
-
-<file path=ppt/slides/slide15.xml><?xml version="1.0" encoding="utf-8"?>
-<p:sld xmlns:a="http://schemas.openxmlformats.org/drawingml/2006/main" xmlns:r="http://schemas.openxmlformats.org/officeDocument/2006/relationships" xmlns:p="http://schemas.openxmlformats.org/presentationml/2006/main">
-  <p:cSld>
-    <p:bg>
-      <p:bgPr>
-        <a:solidFill>
-          <a:schemeClr val="bg1"/>
-        </a:solidFill>
-        <a:effectLst/>
-      </p:bgPr>
-    </p:bg>
-    <p:spTree>
-      <p:nvGrpSpPr>
-        <p:cNvPr id="1" name=""/>
-        <p:cNvGrpSpPr/>
-        <p:nvPr/>
-      </p:nvGrpSpPr>
-      <p:grpSpPr>
-        <a:xfrm>
-          <a:off x="0" y="0"/>
-          <a:ext cx="0" cy="0"/>
-          <a:chOff x="0" y="0"/>
-          <a:chExt cx="0" cy="0"/>
-        </a:xfrm>
-      </p:grpSpPr>
-      <p:sp useBgFill="1">
-        <p:nvSpPr>
-          <p:cNvPr id="9" name="Rectangle 8">
-            <a:extLst>
-              <a:ext uri="{FF2B5EF4-FFF2-40B4-BE49-F238E27FC236}">
-                <a16:creationId xmlns:a16="http://schemas.microsoft.com/office/drawing/2014/main" id="{B373F125-DEF3-41D6-9918-AB21A2ACC37A}"/>
-              </a:ext>
-              <a:ext uri="{C183D7F6-B498-43B3-948B-1728B52AA6E4}">
-                <adec:decorative xmlns:adec="http://schemas.microsoft.com/office/drawing/2017/decorative" val="1"/>
-              </a:ext>
-            </a:extLst>
-          </p:cNvPr>
-          <p:cNvSpPr>
-            <a:spLocks noGrp="1" noRot="1" noChangeAspect="1" noMove="1" noResize="1" noEditPoints="1" noAdjustHandles="1" noChangeArrowheads="1" noChangeShapeType="1" noTextEdit="1"/>
-          </p:cNvSpPr>
-          <p:nvPr>
-            <p:extLst>
-              <p:ext uri="{386F3935-93C4-4BCD-93E2-E3B085C9AB24}">
-                <p16:designElem xmlns:p16="http://schemas.microsoft.com/office/powerpoint/2015/main" val="1"/>
-              </p:ext>
-            </p:extLst>
-          </p:nvPr>
-        </p:nvSpPr>
-        <p:spPr>
-          <a:xfrm>
-            <a:off x="0" y="0"/>
-            <a:ext cx="12192000" cy="6858000"/>
-          </a:xfrm>
-          <a:prstGeom prst="rect">
-            <a:avLst/>
-          </a:prstGeom>
-          <a:ln>
-            <a:noFill/>
-          </a:ln>
-        </p:spPr>
-        <p:style>
-          <a:lnRef idx="2">
-            <a:schemeClr val="accent1">
-              <a:shade val="50000"/>
-            </a:schemeClr>
-          </a:lnRef>
-          <a:fillRef idx="1">
-            <a:schemeClr val="accent1"/>
-          </a:fillRef>
-          <a:effectRef idx="0">
-            <a:schemeClr val="accent1"/>
-          </a:effectRef>
-          <a:fontRef idx="minor">
-            <a:schemeClr val="lt1"/>
-          </a:fontRef>
-        </p:style>
-        <p:txBody>
-          <a:bodyPr rtlCol="0" anchor="ctr"/>
-          <a:lstStyle/>
-          <a:p>
-            <a:pPr algn="ctr"/>
-            <a:endParaRPr lang="en-US"/>
-          </a:p>
-        </p:txBody>
-      </p:sp>
-      <p:sp>
-        <p:nvSpPr>
-          <p:cNvPr id="11" name="Rectangle 10">
-            <a:extLst>
-              <a:ext uri="{FF2B5EF4-FFF2-40B4-BE49-F238E27FC236}">
-                <a16:creationId xmlns:a16="http://schemas.microsoft.com/office/drawing/2014/main" id="{71E9F226-EB6E-48C9-ADDA-636DE4BF4EBE}"/>
-              </a:ext>
-              <a:ext uri="{C183D7F6-B498-43B3-948B-1728B52AA6E4}">
-                <adec:decorative xmlns:adec="http://schemas.microsoft.com/office/drawing/2017/decorative" val="1"/>
-              </a:ext>
-            </a:extLst>
-          </p:cNvPr>
-          <p:cNvSpPr>
-            <a:spLocks noGrp="1" noRot="1" noChangeAspect="1" noMove="1" noResize="1" noEditPoints="1" noAdjustHandles="1" noChangeArrowheads="1" noChangeShapeType="1" noTextEdit="1"/>
-          </p:cNvSpPr>
-          <p:nvPr>
-            <p:extLst>
-              <p:ext uri="{386F3935-93C4-4BCD-93E2-E3B085C9AB24}">
-                <p16:designElem xmlns:p16="http://schemas.microsoft.com/office/powerpoint/2015/main" val="1"/>
-              </p:ext>
-            </p:extLst>
-          </p:nvPr>
-        </p:nvSpPr>
-        <p:spPr>
-          <a:xfrm>
-            <a:off x="490581" y="485678"/>
-            <a:ext cx="4174743" cy="5888772"/>
-          </a:xfrm>
-          <a:prstGeom prst="rect">
-            <a:avLst/>
-          </a:prstGeom>
-          <a:ln>
-            <a:noFill/>
-          </a:ln>
-        </p:spPr>
-        <p:style>
-          <a:lnRef idx="2">
-            <a:schemeClr val="accent1">
-              <a:shade val="50000"/>
-            </a:schemeClr>
-          </a:lnRef>
-          <a:fillRef idx="1">
-            <a:schemeClr val="accent1"/>
-          </a:fillRef>
-          <a:effectRef idx="0">
-            <a:schemeClr val="accent1"/>
-          </a:effectRef>
-          <a:fontRef idx="minor">
-            <a:schemeClr val="lt1"/>
-          </a:fontRef>
-        </p:style>
-        <p:txBody>
-          <a:bodyPr rtlCol="0" anchor="ctr"/>
-          <a:lstStyle/>
-          <a:p>
-            <a:pPr algn="ctr"/>
-            <a:endParaRPr lang="en-US"/>
-          </a:p>
-        </p:txBody>
-      </p:sp>
-      <p:sp>
-        <p:nvSpPr>
-          <p:cNvPr id="2" name="Title 1"/>
-          <p:cNvSpPr>
-            <a:spLocks noGrp="1"/>
-          </p:cNvSpPr>
-          <p:nvPr>
-            <p:ph type="title"/>
-          </p:nvPr>
-        </p:nvSpPr>
-        <p:spPr>
-          <a:xfrm>
-            <a:off x="943077" y="2467371"/>
-            <a:ext cx="3269749" cy="1917112"/>
-          </a:xfrm>
-        </p:spPr>
-        <p:txBody>
-          <a:bodyPr anchor="ctr">
-            <a:normAutofit/>
-          </a:bodyPr>
-          <a:lstStyle/>
-          <a:p>
-            <a:pPr algn="ctr"/>
-            <a:r>
-              <a:rPr lang="en-US" sz="3200" dirty="0">
-                <a:solidFill>
-                  <a:srgbClr val="FFFFFF"/>
-                </a:solidFill>
-              </a:rPr>
-              <a:t>conclusion</a:t>
-            </a:r>
-            <a:endParaRPr lang="en-US" sz="1400" dirty="0">
-              <a:solidFill>
-                <a:srgbClr val="FFFFFF"/>
-              </a:solidFill>
-            </a:endParaRPr>
-          </a:p>
-        </p:txBody>
-      </p:sp>
-      <p:sp>
-        <p:nvSpPr>
-          <p:cNvPr id="3" name="Content Placeholder 2"/>
-          <p:cNvSpPr>
-            <a:spLocks noGrp="1"/>
-          </p:cNvSpPr>
-          <p:nvPr>
-            <p:ph type="body" idx="1"/>
-          </p:nvPr>
-        </p:nvSpPr>
-        <p:spPr>
-          <a:xfrm>
-            <a:off x="5155905" y="1113764"/>
-            <a:ext cx="6108179" cy="4624327"/>
-          </a:xfrm>
-        </p:spPr>
-        <p:txBody>
-          <a:bodyPr anchor="ctr">
-            <a:normAutofit/>
-          </a:bodyPr>
-          <a:lstStyle/>
-          <a:p>
-            <a:r>
-              <a:rPr lang="en-US" dirty="0"/>
-              <a:t>Conclusion points</a:t>
-            </a:r>
-          </a:p>
-          <a:p>
-            <a:r>
-              <a:rPr lang="en-US" dirty="0"/>
-              <a:t>1</a:t>
-            </a:r>
-          </a:p>
-          <a:p>
-            <a:r>
-              <a:rPr lang="en-US" dirty="0"/>
-              <a:t>2</a:t>
-            </a:r>
-          </a:p>
-          <a:p>
-            <a:r>
-              <a:rPr lang="en-US" dirty="0"/>
-              <a:t>3</a:t>
-            </a:r>
-          </a:p>
-          <a:p>
-            <a:r>
-              <a:rPr lang="en-US" dirty="0"/>
-              <a:t>4</a:t>
-            </a:r>
-          </a:p>
-          <a:p>
-            <a:endParaRPr lang="en-US" dirty="0"/>
-          </a:p>
-        </p:txBody>
-      </p:sp>
-      <p:sp>
-        <p:nvSpPr>
-          <p:cNvPr id="4" name="Title 1">
-            <a:extLst>
-              <a:ext uri="{FF2B5EF4-FFF2-40B4-BE49-F238E27FC236}">
-                <a16:creationId xmlns:a16="http://schemas.microsoft.com/office/drawing/2014/main" id="{6F78C5BD-FA19-F3BC-73FA-75F36732B267}"/>
-              </a:ext>
-            </a:extLst>
-          </p:cNvPr>
-          <p:cNvSpPr txBox="1">
-            <a:spLocks/>
-          </p:cNvSpPr>
-          <p:nvPr/>
-        </p:nvSpPr>
-        <p:spPr>
-          <a:xfrm>
-            <a:off x="3000054" y="5637043"/>
-            <a:ext cx="1665270" cy="729133"/>
-          </a:xfrm>
-          <a:prstGeom prst="rect">
-            <a:avLst/>
-          </a:prstGeom>
-        </p:spPr>
-        <p:txBody>
-          <a:bodyPr vert="horz" lIns="91440" tIns="45720" rIns="91440" bIns="45720" rtlCol="0" anchor="ctr">
-            <a:normAutofit/>
-          </a:bodyPr>
-          <a:lstStyle>
-            <a:lvl1pPr algn="l" defTabSz="457200" rtl="0" eaLnBrk="1" latinLnBrk="0" hangingPunct="1">
-              <a:spcBef>
-                <a:spcPct val="0"/>
-              </a:spcBef>
-              <a:buNone/>
-              <a:defRPr sz="2800" b="0" kern="1200" cap="all">
-                <a:solidFill>
-                  <a:schemeClr val="bg1"/>
-                </a:solidFill>
-                <a:latin typeface="+mj-lt"/>
-                <a:ea typeface="+mj-ea"/>
-                <a:cs typeface="+mj-cs"/>
-              </a:defRPr>
-            </a:lvl1pPr>
-            <a:lvl2pPr eaLnBrk="1" hangingPunct="1">
-              <a:defRPr>
-                <a:solidFill>
-                  <a:schemeClr val="tx2"/>
-                </a:solidFill>
-              </a:defRPr>
-            </a:lvl2pPr>
-            <a:lvl3pPr eaLnBrk="1" hangingPunct="1">
-              <a:defRPr>
-                <a:solidFill>
-                  <a:schemeClr val="tx2"/>
-                </a:solidFill>
-              </a:defRPr>
-            </a:lvl3pPr>
-            <a:lvl4pPr eaLnBrk="1" hangingPunct="1">
-              <a:defRPr>
-                <a:solidFill>
-                  <a:schemeClr val="tx2"/>
-                </a:solidFill>
-              </a:defRPr>
-            </a:lvl4pPr>
-            <a:lvl5pPr eaLnBrk="1" hangingPunct="1">
-              <a:defRPr>
-                <a:solidFill>
-                  <a:schemeClr val="tx2"/>
-                </a:solidFill>
-              </a:defRPr>
-            </a:lvl5pPr>
-            <a:lvl6pPr eaLnBrk="1" hangingPunct="1">
-              <a:defRPr>
-                <a:solidFill>
-                  <a:schemeClr val="tx2"/>
-                </a:solidFill>
-              </a:defRPr>
-            </a:lvl6pPr>
-            <a:lvl7pPr eaLnBrk="1" hangingPunct="1">
-              <a:defRPr>
-                <a:solidFill>
-                  <a:schemeClr val="tx2"/>
-                </a:solidFill>
-              </a:defRPr>
-            </a:lvl7pPr>
-            <a:lvl8pPr eaLnBrk="1" hangingPunct="1">
-              <a:defRPr>
-                <a:solidFill>
-                  <a:schemeClr val="tx2"/>
-                </a:solidFill>
-              </a:defRPr>
-            </a:lvl8pPr>
-            <a:lvl9pPr eaLnBrk="1" hangingPunct="1">
-              <a:defRPr>
-                <a:solidFill>
-                  <a:schemeClr val="tx2"/>
-                </a:solidFill>
-              </a:defRPr>
-            </a:lvl9pPr>
-          </a:lstStyle>
-          <a:p>
-            <a:pPr algn="ctr"/>
-            <a:r>
-              <a:rPr lang="en-US" sz="1600" dirty="0">
-                <a:solidFill>
-                  <a:srgbClr val="FFFFFF"/>
-                </a:solidFill>
-              </a:rPr>
-              <a:t>-Chris?</a:t>
-            </a:r>
-          </a:p>
-          <a:p>
-            <a:pPr algn="ctr"/>
-            <a:r>
-              <a:rPr lang="en-US" sz="1600" dirty="0">
-                <a:solidFill>
-                  <a:srgbClr val="FFFFFF"/>
-                </a:solidFill>
-              </a:rPr>
-              <a:t>-Sarah?</a:t>
-            </a:r>
-          </a:p>
-        </p:txBody>
-      </p:sp>
-    </p:spTree>
-    <p:extLst>
-      <p:ext uri="{BB962C8B-B14F-4D97-AF65-F5344CB8AC3E}">
-        <p14:creationId xmlns:p14="http://schemas.microsoft.com/office/powerpoint/2010/main" val="77602882"/>
-      </p:ext>
-    </p:extLst>
-  </p:cSld>
-  <p:clrMapOvr>
-    <a:masterClrMapping/>
-  </p:clrMapOvr>
-</p:sld>
-</file>
-
-<file path=ppt/slides/slide16.xml><?xml version="1.0" encoding="utf-8"?>
-<p:sld xmlns:a="http://schemas.openxmlformats.org/drawingml/2006/main" xmlns:r="http://schemas.openxmlformats.org/officeDocument/2006/relationships" xmlns:p="http://schemas.openxmlformats.org/presentationml/2006/main">
-  <p:cSld>
-    <p:bg>
-      <p:bgPr>
-        <a:solidFill>
-          <a:schemeClr val="bg1"/>
-        </a:solidFill>
-        <a:effectLst/>
-      </p:bgPr>
-    </p:bg>
-    <p:spTree>
-      <p:nvGrpSpPr>
-        <p:cNvPr id="1" name=""/>
-        <p:cNvGrpSpPr/>
-        <p:nvPr/>
-      </p:nvGrpSpPr>
-      <p:grpSpPr>
-        <a:xfrm>
-          <a:off x="0" y="0"/>
-          <a:ext cx="0" cy="0"/>
-          <a:chOff x="0" y="0"/>
-          <a:chExt cx="0" cy="0"/>
-        </a:xfrm>
-      </p:grpSpPr>
-      <p:sp useBgFill="1">
-        <p:nvSpPr>
-          <p:cNvPr id="9" name="Rectangle 8">
-            <a:extLst>
-              <a:ext uri="{FF2B5EF4-FFF2-40B4-BE49-F238E27FC236}">
-                <a16:creationId xmlns:a16="http://schemas.microsoft.com/office/drawing/2014/main" id="{B373F125-DEF3-41D6-9918-AB21A2ACC37A}"/>
-              </a:ext>
-              <a:ext uri="{C183D7F6-B498-43B3-948B-1728B52AA6E4}">
-                <adec:decorative xmlns:adec="http://schemas.microsoft.com/office/drawing/2017/decorative" val="1"/>
-              </a:ext>
-            </a:extLst>
-          </p:cNvPr>
-          <p:cNvSpPr>
-            <a:spLocks noGrp="1" noRot="1" noChangeAspect="1" noMove="1" noResize="1" noEditPoints="1" noAdjustHandles="1" noChangeArrowheads="1" noChangeShapeType="1" noTextEdit="1"/>
-          </p:cNvSpPr>
-          <p:nvPr>
-            <p:extLst>
-              <p:ext uri="{386F3935-93C4-4BCD-93E2-E3B085C9AB24}">
-                <p16:designElem xmlns:p16="http://schemas.microsoft.com/office/powerpoint/2015/main" val="1"/>
-              </p:ext>
-            </p:extLst>
-          </p:nvPr>
-        </p:nvSpPr>
-        <p:spPr>
-          <a:xfrm>
-            <a:off x="0" y="0"/>
-            <a:ext cx="12192000" cy="6858000"/>
-          </a:xfrm>
-          <a:prstGeom prst="rect">
-            <a:avLst/>
-          </a:prstGeom>
-          <a:ln>
-            <a:noFill/>
-          </a:ln>
-        </p:spPr>
-        <p:style>
-          <a:lnRef idx="2">
-            <a:schemeClr val="accent1">
-              <a:shade val="50000"/>
-            </a:schemeClr>
-          </a:lnRef>
-          <a:fillRef idx="1">
-            <a:schemeClr val="accent1"/>
-          </a:fillRef>
-          <a:effectRef idx="0">
-            <a:schemeClr val="accent1"/>
-          </a:effectRef>
-          <a:fontRef idx="minor">
-            <a:schemeClr val="lt1"/>
-          </a:fontRef>
-        </p:style>
-        <p:txBody>
-          <a:bodyPr rtlCol="0" anchor="ctr"/>
-          <a:lstStyle/>
-          <a:p>
-            <a:pPr algn="ctr"/>
-            <a:endParaRPr lang="en-US"/>
-          </a:p>
-        </p:txBody>
-      </p:sp>
-      <p:sp>
-        <p:nvSpPr>
-          <p:cNvPr id="11" name="Rectangle 10">
-            <a:extLst>
-              <a:ext uri="{FF2B5EF4-FFF2-40B4-BE49-F238E27FC236}">
-                <a16:creationId xmlns:a16="http://schemas.microsoft.com/office/drawing/2014/main" id="{71E9F226-EB6E-48C9-ADDA-636DE4BF4EBE}"/>
-              </a:ext>
-              <a:ext uri="{C183D7F6-B498-43B3-948B-1728B52AA6E4}">
-                <adec:decorative xmlns:adec="http://schemas.microsoft.com/office/drawing/2017/decorative" val="1"/>
-              </a:ext>
-            </a:extLst>
-          </p:cNvPr>
-          <p:cNvSpPr>
-            <a:spLocks noGrp="1" noRot="1" noChangeAspect="1" noMove="1" noResize="1" noEditPoints="1" noAdjustHandles="1" noChangeArrowheads="1" noChangeShapeType="1" noTextEdit="1"/>
-          </p:cNvSpPr>
-          <p:nvPr>
-            <p:extLst>
-              <p:ext uri="{386F3935-93C4-4BCD-93E2-E3B085C9AB24}">
-                <p16:designElem xmlns:p16="http://schemas.microsoft.com/office/powerpoint/2015/main" val="1"/>
-              </p:ext>
-            </p:extLst>
-          </p:nvPr>
-        </p:nvSpPr>
-        <p:spPr>
-          <a:xfrm>
-            <a:off x="490581" y="485678"/>
-            <a:ext cx="4174743" cy="5888772"/>
-          </a:xfrm>
-          <a:prstGeom prst="rect">
-            <a:avLst/>
-          </a:prstGeom>
-          <a:ln>
-            <a:noFill/>
-          </a:ln>
-        </p:spPr>
-        <p:style>
-          <a:lnRef idx="2">
-            <a:schemeClr val="accent1">
-              <a:shade val="50000"/>
-            </a:schemeClr>
-          </a:lnRef>
-          <a:fillRef idx="1">
-            <a:schemeClr val="accent1"/>
-          </a:fillRef>
-          <a:effectRef idx="0">
-            <a:schemeClr val="accent1"/>
-          </a:effectRef>
-          <a:fontRef idx="minor">
-            <a:schemeClr val="lt1"/>
-          </a:fontRef>
-        </p:style>
-        <p:txBody>
-          <a:bodyPr rtlCol="0" anchor="ctr"/>
-          <a:lstStyle/>
-          <a:p>
-            <a:pPr algn="ctr"/>
-            <a:endParaRPr lang="en-US"/>
-          </a:p>
-        </p:txBody>
-      </p:sp>
-      <p:sp>
-        <p:nvSpPr>
-          <p:cNvPr id="2" name="Title 1"/>
-          <p:cNvSpPr>
-            <a:spLocks noGrp="1"/>
-          </p:cNvSpPr>
-          <p:nvPr>
-            <p:ph type="title"/>
-          </p:nvPr>
-        </p:nvSpPr>
-        <p:spPr>
-          <a:xfrm>
-            <a:off x="959157" y="1113764"/>
-            <a:ext cx="3269749" cy="4624327"/>
-          </a:xfrm>
-        </p:spPr>
-        <p:txBody>
-          <a:bodyPr anchor="ctr">
-            <a:normAutofit/>
-          </a:bodyPr>
-          <a:lstStyle/>
-          <a:p>
-            <a:r>
-              <a:rPr lang="en-US" sz="3200">
-                <a:solidFill>
-                  <a:srgbClr val="FFFFFF"/>
-                </a:solidFill>
-              </a:rPr>
-              <a:t>Works cited</a:t>
-            </a:r>
-          </a:p>
-        </p:txBody>
-      </p:sp>
-      <p:sp>
-        <p:nvSpPr>
-          <p:cNvPr id="3" name="Content Placeholder 2"/>
-          <p:cNvSpPr>
-            <a:spLocks noGrp="1"/>
-          </p:cNvSpPr>
-          <p:nvPr>
-            <p:ph type="body" idx="1"/>
-          </p:nvPr>
-        </p:nvSpPr>
-        <p:spPr>
-          <a:xfrm>
-            <a:off x="5155905" y="1113764"/>
-            <a:ext cx="6108179" cy="4624327"/>
-          </a:xfrm>
-        </p:spPr>
-        <p:txBody>
-          <a:bodyPr anchor="ctr">
-            <a:normAutofit/>
-          </a:bodyPr>
-          <a:lstStyle/>
-          <a:p>
-            <a:r>
-              <a:rPr lang="en-US" dirty="0"/>
-              <a:t>Movies metadata data set - </a:t>
-            </a:r>
-            <a:r>
-              <a:rPr lang="en-US" dirty="0" err="1">
-                <a:hlinkClick r:id="rId2"/>
-              </a:rPr>
-              <a:t>movies_data_clean</a:t>
-            </a:r>
-            <a:r>
-              <a:rPr lang="en-US" dirty="0">
-                <a:hlinkClick r:id="rId2"/>
-              </a:rPr>
-              <a:t> (kaggle.com)</a:t>
-            </a:r>
-            <a:endParaRPr lang="en-US" dirty="0"/>
-          </a:p>
-          <a:p>
-            <a:r>
-              <a:rPr lang="en-US" dirty="0"/>
-              <a:t>OMDB API - </a:t>
-            </a:r>
-            <a:r>
-              <a:rPr lang="en-US" dirty="0">
-                <a:hlinkClick r:id="rId3"/>
-              </a:rPr>
-              <a:t>The Open Movie Database</a:t>
-            </a:r>
-            <a:endParaRPr lang="en-US" dirty="0"/>
-          </a:p>
-          <a:p>
-            <a:r>
-              <a:rPr lang="en-US" dirty="0" err="1"/>
-              <a:t>str.contains</a:t>
-            </a:r>
-            <a:r>
-              <a:rPr lang="en-US" dirty="0"/>
-              <a:t> code - </a:t>
-            </a:r>
-            <a:r>
-              <a:rPr lang="en-US" dirty="0">
-                <a:hlinkClick r:id="rId4"/>
-              </a:rPr>
-              <a:t>python - pandas </a:t>
-            </a:r>
-            <a:r>
-              <a:rPr lang="en-US" dirty="0" err="1">
-                <a:hlinkClick r:id="rId4"/>
-              </a:rPr>
-              <a:t>dataframe</a:t>
-            </a:r>
-            <a:r>
-              <a:rPr lang="en-US" dirty="0">
-                <a:hlinkClick r:id="rId4"/>
-              </a:rPr>
-              <a:t> </a:t>
-            </a:r>
-            <a:r>
-              <a:rPr lang="en-US" dirty="0" err="1">
-                <a:hlinkClick r:id="rId4"/>
-              </a:rPr>
-              <a:t>str.contains</a:t>
-            </a:r>
-            <a:r>
-              <a:rPr lang="en-US" dirty="0">
-                <a:hlinkClick r:id="rId4"/>
-              </a:rPr>
-              <a:t>() AND operation - Stack Overflow</a:t>
-            </a:r>
-            <a:endParaRPr lang="en-US" dirty="0"/>
-          </a:p>
-          <a:p>
-            <a:endParaRPr lang="en-US" dirty="0"/>
-          </a:p>
-        </p:txBody>
-      </p:sp>
-    </p:spTree>
-    <p:extLst>
-      <p:ext uri="{BB962C8B-B14F-4D97-AF65-F5344CB8AC3E}">
-        <p14:creationId xmlns:p14="http://schemas.microsoft.com/office/powerpoint/2010/main" val="3291260535"/>
-      </p:ext>
-    </p:extLst>
-  </p:cSld>
-  <p:clrMapOvr>
-    <a:masterClrMapping/>
-  </p:clrMapOvr>
-</p:sld>
-</file>
-
-<file path=ppt/slides/slide2.xml><?xml version="1.0" encoding="utf-8"?>
-<p:sld xmlns:a="http://schemas.openxmlformats.org/drawingml/2006/main" xmlns:r="http://schemas.openxmlformats.org/officeDocument/2006/relationships" xmlns:p="http://schemas.openxmlformats.org/presentationml/2006/main">
-  <p:cSld>
-    <p:spTree>
-      <p:nvGrpSpPr>
-        <p:cNvPr id="1" name=""/>
-        <p:cNvGrpSpPr/>
-        <p:nvPr/>
-      </p:nvGrpSpPr>
-      <p:grpSpPr>
-        <a:xfrm>
-          <a:off x="0" y="0"/>
-          <a:ext cx="0" cy="0"/>
-          <a:chOff x="0" y="0"/>
-          <a:chExt cx="0" cy="0"/>
-        </a:xfrm>
-      </p:grpSpPr>
-      <p:sp>
-        <p:nvSpPr>
-          <p:cNvPr id="2" name="Title 1">
-            <a:extLst>
-              <a:ext uri="{FF2B5EF4-FFF2-40B4-BE49-F238E27FC236}">
-                <a16:creationId xmlns:a16="http://schemas.microsoft.com/office/drawing/2014/main" id="{326B76E6-8E55-4532-B4C9-362459A30A05}"/>
-              </a:ext>
-            </a:extLst>
-          </p:cNvPr>
-          <p:cNvSpPr>
-            <a:spLocks noGrp="1"/>
-          </p:cNvSpPr>
-          <p:nvPr>
-            <p:ph type="title"/>
-          </p:nvPr>
-        </p:nvSpPr>
-        <p:spPr/>
-        <p:txBody>
-          <a:bodyPr>
-            <a:normAutofit/>
-          </a:bodyPr>
-          <a:lstStyle/>
-          <a:p>
-            <a:r>
-              <a:rPr lang="en-US" dirty="0">
-                <a:latin typeface="Segoe UI Light" panose="020B0702040204020203" pitchFamily="34" charset="0"/>
-                <a:ea typeface="Segoe UI Light" panose="020B0702040204020203" pitchFamily="34" charset="0"/>
-                <a:cs typeface="Segoe UI" panose="020B0502040204020203" pitchFamily="34" charset="0"/>
-              </a:rPr>
-              <a:t>Project 1 – Mo Money$ Movie$</a:t>
-            </a:r>
-          </a:p>
-        </p:txBody>
-      </p:sp>
-      <p:sp>
-        <p:nvSpPr>
-          <p:cNvPr id="20" name="Text 2"/>
-          <p:cNvSpPr/>
-          <p:nvPr/>
-        </p:nvSpPr>
-        <p:spPr>
-          <a:xfrm>
-            <a:off x="838200" y="1461299"/>
-            <a:ext cx="10462846" cy="375359"/>
-          </a:xfrm>
-          <a:prstGeom prst="rect">
-            <a:avLst/>
-          </a:prstGeom>
-        </p:spPr>
-        <p:txBody>
-          <a:bodyPr wrap="square">
-            <a:spAutoFit/>
-          </a:bodyPr>
-          <a:lstStyle/>
-          <a:p>
-            <a:pPr>
-              <a:lnSpc>
-                <a:spcPct val="150000"/>
-              </a:lnSpc>
-            </a:pPr>
-            <a:r>
-              <a:rPr lang="en-US" sz="1400" dirty="0">
-                <a:solidFill>
-                  <a:srgbClr val="D24726"/>
-                </a:solidFill>
-                <a:latin typeface="Segoe UI Semibold" panose="020B0702040204020203" pitchFamily="34" charset="0"/>
-                <a:ea typeface="Segoe UI Semibold" panose="020B0702040204020203" pitchFamily="34" charset="0"/>
-                <a:cs typeface="Segoe UI" panose="020B0502040204020203" pitchFamily="34" charset="0"/>
-              </a:rPr>
-              <a:t>How to Make the Most Money$ with one Movie</a:t>
-            </a:r>
-          </a:p>
-        </p:txBody>
-      </p:sp>
-      <p:sp>
-        <p:nvSpPr>
-          <p:cNvPr id="21" name="Content Placeholder 2"/>
-          <p:cNvSpPr txBox="1">
-            <a:spLocks/>
-          </p:cNvSpPr>
-          <p:nvPr/>
-        </p:nvSpPr>
-        <p:spPr>
-          <a:xfrm>
-            <a:off x="850250" y="1876798"/>
-            <a:ext cx="5028036" cy="4000000"/>
-          </a:xfrm>
-          <a:prstGeom prst="rect">
-            <a:avLst/>
-          </a:prstGeom>
-          <a:ln w="57150">
-            <a:noFill/>
-          </a:ln>
-        </p:spPr>
-        <p:txBody>
-          <a:bodyPr vert="horz" lIns="91440" tIns="45720" rIns="91440" bIns="45720" numCol="1" rtlCol="0" anchor="t">
-            <a:normAutofit/>
-          </a:bodyPr>
-          <a:lstStyle/>
-          <a:p>
-            <a:pPr marL="0" indent="0">
-              <a:lnSpc>
-                <a:spcPct val="150000"/>
-              </a:lnSpc>
-              <a:spcBef>
-                <a:spcPts val="0"/>
-              </a:spcBef>
-              <a:buFont typeface="Arial" panose="020B0604020202020204" pitchFamily="34" charset="0"/>
-              <a:buNone/>
-            </a:pPr>
-            <a:r>
-              <a:rPr lang="en-US" sz="1400" dirty="0">
-                <a:solidFill>
-                  <a:schemeClr val="tx1">
-                    <a:lumMod val="65000"/>
-                    <a:lumOff val="35000"/>
-                  </a:schemeClr>
-                </a:solidFill>
-                <a:latin typeface="Segoe UI Semilight" panose="020B0402040204020203" pitchFamily="34" charset="0"/>
-                <a:ea typeface="Segoe UI" panose="020B0502040204020203" pitchFamily="34" charset="0"/>
-                <a:cs typeface="Segoe UI Semilight" panose="020B0402040204020203" pitchFamily="34" charset="0"/>
-              </a:rPr>
-              <a:t>We are representatives for a small indie film company. Today we will share with you the insights that we have gained in our search for determining the greatest return for your investment. </a:t>
-            </a:r>
-          </a:p>
-        </p:txBody>
-      </p:sp>
-      <p:sp>
-        <p:nvSpPr>
-          <p:cNvPr id="22" name="Content Placeholder 3"/>
-          <p:cNvSpPr/>
-          <p:nvPr/>
-        </p:nvSpPr>
-        <p:spPr>
-          <a:xfrm>
-            <a:off x="6211660" y="1876798"/>
-            <a:ext cx="5237389" cy="1668021"/>
-          </a:xfrm>
-          <a:prstGeom prst="rect">
-            <a:avLst/>
-          </a:prstGeom>
-        </p:spPr>
-        <p:txBody>
-          <a:bodyPr wrap="square">
-            <a:spAutoFit/>
-          </a:bodyPr>
-          <a:lstStyle/>
-          <a:p>
-            <a:pPr>
-              <a:lnSpc>
-                <a:spcPct val="150000"/>
-              </a:lnSpc>
-            </a:pPr>
-            <a:r>
-              <a:rPr lang="en-US" sz="1400" b="1" dirty="0">
-                <a:solidFill>
-                  <a:srgbClr val="D24726"/>
-                </a:solidFill>
-                <a:latin typeface="Segoe UI Semibold" panose="020B0702040204020203" pitchFamily="34" charset="0"/>
-                <a:ea typeface="Segoe UI Semibold" panose="020B0702040204020203" pitchFamily="34" charset="0"/>
-              </a:rPr>
-              <a:t>Scope: </a:t>
-            </a:r>
-            <a:r>
-              <a:rPr lang="en-US" sz="1400" dirty="0">
-                <a:solidFill>
-                  <a:schemeClr val="tx1">
-                    <a:lumMod val="65000"/>
-                    <a:lumOff val="35000"/>
-                  </a:schemeClr>
-                </a:solidFill>
-                <a:latin typeface="Segoe UI Semilight" panose="020B0402040204020203" pitchFamily="34" charset="0"/>
-                <a:cs typeface="Segoe UI Semilight" panose="020B0402040204020203" pitchFamily="34" charset="0"/>
-              </a:rPr>
-              <a:t>Theater released movies within the range of 2005-2015 with a measurable budget and revenue: minimum $5000 for each</a:t>
-            </a:r>
-          </a:p>
-          <a:p>
-            <a:pPr>
-              <a:lnSpc>
-                <a:spcPct val="150000"/>
-              </a:lnSpc>
-            </a:pPr>
-            <a:r>
-              <a:rPr lang="en-US" sz="1400" b="1" dirty="0">
-                <a:solidFill>
-                  <a:srgbClr val="D24726"/>
-                </a:solidFill>
-                <a:latin typeface="Segoe UI Semibold" panose="020B0702040204020203" pitchFamily="34" charset="0"/>
-                <a:ea typeface="Segoe UI Semibold" panose="020B0702040204020203" pitchFamily="34" charset="0"/>
-              </a:rPr>
-              <a:t>Key Metrics: </a:t>
-            </a:r>
-            <a:r>
-              <a:rPr lang="en-US" sz="1400" dirty="0">
-                <a:solidFill>
-                  <a:schemeClr val="tx1">
-                    <a:lumMod val="65000"/>
-                    <a:lumOff val="35000"/>
-                  </a:schemeClr>
-                </a:solidFill>
-                <a:latin typeface="Segoe UI Semilight" panose="020B0402040204020203" pitchFamily="34" charset="0"/>
-                <a:cs typeface="Segoe UI Semilight" panose="020B0402040204020203" pitchFamily="34" charset="0"/>
-              </a:rPr>
-              <a:t>Movie budgets, profit, ratings and genre</a:t>
-            </a:r>
-          </a:p>
-          <a:p>
-            <a:pPr>
-              <a:lnSpc>
-                <a:spcPct val="150000"/>
-              </a:lnSpc>
-            </a:pPr>
-            <a:r>
-              <a:rPr lang="en-US" sz="1400" b="1" dirty="0">
-                <a:solidFill>
-                  <a:srgbClr val="D24726"/>
-                </a:solidFill>
-                <a:latin typeface="Segoe UI Semibold" panose="020B0702040204020203" pitchFamily="34" charset="0"/>
-                <a:ea typeface="Segoe UI Semibold" panose="020B0702040204020203" pitchFamily="34" charset="0"/>
-              </a:rPr>
-              <a:t>Resources: </a:t>
-            </a:r>
-            <a:r>
-              <a:rPr lang="en-US" sz="1400" dirty="0">
-                <a:solidFill>
-                  <a:schemeClr val="tx1">
-                    <a:lumMod val="65000"/>
-                    <a:lumOff val="35000"/>
-                  </a:schemeClr>
-                </a:solidFill>
-                <a:latin typeface="Segoe UI Semilight" panose="020B0402040204020203" pitchFamily="34" charset="0"/>
-                <a:cs typeface="Segoe UI Semilight" panose="020B0402040204020203" pitchFamily="34" charset="0"/>
-              </a:rPr>
-              <a:t>Kaggle movies data set, OMDB API</a:t>
-            </a:r>
-          </a:p>
-          <a:p>
-            <a:pPr>
-              <a:lnSpc>
-                <a:spcPct val="150000"/>
-              </a:lnSpc>
-            </a:pPr>
-            <a:endParaRPr lang="en-US" sz="1400" dirty="0">
-              <a:solidFill>
-                <a:schemeClr val="tx1">
-                  <a:lumMod val="65000"/>
-                  <a:lumOff val="35000"/>
-                </a:schemeClr>
-              </a:solidFill>
-              <a:latin typeface="Segoe UI Semilight" panose="020B0402040204020203" pitchFamily="34" charset="0"/>
-              <a:cs typeface="Segoe UI Semilight" panose="020B0402040204020203" pitchFamily="34" charset="0"/>
-            </a:endParaRPr>
-          </a:p>
-        </p:txBody>
-      </p:sp>
-    </p:spTree>
-    <p:extLst>
-      <p:ext uri="{BB962C8B-B14F-4D97-AF65-F5344CB8AC3E}">
-        <p14:creationId xmlns:p14="http://schemas.microsoft.com/office/powerpoint/2010/main" val="3748667521"/>
-      </p:ext>
-    </p:extLst>
-  </p:cSld>
-  <p:clrMapOvr>
-    <a:masterClrMapping/>
-  </p:clrMapOvr>
-</p:sld>
-</file>
-
-<file path=ppt/slides/slide3.xml><?xml version="1.0" encoding="utf-8"?>
-<p:sld xmlns:a="http://schemas.openxmlformats.org/drawingml/2006/main" xmlns:r="http://schemas.openxmlformats.org/officeDocument/2006/relationships" xmlns:p="http://schemas.openxmlformats.org/presentationml/2006/main">
-  <p:cSld>
-    <p:bg>
-      <p:bgPr>
-        <a:solidFill>
-          <a:schemeClr val="bg1"/>
-        </a:solidFill>
-        <a:effectLst/>
-      </p:bgPr>
-    </p:bg>
-    <p:spTree>
-      <p:nvGrpSpPr>
-        <p:cNvPr id="1" name=""/>
-        <p:cNvGrpSpPr/>
-        <p:nvPr/>
-      </p:nvGrpSpPr>
-      <p:grpSpPr>
-        <a:xfrm>
-          <a:off x="0" y="0"/>
-          <a:ext cx="0" cy="0"/>
-          <a:chOff x="0" y="0"/>
-          <a:chExt cx="0" cy="0"/>
-        </a:xfrm>
-      </p:grpSpPr>
-      <p:sp useBgFill="1">
-        <p:nvSpPr>
-          <p:cNvPr id="9" name="Rectangle 8">
-            <a:extLst>
-              <a:ext uri="{FF2B5EF4-FFF2-40B4-BE49-F238E27FC236}">
-                <a16:creationId xmlns:a16="http://schemas.microsoft.com/office/drawing/2014/main" id="{B373F125-DEF3-41D6-9918-AB21A2ACC37A}"/>
-              </a:ext>
-              <a:ext uri="{C183D7F6-B498-43B3-948B-1728B52AA6E4}">
-                <adec:decorative xmlns:adec="http://schemas.microsoft.com/office/drawing/2017/decorative" val="1"/>
-              </a:ext>
-            </a:extLst>
-          </p:cNvPr>
-          <p:cNvSpPr>
-            <a:spLocks noGrp="1" noRot="1" noChangeAspect="1" noMove="1" noResize="1" noEditPoints="1" noAdjustHandles="1" noChangeArrowheads="1" noChangeShapeType="1" noTextEdit="1"/>
-          </p:cNvSpPr>
-          <p:nvPr>
-            <p:extLst>
-              <p:ext uri="{386F3935-93C4-4BCD-93E2-E3B085C9AB24}">
-                <p16:designElem xmlns:p16="http://schemas.microsoft.com/office/powerpoint/2015/main" val="1"/>
-              </p:ext>
-            </p:extLst>
-          </p:nvPr>
-        </p:nvSpPr>
-        <p:spPr>
-          <a:xfrm>
-            <a:off x="0" y="0"/>
-            <a:ext cx="12192000" cy="6858000"/>
-          </a:xfrm>
-          <a:prstGeom prst="rect">
-            <a:avLst/>
-          </a:prstGeom>
-          <a:ln>
-            <a:noFill/>
-          </a:ln>
-        </p:spPr>
-        <p:style>
-          <a:lnRef idx="2">
-            <a:schemeClr val="accent1">
-              <a:shade val="50000"/>
-            </a:schemeClr>
-          </a:lnRef>
-          <a:fillRef idx="1">
-            <a:schemeClr val="accent1"/>
-          </a:fillRef>
-          <a:effectRef idx="0">
-            <a:schemeClr val="accent1"/>
-          </a:effectRef>
-          <a:fontRef idx="minor">
-            <a:schemeClr val="lt1"/>
-          </a:fontRef>
-        </p:style>
-        <p:txBody>
-          <a:bodyPr rtlCol="0" anchor="ctr"/>
-          <a:lstStyle/>
-          <a:p>
-            <a:pPr algn="ctr"/>
-            <a:endParaRPr lang="en-US"/>
-          </a:p>
-        </p:txBody>
-      </p:sp>
-      <p:sp>
-        <p:nvSpPr>
-          <p:cNvPr id="11" name="Rectangle 10">
-            <a:extLst>
-              <a:ext uri="{FF2B5EF4-FFF2-40B4-BE49-F238E27FC236}">
-                <a16:creationId xmlns:a16="http://schemas.microsoft.com/office/drawing/2014/main" id="{71E9F226-EB6E-48C9-ADDA-636DE4BF4EBE}"/>
-              </a:ext>
-              <a:ext uri="{C183D7F6-B498-43B3-948B-1728B52AA6E4}">
-                <adec:decorative xmlns:adec="http://schemas.microsoft.com/office/drawing/2017/decorative" val="1"/>
-              </a:ext>
-            </a:extLst>
-          </p:cNvPr>
-          <p:cNvSpPr>
-            <a:spLocks noGrp="1" noRot="1" noChangeAspect="1" noMove="1" noResize="1" noEditPoints="1" noAdjustHandles="1" noChangeArrowheads="1" noChangeShapeType="1" noTextEdit="1"/>
-          </p:cNvSpPr>
-          <p:nvPr>
-            <p:extLst>
-              <p:ext uri="{386F3935-93C4-4BCD-93E2-E3B085C9AB24}">
-                <p16:designElem xmlns:p16="http://schemas.microsoft.com/office/powerpoint/2015/main" val="1"/>
-              </p:ext>
-            </p:extLst>
-          </p:nvPr>
-        </p:nvSpPr>
-        <p:spPr>
-          <a:xfrm>
-            <a:off x="490581" y="485678"/>
-            <a:ext cx="4174743" cy="5888772"/>
-          </a:xfrm>
-          <a:prstGeom prst="rect">
-            <a:avLst/>
-          </a:prstGeom>
-          <a:ln>
-            <a:noFill/>
-          </a:ln>
-        </p:spPr>
-        <p:style>
-          <a:lnRef idx="2">
-            <a:schemeClr val="accent1">
-              <a:shade val="50000"/>
-            </a:schemeClr>
-          </a:lnRef>
-          <a:fillRef idx="1">
-            <a:schemeClr val="accent1"/>
-          </a:fillRef>
-          <a:effectRef idx="0">
-            <a:schemeClr val="accent1"/>
-          </a:effectRef>
-          <a:fontRef idx="minor">
-            <a:schemeClr val="lt1"/>
-          </a:fontRef>
-        </p:style>
-        <p:txBody>
-          <a:bodyPr rtlCol="0" anchor="ctr"/>
-          <a:lstStyle/>
-          <a:p>
-            <a:pPr algn="ctr"/>
-            <a:endParaRPr lang="en-US"/>
-          </a:p>
-        </p:txBody>
-      </p:sp>
-      <p:sp>
-        <p:nvSpPr>
-          <p:cNvPr id="2" name="Title 1"/>
-          <p:cNvSpPr>
-            <a:spLocks noGrp="1"/>
-          </p:cNvSpPr>
-          <p:nvPr>
-            <p:ph type="title"/>
-          </p:nvPr>
-        </p:nvSpPr>
-        <p:spPr>
-          <a:xfrm>
-            <a:off x="943077" y="2467371"/>
-            <a:ext cx="3269749" cy="1917112"/>
-          </a:xfrm>
-        </p:spPr>
-        <p:txBody>
-          <a:bodyPr anchor="ctr">
-            <a:normAutofit/>
-          </a:bodyPr>
-          <a:lstStyle/>
-          <a:p>
-            <a:pPr algn="ctr"/>
-            <a:r>
-              <a:rPr lang="en-US" sz="3200" dirty="0">
-                <a:solidFill>
-                  <a:srgbClr val="FFFFFF"/>
-                </a:solidFill>
-              </a:rPr>
-              <a:t>Acquiring the data</a:t>
-            </a:r>
-            <a:endParaRPr lang="en-US" sz="1400" dirty="0">
-              <a:solidFill>
-                <a:srgbClr val="FFFFFF"/>
-              </a:solidFill>
-            </a:endParaRPr>
-          </a:p>
-        </p:txBody>
-      </p:sp>
-      <p:sp>
-        <p:nvSpPr>
-          <p:cNvPr id="3" name="Content Placeholder 2"/>
-          <p:cNvSpPr>
-            <a:spLocks noGrp="1"/>
-          </p:cNvSpPr>
-          <p:nvPr>
-            <p:ph type="body" idx="1"/>
-          </p:nvPr>
-        </p:nvSpPr>
-        <p:spPr>
-          <a:xfrm>
-            <a:off x="5155905" y="1113764"/>
-            <a:ext cx="6108179" cy="4624327"/>
-          </a:xfrm>
-        </p:spPr>
-        <p:txBody>
-          <a:bodyPr anchor="ctr">
-            <a:normAutofit/>
-          </a:bodyPr>
-          <a:lstStyle/>
-          <a:p>
-            <a:r>
-              <a:rPr lang="en-US" dirty="0"/>
-              <a:t>Importing and cleaning the data set, “</a:t>
-            </a:r>
-            <a:r>
-              <a:rPr lang="en-US" i="0" dirty="0">
-                <a:solidFill>
-                  <a:srgbClr val="202124"/>
-                </a:solidFill>
-                <a:effectLst/>
-                <a:highlight>
-                  <a:srgbClr val="FFFFFF"/>
-                </a:highlight>
-              </a:rPr>
-              <a:t>movies_metadata.csv” </a:t>
-            </a:r>
-            <a:r>
-              <a:rPr lang="en-US" dirty="0"/>
-              <a:t>from Kaggle with over 3500 upvotes which has a Usability rating of 8.24.</a:t>
-            </a:r>
-          </a:p>
-          <a:p>
-            <a:r>
-              <a:rPr lang="en-US" dirty="0"/>
-              <a:t>Based on our criteria, we filtered that down to 2,316 movies for </a:t>
-            </a:r>
-            <a:r>
-              <a:rPr lang="en-US"/>
-              <a:t>our data.</a:t>
-            </a:r>
-            <a:endParaRPr lang="en-US" dirty="0"/>
-          </a:p>
-          <a:p>
-            <a:r>
-              <a:rPr lang="en-US" dirty="0"/>
-              <a:t>Create API call for OMDB to cross reference with the cleaned data set by utilizing the IMDB ID. </a:t>
-            </a:r>
-          </a:p>
-          <a:p>
-            <a:r>
-              <a:rPr lang="en-US" dirty="0"/>
-              <a:t>Merging and parsing that data and prepping for further exploration</a:t>
-            </a:r>
-          </a:p>
-          <a:p>
-            <a:endParaRPr lang="en-US" dirty="0"/>
-          </a:p>
-        </p:txBody>
-      </p:sp>
-      <p:sp>
-        <p:nvSpPr>
-          <p:cNvPr id="4" name="Title 1">
-            <a:extLst>
-              <a:ext uri="{FF2B5EF4-FFF2-40B4-BE49-F238E27FC236}">
-                <a16:creationId xmlns:a16="http://schemas.microsoft.com/office/drawing/2014/main" id="{6F78C5BD-FA19-F3BC-73FA-75F36732B267}"/>
-              </a:ext>
-            </a:extLst>
-          </p:cNvPr>
-          <p:cNvSpPr txBox="1">
-            <a:spLocks/>
-          </p:cNvSpPr>
-          <p:nvPr/>
-        </p:nvSpPr>
-        <p:spPr>
-          <a:xfrm>
-            <a:off x="2856216" y="5643189"/>
-            <a:ext cx="1665270" cy="729133"/>
-          </a:xfrm>
-          <a:prstGeom prst="rect">
-            <a:avLst/>
-          </a:prstGeom>
-        </p:spPr>
-        <p:txBody>
-          <a:bodyPr vert="horz" lIns="91440" tIns="45720" rIns="91440" bIns="45720" rtlCol="0" anchor="ctr">
-            <a:normAutofit/>
-          </a:bodyPr>
-          <a:lstStyle>
-            <a:lvl1pPr algn="l" defTabSz="457200" rtl="0" eaLnBrk="1" latinLnBrk="0" hangingPunct="1">
-              <a:spcBef>
-                <a:spcPct val="0"/>
-              </a:spcBef>
-              <a:buNone/>
-              <a:defRPr sz="2800" b="0" kern="1200" cap="all">
-                <a:solidFill>
-                  <a:schemeClr val="bg1"/>
-                </a:solidFill>
-                <a:latin typeface="+mj-lt"/>
-                <a:ea typeface="+mj-ea"/>
-                <a:cs typeface="+mj-cs"/>
-              </a:defRPr>
-            </a:lvl1pPr>
-            <a:lvl2pPr eaLnBrk="1" hangingPunct="1">
-              <a:defRPr>
-                <a:solidFill>
-                  <a:schemeClr val="tx2"/>
-                </a:solidFill>
-              </a:defRPr>
-            </a:lvl2pPr>
-            <a:lvl3pPr eaLnBrk="1" hangingPunct="1">
-              <a:defRPr>
-                <a:solidFill>
-                  <a:schemeClr val="tx2"/>
-                </a:solidFill>
-              </a:defRPr>
-            </a:lvl3pPr>
-            <a:lvl4pPr eaLnBrk="1" hangingPunct="1">
-              <a:defRPr>
-                <a:solidFill>
-                  <a:schemeClr val="tx2"/>
-                </a:solidFill>
-              </a:defRPr>
-            </a:lvl4pPr>
-            <a:lvl5pPr eaLnBrk="1" hangingPunct="1">
-              <a:defRPr>
-                <a:solidFill>
-                  <a:schemeClr val="tx2"/>
-                </a:solidFill>
-              </a:defRPr>
-            </a:lvl5pPr>
-            <a:lvl6pPr eaLnBrk="1" hangingPunct="1">
-              <a:defRPr>
-                <a:solidFill>
-                  <a:schemeClr val="tx2"/>
-                </a:solidFill>
-              </a:defRPr>
-            </a:lvl6pPr>
-            <a:lvl7pPr eaLnBrk="1" hangingPunct="1">
-              <a:defRPr>
-                <a:solidFill>
-                  <a:schemeClr val="tx2"/>
-                </a:solidFill>
-              </a:defRPr>
-            </a:lvl7pPr>
-            <a:lvl8pPr eaLnBrk="1" hangingPunct="1">
-              <a:defRPr>
-                <a:solidFill>
-                  <a:schemeClr val="tx2"/>
-                </a:solidFill>
-              </a:defRPr>
-            </a:lvl8pPr>
-            <a:lvl9pPr eaLnBrk="1" hangingPunct="1">
-              <a:defRPr>
-                <a:solidFill>
-                  <a:schemeClr val="tx2"/>
-                </a:solidFill>
-              </a:defRPr>
-            </a:lvl9pPr>
-          </a:lstStyle>
-          <a:p>
-            <a:pPr algn="ctr"/>
-            <a:r>
-              <a:rPr lang="en-US" sz="1600" dirty="0">
-                <a:solidFill>
-                  <a:srgbClr val="FFFFFF"/>
-                </a:solidFill>
-              </a:rPr>
-              <a:t>-Chris</a:t>
-            </a:r>
-          </a:p>
-        </p:txBody>
-      </p:sp>
-    </p:spTree>
-    <p:extLst>
-      <p:ext uri="{BB962C8B-B14F-4D97-AF65-F5344CB8AC3E}">
-        <p14:creationId xmlns:p14="http://schemas.microsoft.com/office/powerpoint/2010/main" val="3382765918"/>
-      </p:ext>
-    </p:extLst>
-  </p:cSld>
-  <p:clrMapOvr>
-    <a:masterClrMapping/>
-  </p:clrMapOvr>
-</p:sld>
-</file>
-
-<file path=ppt/slides/slide4.xml><?xml version="1.0" encoding="utf-8"?>
-<p:sld xmlns:a="http://schemas.openxmlformats.org/drawingml/2006/main" xmlns:r="http://schemas.openxmlformats.org/officeDocument/2006/relationships" xmlns:p="http://schemas.openxmlformats.org/presentationml/2006/main">
-  <p:cSld>
-    <p:bg>
-      <p:bgPr>
-        <a:solidFill>
-          <a:schemeClr val="bg1"/>
-        </a:solidFill>
-        <a:effectLst/>
-      </p:bgPr>
-    </p:bg>
-    <p:spTree>
-      <p:nvGrpSpPr>
-        <p:cNvPr id="1" name=""/>
-        <p:cNvGrpSpPr/>
-        <p:nvPr/>
-      </p:nvGrpSpPr>
-      <p:grpSpPr>
-        <a:xfrm>
-          <a:off x="0" y="0"/>
-          <a:ext cx="0" cy="0"/>
-          <a:chOff x="0" y="0"/>
-          <a:chExt cx="0" cy="0"/>
-        </a:xfrm>
-      </p:grpSpPr>
-      <p:sp useBgFill="1">
-        <p:nvSpPr>
-          <p:cNvPr id="9" name="Rectangle 8">
-            <a:extLst>
-              <a:ext uri="{FF2B5EF4-FFF2-40B4-BE49-F238E27FC236}">
-                <a16:creationId xmlns:a16="http://schemas.microsoft.com/office/drawing/2014/main" id="{B373F125-DEF3-41D6-9918-AB21A2ACC37A}"/>
-              </a:ext>
-              <a:ext uri="{C183D7F6-B498-43B3-948B-1728B52AA6E4}">
-                <adec:decorative xmlns:adec="http://schemas.microsoft.com/office/drawing/2017/decorative" val="1"/>
-              </a:ext>
-            </a:extLst>
-          </p:cNvPr>
-          <p:cNvSpPr>
-            <a:spLocks noGrp="1" noRot="1" noChangeAspect="1" noMove="1" noResize="1" noEditPoints="1" noAdjustHandles="1" noChangeArrowheads="1" noChangeShapeType="1" noTextEdit="1"/>
-          </p:cNvSpPr>
-          <p:nvPr>
-            <p:extLst>
-              <p:ext uri="{386F3935-93C4-4BCD-93E2-E3B085C9AB24}">
-                <p16:designElem xmlns:p16="http://schemas.microsoft.com/office/powerpoint/2015/main" val="1"/>
-              </p:ext>
-            </p:extLst>
-          </p:nvPr>
-        </p:nvSpPr>
-        <p:spPr>
-          <a:xfrm>
-            <a:off x="0" y="0"/>
-            <a:ext cx="12192000" cy="6858000"/>
-          </a:xfrm>
-          <a:prstGeom prst="rect">
-            <a:avLst/>
-          </a:prstGeom>
-          <a:ln>
-            <a:noFill/>
-          </a:ln>
-        </p:spPr>
-        <p:style>
-          <a:lnRef idx="2">
-            <a:schemeClr val="accent1">
-              <a:shade val="50000"/>
-            </a:schemeClr>
-          </a:lnRef>
-          <a:fillRef idx="1">
-            <a:schemeClr val="accent1"/>
-          </a:fillRef>
-          <a:effectRef idx="0">
-            <a:schemeClr val="accent1"/>
-          </a:effectRef>
-          <a:fontRef idx="minor">
-            <a:schemeClr val="lt1"/>
-          </a:fontRef>
-        </p:style>
-        <p:txBody>
-          <a:bodyPr rtlCol="0" anchor="ctr"/>
-          <a:lstStyle/>
-          <a:p>
-            <a:pPr algn="ctr"/>
-            <a:endParaRPr lang="en-US"/>
-          </a:p>
-        </p:txBody>
-      </p:sp>
-      <p:sp>
-        <p:nvSpPr>
-          <p:cNvPr id="11" name="Rectangle 10">
-            <a:extLst>
-              <a:ext uri="{FF2B5EF4-FFF2-40B4-BE49-F238E27FC236}">
-                <a16:creationId xmlns:a16="http://schemas.microsoft.com/office/drawing/2014/main" id="{71E9F226-EB6E-48C9-ADDA-636DE4BF4EBE}"/>
-              </a:ext>
-              <a:ext uri="{C183D7F6-B498-43B3-948B-1728B52AA6E4}">
-                <adec:decorative xmlns:adec="http://schemas.microsoft.com/office/drawing/2017/decorative" val="1"/>
-              </a:ext>
-            </a:extLst>
-          </p:cNvPr>
-          <p:cNvSpPr>
-            <a:spLocks noGrp="1" noRot="1" noChangeAspect="1" noMove="1" noResize="1" noEditPoints="1" noAdjustHandles="1" noChangeArrowheads="1" noChangeShapeType="1" noTextEdit="1"/>
-          </p:cNvSpPr>
-          <p:nvPr>
-            <p:extLst>
-              <p:ext uri="{386F3935-93C4-4BCD-93E2-E3B085C9AB24}">
-                <p16:designElem xmlns:p16="http://schemas.microsoft.com/office/powerpoint/2015/main" val="1"/>
-              </p:ext>
-            </p:extLst>
-          </p:nvPr>
-        </p:nvSpPr>
-        <p:spPr>
-          <a:xfrm>
-            <a:off x="490581" y="485678"/>
-            <a:ext cx="4174743" cy="5888772"/>
-          </a:xfrm>
-          <a:prstGeom prst="rect">
-            <a:avLst/>
-          </a:prstGeom>
-          <a:ln>
-            <a:noFill/>
-          </a:ln>
-        </p:spPr>
-        <p:style>
-          <a:lnRef idx="2">
-            <a:schemeClr val="accent1">
-              <a:shade val="50000"/>
-            </a:schemeClr>
-          </a:lnRef>
-          <a:fillRef idx="1">
-            <a:schemeClr val="accent1"/>
-          </a:fillRef>
-          <a:effectRef idx="0">
-            <a:schemeClr val="accent1"/>
-          </a:effectRef>
-          <a:fontRef idx="minor">
-            <a:schemeClr val="lt1"/>
-          </a:fontRef>
-        </p:style>
-        <p:txBody>
-          <a:bodyPr rtlCol="0" anchor="ctr"/>
-          <a:lstStyle/>
-          <a:p>
-            <a:pPr algn="ctr"/>
-            <a:endParaRPr lang="en-US"/>
-          </a:p>
-        </p:txBody>
-      </p:sp>
-      <p:sp>
-        <p:nvSpPr>
-          <p:cNvPr id="2" name="Title 1"/>
-          <p:cNvSpPr>
-            <a:spLocks noGrp="1"/>
-          </p:cNvSpPr>
-          <p:nvPr>
-            <p:ph type="title"/>
-          </p:nvPr>
-        </p:nvSpPr>
-        <p:spPr>
-          <a:xfrm>
-            <a:off x="943077" y="2467371"/>
-            <a:ext cx="3269749" cy="1917112"/>
-          </a:xfrm>
-        </p:spPr>
-        <p:txBody>
-          <a:bodyPr anchor="ctr">
-            <a:normAutofit/>
-          </a:bodyPr>
-          <a:lstStyle/>
-          <a:p>
-            <a:pPr algn="ctr"/>
-            <a:r>
-              <a:rPr lang="en-US" sz="3200" dirty="0">
-                <a:solidFill>
-                  <a:srgbClr val="FFFFFF"/>
-                </a:solidFill>
-              </a:rPr>
-              <a:t>Present the basic data?</a:t>
-            </a:r>
-            <a:endParaRPr lang="en-US" sz="1400" dirty="0">
-              <a:solidFill>
-                <a:srgbClr val="FFFFFF"/>
-              </a:solidFill>
-            </a:endParaRPr>
-          </a:p>
-        </p:txBody>
-      </p:sp>
-      <p:sp>
-        <p:nvSpPr>
-          <p:cNvPr id="3" name="Content Placeholder 2"/>
-          <p:cNvSpPr>
-            <a:spLocks noGrp="1"/>
-          </p:cNvSpPr>
-          <p:nvPr>
-            <p:ph type="body" idx="1"/>
-          </p:nvPr>
-        </p:nvSpPr>
-        <p:spPr>
-          <a:xfrm>
-            <a:off x="5155905" y="1113764"/>
-            <a:ext cx="6108179" cy="4624327"/>
-          </a:xfrm>
-        </p:spPr>
-        <p:txBody>
-          <a:bodyPr anchor="ctr">
-            <a:normAutofit/>
-          </a:bodyPr>
-          <a:lstStyle/>
-          <a:p>
-            <a:r>
-              <a:rPr lang="en-US" dirty="0"/>
-              <a:t>We could have each person jump in one at a time to explain the basic plots/graphs about their data. </a:t>
-            </a:r>
-          </a:p>
-          <a:p>
-            <a:r>
-              <a:rPr lang="en-US" dirty="0"/>
-              <a:t>Explain the roles of each person for the data exploration?</a:t>
-            </a:r>
-          </a:p>
-          <a:p>
-            <a:r>
-              <a:rPr lang="en-US" dirty="0"/>
-              <a:t>Then delve deeper with 2 minutes per person?</a:t>
-            </a:r>
-          </a:p>
-        </p:txBody>
-      </p:sp>
-      <p:sp>
-        <p:nvSpPr>
-          <p:cNvPr id="4" name="Title 1">
-            <a:extLst>
-              <a:ext uri="{FF2B5EF4-FFF2-40B4-BE49-F238E27FC236}">
-                <a16:creationId xmlns:a16="http://schemas.microsoft.com/office/drawing/2014/main" id="{6F78C5BD-FA19-F3BC-73FA-75F36732B267}"/>
-              </a:ext>
-            </a:extLst>
-          </p:cNvPr>
-          <p:cNvSpPr txBox="1">
-            <a:spLocks/>
-          </p:cNvSpPr>
-          <p:nvPr/>
-        </p:nvSpPr>
-        <p:spPr>
-          <a:xfrm>
-            <a:off x="2856216" y="5643189"/>
-            <a:ext cx="1665270" cy="729133"/>
-          </a:xfrm>
-          <a:prstGeom prst="rect">
-            <a:avLst/>
-          </a:prstGeom>
-        </p:spPr>
-        <p:txBody>
-          <a:bodyPr vert="horz" lIns="91440" tIns="45720" rIns="91440" bIns="45720" rtlCol="0" anchor="ctr">
-            <a:normAutofit/>
-          </a:bodyPr>
-          <a:lstStyle>
-            <a:lvl1pPr algn="l" defTabSz="457200" rtl="0" eaLnBrk="1" latinLnBrk="0" hangingPunct="1">
-              <a:spcBef>
-                <a:spcPct val="0"/>
-              </a:spcBef>
-              <a:buNone/>
-              <a:defRPr sz="2800" b="0" kern="1200" cap="all">
-                <a:solidFill>
-                  <a:schemeClr val="bg1"/>
-                </a:solidFill>
-                <a:latin typeface="+mj-lt"/>
-                <a:ea typeface="+mj-ea"/>
-                <a:cs typeface="+mj-cs"/>
-              </a:defRPr>
-            </a:lvl1pPr>
-            <a:lvl2pPr eaLnBrk="1" hangingPunct="1">
-              <a:defRPr>
-                <a:solidFill>
-                  <a:schemeClr val="tx2"/>
-                </a:solidFill>
-              </a:defRPr>
-            </a:lvl2pPr>
-            <a:lvl3pPr eaLnBrk="1" hangingPunct="1">
-              <a:defRPr>
-                <a:solidFill>
-                  <a:schemeClr val="tx2"/>
-                </a:solidFill>
-              </a:defRPr>
-            </a:lvl3pPr>
-            <a:lvl4pPr eaLnBrk="1" hangingPunct="1">
-              <a:defRPr>
-                <a:solidFill>
-                  <a:schemeClr val="tx2"/>
-                </a:solidFill>
-              </a:defRPr>
-            </a:lvl4pPr>
-            <a:lvl5pPr eaLnBrk="1" hangingPunct="1">
-              <a:defRPr>
-                <a:solidFill>
-                  <a:schemeClr val="tx2"/>
-                </a:solidFill>
-              </a:defRPr>
-            </a:lvl5pPr>
-            <a:lvl6pPr eaLnBrk="1" hangingPunct="1">
-              <a:defRPr>
-                <a:solidFill>
-                  <a:schemeClr val="tx2"/>
-                </a:solidFill>
-              </a:defRPr>
-            </a:lvl6pPr>
-            <a:lvl7pPr eaLnBrk="1" hangingPunct="1">
-              <a:defRPr>
-                <a:solidFill>
-                  <a:schemeClr val="tx2"/>
-                </a:solidFill>
-              </a:defRPr>
-            </a:lvl7pPr>
-            <a:lvl8pPr eaLnBrk="1" hangingPunct="1">
-              <a:defRPr>
-                <a:solidFill>
-                  <a:schemeClr val="tx2"/>
-                </a:solidFill>
-              </a:defRPr>
-            </a:lvl8pPr>
-            <a:lvl9pPr eaLnBrk="1" hangingPunct="1">
-              <a:defRPr>
-                <a:solidFill>
-                  <a:schemeClr val="tx2"/>
-                </a:solidFill>
-              </a:defRPr>
-            </a:lvl9pPr>
-          </a:lstStyle>
-          <a:p>
-            <a:pPr algn="ctr"/>
-            <a:r>
-              <a:rPr lang="en-US" sz="1600" dirty="0">
-                <a:solidFill>
-                  <a:srgbClr val="FFFFFF"/>
-                </a:solidFill>
-              </a:rPr>
-              <a:t>-Chris</a:t>
-            </a:r>
-          </a:p>
-        </p:txBody>
-      </p:sp>
-    </p:spTree>
-    <p:extLst>
-      <p:ext uri="{BB962C8B-B14F-4D97-AF65-F5344CB8AC3E}">
-        <p14:creationId xmlns:p14="http://schemas.microsoft.com/office/powerpoint/2010/main" val="3624028729"/>
-      </p:ext>
-    </p:extLst>
-  </p:cSld>
-  <p:clrMapOvr>
-    <a:masterClrMapping/>
-  </p:clrMapOvr>
-</p:sld>
-</file>
-
-<file path=ppt/slides/slide5.xml><?xml version="1.0" encoding="utf-8"?>
-<p:sld xmlns:a="http://schemas.openxmlformats.org/drawingml/2006/main" xmlns:r="http://schemas.openxmlformats.org/officeDocument/2006/relationships" xmlns:p="http://schemas.openxmlformats.org/presentationml/2006/main">
-  <p:cSld>
-    <p:bg>
-      <p:bgPr>
-        <a:solidFill>
-          <a:schemeClr val="bg1"/>
-        </a:solidFill>
-        <a:effectLst/>
-      </p:bgPr>
-    </p:bg>
-    <p:spTree>
-      <p:nvGrpSpPr>
-        <p:cNvPr id="1" name=""/>
-        <p:cNvGrpSpPr/>
-        <p:nvPr/>
-      </p:nvGrpSpPr>
-      <p:grpSpPr>
-        <a:xfrm>
-          <a:off x="0" y="0"/>
-          <a:ext cx="0" cy="0"/>
-          <a:chOff x="0" y="0"/>
-          <a:chExt cx="0" cy="0"/>
-        </a:xfrm>
-      </p:grpSpPr>
-      <p:sp useBgFill="1">
-        <p:nvSpPr>
-          <p:cNvPr id="9" name="Rectangle 8">
-            <a:extLst>
-              <a:ext uri="{FF2B5EF4-FFF2-40B4-BE49-F238E27FC236}">
-                <a16:creationId xmlns:a16="http://schemas.microsoft.com/office/drawing/2014/main" id="{B373F125-DEF3-41D6-9918-AB21A2ACC37A}"/>
-              </a:ext>
-              <a:ext uri="{C183D7F6-B498-43B3-948B-1728B52AA6E4}">
-                <adec:decorative xmlns:adec="http://schemas.microsoft.com/office/drawing/2017/decorative" val="1"/>
-              </a:ext>
-            </a:extLst>
-          </p:cNvPr>
-          <p:cNvSpPr>
-            <a:spLocks noGrp="1" noRot="1" noChangeAspect="1" noMove="1" noResize="1" noEditPoints="1" noAdjustHandles="1" noChangeArrowheads="1" noChangeShapeType="1" noTextEdit="1"/>
-          </p:cNvSpPr>
-          <p:nvPr>
-            <p:extLst>
-              <p:ext uri="{386F3935-93C4-4BCD-93E2-E3B085C9AB24}">
-                <p16:designElem xmlns:p16="http://schemas.microsoft.com/office/powerpoint/2015/main" val="1"/>
-              </p:ext>
-            </p:extLst>
-          </p:nvPr>
-        </p:nvSpPr>
-        <p:spPr>
-          <a:xfrm>
-            <a:off x="0" y="0"/>
-            <a:ext cx="12192000" cy="6858000"/>
-          </a:xfrm>
-          <a:prstGeom prst="rect">
-            <a:avLst/>
-          </a:prstGeom>
-          <a:ln>
-            <a:noFill/>
-          </a:ln>
-        </p:spPr>
-        <p:style>
-          <a:lnRef idx="2">
-            <a:schemeClr val="accent1">
-              <a:shade val="50000"/>
-            </a:schemeClr>
-          </a:lnRef>
-          <a:fillRef idx="1">
-            <a:schemeClr val="accent1"/>
-          </a:fillRef>
-          <a:effectRef idx="0">
-            <a:schemeClr val="accent1"/>
-          </a:effectRef>
-          <a:fontRef idx="minor">
-            <a:schemeClr val="lt1"/>
-          </a:fontRef>
-        </p:style>
-        <p:txBody>
-          <a:bodyPr rtlCol="0" anchor="ctr"/>
-          <a:lstStyle/>
-          <a:p>
-            <a:pPr algn="ctr"/>
-            <a:endParaRPr lang="en-US"/>
-          </a:p>
-        </p:txBody>
-      </p:sp>
-      <p:sp>
-        <p:nvSpPr>
-          <p:cNvPr id="11" name="Rectangle 10">
-            <a:extLst>
-              <a:ext uri="{FF2B5EF4-FFF2-40B4-BE49-F238E27FC236}">
-                <a16:creationId xmlns:a16="http://schemas.microsoft.com/office/drawing/2014/main" id="{71E9F226-EB6E-48C9-ADDA-636DE4BF4EBE}"/>
-              </a:ext>
-              <a:ext uri="{C183D7F6-B498-43B3-948B-1728B52AA6E4}">
-                <adec:decorative xmlns:adec="http://schemas.microsoft.com/office/drawing/2017/decorative" val="1"/>
-              </a:ext>
-            </a:extLst>
-          </p:cNvPr>
-          <p:cNvSpPr>
-            <a:spLocks noGrp="1" noRot="1" noChangeAspect="1" noMove="1" noResize="1" noEditPoints="1" noAdjustHandles="1" noChangeArrowheads="1" noChangeShapeType="1" noTextEdit="1"/>
-          </p:cNvSpPr>
-          <p:nvPr>
-            <p:extLst>
-              <p:ext uri="{386F3935-93C4-4BCD-93E2-E3B085C9AB24}">
-                <p16:designElem xmlns:p16="http://schemas.microsoft.com/office/powerpoint/2015/main" val="1"/>
-              </p:ext>
-            </p:extLst>
-          </p:nvPr>
-        </p:nvSpPr>
-        <p:spPr>
-          <a:xfrm>
-            <a:off x="490581" y="485678"/>
-            <a:ext cx="4174743" cy="5888772"/>
-          </a:xfrm>
-          <a:prstGeom prst="rect">
-            <a:avLst/>
-          </a:prstGeom>
-          <a:ln>
-            <a:noFill/>
-          </a:ln>
-        </p:spPr>
-        <p:style>
-          <a:lnRef idx="2">
-            <a:schemeClr val="accent1">
-              <a:shade val="50000"/>
-            </a:schemeClr>
-          </a:lnRef>
-          <a:fillRef idx="1">
-            <a:schemeClr val="accent1"/>
-          </a:fillRef>
-          <a:effectRef idx="0">
-            <a:schemeClr val="accent1"/>
-          </a:effectRef>
-          <a:fontRef idx="minor">
-            <a:schemeClr val="lt1"/>
-          </a:fontRef>
-        </p:style>
-        <p:txBody>
-          <a:bodyPr rtlCol="0" anchor="ctr"/>
-          <a:lstStyle/>
-          <a:p>
-            <a:pPr algn="ctr"/>
-            <a:endParaRPr lang="en-US"/>
-          </a:p>
-        </p:txBody>
-      </p:sp>
-      <p:sp>
-        <p:nvSpPr>
-          <p:cNvPr id="2" name="Title 1"/>
-          <p:cNvSpPr>
-            <a:spLocks noGrp="1"/>
-          </p:cNvSpPr>
-          <p:nvPr>
-            <p:ph type="title"/>
-          </p:nvPr>
-        </p:nvSpPr>
-        <p:spPr>
-          <a:xfrm>
-            <a:off x="943077" y="2467371"/>
-            <a:ext cx="3269749" cy="1917112"/>
-          </a:xfrm>
-        </p:spPr>
-        <p:txBody>
-          <a:bodyPr anchor="ctr">
-            <a:normAutofit/>
-          </a:bodyPr>
-          <a:lstStyle/>
-          <a:p>
-            <a:pPr algn="ctr"/>
-            <a:r>
-              <a:rPr lang="en-US" sz="3200" dirty="0">
-                <a:solidFill>
-                  <a:srgbClr val="FFFFFF"/>
-                </a:solidFill>
-              </a:rPr>
-              <a:t>Exploring financial data</a:t>
-            </a:r>
-            <a:endParaRPr lang="en-US" sz="1400" dirty="0">
-              <a:solidFill>
-                <a:srgbClr val="FFFFFF"/>
-              </a:solidFill>
-            </a:endParaRPr>
-          </a:p>
-        </p:txBody>
-      </p:sp>
-      <p:sp>
-        <p:nvSpPr>
-          <p:cNvPr id="3" name="Content Placeholder 2"/>
-          <p:cNvSpPr>
-            <a:spLocks noGrp="1"/>
-          </p:cNvSpPr>
-          <p:nvPr>
-            <p:ph type="body" idx="1"/>
-          </p:nvPr>
-        </p:nvSpPr>
-        <p:spPr>
-          <a:xfrm>
-            <a:off x="5155905" y="1113764"/>
-            <a:ext cx="6108179" cy="4624327"/>
-          </a:xfrm>
-        </p:spPr>
-        <p:txBody>
-          <a:bodyPr anchor="ctr">
-            <a:normAutofit/>
-          </a:bodyPr>
-          <a:lstStyle/>
-          <a:p>
-            <a:r>
-              <a:rPr lang="en-US" dirty="0"/>
-              <a:t>3 quick overview points about direction and questions</a:t>
-            </a:r>
-          </a:p>
-          <a:p>
-            <a:r>
-              <a:rPr lang="en-US" dirty="0"/>
-              <a:t>2</a:t>
-            </a:r>
-          </a:p>
-          <a:p>
-            <a:r>
-              <a:rPr lang="en-US" dirty="0"/>
-              <a:t>3</a:t>
-            </a:r>
-          </a:p>
-          <a:p>
-            <a:endParaRPr lang="en-US" dirty="0"/>
-          </a:p>
-          <a:p>
-            <a:endParaRPr lang="en-US" dirty="0"/>
-          </a:p>
-        </p:txBody>
-      </p:sp>
-      <p:sp>
-        <p:nvSpPr>
-          <p:cNvPr id="4" name="Title 1">
-            <a:extLst>
-              <a:ext uri="{FF2B5EF4-FFF2-40B4-BE49-F238E27FC236}">
-                <a16:creationId xmlns:a16="http://schemas.microsoft.com/office/drawing/2014/main" id="{6F78C5BD-FA19-F3BC-73FA-75F36732B267}"/>
-              </a:ext>
-            </a:extLst>
-          </p:cNvPr>
-          <p:cNvSpPr txBox="1">
-            <a:spLocks/>
-          </p:cNvSpPr>
-          <p:nvPr/>
-        </p:nvSpPr>
-        <p:spPr>
-          <a:xfrm>
-            <a:off x="2856216" y="5643189"/>
-            <a:ext cx="1665270" cy="729133"/>
-          </a:xfrm>
-          <a:prstGeom prst="rect">
-            <a:avLst/>
-          </a:prstGeom>
-        </p:spPr>
-        <p:txBody>
-          <a:bodyPr vert="horz" lIns="91440" tIns="45720" rIns="91440" bIns="45720" rtlCol="0" anchor="ctr">
-            <a:normAutofit/>
-          </a:bodyPr>
-          <a:lstStyle>
-            <a:lvl1pPr algn="l" defTabSz="457200" rtl="0" eaLnBrk="1" latinLnBrk="0" hangingPunct="1">
-              <a:spcBef>
-                <a:spcPct val="0"/>
-              </a:spcBef>
-              <a:buNone/>
-              <a:defRPr sz="2800" b="0" kern="1200" cap="all">
-                <a:solidFill>
-                  <a:schemeClr val="bg1"/>
-                </a:solidFill>
-                <a:latin typeface="+mj-lt"/>
-                <a:ea typeface="+mj-ea"/>
-                <a:cs typeface="+mj-cs"/>
-              </a:defRPr>
-            </a:lvl1pPr>
-            <a:lvl2pPr eaLnBrk="1" hangingPunct="1">
-              <a:defRPr>
-                <a:solidFill>
-                  <a:schemeClr val="tx2"/>
-                </a:solidFill>
-              </a:defRPr>
-            </a:lvl2pPr>
-            <a:lvl3pPr eaLnBrk="1" hangingPunct="1">
-              <a:defRPr>
-                <a:solidFill>
-                  <a:schemeClr val="tx2"/>
-                </a:solidFill>
-              </a:defRPr>
-            </a:lvl3pPr>
-            <a:lvl4pPr eaLnBrk="1" hangingPunct="1">
-              <a:defRPr>
-                <a:solidFill>
-                  <a:schemeClr val="tx2"/>
-                </a:solidFill>
-              </a:defRPr>
-            </a:lvl4pPr>
-            <a:lvl5pPr eaLnBrk="1" hangingPunct="1">
-              <a:defRPr>
-                <a:solidFill>
-                  <a:schemeClr val="tx2"/>
-                </a:solidFill>
-              </a:defRPr>
-            </a:lvl5pPr>
-            <a:lvl6pPr eaLnBrk="1" hangingPunct="1">
-              <a:defRPr>
-                <a:solidFill>
-                  <a:schemeClr val="tx2"/>
-                </a:solidFill>
-              </a:defRPr>
-            </a:lvl6pPr>
-            <a:lvl7pPr eaLnBrk="1" hangingPunct="1">
-              <a:defRPr>
-                <a:solidFill>
-                  <a:schemeClr val="tx2"/>
-                </a:solidFill>
-              </a:defRPr>
-            </a:lvl7pPr>
-            <a:lvl8pPr eaLnBrk="1" hangingPunct="1">
-              <a:defRPr>
-                <a:solidFill>
-                  <a:schemeClr val="tx2"/>
-                </a:solidFill>
-              </a:defRPr>
-            </a:lvl8pPr>
-            <a:lvl9pPr eaLnBrk="1" hangingPunct="1">
-              <a:defRPr>
-                <a:solidFill>
-                  <a:schemeClr val="tx2"/>
-                </a:solidFill>
-              </a:defRPr>
-            </a:lvl9pPr>
-          </a:lstStyle>
-          <a:p>
-            <a:pPr algn="ctr"/>
-            <a:r>
-              <a:rPr lang="en-US" sz="1600" dirty="0">
-                <a:solidFill>
-                  <a:srgbClr val="FFFFFF"/>
-                </a:solidFill>
-              </a:rPr>
-              <a:t>-Jack</a:t>
-            </a:r>
-          </a:p>
-        </p:txBody>
-      </p:sp>
-    </p:spTree>
-    <p:extLst>
-      <p:ext uri="{BB962C8B-B14F-4D97-AF65-F5344CB8AC3E}">
-        <p14:creationId xmlns:p14="http://schemas.microsoft.com/office/powerpoint/2010/main" val="4191233258"/>
-      </p:ext>
-    </p:extLst>
-  </p:cSld>
-  <p:clrMapOvr>
-    <a:masterClrMapping/>
-  </p:clrMapOvr>
-</p:sld>
-</file>
-
-<file path=ppt/slides/slide6.xml><?xml version="1.0" encoding="utf-8"?>
-<p:sld xmlns:a="http://schemas.openxmlformats.org/drawingml/2006/main" xmlns:r="http://schemas.openxmlformats.org/officeDocument/2006/relationships" xmlns:p="http://schemas.openxmlformats.org/presentationml/2006/main">
-  <p:cSld>
-    <p:spTree>
-      <p:nvGrpSpPr>
-        <p:cNvPr id="1" name=""/>
-        <p:cNvGrpSpPr/>
-        <p:nvPr/>
-      </p:nvGrpSpPr>
-      <p:grpSpPr>
-        <a:xfrm>
-          <a:off x="0" y="0"/>
-          <a:ext cx="0" cy="0"/>
-          <a:chOff x="0" y="0"/>
-          <a:chExt cx="0" cy="0"/>
-        </a:xfrm>
-      </p:grpSpPr>
-      <p:sp>
-        <p:nvSpPr>
-          <p:cNvPr id="2" name="Title 1">
-            <a:extLst>
-              <a:ext uri="{FF2B5EF4-FFF2-40B4-BE49-F238E27FC236}">
-                <a16:creationId xmlns:a16="http://schemas.microsoft.com/office/drawing/2014/main" id="{3D7B3BD4-ECBA-DED0-C9B9-A577AF386EB5}"/>
-              </a:ext>
-            </a:extLst>
-          </p:cNvPr>
-          <p:cNvSpPr>
-            <a:spLocks noGrp="1"/>
-          </p:cNvSpPr>
-          <p:nvPr>
-            <p:ph type="title"/>
-          </p:nvPr>
-        </p:nvSpPr>
-        <p:spPr/>
-        <p:txBody>
-          <a:bodyPr/>
-          <a:lstStyle/>
-          <a:p>
-            <a:r>
-              <a:rPr lang="en-US" dirty="0"/>
-              <a:t>Budget vs revenue or whatever slide 1</a:t>
-            </a:r>
-          </a:p>
-        </p:txBody>
-      </p:sp>
-      <p:sp>
-        <p:nvSpPr>
-          <p:cNvPr id="3" name="Content Placeholder 2">
-            <a:extLst>
-              <a:ext uri="{FF2B5EF4-FFF2-40B4-BE49-F238E27FC236}">
-                <a16:creationId xmlns:a16="http://schemas.microsoft.com/office/drawing/2014/main" id="{F95E2A37-E369-BD1A-E50B-B049F9C4C2CC}"/>
-              </a:ext>
-            </a:extLst>
-          </p:cNvPr>
-          <p:cNvSpPr>
-            <a:spLocks noGrp="1"/>
-          </p:cNvSpPr>
-          <p:nvPr>
-            <p:ph idx="1"/>
-          </p:nvPr>
-        </p:nvSpPr>
-        <p:spPr>
-          <a:xfrm>
-            <a:off x="581193" y="2180496"/>
-            <a:ext cx="4067008" cy="3678303"/>
-          </a:xfrm>
-        </p:spPr>
-        <p:txBody>
-          <a:bodyPr/>
-          <a:lstStyle/>
-          <a:p>
-            <a:r>
-              <a:rPr lang="en-US" dirty="0"/>
-              <a:t>Screengrabs from labeled plots</a:t>
-            </a:r>
-          </a:p>
-          <a:p>
-            <a:r>
-              <a:rPr lang="en-US" dirty="0"/>
-              <a:t>2 short summary points – quick and easy to read with explanation</a:t>
-            </a:r>
-          </a:p>
-        </p:txBody>
-      </p:sp>
-      <p:sp>
-        <p:nvSpPr>
-          <p:cNvPr id="4" name="Rectangle 3">
-            <a:extLst>
-              <a:ext uri="{FF2B5EF4-FFF2-40B4-BE49-F238E27FC236}">
-                <a16:creationId xmlns:a16="http://schemas.microsoft.com/office/drawing/2014/main" id="{F1016C3E-913B-FD80-80AD-1BB04C427B36}"/>
-              </a:ext>
-            </a:extLst>
-          </p:cNvPr>
-          <p:cNvSpPr/>
-          <p:nvPr/>
-        </p:nvSpPr>
-        <p:spPr>
-          <a:xfrm>
-            <a:off x="5308600" y="2336800"/>
-            <a:ext cx="6045200" cy="3238500"/>
-          </a:xfrm>
-          <a:prstGeom prst="rect">
-            <a:avLst/>
-          </a:prstGeom>
-        </p:spPr>
-        <p:style>
-          <a:lnRef idx="2">
-            <a:schemeClr val="accent1">
-              <a:shade val="15000"/>
-            </a:schemeClr>
-          </a:lnRef>
-          <a:fillRef idx="1">
-            <a:schemeClr val="accent1"/>
-          </a:fillRef>
-          <a:effectRef idx="0">
-            <a:schemeClr val="accent1"/>
-          </a:effectRef>
-          <a:fontRef idx="minor">
-            <a:schemeClr val="lt1"/>
-          </a:fontRef>
-        </p:style>
-        <p:txBody>
-          <a:bodyPr rtlCol="0" anchor="ctr"/>
-          <a:lstStyle/>
-          <a:p>
-            <a:pPr algn="ctr"/>
-            <a:endParaRPr lang="en-US"/>
-          </a:p>
-        </p:txBody>
-      </p:sp>
-    </p:spTree>
-    <p:extLst>
-      <p:ext uri="{BB962C8B-B14F-4D97-AF65-F5344CB8AC3E}">
-        <p14:creationId xmlns:p14="http://schemas.microsoft.com/office/powerpoint/2010/main" val="2357912295"/>
-      </p:ext>
-    </p:extLst>
-  </p:cSld>
-  <p:clrMapOvr>
-    <a:masterClrMapping/>
-  </p:clrMapOvr>
-</p:sld>
-</file>
-
-<file path=ppt/slides/slide7.xml><?xml version="1.0" encoding="utf-8"?>
-<p:sld xmlns:a="http://schemas.openxmlformats.org/drawingml/2006/main" xmlns:r="http://schemas.openxmlformats.org/officeDocument/2006/relationships" xmlns:p="http://schemas.openxmlformats.org/presentationml/2006/main">
-  <p:cSld>
-    <p:spTree>
-      <p:nvGrpSpPr>
-        <p:cNvPr id="1" name=""/>
-        <p:cNvGrpSpPr/>
-        <p:nvPr/>
-      </p:nvGrpSpPr>
-      <p:grpSpPr>
-        <a:xfrm>
-          <a:off x="0" y="0"/>
-          <a:ext cx="0" cy="0"/>
-          <a:chOff x="0" y="0"/>
-          <a:chExt cx="0" cy="0"/>
-        </a:xfrm>
-      </p:grpSpPr>
-      <p:sp>
-        <p:nvSpPr>
-          <p:cNvPr id="2" name="Title 1">
-            <a:extLst>
-              <a:ext uri="{FF2B5EF4-FFF2-40B4-BE49-F238E27FC236}">
-                <a16:creationId xmlns:a16="http://schemas.microsoft.com/office/drawing/2014/main" id="{3D7B3BD4-ECBA-DED0-C9B9-A577AF386EB5}"/>
-              </a:ext>
-            </a:extLst>
-          </p:cNvPr>
-          <p:cNvSpPr>
-            <a:spLocks noGrp="1"/>
-          </p:cNvSpPr>
-          <p:nvPr>
-            <p:ph type="title"/>
-          </p:nvPr>
-        </p:nvSpPr>
-        <p:spPr/>
-        <p:txBody>
-          <a:bodyPr/>
-          <a:lstStyle/>
-          <a:p>
-            <a:r>
-              <a:rPr lang="en-US" dirty="0"/>
-              <a:t>Budget vs revenue or whatever slide 2</a:t>
-            </a:r>
-          </a:p>
-        </p:txBody>
-      </p:sp>
-      <p:sp>
-        <p:nvSpPr>
-          <p:cNvPr id="3" name="Content Placeholder 2">
-            <a:extLst>
-              <a:ext uri="{FF2B5EF4-FFF2-40B4-BE49-F238E27FC236}">
-                <a16:creationId xmlns:a16="http://schemas.microsoft.com/office/drawing/2014/main" id="{F95E2A37-E369-BD1A-E50B-B049F9C4C2CC}"/>
-              </a:ext>
-            </a:extLst>
-          </p:cNvPr>
-          <p:cNvSpPr>
-            <a:spLocks noGrp="1"/>
-          </p:cNvSpPr>
-          <p:nvPr>
-            <p:ph idx="1"/>
-          </p:nvPr>
-        </p:nvSpPr>
-        <p:spPr>
-          <a:xfrm>
-            <a:off x="581193" y="2180496"/>
-            <a:ext cx="4067008" cy="3678303"/>
-          </a:xfrm>
-        </p:spPr>
-        <p:txBody>
-          <a:bodyPr/>
-          <a:lstStyle/>
-          <a:p>
-            <a:r>
-              <a:rPr lang="en-US" dirty="0"/>
-              <a:t>Screengrabs from labeled plots</a:t>
-            </a:r>
-          </a:p>
-          <a:p>
-            <a:r>
-              <a:rPr lang="en-US" dirty="0"/>
-              <a:t>2 short summary points – quick and easy to read with explanation</a:t>
-            </a:r>
-          </a:p>
-        </p:txBody>
-      </p:sp>
-    </p:spTree>
-    <p:extLst>
-      <p:ext uri="{BB962C8B-B14F-4D97-AF65-F5344CB8AC3E}">
-        <p14:creationId xmlns:p14="http://schemas.microsoft.com/office/powerpoint/2010/main" val="695019442"/>
-      </p:ext>
-    </p:extLst>
-  </p:cSld>
-  <p:clrMapOvr>
-    <a:masterClrMapping/>
-  </p:clrMapOvr>
-</p:sld>
-</file>
-
-<file path=ppt/slides/slide8.xml><?xml version="1.0" encoding="utf-8"?>
-<p:sld xmlns:a="http://schemas.openxmlformats.org/drawingml/2006/main" xmlns:r="http://schemas.openxmlformats.org/officeDocument/2006/relationships" xmlns:p="http://schemas.openxmlformats.org/presentationml/2006/main">
-  <p:cSld>
-    <p:bg>
-      <p:bgPr>
-        <a:solidFill>
-          <a:schemeClr val="bg1"/>
-        </a:solidFill>
-        <a:effectLst/>
-      </p:bgPr>
-    </p:bg>
-    <p:spTree>
-      <p:nvGrpSpPr>
-        <p:cNvPr id="1" name=""/>
-        <p:cNvGrpSpPr/>
-        <p:nvPr/>
-      </p:nvGrpSpPr>
-      <p:grpSpPr>
-        <a:xfrm>
-          <a:off x="0" y="0"/>
-          <a:ext cx="0" cy="0"/>
-          <a:chOff x="0" y="0"/>
-          <a:chExt cx="0" cy="0"/>
-        </a:xfrm>
-      </p:grpSpPr>
-      <p:sp useBgFill="1">
-        <p:nvSpPr>
-          <p:cNvPr id="9" name="Rectangle 8">
-            <a:extLst>
-              <a:ext uri="{FF2B5EF4-FFF2-40B4-BE49-F238E27FC236}">
-                <a16:creationId xmlns:a16="http://schemas.microsoft.com/office/drawing/2014/main" id="{B373F125-DEF3-41D6-9918-AB21A2ACC37A}"/>
-              </a:ext>
-              <a:ext uri="{C183D7F6-B498-43B3-948B-1728B52AA6E4}">
-                <adec:decorative xmlns:adec="http://schemas.microsoft.com/office/drawing/2017/decorative" val="1"/>
-              </a:ext>
-            </a:extLst>
-          </p:cNvPr>
-          <p:cNvSpPr>
-            <a:spLocks noGrp="1" noRot="1" noChangeAspect="1" noMove="1" noResize="1" noEditPoints="1" noAdjustHandles="1" noChangeArrowheads="1" noChangeShapeType="1" noTextEdit="1"/>
-          </p:cNvSpPr>
-          <p:nvPr>
-            <p:extLst>
-              <p:ext uri="{386F3935-93C4-4BCD-93E2-E3B085C9AB24}">
-                <p16:designElem xmlns:p16="http://schemas.microsoft.com/office/powerpoint/2015/main" val="1"/>
-              </p:ext>
-            </p:extLst>
-          </p:nvPr>
-        </p:nvSpPr>
-        <p:spPr>
-          <a:xfrm>
-            <a:off x="0" y="0"/>
-            <a:ext cx="12192000" cy="6858000"/>
-          </a:xfrm>
-          <a:prstGeom prst="rect">
-            <a:avLst/>
-          </a:prstGeom>
-          <a:ln>
-            <a:noFill/>
-          </a:ln>
-        </p:spPr>
-        <p:style>
-          <a:lnRef idx="2">
-            <a:schemeClr val="accent1">
-              <a:shade val="50000"/>
-            </a:schemeClr>
-          </a:lnRef>
-          <a:fillRef idx="1">
-            <a:schemeClr val="accent1"/>
-          </a:fillRef>
-          <a:effectRef idx="0">
-            <a:schemeClr val="accent1"/>
-          </a:effectRef>
-          <a:fontRef idx="minor">
-            <a:schemeClr val="lt1"/>
-          </a:fontRef>
-        </p:style>
-        <p:txBody>
-          <a:bodyPr rtlCol="0" anchor="ctr"/>
-          <a:lstStyle/>
-          <a:p>
-            <a:pPr algn="ctr"/>
-            <a:endParaRPr lang="en-US"/>
-          </a:p>
-        </p:txBody>
-      </p:sp>
-      <p:sp>
-        <p:nvSpPr>
-          <p:cNvPr id="11" name="Rectangle 10">
-            <a:extLst>
-              <a:ext uri="{FF2B5EF4-FFF2-40B4-BE49-F238E27FC236}">
-                <a16:creationId xmlns:a16="http://schemas.microsoft.com/office/drawing/2014/main" id="{71E9F226-EB6E-48C9-ADDA-636DE4BF4EBE}"/>
-              </a:ext>
-              <a:ext uri="{C183D7F6-B498-43B3-948B-1728B52AA6E4}">
-                <adec:decorative xmlns:adec="http://schemas.microsoft.com/office/drawing/2017/decorative" val="1"/>
-              </a:ext>
-            </a:extLst>
-          </p:cNvPr>
-          <p:cNvSpPr>
-            <a:spLocks noGrp="1" noRot="1" noChangeAspect="1" noMove="1" noResize="1" noEditPoints="1" noAdjustHandles="1" noChangeArrowheads="1" noChangeShapeType="1" noTextEdit="1"/>
-          </p:cNvSpPr>
-          <p:nvPr>
-            <p:extLst>
-              <p:ext uri="{386F3935-93C4-4BCD-93E2-E3B085C9AB24}">
-                <p16:designElem xmlns:p16="http://schemas.microsoft.com/office/powerpoint/2015/main" val="1"/>
-              </p:ext>
-            </p:extLst>
-          </p:nvPr>
-        </p:nvSpPr>
-        <p:spPr>
-          <a:xfrm>
-            <a:off x="490581" y="485678"/>
-            <a:ext cx="4174743" cy="5888772"/>
-          </a:xfrm>
-          <a:prstGeom prst="rect">
-            <a:avLst/>
-          </a:prstGeom>
-          <a:ln>
-            <a:noFill/>
-          </a:ln>
-        </p:spPr>
-        <p:style>
-          <a:lnRef idx="2">
-            <a:schemeClr val="accent1">
-              <a:shade val="50000"/>
-            </a:schemeClr>
-          </a:lnRef>
-          <a:fillRef idx="1">
-            <a:schemeClr val="accent1"/>
-          </a:fillRef>
-          <a:effectRef idx="0">
-            <a:schemeClr val="accent1"/>
-          </a:effectRef>
-          <a:fontRef idx="minor">
-            <a:schemeClr val="lt1"/>
-          </a:fontRef>
-        </p:style>
-        <p:txBody>
-          <a:bodyPr rtlCol="0" anchor="ctr"/>
-          <a:lstStyle/>
-          <a:p>
-            <a:pPr algn="ctr"/>
-            <a:endParaRPr lang="en-US"/>
-          </a:p>
-        </p:txBody>
-      </p:sp>
-      <p:sp>
-        <p:nvSpPr>
-          <p:cNvPr id="2" name="Title 1"/>
-          <p:cNvSpPr>
-            <a:spLocks noGrp="1"/>
-          </p:cNvSpPr>
-          <p:nvPr>
-            <p:ph type="title"/>
-          </p:nvPr>
-        </p:nvSpPr>
-        <p:spPr>
-          <a:xfrm>
-            <a:off x="943077" y="2467371"/>
-            <a:ext cx="3269749" cy="1917112"/>
-          </a:xfrm>
-        </p:spPr>
-        <p:txBody>
-          <a:bodyPr anchor="ctr">
-            <a:normAutofit/>
-          </a:bodyPr>
-          <a:lstStyle/>
-          <a:p>
-            <a:pPr algn="ctr"/>
-            <a:r>
-              <a:rPr lang="en-US" sz="3200" dirty="0">
-                <a:solidFill>
-                  <a:srgbClr val="FFFFFF"/>
-                </a:solidFill>
-              </a:rPr>
-              <a:t>Exploring ratings data</a:t>
-            </a:r>
-            <a:endParaRPr lang="en-US" sz="1400" dirty="0">
-              <a:solidFill>
-                <a:srgbClr val="FFFFFF"/>
-              </a:solidFill>
-            </a:endParaRPr>
-          </a:p>
-        </p:txBody>
-      </p:sp>
-      <p:sp>
-        <p:nvSpPr>
-          <p:cNvPr id="3" name="Content Placeholder 2"/>
-          <p:cNvSpPr>
-            <a:spLocks noGrp="1"/>
-          </p:cNvSpPr>
-          <p:nvPr>
-            <p:ph type="body" idx="1"/>
-          </p:nvPr>
-        </p:nvSpPr>
-        <p:spPr>
-          <a:xfrm>
-            <a:off x="5155905" y="1113764"/>
-            <a:ext cx="6108179" cy="4624327"/>
-          </a:xfrm>
-        </p:spPr>
-        <p:txBody>
-          <a:bodyPr anchor="ctr">
-            <a:normAutofit/>
-          </a:bodyPr>
-          <a:lstStyle/>
-          <a:p>
-            <a:r>
-              <a:rPr lang="en-US" dirty="0"/>
-              <a:t>3 quick overview points about direction and questions</a:t>
-            </a:r>
-          </a:p>
-          <a:p>
-            <a:r>
-              <a:rPr lang="en-US" dirty="0"/>
-              <a:t>2</a:t>
-            </a:r>
-          </a:p>
-          <a:p>
-            <a:r>
-              <a:rPr lang="en-US" dirty="0"/>
-              <a:t>3</a:t>
-            </a:r>
-          </a:p>
-        </p:txBody>
-      </p:sp>
-      <p:sp>
-        <p:nvSpPr>
-          <p:cNvPr id="4" name="Title 1">
-            <a:extLst>
-              <a:ext uri="{FF2B5EF4-FFF2-40B4-BE49-F238E27FC236}">
-                <a16:creationId xmlns:a16="http://schemas.microsoft.com/office/drawing/2014/main" id="{6F78C5BD-FA19-F3BC-73FA-75F36732B267}"/>
-              </a:ext>
-            </a:extLst>
-          </p:cNvPr>
-          <p:cNvSpPr txBox="1">
-            <a:spLocks/>
-          </p:cNvSpPr>
-          <p:nvPr/>
-        </p:nvSpPr>
-        <p:spPr>
-          <a:xfrm>
-            <a:off x="2856216" y="5643189"/>
-            <a:ext cx="1665270" cy="729133"/>
-          </a:xfrm>
-          <a:prstGeom prst="rect">
-            <a:avLst/>
-          </a:prstGeom>
-        </p:spPr>
-        <p:txBody>
-          <a:bodyPr vert="horz" lIns="91440" tIns="45720" rIns="91440" bIns="45720" rtlCol="0" anchor="ctr">
-            <a:normAutofit/>
-          </a:bodyPr>
-          <a:lstStyle>
-            <a:lvl1pPr algn="l" defTabSz="457200" rtl="0" eaLnBrk="1" latinLnBrk="0" hangingPunct="1">
-              <a:spcBef>
-                <a:spcPct val="0"/>
-              </a:spcBef>
-              <a:buNone/>
-              <a:defRPr sz="2800" b="0" kern="1200" cap="all">
-                <a:solidFill>
-                  <a:schemeClr val="bg1"/>
-                </a:solidFill>
-                <a:latin typeface="+mj-lt"/>
-                <a:ea typeface="+mj-ea"/>
-                <a:cs typeface="+mj-cs"/>
-              </a:defRPr>
-            </a:lvl1pPr>
-            <a:lvl2pPr eaLnBrk="1" hangingPunct="1">
-              <a:defRPr>
-                <a:solidFill>
-                  <a:schemeClr val="tx2"/>
-                </a:solidFill>
-              </a:defRPr>
-            </a:lvl2pPr>
-            <a:lvl3pPr eaLnBrk="1" hangingPunct="1">
-              <a:defRPr>
-                <a:solidFill>
-                  <a:schemeClr val="tx2"/>
-                </a:solidFill>
-              </a:defRPr>
-            </a:lvl3pPr>
-            <a:lvl4pPr eaLnBrk="1" hangingPunct="1">
-              <a:defRPr>
-                <a:solidFill>
-                  <a:schemeClr val="tx2"/>
-                </a:solidFill>
-              </a:defRPr>
-            </a:lvl4pPr>
-            <a:lvl5pPr eaLnBrk="1" hangingPunct="1">
-              <a:defRPr>
-                <a:solidFill>
-                  <a:schemeClr val="tx2"/>
-                </a:solidFill>
-              </a:defRPr>
-            </a:lvl5pPr>
-            <a:lvl6pPr eaLnBrk="1" hangingPunct="1">
-              <a:defRPr>
-                <a:solidFill>
-                  <a:schemeClr val="tx2"/>
-                </a:solidFill>
-              </a:defRPr>
-            </a:lvl6pPr>
-            <a:lvl7pPr eaLnBrk="1" hangingPunct="1">
-              <a:defRPr>
-                <a:solidFill>
-                  <a:schemeClr val="tx2"/>
-                </a:solidFill>
-              </a:defRPr>
-            </a:lvl7pPr>
-            <a:lvl8pPr eaLnBrk="1" hangingPunct="1">
-              <a:defRPr>
-                <a:solidFill>
-                  <a:schemeClr val="tx2"/>
-                </a:solidFill>
-              </a:defRPr>
-            </a:lvl8pPr>
-            <a:lvl9pPr eaLnBrk="1" hangingPunct="1">
-              <a:defRPr>
-                <a:solidFill>
-                  <a:schemeClr val="tx2"/>
-                </a:solidFill>
-              </a:defRPr>
-            </a:lvl9pPr>
-          </a:lstStyle>
-          <a:p>
-            <a:pPr algn="ctr"/>
-            <a:r>
-              <a:rPr lang="en-US" sz="1600" dirty="0">
-                <a:solidFill>
-                  <a:srgbClr val="FFFFFF"/>
-                </a:solidFill>
-              </a:rPr>
-              <a:t>-Sarah</a:t>
-            </a:r>
-          </a:p>
-        </p:txBody>
-      </p:sp>
-    </p:spTree>
-    <p:extLst>
-      <p:ext uri="{BB962C8B-B14F-4D97-AF65-F5344CB8AC3E}">
-        <p14:creationId xmlns:p14="http://schemas.microsoft.com/office/powerpoint/2010/main" val="2661206592"/>
-      </p:ext>
-    </p:extLst>
-  </p:cSld>
-  <p:clrMapOvr>
-    <a:masterClrMapping/>
-  </p:clrMapOvr>
-</p:sld>
-</file>
-
-<file path=ppt/slides/slide9.xml><?xml version="1.0" encoding="utf-8"?>
-<p:sld xmlns:a="http://schemas.openxmlformats.org/drawingml/2006/main" xmlns:r="http://schemas.openxmlformats.org/officeDocument/2006/relationships" xmlns:p="http://schemas.openxmlformats.org/presentationml/2006/main">
-  <p:cSld>
-    <p:spTree>
-      <p:nvGrpSpPr>
-        <p:cNvPr id="1" name=""/>
-        <p:cNvGrpSpPr/>
-        <p:nvPr/>
-      </p:nvGrpSpPr>
-      <p:grpSpPr>
-        <a:xfrm>
-          <a:off x="0" y="0"/>
-          <a:ext cx="0" cy="0"/>
-          <a:chOff x="0" y="0"/>
-          <a:chExt cx="0" cy="0"/>
-        </a:xfrm>
-      </p:grpSpPr>
-      <p:sp>
-        <p:nvSpPr>
-          <p:cNvPr id="2" name="Title 1">
-            <a:extLst>
-              <a:ext uri="{FF2B5EF4-FFF2-40B4-BE49-F238E27FC236}">
-                <a16:creationId xmlns:a16="http://schemas.microsoft.com/office/drawing/2014/main" id="{3D7B3BD4-ECBA-DED0-C9B9-A577AF386EB5}"/>
-              </a:ext>
-            </a:extLst>
-          </p:cNvPr>
-          <p:cNvSpPr>
-            <a:spLocks noGrp="1"/>
-          </p:cNvSpPr>
-          <p:nvPr>
-            <p:ph type="title"/>
-          </p:nvPr>
-        </p:nvSpPr>
-        <p:spPr/>
-        <p:txBody>
-          <a:bodyPr/>
-          <a:lstStyle/>
-          <a:p>
-            <a:r>
-              <a:rPr lang="en-US" dirty="0"/>
-              <a:t>Does ratings matter for profit?</a:t>
-            </a:r>
-          </a:p>
-        </p:txBody>
-      </p:sp>
-      <p:sp>
-        <p:nvSpPr>
-          <p:cNvPr id="3" name="Content Placeholder 2">
-            <a:extLst>
-              <a:ext uri="{FF2B5EF4-FFF2-40B4-BE49-F238E27FC236}">
-                <a16:creationId xmlns:a16="http://schemas.microsoft.com/office/drawing/2014/main" id="{F95E2A37-E369-BD1A-E50B-B049F9C4C2CC}"/>
-              </a:ext>
-            </a:extLst>
-          </p:cNvPr>
-          <p:cNvSpPr>
-            <a:spLocks noGrp="1"/>
-          </p:cNvSpPr>
-          <p:nvPr>
-            <p:ph idx="1"/>
-          </p:nvPr>
-        </p:nvSpPr>
-        <p:spPr>
-          <a:xfrm>
-            <a:off x="581193" y="2180497"/>
-            <a:ext cx="4067008" cy="1013800"/>
-          </a:xfrm>
-        </p:spPr>
-        <p:txBody>
-          <a:bodyPr/>
-          <a:lstStyle/>
-          <a:p>
-            <a:r>
-              <a:rPr lang="en-US" dirty="0"/>
-              <a:t>Overall, ratings remain the same across all years and genre. </a:t>
-            </a:r>
-          </a:p>
-        </p:txBody>
-      </p:sp>
-      <p:pic>
-        <p:nvPicPr>
-          <p:cNvPr id="5" name="Picture 4">
-            <a:extLst>
-              <a:ext uri="{FF2B5EF4-FFF2-40B4-BE49-F238E27FC236}">
-                <a16:creationId xmlns:a16="http://schemas.microsoft.com/office/drawing/2014/main" id="{D0612024-8713-ABEC-7A36-D8DBC3947B9D}"/>
-              </a:ext>
-            </a:extLst>
-          </p:cNvPr>
-          <p:cNvPicPr>
-            <a:picLocks noChangeAspect="1"/>
-          </p:cNvPicPr>
-          <p:nvPr/>
-        </p:nvPicPr>
-        <p:blipFill>
-          <a:blip r:embed="rId2"/>
-          <a:stretch>
-            <a:fillRect/>
-          </a:stretch>
-        </p:blipFill>
-        <p:spPr>
-          <a:xfrm>
-            <a:off x="8399873" y="2180497"/>
-            <a:ext cx="3343742" cy="3791479"/>
-          </a:xfrm>
-          <a:prstGeom prst="rect">
-            <a:avLst/>
-          </a:prstGeom>
-        </p:spPr>
-      </p:pic>
-      <p:pic>
-        <p:nvPicPr>
-          <p:cNvPr id="7" name="Picture 6">
-            <a:extLst>
-              <a:ext uri="{FF2B5EF4-FFF2-40B4-BE49-F238E27FC236}">
-                <a16:creationId xmlns:a16="http://schemas.microsoft.com/office/drawing/2014/main" id="{75A6D0B5-92F0-4595-3594-3B9CCBB92C0A}"/>
-              </a:ext>
-            </a:extLst>
-          </p:cNvPr>
-          <p:cNvPicPr>
-            <a:picLocks noChangeAspect="1"/>
-          </p:cNvPicPr>
-          <p:nvPr/>
-        </p:nvPicPr>
-        <p:blipFill>
-          <a:blip r:embed="rId3"/>
-          <a:stretch>
-            <a:fillRect/>
-          </a:stretch>
-        </p:blipFill>
-        <p:spPr>
-          <a:xfrm>
-            <a:off x="134471" y="3194297"/>
-            <a:ext cx="8196391" cy="3107833"/>
-          </a:xfrm>
-          <a:prstGeom prst="rect">
-            <a:avLst/>
-          </a:prstGeom>
-        </p:spPr>
-      </p:pic>
-    </p:spTree>
-    <p:extLst>
-      <p:ext uri="{BB962C8B-B14F-4D97-AF65-F5344CB8AC3E}">
-        <p14:creationId xmlns:p14="http://schemas.microsoft.com/office/powerpoint/2010/main" val="3298747479"/>
-      </p:ext>
-    </p:extLst>
-  </p:cSld>
-  <p:clrMapOvr>
-    <a:masterClrMapping/>
-  </p:clrMapOvr>
 </p:sld>
 </file>
 
